--- a/document/Thuyết trình.pptx
+++ b/document/Thuyết trình.pptx
@@ -2,37 +2,33 @@
 <file path=ppt/presentation.xml><?xml version="1.0" encoding="utf-8"?>
 <p:presentation xmlns:a="http://schemas.openxmlformats.org/drawingml/2006/main" xmlns:r="http://schemas.openxmlformats.org/officeDocument/2006/relationships" xmlns:p="http://schemas.openxmlformats.org/presentationml/2006/main" saveSubsetFonts="1">
   <p:sldMasterIdLst>
-    <p:sldMasterId id="2147483658" r:id="rId1"/>
+    <p:sldMasterId id="2147483648" r:id="rId1"/>
   </p:sldMasterIdLst>
   <p:notesMasterIdLst>
-    <p:notesMasterId r:id="rId16"/>
+    <p:notesMasterId r:id="rId12"/>
   </p:notesMasterIdLst>
   <p:handoutMasterIdLst>
-    <p:handoutMasterId r:id="rId17"/>
+    <p:handoutMasterId r:id="rId13"/>
   </p:handoutMasterIdLst>
   <p:sldIdLst>
-    <p:sldId id="270" r:id="rId2"/>
-    <p:sldId id="271" r:id="rId3"/>
+    <p:sldId id="259" r:id="rId2"/>
+    <p:sldId id="256" r:id="rId3"/>
     <p:sldId id="257" r:id="rId4"/>
-    <p:sldId id="265" r:id="rId5"/>
-    <p:sldId id="272" r:id="rId6"/>
-    <p:sldId id="273" r:id="rId7"/>
-    <p:sldId id="275" r:id="rId8"/>
-    <p:sldId id="276" r:id="rId9"/>
-    <p:sldId id="277" r:id="rId10"/>
-    <p:sldId id="261" r:id="rId11"/>
-    <p:sldId id="266" r:id="rId12"/>
-    <p:sldId id="267" r:id="rId13"/>
-    <p:sldId id="268" r:id="rId14"/>
-    <p:sldId id="269" r:id="rId15"/>
+    <p:sldId id="260" r:id="rId5"/>
+    <p:sldId id="265" r:id="rId6"/>
+    <p:sldId id="261" r:id="rId7"/>
+    <p:sldId id="258" r:id="rId8"/>
+    <p:sldId id="263" r:id="rId9"/>
+    <p:sldId id="264" r:id="rId10"/>
+    <p:sldId id="262" r:id="rId11"/>
   </p:sldIdLst>
-  <p:sldSz cx="9144000" cy="6858000" type="screen4x3"/>
+  <p:sldSz cx="12192000" cy="6858000"/>
   <p:notesSz cx="6858000" cy="9144000"/>
   <p:defaultTextStyle>
     <a:defPPr>
       <a:defRPr lang="en-US"/>
     </a:defPPr>
-    <a:lvl1pPr marL="0" algn="l" defTabSz="457200" rtl="0" eaLnBrk="1" latinLnBrk="0" hangingPunct="1">
+    <a:lvl1pPr marL="0" algn="l" defTabSz="914400" rtl="0" eaLnBrk="1" latinLnBrk="0" hangingPunct="1">
       <a:defRPr sz="1800" kern="1200">
         <a:solidFill>
           <a:schemeClr val="tx1"/>
@@ -42,7 +38,7 @@
         <a:cs typeface="+mn-cs"/>
       </a:defRPr>
     </a:lvl1pPr>
-    <a:lvl2pPr marL="457200" algn="l" defTabSz="457200" rtl="0" eaLnBrk="1" latinLnBrk="0" hangingPunct="1">
+    <a:lvl2pPr marL="457200" algn="l" defTabSz="914400" rtl="0" eaLnBrk="1" latinLnBrk="0" hangingPunct="1">
       <a:defRPr sz="1800" kern="1200">
         <a:solidFill>
           <a:schemeClr val="tx1"/>
@@ -52,7 +48,7 @@
         <a:cs typeface="+mn-cs"/>
       </a:defRPr>
     </a:lvl2pPr>
-    <a:lvl3pPr marL="914400" algn="l" defTabSz="457200" rtl="0" eaLnBrk="1" latinLnBrk="0" hangingPunct="1">
+    <a:lvl3pPr marL="914400" algn="l" defTabSz="914400" rtl="0" eaLnBrk="1" latinLnBrk="0" hangingPunct="1">
       <a:defRPr sz="1800" kern="1200">
         <a:solidFill>
           <a:schemeClr val="tx1"/>
@@ -62,7 +58,7 @@
         <a:cs typeface="+mn-cs"/>
       </a:defRPr>
     </a:lvl3pPr>
-    <a:lvl4pPr marL="1371600" algn="l" defTabSz="457200" rtl="0" eaLnBrk="1" latinLnBrk="0" hangingPunct="1">
+    <a:lvl4pPr marL="1371600" algn="l" defTabSz="914400" rtl="0" eaLnBrk="1" latinLnBrk="0" hangingPunct="1">
       <a:defRPr sz="1800" kern="1200">
         <a:solidFill>
           <a:schemeClr val="tx1"/>
@@ -72,7 +68,7 @@
         <a:cs typeface="+mn-cs"/>
       </a:defRPr>
     </a:lvl4pPr>
-    <a:lvl5pPr marL="1828800" algn="l" defTabSz="457200" rtl="0" eaLnBrk="1" latinLnBrk="0" hangingPunct="1">
+    <a:lvl5pPr marL="1828800" algn="l" defTabSz="914400" rtl="0" eaLnBrk="1" latinLnBrk="0" hangingPunct="1">
       <a:defRPr sz="1800" kern="1200">
         <a:solidFill>
           <a:schemeClr val="tx1"/>
@@ -82,7 +78,7 @@
         <a:cs typeface="+mn-cs"/>
       </a:defRPr>
     </a:lvl5pPr>
-    <a:lvl6pPr marL="2286000" algn="l" defTabSz="457200" rtl="0" eaLnBrk="1" latinLnBrk="0" hangingPunct="1">
+    <a:lvl6pPr marL="2286000" algn="l" defTabSz="914400" rtl="0" eaLnBrk="1" latinLnBrk="0" hangingPunct="1">
       <a:defRPr sz="1800" kern="1200">
         <a:solidFill>
           <a:schemeClr val="tx1"/>
@@ -92,7 +88,7 @@
         <a:cs typeface="+mn-cs"/>
       </a:defRPr>
     </a:lvl6pPr>
-    <a:lvl7pPr marL="2743200" algn="l" defTabSz="457200" rtl="0" eaLnBrk="1" latinLnBrk="0" hangingPunct="1">
+    <a:lvl7pPr marL="2743200" algn="l" defTabSz="914400" rtl="0" eaLnBrk="1" latinLnBrk="0" hangingPunct="1">
       <a:defRPr sz="1800" kern="1200">
         <a:solidFill>
           <a:schemeClr val="tx1"/>
@@ -102,7 +98,7 @@
         <a:cs typeface="+mn-cs"/>
       </a:defRPr>
     </a:lvl7pPr>
-    <a:lvl8pPr marL="3200400" algn="l" defTabSz="457200" rtl="0" eaLnBrk="1" latinLnBrk="0" hangingPunct="1">
+    <a:lvl8pPr marL="3200400" algn="l" defTabSz="914400" rtl="0" eaLnBrk="1" latinLnBrk="0" hangingPunct="1">
       <a:defRPr sz="1800" kern="1200">
         <a:solidFill>
           <a:schemeClr val="tx1"/>
@@ -112,7 +108,7 @@
         <a:cs typeface="+mn-cs"/>
       </a:defRPr>
     </a:lvl8pPr>
-    <a:lvl9pPr marL="3657600" algn="l" defTabSz="457200" rtl="0" eaLnBrk="1" latinLnBrk="0" hangingPunct="1">
+    <a:lvl9pPr marL="3657600" algn="l" defTabSz="914400" rtl="0" eaLnBrk="1" latinLnBrk="0" hangingPunct="1">
       <a:defRPr sz="1800" kern="1200">
         <a:solidFill>
           <a:schemeClr val="tx1"/>
@@ -131,349 +127,98 @@
 </p:presentation>
 </file>
 
-<file path=ppt/revisionInfo.xml><?xml version="1.0" encoding="utf-8"?>
-<p1510:revInfo xmlns:a="http://schemas.openxmlformats.org/drawingml/2006/main" xmlns:r="http://schemas.openxmlformats.org/officeDocument/2006/relationships" xmlns:p1510="http://schemas.microsoft.com/office/powerpoint/2015/10/main">
-  <p1510:revLst>
-    <p1510:client id="{C2F19D13-E0E9-4480-8326-D1D0FBFDDCE7}" v="3" dt="2021-12-24T10:50:00.817"/>
-  </p1510:revLst>
-</p1510:revInfo>
-</file>
-
 <file path=ppt/changesInfos/changesInfo1.xml><?xml version="1.0" encoding="utf-8"?>
 <pc:chgInfo xmlns:a="http://schemas.openxmlformats.org/drawingml/2006/main" xmlns:r="http://schemas.openxmlformats.org/officeDocument/2006/relationships" xmlns:ac="http://schemas.microsoft.com/office/drawing/2013/main/command" xmlns:pc="http://schemas.microsoft.com/office/powerpoint/2013/main/command">
   <pc:docChgLst>
-    <pc:chgData name="DINH CHI CONG 20193996" userId="7e8c7395-f173-4154-8430-589656f15925" providerId="ADAL" clId="{C2F19D13-E0E9-4480-8326-D1D0FBFDDCE7}"/>
-    <pc:docChg chg="undo custSel addSld modSld sldOrd">
-      <pc:chgData name="DINH CHI CONG 20193996" userId="7e8c7395-f173-4154-8430-589656f15925" providerId="ADAL" clId="{C2F19D13-E0E9-4480-8326-D1D0FBFDDCE7}" dt="2021-12-24T12:15:39.888" v="895" actId="20577"/>
+    <pc:chgData name="DINH CHI CONG 20193996" userId="7e8c7395-f173-4154-8430-589656f15925" providerId="ADAL" clId="{0C2097C4-7889-40AF-BDDD-302EAB254458}"/>
+    <pc:docChg chg="addSld modSld sldOrd">
+      <pc:chgData name="DINH CHI CONG 20193996" userId="7e8c7395-f173-4154-8430-589656f15925" providerId="ADAL" clId="{0C2097C4-7889-40AF-BDDD-302EAB254458}" dt="2021-12-27T14:42:18.393" v="80" actId="207"/>
       <pc:docMkLst>
         <pc:docMk/>
       </pc:docMkLst>
       <pc:sldChg chg="modSp mod">
-        <pc:chgData name="DINH CHI CONG 20193996" userId="7e8c7395-f173-4154-8430-589656f15925" providerId="ADAL" clId="{C2F19D13-E0E9-4480-8326-D1D0FBFDDCE7}" dt="2021-12-24T10:47:49.714" v="176" actId="1076"/>
+        <pc:chgData name="DINH CHI CONG 20193996" userId="7e8c7395-f173-4154-8430-589656f15925" providerId="ADAL" clId="{0C2097C4-7889-40AF-BDDD-302EAB254458}" dt="2021-12-27T14:39:58.868" v="3" actId="1076"/>
+        <pc:sldMkLst>
+          <pc:docMk/>
+          <pc:sldMk cId="1234004128" sldId="256"/>
+        </pc:sldMkLst>
+        <pc:spChg chg="mod">
+          <ac:chgData name="DINH CHI CONG 20193996" userId="7e8c7395-f173-4154-8430-589656f15925" providerId="ADAL" clId="{0C2097C4-7889-40AF-BDDD-302EAB254458}" dt="2021-12-27T14:39:58.868" v="3" actId="1076"/>
+          <ac:spMkLst>
+            <pc:docMk/>
+            <pc:sldMk cId="1234004128" sldId="256"/>
+            <ac:spMk id="4" creationId="{5642BA63-383F-45B9-939A-7A3B792A60C4}"/>
+          </ac:spMkLst>
+        </pc:spChg>
+      </pc:sldChg>
+      <pc:sldChg chg="modSp mod">
+        <pc:chgData name="DINH CHI CONG 20193996" userId="7e8c7395-f173-4154-8430-589656f15925" providerId="ADAL" clId="{0C2097C4-7889-40AF-BDDD-302EAB254458}" dt="2021-12-27T14:40:51.639" v="42" actId="20577"/>
         <pc:sldMkLst>
           <pc:docMk/>
           <pc:sldMk cId="743172911" sldId="257"/>
         </pc:sldMkLst>
         <pc:spChg chg="mod">
-          <ac:chgData name="DINH CHI CONG 20193996" userId="7e8c7395-f173-4154-8430-589656f15925" providerId="ADAL" clId="{C2F19D13-E0E9-4480-8326-D1D0FBFDDCE7}" dt="2021-12-24T10:47:49.714" v="176" actId="1076"/>
+          <ac:chgData name="DINH CHI CONG 20193996" userId="7e8c7395-f173-4154-8430-589656f15925" providerId="ADAL" clId="{0C2097C4-7889-40AF-BDDD-302EAB254458}" dt="2021-12-27T14:40:29.760" v="25" actId="20577"/>
           <ac:spMkLst>
             <pc:docMk/>
             <pc:sldMk cId="743172911" sldId="257"/>
-            <ac:spMk id="11" creationId="{FF8BDF70-CFA6-4031-86B7-31F910D8115D}"/>
+            <ac:spMk id="3" creationId="{5702E00C-3125-4CD1-A5F8-64723BF48E3E}"/>
           </ac:spMkLst>
         </pc:spChg>
         <pc:spChg chg="mod">
-          <ac:chgData name="DINH CHI CONG 20193996" userId="7e8c7395-f173-4154-8430-589656f15925" providerId="ADAL" clId="{C2F19D13-E0E9-4480-8326-D1D0FBFDDCE7}" dt="2021-12-24T10:47:45.635" v="175" actId="1076"/>
+          <ac:chgData name="DINH CHI CONG 20193996" userId="7e8c7395-f173-4154-8430-589656f15925" providerId="ADAL" clId="{0C2097C4-7889-40AF-BDDD-302EAB254458}" dt="2021-12-27T14:40:51.639" v="42" actId="20577"/>
           <ac:spMkLst>
             <pc:docMk/>
             <pc:sldMk cId="743172911" sldId="257"/>
-            <ac:spMk id="12" creationId="{A4ACF486-B7D8-4A5A-B633-83527A2F99E2}"/>
+            <ac:spMk id="4" creationId="{72BF49D9-2FCE-4950-8B1C-F580CC18F4C9}"/>
           </ac:spMkLst>
         </pc:spChg>
       </pc:sldChg>
       <pc:sldChg chg="modSp mod">
-        <pc:chgData name="DINH CHI CONG 20193996" userId="7e8c7395-f173-4154-8430-589656f15925" providerId="ADAL" clId="{C2F19D13-E0E9-4480-8326-D1D0FBFDDCE7}" dt="2021-12-24T12:05:53.337" v="341" actId="20577"/>
+        <pc:chgData name="DINH CHI CONG 20193996" userId="7e8c7395-f173-4154-8430-589656f15925" providerId="ADAL" clId="{0C2097C4-7889-40AF-BDDD-302EAB254458}" dt="2021-12-27T14:41:28.447" v="57" actId="20577"/>
         <pc:sldMkLst>
           <pc:docMk/>
-          <pc:sldMk cId="292364014" sldId="265"/>
+          <pc:sldMk cId="221433772" sldId="260"/>
         </pc:sldMkLst>
         <pc:spChg chg="mod">
-          <ac:chgData name="DINH CHI CONG 20193996" userId="7e8c7395-f173-4154-8430-589656f15925" providerId="ADAL" clId="{C2F19D13-E0E9-4480-8326-D1D0FBFDDCE7}" dt="2021-12-24T12:04:11.999" v="316" actId="20577"/>
+          <ac:chgData name="DINH CHI CONG 20193996" userId="7e8c7395-f173-4154-8430-589656f15925" providerId="ADAL" clId="{0C2097C4-7889-40AF-BDDD-302EAB254458}" dt="2021-12-27T14:41:28.447" v="57" actId="20577"/>
           <ac:spMkLst>
             <pc:docMk/>
-            <pc:sldMk cId="292364014" sldId="265"/>
-            <ac:spMk id="3" creationId="{9EF27CAA-32BA-4E6B-B8C0-1A481E08E81D}"/>
+            <pc:sldMk cId="221433772" sldId="260"/>
+            <ac:spMk id="2" creationId="{EF9B3AB5-95DF-4273-871C-843529DB7255}"/>
           </ac:spMkLst>
         </pc:spChg>
         <pc:spChg chg="mod">
-          <ac:chgData name="DINH CHI CONG 20193996" userId="7e8c7395-f173-4154-8430-589656f15925" providerId="ADAL" clId="{C2F19D13-E0E9-4480-8326-D1D0FBFDDCE7}" dt="2021-12-24T12:05:53.337" v="341" actId="20577"/>
+          <ac:chgData name="DINH CHI CONG 20193996" userId="7e8c7395-f173-4154-8430-589656f15925" providerId="ADAL" clId="{0C2097C4-7889-40AF-BDDD-302EAB254458}" dt="2021-12-27T14:41:06.766" v="43"/>
           <ac:spMkLst>
             <pc:docMk/>
-            <pc:sldMk cId="292364014" sldId="265"/>
-            <ac:spMk id="4" creationId="{59563378-38F8-4CB3-AF99-2C56FCF55404}"/>
+            <pc:sldMk cId="221433772" sldId="260"/>
+            <ac:spMk id="3" creationId="{3573E091-9DCD-4DE7-96D1-A93E44E0F5B9}"/>
           </ac:spMkLst>
         </pc:spChg>
       </pc:sldChg>
-      <pc:sldChg chg="modSp mod">
-        <pc:chgData name="DINH CHI CONG 20193996" userId="7e8c7395-f173-4154-8430-589656f15925" providerId="ADAL" clId="{C2F19D13-E0E9-4480-8326-D1D0FBFDDCE7}" dt="2021-12-24T12:14:30.977" v="797" actId="1076"/>
+      <pc:sldChg chg="modSp add mod ord">
+        <pc:chgData name="DINH CHI CONG 20193996" userId="7e8c7395-f173-4154-8430-589656f15925" providerId="ADAL" clId="{0C2097C4-7889-40AF-BDDD-302EAB254458}" dt="2021-12-27T14:42:18.393" v="80" actId="207"/>
         <pc:sldMkLst>
           <pc:docMk/>
-          <pc:sldMk cId="2830535683" sldId="269"/>
+          <pc:sldMk cId="804410850" sldId="265"/>
         </pc:sldMkLst>
         <pc:spChg chg="mod">
-          <ac:chgData name="DINH CHI CONG 20193996" userId="7e8c7395-f173-4154-8430-589656f15925" providerId="ADAL" clId="{C2F19D13-E0E9-4480-8326-D1D0FBFDDCE7}" dt="2021-12-24T12:14:30.977" v="797" actId="1076"/>
+          <ac:chgData name="DINH CHI CONG 20193996" userId="7e8c7395-f173-4154-8430-589656f15925" providerId="ADAL" clId="{0C2097C4-7889-40AF-BDDD-302EAB254458}" dt="2021-12-27T14:42:00.383" v="78" actId="20577"/>
           <ac:spMkLst>
             <pc:docMk/>
-            <pc:sldMk cId="2830535683" sldId="269"/>
-            <ac:spMk id="3" creationId="{F78B3876-6ECC-4098-BDD1-C48CE4B42721}"/>
-          </ac:spMkLst>
-        </pc:spChg>
-      </pc:sldChg>
-      <pc:sldChg chg="addSp delSp modSp mod">
-        <pc:chgData name="DINH CHI CONG 20193996" userId="7e8c7395-f173-4154-8430-589656f15925" providerId="ADAL" clId="{C2F19D13-E0E9-4480-8326-D1D0FBFDDCE7}" dt="2021-12-24T10:50:26.303" v="281" actId="20577"/>
-        <pc:sldMkLst>
-          <pc:docMk/>
-          <pc:sldMk cId="1850899118" sldId="271"/>
-        </pc:sldMkLst>
-        <pc:spChg chg="mod">
-          <ac:chgData name="DINH CHI CONG 20193996" userId="7e8c7395-f173-4154-8430-589656f15925" providerId="ADAL" clId="{C2F19D13-E0E9-4480-8326-D1D0FBFDDCE7}" dt="2021-12-24T10:49:42.292" v="251" actId="1076"/>
-          <ac:spMkLst>
-            <pc:docMk/>
-            <pc:sldMk cId="1850899118" sldId="271"/>
-            <ac:spMk id="2" creationId="{B88898E0-30FF-4956-A658-42E15A83164B}"/>
-          </ac:spMkLst>
-        </pc:spChg>
-        <pc:spChg chg="add mod">
-          <ac:chgData name="DINH CHI CONG 20193996" userId="7e8c7395-f173-4154-8430-589656f15925" providerId="ADAL" clId="{C2F19D13-E0E9-4480-8326-D1D0FBFDDCE7}" dt="2021-12-24T10:50:26.303" v="281" actId="20577"/>
-          <ac:spMkLst>
-            <pc:docMk/>
-            <pc:sldMk cId="1850899118" sldId="271"/>
-            <ac:spMk id="4" creationId="{75A933F0-BFD6-4D53-A1A0-92C63D4E1A1B}"/>
-          </ac:spMkLst>
-        </pc:spChg>
-        <pc:picChg chg="add del">
-          <ac:chgData name="DINH CHI CONG 20193996" userId="7e8c7395-f173-4154-8430-589656f15925" providerId="ADAL" clId="{C2F19D13-E0E9-4480-8326-D1D0FBFDDCE7}" dt="2021-12-24T10:49:55.548" v="253"/>
-          <ac:picMkLst>
-            <pc:docMk/>
-            <pc:sldMk cId="1850899118" sldId="271"/>
-            <ac:picMk id="3" creationId="{2402B4C9-D9AA-4155-BA36-CAF8A377FE45}"/>
-          </ac:picMkLst>
-        </pc:picChg>
-      </pc:sldChg>
-      <pc:sldChg chg="modSp add mod">
-        <pc:chgData name="DINH CHI CONG 20193996" userId="7e8c7395-f173-4154-8430-589656f15925" providerId="ADAL" clId="{C2F19D13-E0E9-4480-8326-D1D0FBFDDCE7}" dt="2021-12-24T12:15:09.173" v="820" actId="20577"/>
-        <pc:sldMkLst>
-          <pc:docMk/>
-          <pc:sldMk cId="1839009829" sldId="272"/>
-        </pc:sldMkLst>
-        <pc:spChg chg="mod">
-          <ac:chgData name="DINH CHI CONG 20193996" userId="7e8c7395-f173-4154-8430-589656f15925" providerId="ADAL" clId="{C2F19D13-E0E9-4480-8326-D1D0FBFDDCE7}" dt="2021-12-24T12:06:34.617" v="353" actId="20577"/>
-          <ac:spMkLst>
-            <pc:docMk/>
-            <pc:sldMk cId="1839009829" sldId="272"/>
-            <ac:spMk id="3" creationId="{9EF27CAA-32BA-4E6B-B8C0-1A481E08E81D}"/>
+            <pc:sldMk cId="804410850" sldId="265"/>
+            <ac:spMk id="2" creationId="{C7A5D019-96A4-4D1E-AFB5-09D65C86E12D}"/>
           </ac:spMkLst>
         </pc:spChg>
         <pc:spChg chg="mod">
-          <ac:chgData name="DINH CHI CONG 20193996" userId="7e8c7395-f173-4154-8430-589656f15925" providerId="ADAL" clId="{C2F19D13-E0E9-4480-8326-D1D0FBFDDCE7}" dt="2021-12-24T12:15:09.173" v="820" actId="20577"/>
+          <ac:chgData name="DINH CHI CONG 20193996" userId="7e8c7395-f173-4154-8430-589656f15925" providerId="ADAL" clId="{0C2097C4-7889-40AF-BDDD-302EAB254458}" dt="2021-12-27T14:42:18.393" v="80" actId="207"/>
           <ac:spMkLst>
             <pc:docMk/>
-            <pc:sldMk cId="1839009829" sldId="272"/>
-            <ac:spMk id="4" creationId="{59563378-38F8-4CB3-AF99-2C56FCF55404}"/>
+            <pc:sldMk cId="804410850" sldId="265"/>
+            <ac:spMk id="3" creationId="{A5726603-7893-4AE0-9532-68058044B69D}"/>
           </ac:spMkLst>
         </pc:spChg>
-      </pc:sldChg>
-      <pc:sldChg chg="modSp add mod">
-        <pc:chgData name="DINH CHI CONG 20193996" userId="7e8c7395-f173-4154-8430-589656f15925" providerId="ADAL" clId="{C2F19D13-E0E9-4480-8326-D1D0FBFDDCE7}" dt="2021-12-24T12:15:19.781" v="848" actId="20577"/>
-        <pc:sldMkLst>
-          <pc:docMk/>
-          <pc:sldMk cId="3340432949" sldId="273"/>
-        </pc:sldMkLst>
-        <pc:spChg chg="mod">
-          <ac:chgData name="DINH CHI CONG 20193996" userId="7e8c7395-f173-4154-8430-589656f15925" providerId="ADAL" clId="{C2F19D13-E0E9-4480-8326-D1D0FBFDDCE7}" dt="2021-12-24T12:15:19.781" v="848" actId="20577"/>
-          <ac:spMkLst>
-            <pc:docMk/>
-            <pc:sldMk cId="3340432949" sldId="273"/>
-            <ac:spMk id="3" creationId="{9EF27CAA-32BA-4E6B-B8C0-1A481E08E81D}"/>
-          </ac:spMkLst>
-        </pc:spChg>
-        <pc:spChg chg="mod">
-          <ac:chgData name="DINH CHI CONG 20193996" userId="7e8c7395-f173-4154-8430-589656f15925" providerId="ADAL" clId="{C2F19D13-E0E9-4480-8326-D1D0FBFDDCE7}" dt="2021-12-24T12:10:35.747" v="651"/>
-          <ac:spMkLst>
-            <pc:docMk/>
-            <pc:sldMk cId="3340432949" sldId="273"/>
-            <ac:spMk id="4" creationId="{59563378-38F8-4CB3-AF99-2C56FCF55404}"/>
-          </ac:spMkLst>
-        </pc:spChg>
-      </pc:sldChg>
-      <pc:sldChg chg="add ord">
-        <pc:chgData name="DINH CHI CONG 20193996" userId="7e8c7395-f173-4154-8430-589656f15925" providerId="ADAL" clId="{C2F19D13-E0E9-4480-8326-D1D0FBFDDCE7}" dt="2021-12-24T12:09:36.902" v="569"/>
-        <pc:sldMkLst>
-          <pc:docMk/>
-          <pc:sldMk cId="227656933" sldId="274"/>
-        </pc:sldMkLst>
-      </pc:sldChg>
-      <pc:sldChg chg="modSp add mod">
-        <pc:chgData name="DINH CHI CONG 20193996" userId="7e8c7395-f173-4154-8430-589656f15925" providerId="ADAL" clId="{C2F19D13-E0E9-4480-8326-D1D0FBFDDCE7}" dt="2021-12-24T12:15:27.792" v="865" actId="20577"/>
-        <pc:sldMkLst>
-          <pc:docMk/>
-          <pc:sldMk cId="3323321771" sldId="275"/>
-        </pc:sldMkLst>
-        <pc:spChg chg="mod">
-          <ac:chgData name="DINH CHI CONG 20193996" userId="7e8c7395-f173-4154-8430-589656f15925" providerId="ADAL" clId="{C2F19D13-E0E9-4480-8326-D1D0FBFDDCE7}" dt="2021-12-24T12:15:27.792" v="865" actId="20577"/>
-          <ac:spMkLst>
-            <pc:docMk/>
-            <pc:sldMk cId="3323321771" sldId="275"/>
-            <ac:spMk id="3" creationId="{9EF27CAA-32BA-4E6B-B8C0-1A481E08E81D}"/>
-          </ac:spMkLst>
-        </pc:spChg>
-        <pc:spChg chg="mod">
-          <ac:chgData name="DINH CHI CONG 20193996" userId="7e8c7395-f173-4154-8430-589656f15925" providerId="ADAL" clId="{C2F19D13-E0E9-4480-8326-D1D0FBFDDCE7}" dt="2021-12-24T12:12:22.570" v="723" actId="5793"/>
-          <ac:spMkLst>
-            <pc:docMk/>
-            <pc:sldMk cId="3323321771" sldId="275"/>
-            <ac:spMk id="4" creationId="{59563378-38F8-4CB3-AF99-2C56FCF55404}"/>
-          </ac:spMkLst>
-        </pc:spChg>
-      </pc:sldChg>
-      <pc:sldChg chg="modSp add mod">
-        <pc:chgData name="DINH CHI CONG 20193996" userId="7e8c7395-f173-4154-8430-589656f15925" providerId="ADAL" clId="{C2F19D13-E0E9-4480-8326-D1D0FBFDDCE7}" dt="2021-12-24T12:15:39.888" v="895" actId="20577"/>
-        <pc:sldMkLst>
-          <pc:docMk/>
-          <pc:sldMk cId="1271696195" sldId="276"/>
-        </pc:sldMkLst>
-        <pc:spChg chg="mod">
-          <ac:chgData name="DINH CHI CONG 20193996" userId="7e8c7395-f173-4154-8430-589656f15925" providerId="ADAL" clId="{C2F19D13-E0E9-4480-8326-D1D0FBFDDCE7}" dt="2021-12-24T12:15:39.888" v="895" actId="20577"/>
-          <ac:spMkLst>
-            <pc:docMk/>
-            <pc:sldMk cId="1271696195" sldId="276"/>
-            <ac:spMk id="3" creationId="{9EF27CAA-32BA-4E6B-B8C0-1A481E08E81D}"/>
-          </ac:spMkLst>
-        </pc:spChg>
-        <pc:spChg chg="mod">
-          <ac:chgData name="DINH CHI CONG 20193996" userId="7e8c7395-f173-4154-8430-589656f15925" providerId="ADAL" clId="{C2F19D13-E0E9-4480-8326-D1D0FBFDDCE7}" dt="2021-12-24T12:13:10.667" v="733" actId="5793"/>
-          <ac:spMkLst>
-            <pc:docMk/>
-            <pc:sldMk cId="1271696195" sldId="276"/>
-            <ac:spMk id="4" creationId="{59563378-38F8-4CB3-AF99-2C56FCF55404}"/>
-          </ac:spMkLst>
-        </pc:spChg>
-      </pc:sldChg>
-    </pc:docChg>
-  </pc:docChgLst>
-  <pc:docChgLst>
-    <pc:chgData name="DINH CHI CONG 20193996" userId="7e8c7395-f173-4154-8430-589656f15925" providerId="ADAL" clId="{0FCF01CE-052D-4648-B282-B29124F08D6B}"/>
-    <pc:docChg chg="undo custSel addSld delSld modSld sldOrd">
-      <pc:chgData name="DINH CHI CONG 20193996" userId="7e8c7395-f173-4154-8430-589656f15925" providerId="ADAL" clId="{0FCF01CE-052D-4648-B282-B29124F08D6B}" dt="2021-12-24T12:21:56.278" v="163" actId="47"/>
-      <pc:docMkLst>
-        <pc:docMk/>
-      </pc:docMkLst>
-      <pc:sldChg chg="modSp mod">
-        <pc:chgData name="DINH CHI CONG 20193996" userId="7e8c7395-f173-4154-8430-589656f15925" providerId="ADAL" clId="{0FCF01CE-052D-4648-B282-B29124F08D6B}" dt="2021-12-24T12:19:53.112" v="62" actId="1076"/>
-        <pc:sldMkLst>
-          <pc:docMk/>
-          <pc:sldMk cId="743172911" sldId="257"/>
-        </pc:sldMkLst>
-        <pc:spChg chg="mod">
-          <ac:chgData name="DINH CHI CONG 20193996" userId="7e8c7395-f173-4154-8430-589656f15925" providerId="ADAL" clId="{0FCF01CE-052D-4648-B282-B29124F08D6B}" dt="2021-12-24T12:19:47.234" v="61" actId="20577"/>
-          <ac:spMkLst>
-            <pc:docMk/>
-            <pc:sldMk cId="743172911" sldId="257"/>
-            <ac:spMk id="11" creationId="{FF8BDF70-CFA6-4031-86B7-31F910D8115D}"/>
-          </ac:spMkLst>
-        </pc:spChg>
-        <pc:spChg chg="mod">
-          <ac:chgData name="DINH CHI CONG 20193996" userId="7e8c7395-f173-4154-8430-589656f15925" providerId="ADAL" clId="{0FCF01CE-052D-4648-B282-B29124F08D6B}" dt="2021-12-24T12:19:53.112" v="62" actId="1076"/>
-          <ac:spMkLst>
-            <pc:docMk/>
-            <pc:sldMk cId="743172911" sldId="257"/>
-            <ac:spMk id="12" creationId="{A4ACF486-B7D8-4A5A-B633-83527A2F99E2}"/>
-          </ac:spMkLst>
-        </pc:spChg>
-      </pc:sldChg>
-      <pc:sldChg chg="modSp mod">
-        <pc:chgData name="DINH CHI CONG 20193996" userId="7e8c7395-f173-4154-8430-589656f15925" providerId="ADAL" clId="{0FCF01CE-052D-4648-B282-B29124F08D6B}" dt="2021-12-24T12:20:32.829" v="122" actId="20577"/>
-        <pc:sldMkLst>
-          <pc:docMk/>
-          <pc:sldMk cId="292364014" sldId="265"/>
-        </pc:sldMkLst>
-        <pc:spChg chg="mod">
-          <ac:chgData name="DINH CHI CONG 20193996" userId="7e8c7395-f173-4154-8430-589656f15925" providerId="ADAL" clId="{0FCF01CE-052D-4648-B282-B29124F08D6B}" dt="2021-12-24T12:20:32.829" v="122" actId="20577"/>
-          <ac:spMkLst>
-            <pc:docMk/>
-            <pc:sldMk cId="292364014" sldId="265"/>
-            <ac:spMk id="4" creationId="{59563378-38F8-4CB3-AF99-2C56FCF55404}"/>
-          </ac:spMkLst>
-        </pc:spChg>
-      </pc:sldChg>
-      <pc:sldChg chg="modSp mod">
-        <pc:chgData name="DINH CHI CONG 20193996" userId="7e8c7395-f173-4154-8430-589656f15925" providerId="ADAL" clId="{0FCF01CE-052D-4648-B282-B29124F08D6B}" dt="2021-12-24T12:19:37.109" v="42" actId="20577"/>
-        <pc:sldMkLst>
-          <pc:docMk/>
-          <pc:sldMk cId="1850899118" sldId="271"/>
-        </pc:sldMkLst>
-        <pc:spChg chg="mod">
-          <ac:chgData name="DINH CHI CONG 20193996" userId="7e8c7395-f173-4154-8430-589656f15925" providerId="ADAL" clId="{0FCF01CE-052D-4648-B282-B29124F08D6B}" dt="2021-12-24T12:19:37.109" v="42" actId="20577"/>
-          <ac:spMkLst>
-            <pc:docMk/>
-            <pc:sldMk cId="1850899118" sldId="271"/>
-            <ac:spMk id="2" creationId="{B88898E0-30FF-4956-A658-42E15A83164B}"/>
-          </ac:spMkLst>
-        </pc:spChg>
-      </pc:sldChg>
-      <pc:sldChg chg="modSp mod">
-        <pc:chgData name="DINH CHI CONG 20193996" userId="7e8c7395-f173-4154-8430-589656f15925" providerId="ADAL" clId="{0FCF01CE-052D-4648-B282-B29124F08D6B}" dt="2021-12-24T12:21:28.191" v="156" actId="20577"/>
-        <pc:sldMkLst>
-          <pc:docMk/>
-          <pc:sldMk cId="1839009829" sldId="272"/>
-        </pc:sldMkLst>
-        <pc:spChg chg="mod">
-          <ac:chgData name="DINH CHI CONG 20193996" userId="7e8c7395-f173-4154-8430-589656f15925" providerId="ADAL" clId="{0FCF01CE-052D-4648-B282-B29124F08D6B}" dt="2021-12-24T12:21:28.191" v="156" actId="20577"/>
-          <ac:spMkLst>
-            <pc:docMk/>
-            <pc:sldMk cId="1839009829" sldId="272"/>
-            <ac:spMk id="4" creationId="{59563378-38F8-4CB3-AF99-2C56FCF55404}"/>
-          </ac:spMkLst>
-        </pc:spChg>
-      </pc:sldChg>
-      <pc:sldChg chg="modSp mod">
-        <pc:chgData name="DINH CHI CONG 20193996" userId="7e8c7395-f173-4154-8430-589656f15925" providerId="ADAL" clId="{0FCF01CE-052D-4648-B282-B29124F08D6B}" dt="2021-12-24T12:21:41.670" v="157" actId="20577"/>
-        <pc:sldMkLst>
-          <pc:docMk/>
-          <pc:sldMk cId="3340432949" sldId="273"/>
-        </pc:sldMkLst>
-        <pc:spChg chg="mod">
-          <ac:chgData name="DINH CHI CONG 20193996" userId="7e8c7395-f173-4154-8430-589656f15925" providerId="ADAL" clId="{0FCF01CE-052D-4648-B282-B29124F08D6B}" dt="2021-12-24T12:21:41.670" v="157" actId="20577"/>
-          <ac:spMkLst>
-            <pc:docMk/>
-            <pc:sldMk cId="3340432949" sldId="273"/>
-            <ac:spMk id="4" creationId="{59563378-38F8-4CB3-AF99-2C56FCF55404}"/>
-          </ac:spMkLst>
-        </pc:spChg>
-      </pc:sldChg>
-      <pc:sldChg chg="del">
-        <pc:chgData name="DINH CHI CONG 20193996" userId="7e8c7395-f173-4154-8430-589656f15925" providerId="ADAL" clId="{0FCF01CE-052D-4648-B282-B29124F08D6B}" dt="2021-12-24T12:21:56.278" v="163" actId="47"/>
-        <pc:sldMkLst>
-          <pc:docMk/>
-          <pc:sldMk cId="227656933" sldId="274"/>
-        </pc:sldMkLst>
-      </pc:sldChg>
-      <pc:sldChg chg="modSp mod">
-        <pc:chgData name="DINH CHI CONG 20193996" userId="7e8c7395-f173-4154-8430-589656f15925" providerId="ADAL" clId="{0FCF01CE-052D-4648-B282-B29124F08D6B}" dt="2021-12-24T12:21:44.030" v="158" actId="20577"/>
-        <pc:sldMkLst>
-          <pc:docMk/>
-          <pc:sldMk cId="3323321771" sldId="275"/>
-        </pc:sldMkLst>
-        <pc:spChg chg="mod">
-          <ac:chgData name="DINH CHI CONG 20193996" userId="7e8c7395-f173-4154-8430-589656f15925" providerId="ADAL" clId="{0FCF01CE-052D-4648-B282-B29124F08D6B}" dt="2021-12-24T12:21:44.030" v="158" actId="20577"/>
-          <ac:spMkLst>
-            <pc:docMk/>
-            <pc:sldMk cId="3323321771" sldId="275"/>
-            <ac:spMk id="4" creationId="{59563378-38F8-4CB3-AF99-2C56FCF55404}"/>
-          </ac:spMkLst>
-        </pc:spChg>
-      </pc:sldChg>
-      <pc:sldChg chg="modSp mod">
-        <pc:chgData name="DINH CHI CONG 20193996" userId="7e8c7395-f173-4154-8430-589656f15925" providerId="ADAL" clId="{0FCF01CE-052D-4648-B282-B29124F08D6B}" dt="2021-12-24T12:21:46.953" v="159" actId="20577"/>
-        <pc:sldMkLst>
-          <pc:docMk/>
-          <pc:sldMk cId="1271696195" sldId="276"/>
-        </pc:sldMkLst>
-        <pc:spChg chg="mod">
-          <ac:chgData name="DINH CHI CONG 20193996" userId="7e8c7395-f173-4154-8430-589656f15925" providerId="ADAL" clId="{0FCF01CE-052D-4648-B282-B29124F08D6B}" dt="2021-12-24T12:21:46.953" v="159" actId="20577"/>
-          <ac:spMkLst>
-            <pc:docMk/>
-            <pc:sldMk cId="1271696195" sldId="276"/>
-            <ac:spMk id="4" creationId="{59563378-38F8-4CB3-AF99-2C56FCF55404}"/>
-          </ac:spMkLst>
-        </pc:spChg>
-      </pc:sldChg>
-      <pc:sldChg chg="add ord">
-        <pc:chgData name="DINH CHI CONG 20193996" userId="7e8c7395-f173-4154-8430-589656f15925" providerId="ADAL" clId="{0FCF01CE-052D-4648-B282-B29124F08D6B}" dt="2021-12-24T12:21:55.336" v="162"/>
-        <pc:sldMkLst>
-          <pc:docMk/>
-          <pc:sldMk cId="3927333642" sldId="277"/>
-        </pc:sldMkLst>
       </pc:sldChg>
     </pc:docChg>
   </pc:docChgLst>
@@ -574,7 +319,7 @@
           <a:p>
             <a:fld id="{48B45424-6BAC-416C-8F6C-5F9DE854A36B}" type="datetimeFigureOut">
               <a:rPr lang="en-US" smtClean="0"/>
-              <a:t>12/24/2021</a:t>
+              <a:t>12/27/2021</a:t>
             </a:fld>
             <a:endParaRPr lang="en-US"/>
           </a:p>
@@ -752,7 +497,7 @@
           <a:p>
             <a:fld id="{6B733702-C25A-40B9-9167-54BAA79B29B0}" type="datetimeFigureOut">
               <a:rPr lang="en-US" smtClean="0"/>
-              <a:t>12/24/2021</a:t>
+              <a:t>12/27/2021</a:t>
             </a:fld>
             <a:endParaRPr lang="en-US"/>
           </a:p>
@@ -770,8 +515,8 @@
         </p:nvSpPr>
         <p:spPr>
           <a:xfrm>
-            <a:off x="1371600" y="1143000"/>
-            <a:ext cx="4114800" cy="3086100"/>
+            <a:off x="685800" y="1143000"/>
+            <a:ext cx="5486400" cy="3086100"/>
           </a:xfrm>
           <a:prstGeom prst="rect">
             <a:avLst/>
@@ -1021,8 +766,8 @@
 </file>
 
 <file path=ppt/slideLayouts/slideLayout1.xml><?xml version="1.0" encoding="utf-8"?>
-<p:sldLayout xmlns:a="http://schemas.openxmlformats.org/drawingml/2006/main" xmlns:r="http://schemas.openxmlformats.org/officeDocument/2006/relationships" xmlns:p="http://schemas.openxmlformats.org/presentationml/2006/main" userDrawn="1">
-  <p:cSld name="Custom Layout">
+<p:sldLayout xmlns:a="http://schemas.openxmlformats.org/drawingml/2006/main" xmlns:r="http://schemas.openxmlformats.org/officeDocument/2006/relationships" xmlns:p="http://schemas.openxmlformats.org/presentationml/2006/main" preserve="1" userDrawn="1">
+  <p:cSld name="Title and Content">
     <p:bg>
       <p:bgPr>
         <a:blipFill dpi="0" rotWithShape="1">
@@ -1051,10 +796,151 @@
           <a:chExt cx="0" cy="0"/>
         </a:xfrm>
       </p:grpSpPr>
+      <p:sp>
+        <p:nvSpPr>
+          <p:cNvPr id="9" name="Date Placeholder 3">
+            <a:extLst>
+              <a:ext uri="{FF2B5EF4-FFF2-40B4-BE49-F238E27FC236}">
+                <a16:creationId xmlns:a16="http://schemas.microsoft.com/office/drawing/2014/main" id="{26152509-8D0C-4712-AA81-AF54972C78DB}"/>
+              </a:ext>
+            </a:extLst>
+          </p:cNvPr>
+          <p:cNvSpPr>
+            <a:spLocks noGrp="1"/>
+          </p:cNvSpPr>
+          <p:nvPr>
+            <p:ph type="dt" sz="half" idx="10"/>
+          </p:nvPr>
+        </p:nvSpPr>
+        <p:spPr>
+          <a:xfrm>
+            <a:off x="838200" y="6486006"/>
+            <a:ext cx="2743200" cy="365125"/>
+          </a:xfrm>
+          <a:prstGeom prst="rect">
+            <a:avLst/>
+          </a:prstGeom>
+        </p:spPr>
+        <p:txBody>
+          <a:bodyPr/>
+          <a:lstStyle>
+            <a:lvl1pPr algn="ctr">
+              <a:defRPr sz="1200" b="1">
+                <a:solidFill>
+                  <a:srgbClr val="C00000"/>
+                </a:solidFill>
+                <a:latin typeface="Lato" panose="020F0502020204030203" pitchFamily="34" charset="0"/>
+                <a:ea typeface="Lato" panose="020F0502020204030203" pitchFamily="34" charset="0"/>
+                <a:cs typeface="Lato" panose="020F0502020204030203" pitchFamily="34" charset="0"/>
+              </a:defRPr>
+            </a:lvl1pPr>
+          </a:lstStyle>
+          <a:p>
+            <a:fld id="{58E92B09-5AF4-4E86-A8BE-E866F0E2C017}" type="datetime1">
+              <a:rPr lang="en-US" smtClean="0"/>
+              <a:t>12/27/2021</a:t>
+            </a:fld>
+            <a:endParaRPr lang="en-US"/>
+          </a:p>
+        </p:txBody>
+      </p:sp>
+      <p:sp>
+        <p:nvSpPr>
+          <p:cNvPr id="10" name="Footer Placeholder 4">
+            <a:extLst>
+              <a:ext uri="{FF2B5EF4-FFF2-40B4-BE49-F238E27FC236}">
+                <a16:creationId xmlns:a16="http://schemas.microsoft.com/office/drawing/2014/main" id="{A9A90DE7-FAAB-4B91-AC83-B18850F1EC89}"/>
+              </a:ext>
+            </a:extLst>
+          </p:cNvPr>
+          <p:cNvSpPr>
+            <a:spLocks noGrp="1"/>
+          </p:cNvSpPr>
+          <p:nvPr>
+            <p:ph type="ftr" sz="quarter" idx="11"/>
+          </p:nvPr>
+        </p:nvSpPr>
+        <p:spPr>
+          <a:xfrm>
+            <a:off x="4038600" y="6486006"/>
+            <a:ext cx="4114800" cy="365125"/>
+          </a:xfrm>
+          <a:prstGeom prst="rect">
+            <a:avLst/>
+          </a:prstGeom>
+        </p:spPr>
+        <p:txBody>
+          <a:bodyPr/>
+          <a:lstStyle>
+            <a:lvl1pPr algn="ctr">
+              <a:defRPr sz="1200" b="1">
+                <a:solidFill>
+                  <a:srgbClr val="C00000"/>
+                </a:solidFill>
+                <a:latin typeface="Lato" panose="020F0502020204030203" pitchFamily="34" charset="0"/>
+                <a:ea typeface="Lato" panose="020F0502020204030203" pitchFamily="34" charset="0"/>
+                <a:cs typeface="Lato" panose="020F0502020204030203" pitchFamily="34" charset="0"/>
+              </a:defRPr>
+            </a:lvl1pPr>
+          </a:lstStyle>
+          <a:p>
+            <a:endParaRPr lang="en-US" dirty="0"/>
+          </a:p>
+        </p:txBody>
+      </p:sp>
+      <p:sp>
+        <p:nvSpPr>
+          <p:cNvPr id="11" name="Slide Number Placeholder 5">
+            <a:extLst>
+              <a:ext uri="{FF2B5EF4-FFF2-40B4-BE49-F238E27FC236}">
+                <a16:creationId xmlns:a16="http://schemas.microsoft.com/office/drawing/2014/main" id="{0FD5971E-BD21-416C-BC2E-97EE0E09A50C}"/>
+              </a:ext>
+            </a:extLst>
+          </p:cNvPr>
+          <p:cNvSpPr>
+            <a:spLocks noGrp="1"/>
+          </p:cNvSpPr>
+          <p:nvPr>
+            <p:ph type="sldNum" sz="quarter" idx="12"/>
+          </p:nvPr>
+        </p:nvSpPr>
+        <p:spPr>
+          <a:xfrm>
+            <a:off x="9156511" y="6492875"/>
+            <a:ext cx="2743200" cy="365125"/>
+          </a:xfrm>
+          <a:prstGeom prst="rect">
+            <a:avLst/>
+          </a:prstGeom>
+        </p:spPr>
+        <p:txBody>
+          <a:bodyPr/>
+          <a:lstStyle>
+            <a:lvl1pPr algn="r">
+              <a:defRPr sz="1200" b="1">
+                <a:solidFill>
+                  <a:srgbClr val="C00000"/>
+                </a:solidFill>
+                <a:latin typeface="Lato" panose="020F0502020204030203" pitchFamily="34" charset="0"/>
+                <a:ea typeface="Lato" panose="020F0502020204030203" pitchFamily="34" charset="0"/>
+                <a:cs typeface="Lato" panose="020F0502020204030203" pitchFamily="34" charset="0"/>
+              </a:defRPr>
+            </a:lvl1pPr>
+          </a:lstStyle>
+          <a:p>
+            <a:fld id="{9EA0BE3B-158A-4EDF-80DC-E394A0D1600F}" type="slidenum">
+              <a:rPr lang="en-US" smtClean="0"/>
+              <a:pPr/>
+              <a:t>‹#›</a:t>
+            </a:fld>
+            <a:endParaRPr lang="en-US"/>
+          </a:p>
+        </p:txBody>
+      </p:sp>
     </p:spTree>
     <p:extLst>
       <p:ext uri="{BB962C8B-B14F-4D97-AF65-F5344CB8AC3E}">
-        <p14:creationId xmlns:p14="http://schemas.microsoft.com/office/powerpoint/2010/main" val="2315980256"/>
+        <p14:creationId xmlns:p14="http://schemas.microsoft.com/office/powerpoint/2010/main" val="4079575048"/>
       </p:ext>
     </p:extLst>
   </p:cSld>
@@ -1065,8 +951,8 @@
 </file>
 
 <file path=ppt/slideLayouts/slideLayout2.xml><?xml version="1.0" encoding="utf-8"?>
-<p:sldLayout xmlns:a="http://schemas.openxmlformats.org/drawingml/2006/main" xmlns:r="http://schemas.openxmlformats.org/officeDocument/2006/relationships" xmlns:p="http://schemas.openxmlformats.org/presentationml/2006/main" userDrawn="1">
-  <p:cSld name="1_Title Slide">
+<p:sldLayout xmlns:a="http://schemas.openxmlformats.org/drawingml/2006/main" xmlns:r="http://schemas.openxmlformats.org/officeDocument/2006/relationships" xmlns:p="http://schemas.openxmlformats.org/presentationml/2006/main" preserve="1" userDrawn="1">
+  <p:cSld name="Section Header">
     <p:bg>
       <p:bgPr>
         <a:blipFill dpi="0" rotWithShape="1">
@@ -1097,159 +983,24 @@
       </p:grpSpPr>
       <p:sp>
         <p:nvSpPr>
-          <p:cNvPr id="3" name="Title 6">
-            <a:extLst>
-              <a:ext uri="{FF2B5EF4-FFF2-40B4-BE49-F238E27FC236}">
-                <a16:creationId xmlns:a16="http://schemas.microsoft.com/office/drawing/2014/main" id="{C5DD3B49-F775-49FC-ACAD-45B074D1C945}"/>
-              </a:ext>
-            </a:extLst>
-          </p:cNvPr>
-          <p:cNvSpPr>
-            <a:spLocks noGrp="1"/>
-          </p:cNvSpPr>
-          <p:nvPr>
-            <p:ph type="title" hasCustomPrompt="1"/>
+          <p:cNvPr id="4" name="Date Placeholder 3">
+            <a:extLst>
+              <a:ext uri="{FF2B5EF4-FFF2-40B4-BE49-F238E27FC236}">
+                <a16:creationId xmlns:a16="http://schemas.microsoft.com/office/drawing/2014/main" id="{DB30FC03-A82E-4B34-AE4B-8AC40A0CD5B2}"/>
+              </a:ext>
+            </a:extLst>
+          </p:cNvPr>
+          <p:cNvSpPr>
+            <a:spLocks noGrp="1"/>
+          </p:cNvSpPr>
+          <p:nvPr>
+            <p:ph type="dt" sz="half" idx="10"/>
           </p:nvPr>
         </p:nvSpPr>
         <p:spPr>
           <a:xfrm>
-            <a:off x="2380488" y="2365248"/>
-            <a:ext cx="4383024" cy="2127504"/>
-          </a:xfrm>
-          <a:prstGeom prst="rect">
-            <a:avLst/>
-          </a:prstGeom>
-        </p:spPr>
-        <p:txBody>
-          <a:bodyPr/>
-          <a:lstStyle>
-            <a:lvl1pPr algn="ctr">
-              <a:defRPr sz="4800" b="1">
-                <a:solidFill>
-                  <a:schemeClr val="bg1"/>
-                </a:solidFill>
-                <a:latin typeface="Lato" panose="020F0502020204030203" pitchFamily="34" charset="0"/>
-                <a:ea typeface="Lato" panose="020F0502020204030203" pitchFamily="34" charset="0"/>
-                <a:cs typeface="Lato" panose="020F0502020204030203" pitchFamily="34" charset="0"/>
-              </a:defRPr>
-            </a:lvl1pPr>
-          </a:lstStyle>
-          <a:p>
-            <a:r>
-              <a:rPr lang="en-US" dirty="0"/>
-              <a:t>CLICK TO EDIT MASTER TITLE STYLE</a:t>
-            </a:r>
-          </a:p>
-        </p:txBody>
-      </p:sp>
-    </p:spTree>
-    <p:extLst>
-      <p:ext uri="{BB962C8B-B14F-4D97-AF65-F5344CB8AC3E}">
-        <p14:creationId xmlns:p14="http://schemas.microsoft.com/office/powerpoint/2010/main" val="678804056"/>
-      </p:ext>
-    </p:extLst>
-  </p:cSld>
-  <p:clrMapOvr>
-    <a:masterClrMapping/>
-  </p:clrMapOvr>
-</p:sldLayout>
-</file>
-
-<file path=ppt/slideLayouts/slideLayout3.xml><?xml version="1.0" encoding="utf-8"?>
-<p:sldLayout xmlns:a="http://schemas.openxmlformats.org/drawingml/2006/main" xmlns:r="http://schemas.openxmlformats.org/officeDocument/2006/relationships" xmlns:p="http://schemas.openxmlformats.org/presentationml/2006/main" userDrawn="1">
-  <p:cSld name="1_Title and Content">
-    <p:bg>
-      <p:bgPr>
-        <a:blipFill dpi="0" rotWithShape="1">
-          <a:blip r:embed="rId2">
-            <a:lum/>
-          </a:blip>
-          <a:srcRect/>
-          <a:stretch>
-            <a:fillRect/>
-          </a:stretch>
-        </a:blipFill>
-        <a:effectLst/>
-      </p:bgPr>
-    </p:bg>
-    <p:spTree>
-      <p:nvGrpSpPr>
-        <p:cNvPr id="1" name=""/>
-        <p:cNvGrpSpPr/>
-        <p:nvPr/>
-      </p:nvGrpSpPr>
-      <p:grpSpPr>
-        <a:xfrm>
-          <a:off x="0" y="0"/>
-          <a:ext cx="0" cy="0"/>
-          <a:chOff x="0" y="0"/>
-          <a:chExt cx="0" cy="0"/>
-        </a:xfrm>
-      </p:grpSpPr>
-    </p:spTree>
-    <p:extLst>
-      <p:ext uri="{BB962C8B-B14F-4D97-AF65-F5344CB8AC3E}">
-        <p14:creationId xmlns:p14="http://schemas.microsoft.com/office/powerpoint/2010/main" val="526494965"/>
-      </p:ext>
-    </p:extLst>
-  </p:cSld>
-  <p:clrMapOvr>
-    <a:masterClrMapping/>
-  </p:clrMapOvr>
-</p:sldLayout>
-</file>
-
-<file path=ppt/slideLayouts/slideLayout4.xml><?xml version="1.0" encoding="utf-8"?>
-<p:sldLayout xmlns:a="http://schemas.openxmlformats.org/drawingml/2006/main" xmlns:r="http://schemas.openxmlformats.org/officeDocument/2006/relationships" xmlns:p="http://schemas.openxmlformats.org/presentationml/2006/main" userDrawn="1">
-  <p:cSld name="1_Section Header">
-    <p:bg>
-      <p:bgPr>
-        <a:blipFill dpi="0" rotWithShape="1">
-          <a:blip r:embed="rId2">
-            <a:lum/>
-          </a:blip>
-          <a:srcRect/>
-          <a:stretch>
-            <a:fillRect/>
-          </a:stretch>
-        </a:blipFill>
-        <a:effectLst/>
-      </p:bgPr>
-    </p:bg>
-    <p:spTree>
-      <p:nvGrpSpPr>
-        <p:cNvPr id="1" name=""/>
-        <p:cNvGrpSpPr/>
-        <p:nvPr/>
-      </p:nvGrpSpPr>
-      <p:grpSpPr>
-        <a:xfrm>
-          <a:off x="0" y="0"/>
-          <a:ext cx="0" cy="0"/>
-          <a:chOff x="0" y="0"/>
-          <a:chExt cx="0" cy="0"/>
-        </a:xfrm>
-      </p:grpSpPr>
-      <p:sp>
-        <p:nvSpPr>
-          <p:cNvPr id="4" name="Date Placeholder 3">
-            <a:extLst>
-              <a:ext uri="{FF2B5EF4-FFF2-40B4-BE49-F238E27FC236}">
-                <a16:creationId xmlns:a16="http://schemas.microsoft.com/office/drawing/2014/main" id="{DB30FC03-A82E-4B34-AE4B-8AC40A0CD5B2}"/>
-              </a:ext>
-            </a:extLst>
-          </p:cNvPr>
-          <p:cNvSpPr>
-            <a:spLocks noGrp="1"/>
-          </p:cNvSpPr>
-          <p:nvPr>
-            <p:ph type="dt" sz="half" idx="10"/>
-          </p:nvPr>
-        </p:nvSpPr>
-        <p:spPr>
-          <a:xfrm>
-            <a:off x="628650" y="6565257"/>
-            <a:ext cx="2057400" cy="365125"/>
+            <a:off x="838200" y="6486006"/>
+            <a:ext cx="2743200" cy="365125"/>
           </a:xfrm>
           <a:prstGeom prst="rect">
             <a:avLst/>
@@ -1273,7 +1024,7 @@
             <a:fld id="{F70EAA40-3A53-4A3D-924A-D38F1059C7D5}" type="datetime1">
               <a:rPr lang="en-US" smtClean="0"/>
               <a:pPr/>
-              <a:t>12/24/2021</a:t>
+              <a:t>12/27/2021</a:t>
             </a:fld>
             <a:endParaRPr lang="en-US"/>
           </a:p>
@@ -1297,8 +1048,8 @@
         </p:nvSpPr>
         <p:spPr>
           <a:xfrm>
-            <a:off x="3028950" y="6565257"/>
-            <a:ext cx="3086100" cy="365125"/>
+            <a:off x="4038600" y="6486006"/>
+            <a:ext cx="4114800" cy="365125"/>
           </a:xfrm>
           <a:prstGeom prst="rect">
             <a:avLst/>
@@ -1341,8 +1092,8 @@
         </p:nvSpPr>
         <p:spPr>
           <a:xfrm>
-            <a:off x="6867383" y="6572126"/>
-            <a:ext cx="2057400" cy="365125"/>
+            <a:off x="9156511" y="6492875"/>
+            <a:ext cx="2743200" cy="365125"/>
           </a:xfrm>
           <a:prstGeom prst="rect">
             <a:avLst/>
@@ -1374,10 +1125,10 @@
       </p:sp>
       <p:sp>
         <p:nvSpPr>
-          <p:cNvPr id="10" name="Title 6">
-            <a:extLst>
-              <a:ext uri="{FF2B5EF4-FFF2-40B4-BE49-F238E27FC236}">
-                <a16:creationId xmlns:a16="http://schemas.microsoft.com/office/drawing/2014/main" id="{44DCE4FD-DEE1-4DE9-A40E-616ACEB2FECC}"/>
+          <p:cNvPr id="7" name="Title 8">
+            <a:extLst>
+              <a:ext uri="{FF2B5EF4-FFF2-40B4-BE49-F238E27FC236}">
+                <a16:creationId xmlns:a16="http://schemas.microsoft.com/office/drawing/2014/main" id="{DEAFB3E9-4F5E-435C-B51A-CC5766A852DA}"/>
               </a:ext>
             </a:extLst>
           </p:cNvPr>
@@ -1390,8 +1141,8 @@
         </p:nvSpPr>
         <p:spPr>
           <a:xfrm>
-            <a:off x="235077" y="78613"/>
-            <a:ext cx="8673846" cy="451739"/>
+            <a:off x="338736" y="112543"/>
+            <a:ext cx="11514528" cy="436098"/>
           </a:xfrm>
           <a:prstGeom prst="rect">
             <a:avLst/>
@@ -1414,17 +1165,17 @@
           <a:p>
             <a:r>
               <a:rPr lang="en-US" dirty="0"/>
-              <a:t>Title 1: ………………………………………</a:t>
-            </a:r>
-          </a:p>
-        </p:txBody>
-      </p:sp>
-      <p:sp>
-        <p:nvSpPr>
-          <p:cNvPr id="11" name="Content Placeholder 8">
-            <a:extLst>
-              <a:ext uri="{FF2B5EF4-FFF2-40B4-BE49-F238E27FC236}">
-                <a16:creationId xmlns:a16="http://schemas.microsoft.com/office/drawing/2014/main" id="{90DFCEB3-810D-48E5-B7BA-1A6C924A64A4}"/>
+              <a:t>Title 1:……………………………………..</a:t>
+            </a:r>
+          </a:p>
+        </p:txBody>
+      </p:sp>
+      <p:sp>
+        <p:nvSpPr>
+          <p:cNvPr id="8" name="Content Placeholder 7">
+            <a:extLst>
+              <a:ext uri="{FF2B5EF4-FFF2-40B4-BE49-F238E27FC236}">
+                <a16:creationId xmlns:a16="http://schemas.microsoft.com/office/drawing/2014/main" id="{69C57778-6639-411E-9B4C-12D035AECE27}"/>
               </a:ext>
             </a:extLst>
           </p:cNvPr>
@@ -1437,8 +1188,8 @@
         </p:nvSpPr>
         <p:spPr>
           <a:xfrm>
-            <a:off x="235077" y="841247"/>
-            <a:ext cx="8674100" cy="5303393"/>
+            <a:off x="338736" y="1058844"/>
+            <a:ext cx="11514528" cy="4909124"/>
           </a:xfrm>
           <a:prstGeom prst="rect">
             <a:avLst/>
@@ -1523,7 +1274,7 @@
     </p:spTree>
     <p:extLst>
       <p:ext uri="{BB962C8B-B14F-4D97-AF65-F5344CB8AC3E}">
-        <p14:creationId xmlns:p14="http://schemas.microsoft.com/office/powerpoint/2010/main" val="867547037"/>
+        <p14:creationId xmlns:p14="http://schemas.microsoft.com/office/powerpoint/2010/main" val="3761329546"/>
       </p:ext>
     </p:extLst>
   </p:cSld>
@@ -1533,9 +1284,9 @@
 </p:sldLayout>
 </file>
 
-<file path=ppt/slideLayouts/slideLayout5.xml><?xml version="1.0" encoding="utf-8"?>
-<p:sldLayout xmlns:a="http://schemas.openxmlformats.org/drawingml/2006/main" xmlns:r="http://schemas.openxmlformats.org/officeDocument/2006/relationships" xmlns:p="http://schemas.openxmlformats.org/presentationml/2006/main" userDrawn="1">
-  <p:cSld name="1_Two Content">
+<file path=ppt/slideLayouts/slideLayout3.xml><?xml version="1.0" encoding="utf-8"?>
+<p:sldLayout xmlns:a="http://schemas.openxmlformats.org/drawingml/2006/main" xmlns:r="http://schemas.openxmlformats.org/officeDocument/2006/relationships" xmlns:p="http://schemas.openxmlformats.org/presentationml/2006/main" preserve="1" userDrawn="1">
+  <p:cSld name="Two Content">
     <p:bg>
       <p:bgPr>
         <a:blipFill dpi="0" rotWithShape="1">
@@ -1566,10 +1317,10 @@
       </p:grpSpPr>
       <p:sp>
         <p:nvSpPr>
-          <p:cNvPr id="14" name="Date Placeholder 3">
-            <a:extLst>
-              <a:ext uri="{FF2B5EF4-FFF2-40B4-BE49-F238E27FC236}">
-                <a16:creationId xmlns:a16="http://schemas.microsoft.com/office/drawing/2014/main" id="{1D2FCDAA-D1AE-440A-ADEA-98F1ACB06478}"/>
+          <p:cNvPr id="8" name="Date Placeholder 3">
+            <a:extLst>
+              <a:ext uri="{FF2B5EF4-FFF2-40B4-BE49-F238E27FC236}">
+                <a16:creationId xmlns:a16="http://schemas.microsoft.com/office/drawing/2014/main" id="{84B5929F-A28F-4256-A6B2-5D095331D016}"/>
               </a:ext>
             </a:extLst>
           </p:cNvPr>
@@ -1582,8 +1333,8 @@
         </p:nvSpPr>
         <p:spPr>
           <a:xfrm>
-            <a:off x="628650" y="6565257"/>
-            <a:ext cx="2057400" cy="365125"/>
+            <a:off x="838200" y="6486006"/>
+            <a:ext cx="2743200" cy="365125"/>
           </a:xfrm>
           <a:prstGeom prst="rect">
             <a:avLst/>
@@ -1604,10 +1355,10 @@
             </a:lvl1pPr>
           </a:lstStyle>
           <a:p>
-            <a:fld id="{F70EAA40-3A53-4A3D-924A-D38F1059C7D5}" type="datetime1">
+            <a:fld id="{B3ACFEBC-8634-4116-B617-2BE5C2034C2C}" type="datetime1">
               <a:rPr lang="en-US" smtClean="0"/>
               <a:pPr/>
-              <a:t>12/24/2021</a:t>
+              <a:t>12/27/2021</a:t>
             </a:fld>
             <a:endParaRPr lang="en-US"/>
           </a:p>
@@ -1615,10 +1366,10 @@
       </p:sp>
       <p:sp>
         <p:nvSpPr>
-          <p:cNvPr id="15" name="Footer Placeholder 4">
-            <a:extLst>
-              <a:ext uri="{FF2B5EF4-FFF2-40B4-BE49-F238E27FC236}">
-                <a16:creationId xmlns:a16="http://schemas.microsoft.com/office/drawing/2014/main" id="{C4186984-389F-440C-BD79-8D1349BD856E}"/>
+          <p:cNvPr id="9" name="Footer Placeholder 4">
+            <a:extLst>
+              <a:ext uri="{FF2B5EF4-FFF2-40B4-BE49-F238E27FC236}">
+                <a16:creationId xmlns:a16="http://schemas.microsoft.com/office/drawing/2014/main" id="{7C2F339A-915E-4496-B889-28FBBAAD3123}"/>
               </a:ext>
             </a:extLst>
           </p:cNvPr>
@@ -1631,8 +1382,8 @@
         </p:nvSpPr>
         <p:spPr>
           <a:xfrm>
-            <a:off x="3028950" y="6565257"/>
-            <a:ext cx="3086100" cy="365125"/>
+            <a:off x="4038600" y="6486006"/>
+            <a:ext cx="4114800" cy="365125"/>
           </a:xfrm>
           <a:prstGeom prst="rect">
             <a:avLst/>
@@ -1659,10 +1410,10 @@
       </p:sp>
       <p:sp>
         <p:nvSpPr>
-          <p:cNvPr id="16" name="Slide Number Placeholder 5">
-            <a:extLst>
-              <a:ext uri="{FF2B5EF4-FFF2-40B4-BE49-F238E27FC236}">
-                <a16:creationId xmlns:a16="http://schemas.microsoft.com/office/drawing/2014/main" id="{5C66723D-7FE6-462E-9733-48764D89B1D4}"/>
+          <p:cNvPr id="10" name="Slide Number Placeholder 5">
+            <a:extLst>
+              <a:ext uri="{FF2B5EF4-FFF2-40B4-BE49-F238E27FC236}">
+                <a16:creationId xmlns:a16="http://schemas.microsoft.com/office/drawing/2014/main" id="{028A2E5F-7F4D-4F39-A494-67088E8046DE}"/>
               </a:ext>
             </a:extLst>
           </p:cNvPr>
@@ -1675,8 +1426,8 @@
         </p:nvSpPr>
         <p:spPr>
           <a:xfrm>
-            <a:off x="6867383" y="6572126"/>
-            <a:ext cx="2057400" cy="365125"/>
+            <a:off x="9156511" y="6492875"/>
+            <a:ext cx="2743200" cy="365125"/>
           </a:xfrm>
           <a:prstGeom prst="rect">
             <a:avLst/>
@@ -1702,30 +1453,256 @@
               <a:pPr/>
               <a:t>‹#›</a:t>
             </a:fld>
-            <a:endParaRPr lang="en-US" dirty="0"/>
-          </a:p>
-        </p:txBody>
-      </p:sp>
-      <p:sp>
-        <p:nvSpPr>
-          <p:cNvPr id="17" name="Content Placeholder 2">
-            <a:extLst>
-              <a:ext uri="{FF2B5EF4-FFF2-40B4-BE49-F238E27FC236}">
-                <a16:creationId xmlns:a16="http://schemas.microsoft.com/office/drawing/2014/main" id="{03483232-D29A-4255-9149-0177F8785818}"/>
-              </a:ext>
-            </a:extLst>
-          </p:cNvPr>
-          <p:cNvSpPr>
-            <a:spLocks noGrp="1"/>
-          </p:cNvSpPr>
-          <p:nvPr>
-            <p:ph sz="half" idx="1"/>
+            <a:endParaRPr lang="en-US"/>
+          </a:p>
+        </p:txBody>
+      </p:sp>
+      <p:sp>
+        <p:nvSpPr>
+          <p:cNvPr id="11" name="Title 8">
+            <a:extLst>
+              <a:ext uri="{FF2B5EF4-FFF2-40B4-BE49-F238E27FC236}">
+                <a16:creationId xmlns:a16="http://schemas.microsoft.com/office/drawing/2014/main" id="{FC0C4515-8106-49DA-9C06-E98AF815242A}"/>
+              </a:ext>
+            </a:extLst>
+          </p:cNvPr>
+          <p:cNvSpPr>
+            <a:spLocks noGrp="1"/>
+          </p:cNvSpPr>
+          <p:nvPr>
+            <p:ph type="title" hasCustomPrompt="1"/>
           </p:nvPr>
         </p:nvSpPr>
         <p:spPr>
           <a:xfrm>
-            <a:off x="528828" y="1423289"/>
-            <a:ext cx="3886200" cy="4351338"/>
+            <a:off x="338736" y="112543"/>
+            <a:ext cx="11514528" cy="436098"/>
+          </a:xfrm>
+          <a:prstGeom prst="rect">
+            <a:avLst/>
+          </a:prstGeom>
+        </p:spPr>
+        <p:txBody>
+          <a:bodyPr/>
+          <a:lstStyle>
+            <a:lvl1pPr>
+              <a:defRPr sz="2800" b="1">
+                <a:solidFill>
+                  <a:schemeClr val="bg1"/>
+                </a:solidFill>
+                <a:latin typeface="Lato" panose="020F0502020204030203" pitchFamily="34" charset="0"/>
+                <a:ea typeface="Lato" panose="020F0502020204030203" pitchFamily="34" charset="0"/>
+                <a:cs typeface="Lato" panose="020F0502020204030203" pitchFamily="34" charset="0"/>
+              </a:defRPr>
+            </a:lvl1pPr>
+          </a:lstStyle>
+          <a:p>
+            <a:r>
+              <a:rPr lang="en-US" dirty="0"/>
+              <a:t>Title 2:……………………………………..</a:t>
+            </a:r>
+          </a:p>
+        </p:txBody>
+      </p:sp>
+      <p:sp>
+        <p:nvSpPr>
+          <p:cNvPr id="12" name="Chart Placeholder 9">
+            <a:extLst>
+              <a:ext uri="{FF2B5EF4-FFF2-40B4-BE49-F238E27FC236}">
+                <a16:creationId xmlns:a16="http://schemas.microsoft.com/office/drawing/2014/main" id="{F49327FB-190B-40C4-9FC9-66F9F7D12317}"/>
+              </a:ext>
+            </a:extLst>
+          </p:cNvPr>
+          <p:cNvSpPr>
+            <a:spLocks noGrp="1"/>
+          </p:cNvSpPr>
+          <p:nvPr>
+            <p:ph type="chart" sz="quarter" idx="13" hasCustomPrompt="1"/>
+          </p:nvPr>
+        </p:nvSpPr>
+        <p:spPr>
+          <a:xfrm>
+            <a:off x="330201" y="1406769"/>
+            <a:ext cx="5765800" cy="4655894"/>
+          </a:xfrm>
+          <a:prstGeom prst="rect">
+            <a:avLst/>
+          </a:prstGeom>
+        </p:spPr>
+        <p:txBody>
+          <a:bodyPr/>
+          <a:lstStyle>
+            <a:lvl1pPr>
+              <a:defRPr>
+                <a:latin typeface="Lato" panose="020F0502020204030203" pitchFamily="34" charset="0"/>
+                <a:ea typeface="Lato" panose="020F0502020204030203" pitchFamily="34" charset="0"/>
+                <a:cs typeface="Lato" panose="020F0502020204030203" pitchFamily="34" charset="0"/>
+              </a:defRPr>
+            </a:lvl1pPr>
+          </a:lstStyle>
+          <a:p>
+            <a:r>
+              <a:rPr lang="en-US" dirty="0"/>
+              <a:t>Chart</a:t>
+            </a:r>
+          </a:p>
+        </p:txBody>
+      </p:sp>
+      <p:sp>
+        <p:nvSpPr>
+          <p:cNvPr id="13" name="Picture Placeholder 11">
+            <a:extLst>
+              <a:ext uri="{FF2B5EF4-FFF2-40B4-BE49-F238E27FC236}">
+                <a16:creationId xmlns:a16="http://schemas.microsoft.com/office/drawing/2014/main" id="{733EBCBB-E1FE-415C-8ED9-6D1F36748478}"/>
+              </a:ext>
+            </a:extLst>
+          </p:cNvPr>
+          <p:cNvSpPr>
+            <a:spLocks noGrp="1"/>
+          </p:cNvSpPr>
+          <p:nvPr>
+            <p:ph type="pic" sz="quarter" idx="14" hasCustomPrompt="1"/>
+          </p:nvPr>
+        </p:nvSpPr>
+        <p:spPr>
+          <a:xfrm>
+            <a:off x="6238875" y="1414463"/>
+            <a:ext cx="5445125" cy="4656137"/>
+          </a:xfrm>
+          <a:prstGeom prst="rect">
+            <a:avLst/>
+          </a:prstGeom>
+        </p:spPr>
+        <p:txBody>
+          <a:bodyPr/>
+          <a:lstStyle>
+            <a:lvl1pPr>
+              <a:defRPr>
+                <a:latin typeface="Lato" panose="020F0502020204030203" pitchFamily="34" charset="0"/>
+                <a:ea typeface="Lato" panose="020F0502020204030203" pitchFamily="34" charset="0"/>
+                <a:cs typeface="Lato" panose="020F0502020204030203" pitchFamily="34" charset="0"/>
+              </a:defRPr>
+            </a:lvl1pPr>
+          </a:lstStyle>
+          <a:p>
+            <a:r>
+              <a:rPr lang="en-US" dirty="0"/>
+              <a:t>Picture</a:t>
+            </a:r>
+          </a:p>
+        </p:txBody>
+      </p:sp>
+    </p:spTree>
+    <p:extLst>
+      <p:ext uri="{BB962C8B-B14F-4D97-AF65-F5344CB8AC3E}">
+        <p14:creationId xmlns:p14="http://schemas.microsoft.com/office/powerpoint/2010/main" val="3887669924"/>
+      </p:ext>
+    </p:extLst>
+  </p:cSld>
+  <p:clrMapOvr>
+    <a:masterClrMapping/>
+  </p:clrMapOvr>
+</p:sldLayout>
+</file>
+
+<file path=ppt/slideLayouts/slideLayout4.xml><?xml version="1.0" encoding="utf-8"?>
+<p:sldLayout xmlns:a="http://schemas.openxmlformats.org/drawingml/2006/main" xmlns:r="http://schemas.openxmlformats.org/officeDocument/2006/relationships" xmlns:p="http://schemas.openxmlformats.org/presentationml/2006/main" preserve="1" userDrawn="1">
+  <p:cSld name="Comparison">
+    <p:bg>
+      <p:bgPr>
+        <a:blipFill dpi="0" rotWithShape="1">
+          <a:blip r:embed="rId2">
+            <a:lum/>
+          </a:blip>
+          <a:srcRect/>
+          <a:stretch>
+            <a:fillRect/>
+          </a:stretch>
+        </a:blipFill>
+        <a:effectLst/>
+      </p:bgPr>
+    </p:bg>
+    <p:spTree>
+      <p:nvGrpSpPr>
+        <p:cNvPr id="1" name=""/>
+        <p:cNvGrpSpPr/>
+        <p:nvPr/>
+      </p:nvGrpSpPr>
+      <p:grpSpPr>
+        <a:xfrm>
+          <a:off x="0" y="0"/>
+          <a:ext cx="0" cy="0"/>
+          <a:chOff x="0" y="0"/>
+          <a:chExt cx="0" cy="0"/>
+        </a:xfrm>
+      </p:grpSpPr>
+      <p:sp>
+        <p:nvSpPr>
+          <p:cNvPr id="10" name="Title 8">
+            <a:extLst>
+              <a:ext uri="{FF2B5EF4-FFF2-40B4-BE49-F238E27FC236}">
+                <a16:creationId xmlns:a16="http://schemas.microsoft.com/office/drawing/2014/main" id="{3E6AE9CF-41FF-46D0-BF7A-815E4777895E}"/>
+              </a:ext>
+            </a:extLst>
+          </p:cNvPr>
+          <p:cNvSpPr>
+            <a:spLocks noGrp="1"/>
+          </p:cNvSpPr>
+          <p:nvPr>
+            <p:ph type="title" hasCustomPrompt="1"/>
+          </p:nvPr>
+        </p:nvSpPr>
+        <p:spPr>
+          <a:xfrm>
+            <a:off x="338736" y="112543"/>
+            <a:ext cx="11514528" cy="436098"/>
+          </a:xfrm>
+          <a:prstGeom prst="rect">
+            <a:avLst/>
+          </a:prstGeom>
+        </p:spPr>
+        <p:txBody>
+          <a:bodyPr/>
+          <a:lstStyle>
+            <a:lvl1pPr>
+              <a:defRPr sz="2800" b="1">
+                <a:solidFill>
+                  <a:schemeClr val="bg1"/>
+                </a:solidFill>
+                <a:latin typeface="Lato" panose="020F0502020204030203" pitchFamily="34" charset="0"/>
+                <a:ea typeface="Lato" panose="020F0502020204030203" pitchFamily="34" charset="0"/>
+                <a:cs typeface="Lato" panose="020F0502020204030203" pitchFamily="34" charset="0"/>
+              </a:defRPr>
+            </a:lvl1pPr>
+          </a:lstStyle>
+          <a:p>
+            <a:r>
+              <a:rPr lang="en-US" dirty="0"/>
+              <a:t>Title 3:……………………………………..</a:t>
+            </a:r>
+          </a:p>
+        </p:txBody>
+      </p:sp>
+      <p:sp>
+        <p:nvSpPr>
+          <p:cNvPr id="12" name="Text Placeholder 9">
+            <a:extLst>
+              <a:ext uri="{FF2B5EF4-FFF2-40B4-BE49-F238E27FC236}">
+                <a16:creationId xmlns:a16="http://schemas.microsoft.com/office/drawing/2014/main" id="{A85E41C6-3987-4F5C-A750-35F5C730A567}"/>
+              </a:ext>
+            </a:extLst>
+          </p:cNvPr>
+          <p:cNvSpPr>
+            <a:spLocks noGrp="1"/>
+          </p:cNvSpPr>
+          <p:nvPr>
+            <p:ph type="body" sz="quarter" idx="13"/>
+          </p:nvPr>
+        </p:nvSpPr>
+        <p:spPr>
+          <a:xfrm>
+            <a:off x="337539" y="1032510"/>
+            <a:ext cx="11515725" cy="4938713"/>
           </a:xfrm>
           <a:prstGeom prst="rect">
             <a:avLst/>
@@ -1809,24 +1786,351 @@
       </p:sp>
       <p:sp>
         <p:nvSpPr>
-          <p:cNvPr id="18" name="Content Placeholder 3">
-            <a:extLst>
-              <a:ext uri="{FF2B5EF4-FFF2-40B4-BE49-F238E27FC236}">
-                <a16:creationId xmlns:a16="http://schemas.microsoft.com/office/drawing/2014/main" id="{A1BAF8AD-67D8-46AD-A292-05589E827344}"/>
-              </a:ext>
-            </a:extLst>
-          </p:cNvPr>
-          <p:cNvSpPr>
-            <a:spLocks noGrp="1"/>
-          </p:cNvSpPr>
-          <p:nvPr>
-            <p:ph sz="half" idx="2"/>
+          <p:cNvPr id="13" name="Date Placeholder 3">
+            <a:extLst>
+              <a:ext uri="{FF2B5EF4-FFF2-40B4-BE49-F238E27FC236}">
+                <a16:creationId xmlns:a16="http://schemas.microsoft.com/office/drawing/2014/main" id="{C99BA7CA-DC84-4A35-BD8A-C14D582181A5}"/>
+              </a:ext>
+            </a:extLst>
+          </p:cNvPr>
+          <p:cNvSpPr>
+            <a:spLocks noGrp="1"/>
+          </p:cNvSpPr>
+          <p:nvPr>
+            <p:ph type="dt" sz="half" idx="10"/>
           </p:nvPr>
         </p:nvSpPr>
         <p:spPr>
           <a:xfrm>
-            <a:off x="4572000" y="1423289"/>
-            <a:ext cx="3886200" cy="4351338"/>
+            <a:off x="838200" y="6486006"/>
+            <a:ext cx="2743200" cy="365125"/>
+          </a:xfrm>
+          <a:prstGeom prst="rect">
+            <a:avLst/>
+          </a:prstGeom>
+        </p:spPr>
+        <p:txBody>
+          <a:bodyPr/>
+          <a:lstStyle>
+            <a:lvl1pPr>
+              <a:defRPr sz="1200" b="1">
+                <a:solidFill>
+                  <a:srgbClr val="C00000"/>
+                </a:solidFill>
+                <a:latin typeface="Lato" panose="020F0502020204030203" pitchFamily="34" charset="0"/>
+                <a:ea typeface="Lato" panose="020F0502020204030203" pitchFamily="34" charset="0"/>
+                <a:cs typeface="Lato" panose="020F0502020204030203" pitchFamily="34" charset="0"/>
+              </a:defRPr>
+            </a:lvl1pPr>
+          </a:lstStyle>
+          <a:p>
+            <a:fld id="{8CDB0C24-DFE0-41C5-B02D-FC32F5C22F7C}" type="datetime1">
+              <a:rPr lang="en-US" smtClean="0"/>
+              <a:t>12/27/2021</a:t>
+            </a:fld>
+            <a:endParaRPr lang="en-US"/>
+          </a:p>
+        </p:txBody>
+      </p:sp>
+      <p:sp>
+        <p:nvSpPr>
+          <p:cNvPr id="14" name="Footer Placeholder 4">
+            <a:extLst>
+              <a:ext uri="{FF2B5EF4-FFF2-40B4-BE49-F238E27FC236}">
+                <a16:creationId xmlns:a16="http://schemas.microsoft.com/office/drawing/2014/main" id="{E1DCC345-F4E6-42D6-9173-88011D0E2741}"/>
+              </a:ext>
+            </a:extLst>
+          </p:cNvPr>
+          <p:cNvSpPr>
+            <a:spLocks noGrp="1"/>
+          </p:cNvSpPr>
+          <p:nvPr>
+            <p:ph type="ftr" sz="quarter" idx="11"/>
+          </p:nvPr>
+        </p:nvSpPr>
+        <p:spPr>
+          <a:xfrm>
+            <a:off x="4038600" y="6486006"/>
+            <a:ext cx="4114800" cy="365125"/>
+          </a:xfrm>
+          <a:prstGeom prst="rect">
+            <a:avLst/>
+          </a:prstGeom>
+        </p:spPr>
+        <p:txBody>
+          <a:bodyPr/>
+          <a:lstStyle>
+            <a:lvl1pPr algn="ctr">
+              <a:defRPr sz="1200" b="1">
+                <a:solidFill>
+                  <a:srgbClr val="C00000"/>
+                </a:solidFill>
+                <a:latin typeface="Lato" panose="020F0502020204030203" pitchFamily="34" charset="0"/>
+                <a:ea typeface="Lato" panose="020F0502020204030203" pitchFamily="34" charset="0"/>
+                <a:cs typeface="Lato" panose="020F0502020204030203" pitchFamily="34" charset="0"/>
+              </a:defRPr>
+            </a:lvl1pPr>
+          </a:lstStyle>
+          <a:p>
+            <a:endParaRPr lang="en-US" dirty="0"/>
+          </a:p>
+        </p:txBody>
+      </p:sp>
+      <p:sp>
+        <p:nvSpPr>
+          <p:cNvPr id="15" name="Slide Number Placeholder 5">
+            <a:extLst>
+              <a:ext uri="{FF2B5EF4-FFF2-40B4-BE49-F238E27FC236}">
+                <a16:creationId xmlns:a16="http://schemas.microsoft.com/office/drawing/2014/main" id="{BD82AFB1-CD7C-4710-A82A-F9FEE6DA5C86}"/>
+              </a:ext>
+            </a:extLst>
+          </p:cNvPr>
+          <p:cNvSpPr>
+            <a:spLocks noGrp="1"/>
+          </p:cNvSpPr>
+          <p:nvPr>
+            <p:ph type="sldNum" sz="quarter" idx="12"/>
+          </p:nvPr>
+        </p:nvSpPr>
+        <p:spPr>
+          <a:xfrm>
+            <a:off x="9156511" y="6492875"/>
+            <a:ext cx="2743200" cy="365125"/>
+          </a:xfrm>
+          <a:prstGeom prst="rect">
+            <a:avLst/>
+          </a:prstGeom>
+        </p:spPr>
+        <p:txBody>
+          <a:bodyPr/>
+          <a:lstStyle>
+            <a:lvl1pPr algn="r">
+              <a:defRPr sz="1200" b="1">
+                <a:solidFill>
+                  <a:srgbClr val="C00000"/>
+                </a:solidFill>
+                <a:latin typeface="Lato" panose="020F0502020204030203" pitchFamily="34" charset="0"/>
+                <a:ea typeface="Lato" panose="020F0502020204030203" pitchFamily="34" charset="0"/>
+                <a:cs typeface="Lato" panose="020F0502020204030203" pitchFamily="34" charset="0"/>
+              </a:defRPr>
+            </a:lvl1pPr>
+          </a:lstStyle>
+          <a:p>
+            <a:fld id="{9EA0BE3B-158A-4EDF-80DC-E394A0D1600F}" type="slidenum">
+              <a:rPr lang="en-US" smtClean="0"/>
+              <a:pPr/>
+              <a:t>‹#›</a:t>
+            </a:fld>
+            <a:endParaRPr lang="en-US"/>
+          </a:p>
+        </p:txBody>
+      </p:sp>
+    </p:spTree>
+    <p:extLst>
+      <p:ext uri="{BB962C8B-B14F-4D97-AF65-F5344CB8AC3E}">
+        <p14:creationId xmlns:p14="http://schemas.microsoft.com/office/powerpoint/2010/main" val="958126529"/>
+      </p:ext>
+    </p:extLst>
+  </p:cSld>
+  <p:clrMapOvr>
+    <a:masterClrMapping/>
+  </p:clrMapOvr>
+</p:sldLayout>
+</file>
+
+<file path=ppt/slideLayouts/slideLayout5.xml><?xml version="1.0" encoding="utf-8"?>
+<p:sldLayout xmlns:a="http://schemas.openxmlformats.org/drawingml/2006/main" xmlns:r="http://schemas.openxmlformats.org/officeDocument/2006/relationships" xmlns:p="http://schemas.openxmlformats.org/presentationml/2006/main" preserve="1" userDrawn="1">
+  <p:cSld name="Title Only">
+    <p:bg>
+      <p:bgPr>
+        <a:blipFill dpi="0" rotWithShape="1">
+          <a:blip r:embed="rId2">
+            <a:lum/>
+          </a:blip>
+          <a:srcRect/>
+          <a:stretch>
+            <a:fillRect/>
+          </a:stretch>
+        </a:blipFill>
+        <a:effectLst/>
+      </p:bgPr>
+    </p:bg>
+    <p:spTree>
+      <p:nvGrpSpPr>
+        <p:cNvPr id="1" name=""/>
+        <p:cNvGrpSpPr/>
+        <p:nvPr/>
+      </p:nvGrpSpPr>
+      <p:grpSpPr>
+        <a:xfrm>
+          <a:off x="0" y="0"/>
+          <a:ext cx="0" cy="0"/>
+          <a:chOff x="0" y="0"/>
+          <a:chExt cx="0" cy="0"/>
+        </a:xfrm>
+      </p:grpSpPr>
+      <p:sp>
+        <p:nvSpPr>
+          <p:cNvPr id="6" name="Date Placeholder 3">
+            <a:extLst>
+              <a:ext uri="{FF2B5EF4-FFF2-40B4-BE49-F238E27FC236}">
+                <a16:creationId xmlns:a16="http://schemas.microsoft.com/office/drawing/2014/main" id="{4F1F29B1-F2F8-4527-A0B9-5A566F0DB568}"/>
+              </a:ext>
+            </a:extLst>
+          </p:cNvPr>
+          <p:cNvSpPr>
+            <a:spLocks noGrp="1"/>
+          </p:cNvSpPr>
+          <p:nvPr>
+            <p:ph type="dt" sz="half" idx="10"/>
+          </p:nvPr>
+        </p:nvSpPr>
+        <p:spPr>
+          <a:xfrm>
+            <a:off x="838200" y="6486006"/>
+            <a:ext cx="2743200" cy="365125"/>
+          </a:xfrm>
+          <a:prstGeom prst="rect">
+            <a:avLst/>
+          </a:prstGeom>
+        </p:spPr>
+        <p:txBody>
+          <a:bodyPr/>
+          <a:lstStyle>
+            <a:lvl1pPr>
+              <a:defRPr sz="1200" b="1">
+                <a:solidFill>
+                  <a:schemeClr val="bg1"/>
+                </a:solidFill>
+                <a:latin typeface="Lato" panose="020F0502020204030203" pitchFamily="34" charset="0"/>
+                <a:ea typeface="Lato" panose="020F0502020204030203" pitchFamily="34" charset="0"/>
+                <a:cs typeface="Lato" panose="020F0502020204030203" pitchFamily="34" charset="0"/>
+              </a:defRPr>
+            </a:lvl1pPr>
+          </a:lstStyle>
+          <a:p>
+            <a:fld id="{EEBFCEF3-2DDE-476B-8A96-303EC557333C}" type="datetime1">
+              <a:rPr lang="en-US" smtClean="0"/>
+              <a:pPr/>
+              <a:t>12/27/2021</a:t>
+            </a:fld>
+            <a:endParaRPr lang="en-US"/>
+          </a:p>
+        </p:txBody>
+      </p:sp>
+      <p:sp>
+        <p:nvSpPr>
+          <p:cNvPr id="7" name="Footer Placeholder 4">
+            <a:extLst>
+              <a:ext uri="{FF2B5EF4-FFF2-40B4-BE49-F238E27FC236}">
+                <a16:creationId xmlns:a16="http://schemas.microsoft.com/office/drawing/2014/main" id="{B1F89192-9608-4DA0-9D58-CE5D74F0161B}"/>
+              </a:ext>
+            </a:extLst>
+          </p:cNvPr>
+          <p:cNvSpPr>
+            <a:spLocks noGrp="1"/>
+          </p:cNvSpPr>
+          <p:nvPr>
+            <p:ph type="ftr" sz="quarter" idx="11"/>
+          </p:nvPr>
+        </p:nvSpPr>
+        <p:spPr>
+          <a:xfrm>
+            <a:off x="4038600" y="6486006"/>
+            <a:ext cx="4114800" cy="365125"/>
+          </a:xfrm>
+          <a:prstGeom prst="rect">
+            <a:avLst/>
+          </a:prstGeom>
+        </p:spPr>
+        <p:txBody>
+          <a:bodyPr/>
+          <a:lstStyle>
+            <a:lvl1pPr algn="ctr">
+              <a:defRPr sz="1200" b="1">
+                <a:solidFill>
+                  <a:srgbClr val="C00000"/>
+                </a:solidFill>
+                <a:latin typeface="Lato" panose="020F0502020204030203" pitchFamily="34" charset="0"/>
+                <a:ea typeface="Lato" panose="020F0502020204030203" pitchFamily="34" charset="0"/>
+                <a:cs typeface="Lato" panose="020F0502020204030203" pitchFamily="34" charset="0"/>
+              </a:defRPr>
+            </a:lvl1pPr>
+          </a:lstStyle>
+          <a:p>
+            <a:endParaRPr lang="en-US"/>
+          </a:p>
+        </p:txBody>
+      </p:sp>
+      <p:sp>
+        <p:nvSpPr>
+          <p:cNvPr id="8" name="Slide Number Placeholder 5">
+            <a:extLst>
+              <a:ext uri="{FF2B5EF4-FFF2-40B4-BE49-F238E27FC236}">
+                <a16:creationId xmlns:a16="http://schemas.microsoft.com/office/drawing/2014/main" id="{41300396-45C9-472A-AA37-70408F1C2FAF}"/>
+              </a:ext>
+            </a:extLst>
+          </p:cNvPr>
+          <p:cNvSpPr>
+            <a:spLocks noGrp="1"/>
+          </p:cNvSpPr>
+          <p:nvPr>
+            <p:ph type="sldNum" sz="quarter" idx="12"/>
+          </p:nvPr>
+        </p:nvSpPr>
+        <p:spPr>
+          <a:xfrm>
+            <a:off x="9156511" y="6492875"/>
+            <a:ext cx="2743200" cy="365125"/>
+          </a:xfrm>
+          <a:prstGeom prst="rect">
+            <a:avLst/>
+          </a:prstGeom>
+        </p:spPr>
+        <p:txBody>
+          <a:bodyPr/>
+          <a:lstStyle>
+            <a:lvl1pPr algn="r">
+              <a:defRPr sz="1200" b="1">
+                <a:solidFill>
+                  <a:srgbClr val="C00000"/>
+                </a:solidFill>
+                <a:latin typeface="Lato" panose="020F0502020204030203" pitchFamily="34" charset="0"/>
+                <a:ea typeface="Lato" panose="020F0502020204030203" pitchFamily="34" charset="0"/>
+                <a:cs typeface="Lato" panose="020F0502020204030203" pitchFamily="34" charset="0"/>
+              </a:defRPr>
+            </a:lvl1pPr>
+          </a:lstStyle>
+          <a:p>
+            <a:fld id="{9EA0BE3B-158A-4EDF-80DC-E394A0D1600F}" type="slidenum">
+              <a:rPr lang="en-US" smtClean="0"/>
+              <a:pPr/>
+              <a:t>‹#›</a:t>
+            </a:fld>
+            <a:endParaRPr lang="en-US"/>
+          </a:p>
+        </p:txBody>
+      </p:sp>
+      <p:sp>
+        <p:nvSpPr>
+          <p:cNvPr id="9" name="Content Placeholder 4">
+            <a:extLst>
+              <a:ext uri="{FF2B5EF4-FFF2-40B4-BE49-F238E27FC236}">
+                <a16:creationId xmlns:a16="http://schemas.microsoft.com/office/drawing/2014/main" id="{45B855E6-8413-49D5-929E-33A3B3627516}"/>
+              </a:ext>
+            </a:extLst>
+          </p:cNvPr>
+          <p:cNvSpPr>
+            <a:spLocks noGrp="1"/>
+          </p:cNvSpPr>
+          <p:nvPr>
+            <p:ph sz="quarter" idx="13"/>
+          </p:nvPr>
+        </p:nvSpPr>
+        <p:spPr>
+          <a:xfrm>
+            <a:off x="4558372" y="1248325"/>
+            <a:ext cx="7391400" cy="5205412"/>
           </a:xfrm>
           <a:prstGeom prst="rect">
             <a:avLst/>
@@ -1910,10 +2214,10 @@
       </p:sp>
       <p:sp>
         <p:nvSpPr>
-          <p:cNvPr id="19" name="Title 6">
-            <a:extLst>
-              <a:ext uri="{FF2B5EF4-FFF2-40B4-BE49-F238E27FC236}">
-                <a16:creationId xmlns:a16="http://schemas.microsoft.com/office/drawing/2014/main" id="{EFD61387-9809-4E21-B8EA-93815E5E8F6F}"/>
+          <p:cNvPr id="10" name="Title 8">
+            <a:extLst>
+              <a:ext uri="{FF2B5EF4-FFF2-40B4-BE49-F238E27FC236}">
+                <a16:creationId xmlns:a16="http://schemas.microsoft.com/office/drawing/2014/main" id="{AB6BBE52-BFE6-4B4F-95C1-25C2EB84A64F}"/>
               </a:ext>
             </a:extLst>
           </p:cNvPr>
@@ -1926,8 +2230,8 @@
         </p:nvSpPr>
         <p:spPr>
           <a:xfrm>
-            <a:off x="235077" y="78613"/>
-            <a:ext cx="8673846" cy="451739"/>
+            <a:off x="4558372" y="404265"/>
+            <a:ext cx="7391400" cy="436098"/>
           </a:xfrm>
           <a:prstGeom prst="rect">
             <a:avLst/>
@@ -1939,7 +2243,7 @@
             <a:lvl1pPr>
               <a:defRPr sz="2800" b="1">
                 <a:solidFill>
-                  <a:schemeClr val="bg1"/>
+                  <a:schemeClr val="tx1"/>
                 </a:solidFill>
                 <a:latin typeface="Lato" panose="020F0502020204030203" pitchFamily="34" charset="0"/>
                 <a:ea typeface="Lato" panose="020F0502020204030203" pitchFamily="34" charset="0"/>
@@ -1950,7 +2254,7 @@
           <a:p>
             <a:r>
               <a:rPr lang="en-US" dirty="0"/>
-              <a:t>Title 2: ………………………………………</a:t>
+              <a:t>Title 4:……………………………………..</a:t>
             </a:r>
           </a:p>
         </p:txBody>
@@ -1958,7 +2262,7 @@
     </p:spTree>
     <p:extLst>
       <p:ext uri="{BB962C8B-B14F-4D97-AF65-F5344CB8AC3E}">
-        <p14:creationId xmlns:p14="http://schemas.microsoft.com/office/powerpoint/2010/main" val="314880910"/>
+        <p14:creationId xmlns:p14="http://schemas.microsoft.com/office/powerpoint/2010/main" val="4113439185"/>
       </p:ext>
     </p:extLst>
   </p:cSld>
@@ -1969,8 +2273,8 @@
 </file>
 
 <file path=ppt/slideLayouts/slideLayout6.xml><?xml version="1.0" encoding="utf-8"?>
-<p:sldLayout xmlns:a="http://schemas.openxmlformats.org/drawingml/2006/main" xmlns:r="http://schemas.openxmlformats.org/officeDocument/2006/relationships" xmlns:p="http://schemas.openxmlformats.org/presentationml/2006/main" userDrawn="1">
-  <p:cSld name="1_Comparison">
+<p:sldLayout xmlns:a="http://schemas.openxmlformats.org/drawingml/2006/main" xmlns:r="http://schemas.openxmlformats.org/officeDocument/2006/relationships" xmlns:p="http://schemas.openxmlformats.org/presentationml/2006/main" preserve="1" userDrawn="1">
+  <p:cSld name="Blank">
     <p:bg>
       <p:bgPr>
         <a:blipFill dpi="0" rotWithShape="1">
@@ -2004,7 +2308,7 @@
           <p:cNvPr id="7" name="Date Placeholder 3">
             <a:extLst>
               <a:ext uri="{FF2B5EF4-FFF2-40B4-BE49-F238E27FC236}">
-                <a16:creationId xmlns:a16="http://schemas.microsoft.com/office/drawing/2014/main" id="{007929A3-17ED-41F3-AD36-819BC9DFBCB6}"/>
+                <a16:creationId xmlns:a16="http://schemas.microsoft.com/office/drawing/2014/main" id="{98A78F82-82C6-4F07-B7D8-4A1219A1BB45}"/>
               </a:ext>
             </a:extLst>
           </p:cNvPr>
@@ -2017,8 +2321,8 @@
         </p:nvSpPr>
         <p:spPr>
           <a:xfrm>
-            <a:off x="628650" y="6565257"/>
-            <a:ext cx="2057400" cy="365125"/>
+            <a:off x="838200" y="6486006"/>
+            <a:ext cx="2743200" cy="365125"/>
           </a:xfrm>
           <a:prstGeom prst="rect">
             <a:avLst/>
@@ -2039,10 +2343,10 @@
             </a:lvl1pPr>
           </a:lstStyle>
           <a:p>
-            <a:fld id="{F70EAA40-3A53-4A3D-924A-D38F1059C7D5}" type="datetime1">
+            <a:fld id="{19A9EFEF-A194-4819-82D7-1112425D0E86}" type="datetime1">
               <a:rPr lang="en-US" smtClean="0"/>
               <a:pPr/>
-              <a:t>12/24/2021</a:t>
+              <a:t>12/27/2021</a:t>
             </a:fld>
             <a:endParaRPr lang="en-US"/>
           </a:p>
@@ -2053,7 +2357,7 @@
           <p:cNvPr id="8" name="Footer Placeholder 4">
             <a:extLst>
               <a:ext uri="{FF2B5EF4-FFF2-40B4-BE49-F238E27FC236}">
-                <a16:creationId xmlns:a16="http://schemas.microsoft.com/office/drawing/2014/main" id="{4973EE95-672F-4E5A-A918-2F51DB2C3ACB}"/>
+                <a16:creationId xmlns:a16="http://schemas.microsoft.com/office/drawing/2014/main" id="{12041C72-5CA2-4523-9F1E-50662A3276CE}"/>
               </a:ext>
             </a:extLst>
           </p:cNvPr>
@@ -2066,8 +2370,8 @@
         </p:nvSpPr>
         <p:spPr>
           <a:xfrm>
-            <a:off x="3028950" y="6565257"/>
-            <a:ext cx="3086100" cy="365125"/>
+            <a:off x="4038600" y="6486006"/>
+            <a:ext cx="4114800" cy="365125"/>
           </a:xfrm>
           <a:prstGeom prst="rect">
             <a:avLst/>
@@ -2097,7 +2401,7 @@
           <p:cNvPr id="9" name="Slide Number Placeholder 5">
             <a:extLst>
               <a:ext uri="{FF2B5EF4-FFF2-40B4-BE49-F238E27FC236}">
-                <a16:creationId xmlns:a16="http://schemas.microsoft.com/office/drawing/2014/main" id="{2B17F6F6-0CA3-4D52-AA3D-7CF8ADE793B6}"/>
+                <a16:creationId xmlns:a16="http://schemas.microsoft.com/office/drawing/2014/main" id="{3AD6B24F-6759-4931-A1C4-77BA8AF7E085}"/>
               </a:ext>
             </a:extLst>
           </p:cNvPr>
@@ -2110,8 +2414,8 @@
         </p:nvSpPr>
         <p:spPr>
           <a:xfrm>
-            <a:off x="6867383" y="6572126"/>
-            <a:ext cx="2057400" cy="365125"/>
+            <a:off x="9156511" y="6492875"/>
+            <a:ext cx="2743200" cy="365125"/>
           </a:xfrm>
           <a:prstGeom prst="rect">
             <a:avLst/>
@@ -2137,16 +2441,16 @@
               <a:pPr/>
               <a:t>‹#›</a:t>
             </a:fld>
-            <a:endParaRPr lang="en-US" dirty="0"/>
-          </a:p>
-        </p:txBody>
-      </p:sp>
-      <p:sp>
-        <p:nvSpPr>
-          <p:cNvPr id="11" name="Title 6">
-            <a:extLst>
-              <a:ext uri="{FF2B5EF4-FFF2-40B4-BE49-F238E27FC236}">
-                <a16:creationId xmlns:a16="http://schemas.microsoft.com/office/drawing/2014/main" id="{943CD72D-5295-43E4-B175-0EA61084ADC7}"/>
+            <a:endParaRPr lang="en-US"/>
+          </a:p>
+        </p:txBody>
+      </p:sp>
+      <p:sp>
+        <p:nvSpPr>
+          <p:cNvPr id="10" name="Title 8">
+            <a:extLst>
+              <a:ext uri="{FF2B5EF4-FFF2-40B4-BE49-F238E27FC236}">
+                <a16:creationId xmlns:a16="http://schemas.microsoft.com/office/drawing/2014/main" id="{1CD850F7-B0EC-49AD-960D-051EAF5F36DD}"/>
               </a:ext>
             </a:extLst>
           </p:cNvPr>
@@ -2159,8 +2463,8 @@
         </p:nvSpPr>
         <p:spPr>
           <a:xfrm>
-            <a:off x="235077" y="78613"/>
-            <a:ext cx="8673846" cy="451739"/>
+            <a:off x="338736" y="112543"/>
+            <a:ext cx="11514528" cy="436098"/>
           </a:xfrm>
           <a:prstGeom prst="rect">
             <a:avLst/>
@@ -2183,31 +2487,31 @@
           <a:p>
             <a:r>
               <a:rPr lang="en-US" dirty="0"/>
-              <a:t>Title 3: ………………………………………</a:t>
-            </a:r>
-          </a:p>
-        </p:txBody>
-      </p:sp>
-      <p:sp>
-        <p:nvSpPr>
-          <p:cNvPr id="16" name="Text Placeholder 11">
-            <a:extLst>
-              <a:ext uri="{FF2B5EF4-FFF2-40B4-BE49-F238E27FC236}">
-                <a16:creationId xmlns:a16="http://schemas.microsoft.com/office/drawing/2014/main" id="{0C9A3A79-B187-4A33-8EBB-92ECD8BA3C59}"/>
-              </a:ext>
-            </a:extLst>
-          </p:cNvPr>
-          <p:cNvSpPr>
-            <a:spLocks noGrp="1"/>
-          </p:cNvSpPr>
-          <p:nvPr>
-            <p:ph type="body" sz="quarter" idx="13"/>
+              <a:t>Title 5:……………………………………..</a:t>
+            </a:r>
+          </a:p>
+        </p:txBody>
+      </p:sp>
+      <p:sp>
+        <p:nvSpPr>
+          <p:cNvPr id="11" name="Chart Placeholder 14">
+            <a:extLst>
+              <a:ext uri="{FF2B5EF4-FFF2-40B4-BE49-F238E27FC236}">
+                <a16:creationId xmlns:a16="http://schemas.microsoft.com/office/drawing/2014/main" id="{4A80550F-98CB-400B-9D36-210A7AED20E8}"/>
+              </a:ext>
+            </a:extLst>
+          </p:cNvPr>
+          <p:cNvSpPr>
+            <a:spLocks noGrp="1"/>
+          </p:cNvSpPr>
+          <p:nvPr>
+            <p:ph type="chart" sz="quarter" idx="13" hasCustomPrompt="1"/>
           </p:nvPr>
         </p:nvSpPr>
         <p:spPr>
           <a:xfrm>
-            <a:off x="234950" y="963168"/>
-            <a:ext cx="8674100" cy="5132832"/>
+            <a:off x="338736" y="1406525"/>
+            <a:ext cx="5757264" cy="4670425"/>
           </a:xfrm>
           <a:prstGeom prst="rect">
             <a:avLst/>
@@ -2223,68 +2527,55 @@
                 <a:cs typeface="Lato" panose="020F0502020204030203" pitchFamily="34" charset="0"/>
               </a:defRPr>
             </a:lvl1pPr>
-            <a:lvl2pPr>
+          </a:lstStyle>
+          <a:p>
+            <a:r>
+              <a:rPr lang="en-US" dirty="0"/>
+              <a:t>Chart</a:t>
+            </a:r>
+          </a:p>
+        </p:txBody>
+      </p:sp>
+      <p:sp>
+        <p:nvSpPr>
+          <p:cNvPr id="12" name="Table Placeholder 16">
+            <a:extLst>
+              <a:ext uri="{FF2B5EF4-FFF2-40B4-BE49-F238E27FC236}">
+                <a16:creationId xmlns:a16="http://schemas.microsoft.com/office/drawing/2014/main" id="{15345DA2-1E92-473D-9483-A24F87614F3D}"/>
+              </a:ext>
+            </a:extLst>
+          </p:cNvPr>
+          <p:cNvSpPr>
+            <a:spLocks noGrp="1"/>
+          </p:cNvSpPr>
+          <p:nvPr>
+            <p:ph type="tbl" sz="quarter" idx="14" hasCustomPrompt="1"/>
+          </p:nvPr>
+        </p:nvSpPr>
+        <p:spPr>
+          <a:xfrm>
+            <a:off x="6210300" y="1392239"/>
+            <a:ext cx="5592763" cy="4684712"/>
+          </a:xfrm>
+          <a:prstGeom prst="rect">
+            <a:avLst/>
+          </a:prstGeom>
+        </p:spPr>
+        <p:txBody>
+          <a:bodyPr/>
+          <a:lstStyle>
+            <a:lvl1pPr>
               <a:defRPr>
                 <a:latin typeface="Lato" panose="020F0502020204030203" pitchFamily="34" charset="0"/>
                 <a:ea typeface="Lato" panose="020F0502020204030203" pitchFamily="34" charset="0"/>
                 <a:cs typeface="Lato" panose="020F0502020204030203" pitchFamily="34" charset="0"/>
               </a:defRPr>
-            </a:lvl2pPr>
-            <a:lvl3pPr>
-              <a:defRPr>
-                <a:latin typeface="Lato" panose="020F0502020204030203" pitchFamily="34" charset="0"/>
-                <a:ea typeface="Lato" panose="020F0502020204030203" pitchFamily="34" charset="0"/>
-                <a:cs typeface="Lato" panose="020F0502020204030203" pitchFamily="34" charset="0"/>
-              </a:defRPr>
-            </a:lvl3pPr>
-            <a:lvl4pPr>
-              <a:defRPr>
-                <a:latin typeface="Lato" panose="020F0502020204030203" pitchFamily="34" charset="0"/>
-                <a:ea typeface="Lato" panose="020F0502020204030203" pitchFamily="34" charset="0"/>
-                <a:cs typeface="Lato" panose="020F0502020204030203" pitchFamily="34" charset="0"/>
-              </a:defRPr>
-            </a:lvl4pPr>
-            <a:lvl5pPr>
-              <a:defRPr>
-                <a:latin typeface="Lato" panose="020F0502020204030203" pitchFamily="34" charset="0"/>
-                <a:ea typeface="Lato" panose="020F0502020204030203" pitchFamily="34" charset="0"/>
-                <a:cs typeface="Lato" panose="020F0502020204030203" pitchFamily="34" charset="0"/>
-              </a:defRPr>
-            </a:lvl5pPr>
+            </a:lvl1pPr>
           </a:lstStyle>
           <a:p>
-            <a:pPr lvl="0"/>
             <a:r>
               <a:rPr lang="en-US" dirty="0"/>
-              <a:t>Click to edit Master text styles</a:t>
-            </a:r>
-          </a:p>
-          <a:p>
-            <a:pPr lvl="1"/>
-            <a:r>
-              <a:rPr lang="en-US" dirty="0"/>
-              <a:t>Second level</a:t>
-            </a:r>
-          </a:p>
-          <a:p>
-            <a:pPr lvl="2"/>
-            <a:r>
-              <a:rPr lang="en-US" dirty="0"/>
-              <a:t>Third level</a:t>
-            </a:r>
-          </a:p>
-          <a:p>
-            <a:pPr lvl="3"/>
-            <a:r>
-              <a:rPr lang="en-US" dirty="0"/>
-              <a:t>Fourth level</a:t>
-            </a:r>
-          </a:p>
-          <a:p>
-            <a:pPr lvl="4"/>
-            <a:r>
-              <a:rPr lang="en-US" dirty="0"/>
-              <a:t>Fifth level</a:t>
+              <a:t>Table</a:t>
             </a:r>
           </a:p>
         </p:txBody>
@@ -2292,7 +2583,7 @@
     </p:spTree>
     <p:extLst>
       <p:ext uri="{BB962C8B-B14F-4D97-AF65-F5344CB8AC3E}">
-        <p14:creationId xmlns:p14="http://schemas.microsoft.com/office/powerpoint/2010/main" val="1617985775"/>
+        <p14:creationId xmlns:p14="http://schemas.microsoft.com/office/powerpoint/2010/main" val="32426824"/>
       </p:ext>
     </p:extLst>
   </p:cSld>
@@ -2303,8 +2594,8 @@
 </file>
 
 <file path=ppt/slideLayouts/slideLayout7.xml><?xml version="1.0" encoding="utf-8"?>
-<p:sldLayout xmlns:a="http://schemas.openxmlformats.org/drawingml/2006/main" xmlns:r="http://schemas.openxmlformats.org/officeDocument/2006/relationships" xmlns:p="http://schemas.openxmlformats.org/presentationml/2006/main" userDrawn="1">
-  <p:cSld name="1_Title Only">
+<p:sldLayout xmlns:a="http://schemas.openxmlformats.org/drawingml/2006/main" xmlns:r="http://schemas.openxmlformats.org/officeDocument/2006/relationships" xmlns:p="http://schemas.openxmlformats.org/presentationml/2006/main" preserve="1" userDrawn="1">
+  <p:cSld name="Content with Caption">
     <p:bg>
       <p:bgPr>
         <a:blipFill dpi="0" rotWithShape="1">
@@ -2335,24 +2626,24 @@
       </p:grpSpPr>
       <p:sp>
         <p:nvSpPr>
-          <p:cNvPr id="11" name="Title 6">
-            <a:extLst>
-              <a:ext uri="{FF2B5EF4-FFF2-40B4-BE49-F238E27FC236}">
-                <a16:creationId xmlns:a16="http://schemas.microsoft.com/office/drawing/2014/main" id="{689FBFE6-E7AD-40DE-88B8-794C73F956C5}"/>
-              </a:ext>
-            </a:extLst>
-          </p:cNvPr>
-          <p:cNvSpPr>
-            <a:spLocks noGrp="1"/>
-          </p:cNvSpPr>
-          <p:nvPr>
-            <p:ph type="title" hasCustomPrompt="1"/>
+          <p:cNvPr id="8" name="Date Placeholder 3">
+            <a:extLst>
+              <a:ext uri="{FF2B5EF4-FFF2-40B4-BE49-F238E27FC236}">
+                <a16:creationId xmlns:a16="http://schemas.microsoft.com/office/drawing/2014/main" id="{A21A061D-9F38-49ED-BAF8-8055D9FB97A5}"/>
+              </a:ext>
+            </a:extLst>
+          </p:cNvPr>
+          <p:cNvSpPr>
+            <a:spLocks noGrp="1"/>
+          </p:cNvSpPr>
+          <p:nvPr>
+            <p:ph type="dt" sz="half" idx="10"/>
           </p:nvPr>
         </p:nvSpPr>
         <p:spPr>
           <a:xfrm>
-            <a:off x="3511295" y="224917"/>
-            <a:ext cx="5397627" cy="451739"/>
+            <a:off x="838200" y="6492875"/>
+            <a:ext cx="2743200" cy="365125"/>
           </a:xfrm>
           <a:prstGeom prst="rect">
             <a:avLst/>
@@ -2362,9 +2653,9 @@
           <a:bodyPr/>
           <a:lstStyle>
             <a:lvl1pPr>
-              <a:defRPr sz="2800" b="1">
+              <a:defRPr sz="1200" b="1">
                 <a:solidFill>
-                  <a:schemeClr val="tx1"/>
+                  <a:schemeClr val="bg1"/>
                 </a:solidFill>
                 <a:latin typeface="Lato" panose="020F0502020204030203" pitchFamily="34" charset="0"/>
                 <a:ea typeface="Lato" panose="020F0502020204030203" pitchFamily="34" charset="0"/>
@@ -2373,185 +2664,35 @@
             </a:lvl1pPr>
           </a:lstStyle>
           <a:p>
-            <a:r>
-              <a:rPr lang="en-US" dirty="0"/>
-              <a:t>Title 4: ……………………………………</a:t>
-            </a:r>
-          </a:p>
-        </p:txBody>
-      </p:sp>
-      <p:sp>
-        <p:nvSpPr>
-          <p:cNvPr id="12" name="Text Placeholder 7">
-            <a:extLst>
-              <a:ext uri="{FF2B5EF4-FFF2-40B4-BE49-F238E27FC236}">
-                <a16:creationId xmlns:a16="http://schemas.microsoft.com/office/drawing/2014/main" id="{1C2ED7A5-CBB5-4B5C-BD2A-3596087A71FA}"/>
-              </a:ext>
-            </a:extLst>
-          </p:cNvPr>
-          <p:cNvSpPr>
-            <a:spLocks noGrp="1"/>
-          </p:cNvSpPr>
-          <p:nvPr>
-            <p:ph type="body" sz="quarter" idx="13"/>
+            <a:fld id="{82F65D4C-DEE4-4C7B-91C4-D6D57A523E98}" type="datetime1">
+              <a:rPr lang="en-US" smtClean="0"/>
+              <a:pPr/>
+              <a:t>12/27/2021</a:t>
+            </a:fld>
+            <a:endParaRPr lang="en-US"/>
+          </a:p>
+        </p:txBody>
+      </p:sp>
+      <p:sp>
+        <p:nvSpPr>
+          <p:cNvPr id="9" name="Footer Placeholder 4">
+            <a:extLst>
+              <a:ext uri="{FF2B5EF4-FFF2-40B4-BE49-F238E27FC236}">
+                <a16:creationId xmlns:a16="http://schemas.microsoft.com/office/drawing/2014/main" id="{490FAA6E-46AD-4366-8E80-2F5BEB7D5B24}"/>
+              </a:ext>
+            </a:extLst>
+          </p:cNvPr>
+          <p:cNvSpPr>
+            <a:spLocks noGrp="1"/>
+          </p:cNvSpPr>
+          <p:nvPr>
+            <p:ph type="ftr" sz="quarter" idx="11"/>
           </p:nvPr>
         </p:nvSpPr>
         <p:spPr>
           <a:xfrm>
-            <a:off x="3524251" y="1011238"/>
-            <a:ext cx="5384672" cy="5529262"/>
-          </a:xfrm>
-          <a:prstGeom prst="rect">
-            <a:avLst/>
-          </a:prstGeom>
-        </p:spPr>
-        <p:txBody>
-          <a:bodyPr/>
-          <a:lstStyle>
-            <a:lvl1pPr>
-              <a:defRPr>
-                <a:latin typeface="Lato" panose="020F0502020204030203" pitchFamily="34" charset="0"/>
-                <a:ea typeface="Lato" panose="020F0502020204030203" pitchFamily="34" charset="0"/>
-                <a:cs typeface="Lato" panose="020F0502020204030203" pitchFamily="34" charset="0"/>
-              </a:defRPr>
-            </a:lvl1pPr>
-            <a:lvl2pPr>
-              <a:defRPr>
-                <a:latin typeface="Lato" panose="020F0502020204030203" pitchFamily="34" charset="0"/>
-                <a:ea typeface="Lato" panose="020F0502020204030203" pitchFamily="34" charset="0"/>
-                <a:cs typeface="Lato" panose="020F0502020204030203" pitchFamily="34" charset="0"/>
-              </a:defRPr>
-            </a:lvl2pPr>
-            <a:lvl3pPr>
-              <a:defRPr>
-                <a:latin typeface="Lato" panose="020F0502020204030203" pitchFamily="34" charset="0"/>
-                <a:ea typeface="Lato" panose="020F0502020204030203" pitchFamily="34" charset="0"/>
-                <a:cs typeface="Lato" panose="020F0502020204030203" pitchFamily="34" charset="0"/>
-              </a:defRPr>
-            </a:lvl3pPr>
-            <a:lvl4pPr>
-              <a:defRPr>
-                <a:latin typeface="Lato" panose="020F0502020204030203" pitchFamily="34" charset="0"/>
-                <a:ea typeface="Lato" panose="020F0502020204030203" pitchFamily="34" charset="0"/>
-                <a:cs typeface="Lato" panose="020F0502020204030203" pitchFamily="34" charset="0"/>
-              </a:defRPr>
-            </a:lvl4pPr>
-            <a:lvl5pPr>
-              <a:defRPr>
-                <a:latin typeface="Lato" panose="020F0502020204030203" pitchFamily="34" charset="0"/>
-                <a:ea typeface="Lato" panose="020F0502020204030203" pitchFamily="34" charset="0"/>
-                <a:cs typeface="Lato" panose="020F0502020204030203" pitchFamily="34" charset="0"/>
-              </a:defRPr>
-            </a:lvl5pPr>
-          </a:lstStyle>
-          <a:p>
-            <a:pPr lvl="0"/>
-            <a:r>
-              <a:rPr lang="en-US" dirty="0"/>
-              <a:t>Click to edit Master text styles</a:t>
-            </a:r>
-          </a:p>
-          <a:p>
-            <a:pPr lvl="1"/>
-            <a:r>
-              <a:rPr lang="en-US" dirty="0"/>
-              <a:t>Second level</a:t>
-            </a:r>
-          </a:p>
-          <a:p>
-            <a:pPr lvl="2"/>
-            <a:r>
-              <a:rPr lang="en-US" dirty="0"/>
-              <a:t>Third level</a:t>
-            </a:r>
-          </a:p>
-          <a:p>
-            <a:pPr lvl="3"/>
-            <a:r>
-              <a:rPr lang="en-US" dirty="0"/>
-              <a:t>Fourth level</a:t>
-            </a:r>
-          </a:p>
-          <a:p>
-            <a:pPr lvl="4"/>
-            <a:r>
-              <a:rPr lang="en-US" dirty="0"/>
-              <a:t>Fifth level</a:t>
-            </a:r>
-          </a:p>
-        </p:txBody>
-      </p:sp>
-      <p:sp>
-        <p:nvSpPr>
-          <p:cNvPr id="13" name="Date Placeholder 3">
-            <a:extLst>
-              <a:ext uri="{FF2B5EF4-FFF2-40B4-BE49-F238E27FC236}">
-                <a16:creationId xmlns:a16="http://schemas.microsoft.com/office/drawing/2014/main" id="{E21F2271-B488-4DC9-A50E-592D82F22CE9}"/>
-              </a:ext>
-            </a:extLst>
-          </p:cNvPr>
-          <p:cNvSpPr>
-            <a:spLocks noGrp="1"/>
-          </p:cNvSpPr>
-          <p:nvPr>
-            <p:ph type="dt" sz="half" idx="10"/>
-          </p:nvPr>
-        </p:nvSpPr>
-        <p:spPr>
-          <a:xfrm>
-            <a:off x="628650" y="6565257"/>
-            <a:ext cx="2057400" cy="365125"/>
-          </a:xfrm>
-          <a:prstGeom prst="rect">
-            <a:avLst/>
-          </a:prstGeom>
-        </p:spPr>
-        <p:txBody>
-          <a:bodyPr/>
-          <a:lstStyle>
-            <a:lvl1pPr>
-              <a:defRPr sz="1200" b="1">
-                <a:solidFill>
-                  <a:schemeClr val="bg1">
-                    <a:lumMod val="95000"/>
-                  </a:schemeClr>
-                </a:solidFill>
-                <a:latin typeface="Lato" panose="020F0502020204030203" pitchFamily="34" charset="0"/>
-                <a:ea typeface="Lato" panose="020F0502020204030203" pitchFamily="34" charset="0"/>
-                <a:cs typeface="Lato" panose="020F0502020204030203" pitchFamily="34" charset="0"/>
-              </a:defRPr>
-            </a:lvl1pPr>
-          </a:lstStyle>
-          <a:p>
-            <a:fld id="{F70EAA40-3A53-4A3D-924A-D38F1059C7D5}" type="datetime1">
-              <a:rPr lang="en-US" smtClean="0"/>
-              <a:pPr/>
-              <a:t>12/24/2021</a:t>
-            </a:fld>
-            <a:endParaRPr lang="en-US"/>
-          </a:p>
-        </p:txBody>
-      </p:sp>
-      <p:sp>
-        <p:nvSpPr>
-          <p:cNvPr id="14" name="Footer Placeholder 4">
-            <a:extLst>
-              <a:ext uri="{FF2B5EF4-FFF2-40B4-BE49-F238E27FC236}">
-                <a16:creationId xmlns:a16="http://schemas.microsoft.com/office/drawing/2014/main" id="{706E966D-F219-41DE-82BF-3F3121B7DCCC}"/>
-              </a:ext>
-            </a:extLst>
-          </p:cNvPr>
-          <p:cNvSpPr>
-            <a:spLocks noGrp="1"/>
-          </p:cNvSpPr>
-          <p:nvPr>
-            <p:ph type="ftr" sz="quarter" idx="11"/>
-          </p:nvPr>
-        </p:nvSpPr>
-        <p:spPr>
-          <a:xfrm>
-            <a:off x="3028950" y="6565257"/>
-            <a:ext cx="3086100" cy="365125"/>
+            <a:off x="4038600" y="6492875"/>
+            <a:ext cx="4114800" cy="365125"/>
           </a:xfrm>
           <a:prstGeom prst="rect">
             <a:avLst/>
@@ -2572,16 +2713,16 @@
             </a:lvl1pPr>
           </a:lstStyle>
           <a:p>
-            <a:endParaRPr lang="en-US" dirty="0"/>
-          </a:p>
-        </p:txBody>
-      </p:sp>
-      <p:sp>
-        <p:nvSpPr>
-          <p:cNvPr id="15" name="Slide Number Placeholder 5">
-            <a:extLst>
-              <a:ext uri="{FF2B5EF4-FFF2-40B4-BE49-F238E27FC236}">
-                <a16:creationId xmlns:a16="http://schemas.microsoft.com/office/drawing/2014/main" id="{AF61A491-C108-489A-B2EA-9FC27DAD4D24}"/>
+            <a:endParaRPr lang="en-US"/>
+          </a:p>
+        </p:txBody>
+      </p:sp>
+      <p:sp>
+        <p:nvSpPr>
+          <p:cNvPr id="10" name="Slide Number Placeholder 5">
+            <a:extLst>
+              <a:ext uri="{FF2B5EF4-FFF2-40B4-BE49-F238E27FC236}">
+                <a16:creationId xmlns:a16="http://schemas.microsoft.com/office/drawing/2014/main" id="{9A5604C7-0828-446E-97CC-8D6162E69E60}"/>
               </a:ext>
             </a:extLst>
           </p:cNvPr>
@@ -2594,8 +2735,8 @@
         </p:nvSpPr>
         <p:spPr>
           <a:xfrm>
-            <a:off x="6867383" y="6572126"/>
-            <a:ext cx="2057400" cy="365125"/>
+            <a:off x="9156511" y="6492875"/>
+            <a:ext cx="2743200" cy="365125"/>
           </a:xfrm>
           <a:prstGeom prst="rect">
             <a:avLst/>
@@ -2621,14 +2762,14 @@
               <a:pPr/>
               <a:t>‹#›</a:t>
             </a:fld>
-            <a:endParaRPr lang="en-US" dirty="0"/>
+            <a:endParaRPr lang="en-US"/>
           </a:p>
         </p:txBody>
       </p:sp>
     </p:spTree>
     <p:extLst>
       <p:ext uri="{BB962C8B-B14F-4D97-AF65-F5344CB8AC3E}">
-        <p14:creationId xmlns:p14="http://schemas.microsoft.com/office/powerpoint/2010/main" val="3313388757"/>
+        <p14:creationId xmlns:p14="http://schemas.microsoft.com/office/powerpoint/2010/main" val="2014881667"/>
       </p:ext>
     </p:extLst>
   </p:cSld>
@@ -2639,8 +2780,38 @@
 </file>
 
 <file path=ppt/slideLayouts/slideLayout8.xml><?xml version="1.0" encoding="utf-8"?>
-<p:sldLayout xmlns:a="http://schemas.openxmlformats.org/drawingml/2006/main" xmlns:r="http://schemas.openxmlformats.org/officeDocument/2006/relationships" xmlns:p="http://schemas.openxmlformats.org/presentationml/2006/main" userDrawn="1">
-  <p:cSld name="1_Blank">
+<p:sldLayout xmlns:a="http://schemas.openxmlformats.org/drawingml/2006/main" xmlns:r="http://schemas.openxmlformats.org/officeDocument/2006/relationships" xmlns:p="http://schemas.openxmlformats.org/presentationml/2006/main" preserve="1" userDrawn="1">
+  <p:cSld name="Custom Layout">
+    <p:spTree>
+      <p:nvGrpSpPr>
+        <p:cNvPr id="1" name=""/>
+        <p:cNvGrpSpPr/>
+        <p:nvPr/>
+      </p:nvGrpSpPr>
+      <p:grpSpPr>
+        <a:xfrm>
+          <a:off x="0" y="0"/>
+          <a:ext cx="0" cy="0"/>
+          <a:chOff x="0" y="0"/>
+          <a:chExt cx="0" cy="0"/>
+        </a:xfrm>
+      </p:grpSpPr>
+    </p:spTree>
+    <p:extLst>
+      <p:ext uri="{BB962C8B-B14F-4D97-AF65-F5344CB8AC3E}">
+        <p14:creationId xmlns:p14="http://schemas.microsoft.com/office/powerpoint/2010/main" val="3656033378"/>
+      </p:ext>
+    </p:extLst>
+  </p:cSld>
+  <p:clrMapOvr>
+    <a:masterClrMapping/>
+  </p:clrMapOvr>
+</p:sldLayout>
+</file>
+
+<file path=ppt/slideLayouts/slideLayout9.xml><?xml version="1.0" encoding="utf-8"?>
+<p:sldLayout xmlns:a="http://schemas.openxmlformats.org/drawingml/2006/main" xmlns:r="http://schemas.openxmlformats.org/officeDocument/2006/relationships" xmlns:p="http://schemas.openxmlformats.org/presentationml/2006/main" preserve="1" userDrawn="1">
+  <p:cSld name="Title Slide">
     <p:bg>
       <p:bgPr>
         <a:blipFill dpi="0" rotWithShape="1">
@@ -2671,10 +2842,10 @@
       </p:grpSpPr>
       <p:sp>
         <p:nvSpPr>
-          <p:cNvPr id="13" name="Title 6">
-            <a:extLst>
-              <a:ext uri="{FF2B5EF4-FFF2-40B4-BE49-F238E27FC236}">
-                <a16:creationId xmlns:a16="http://schemas.microsoft.com/office/drawing/2014/main" id="{74BADCE4-794A-4B69-9AB7-3D794A1F9A49}"/>
+          <p:cNvPr id="13" name="Title 4">
+            <a:extLst>
+              <a:ext uri="{FF2B5EF4-FFF2-40B4-BE49-F238E27FC236}">
+                <a16:creationId xmlns:a16="http://schemas.microsoft.com/office/drawing/2014/main" id="{4C167836-5AFF-4757-AB55-39FD3BBF9D47}"/>
               </a:ext>
             </a:extLst>
           </p:cNvPr>
@@ -2687,8 +2858,8 @@
         </p:nvSpPr>
         <p:spPr>
           <a:xfrm>
-            <a:off x="235077" y="78613"/>
-            <a:ext cx="8673846" cy="451739"/>
+            <a:off x="3788898" y="2461846"/>
+            <a:ext cx="4614203" cy="1934307"/>
           </a:xfrm>
           <a:prstGeom prst="rect">
             <a:avLst/>
@@ -2697,8 +2868,8 @@
         <p:txBody>
           <a:bodyPr/>
           <a:lstStyle>
-            <a:lvl1pPr>
-              <a:defRPr sz="2800" b="1">
+            <a:lvl1pPr algn="ctr">
+              <a:defRPr sz="4800" b="1">
                 <a:solidFill>
                   <a:schemeClr val="bg1"/>
                 </a:solidFill>
@@ -2711,547 +2882,15 @@
           <a:p>
             <a:r>
               <a:rPr lang="en-US" dirty="0"/>
-              <a:t>Title 5: ………………………………………</a:t>
-            </a:r>
-          </a:p>
-        </p:txBody>
-      </p:sp>
-      <p:sp>
-        <p:nvSpPr>
-          <p:cNvPr id="14" name="Content Placeholder 2">
-            <a:extLst>
-              <a:ext uri="{FF2B5EF4-FFF2-40B4-BE49-F238E27FC236}">
-                <a16:creationId xmlns:a16="http://schemas.microsoft.com/office/drawing/2014/main" id="{38375D86-D290-4003-A314-C916116C4238}"/>
-              </a:ext>
-            </a:extLst>
-          </p:cNvPr>
-          <p:cNvSpPr>
-            <a:spLocks noGrp="1"/>
-          </p:cNvSpPr>
-          <p:nvPr>
-            <p:ph sz="half" idx="1"/>
-          </p:nvPr>
-        </p:nvSpPr>
-        <p:spPr>
-          <a:xfrm>
-            <a:off x="595884" y="1533017"/>
-            <a:ext cx="3886200" cy="4351338"/>
-          </a:xfrm>
-          <a:prstGeom prst="rect">
-            <a:avLst/>
-          </a:prstGeom>
-        </p:spPr>
-        <p:txBody>
-          <a:bodyPr/>
-          <a:lstStyle>
-            <a:lvl1pPr>
-              <a:defRPr>
-                <a:latin typeface="Lato" panose="020F0502020204030203" pitchFamily="34" charset="0"/>
-                <a:ea typeface="Lato" panose="020F0502020204030203" pitchFamily="34" charset="0"/>
-                <a:cs typeface="Lato" panose="020F0502020204030203" pitchFamily="34" charset="0"/>
-              </a:defRPr>
-            </a:lvl1pPr>
-            <a:lvl2pPr>
-              <a:defRPr>
-                <a:latin typeface="Lato" panose="020F0502020204030203" pitchFamily="34" charset="0"/>
-                <a:ea typeface="Lato" panose="020F0502020204030203" pitchFamily="34" charset="0"/>
-                <a:cs typeface="Lato" panose="020F0502020204030203" pitchFamily="34" charset="0"/>
-              </a:defRPr>
-            </a:lvl2pPr>
-            <a:lvl3pPr>
-              <a:defRPr>
-                <a:latin typeface="Lato" panose="020F0502020204030203" pitchFamily="34" charset="0"/>
-                <a:ea typeface="Lato" panose="020F0502020204030203" pitchFamily="34" charset="0"/>
-                <a:cs typeface="Lato" panose="020F0502020204030203" pitchFamily="34" charset="0"/>
-              </a:defRPr>
-            </a:lvl3pPr>
-            <a:lvl4pPr>
-              <a:defRPr>
-                <a:latin typeface="Lato" panose="020F0502020204030203" pitchFamily="34" charset="0"/>
-                <a:ea typeface="Lato" panose="020F0502020204030203" pitchFamily="34" charset="0"/>
-                <a:cs typeface="Lato" panose="020F0502020204030203" pitchFamily="34" charset="0"/>
-              </a:defRPr>
-            </a:lvl4pPr>
-            <a:lvl5pPr>
-              <a:defRPr>
-                <a:latin typeface="Lato" panose="020F0502020204030203" pitchFamily="34" charset="0"/>
-                <a:ea typeface="Lato" panose="020F0502020204030203" pitchFamily="34" charset="0"/>
-                <a:cs typeface="Lato" panose="020F0502020204030203" pitchFamily="34" charset="0"/>
-              </a:defRPr>
-            </a:lvl5pPr>
-          </a:lstStyle>
-          <a:p>
-            <a:pPr lvl="0"/>
-            <a:r>
-              <a:rPr lang="en-US" dirty="0"/>
-              <a:t>Click to edit Master text styles</a:t>
-            </a:r>
-          </a:p>
-          <a:p>
-            <a:pPr lvl="1"/>
-            <a:r>
-              <a:rPr lang="en-US" dirty="0"/>
-              <a:t>Second level</a:t>
-            </a:r>
-          </a:p>
-          <a:p>
-            <a:pPr lvl="2"/>
-            <a:r>
-              <a:rPr lang="en-US" dirty="0"/>
-              <a:t>Third level</a:t>
-            </a:r>
-          </a:p>
-          <a:p>
-            <a:pPr lvl="3"/>
-            <a:r>
-              <a:rPr lang="en-US" dirty="0"/>
-              <a:t>Fourth level</a:t>
-            </a:r>
-          </a:p>
-          <a:p>
-            <a:pPr lvl="4"/>
-            <a:r>
-              <a:rPr lang="en-US" dirty="0"/>
-              <a:t>Fifth level</a:t>
-            </a:r>
-          </a:p>
-        </p:txBody>
-      </p:sp>
-      <p:sp>
-        <p:nvSpPr>
-          <p:cNvPr id="15" name="Content Placeholder 3">
-            <a:extLst>
-              <a:ext uri="{FF2B5EF4-FFF2-40B4-BE49-F238E27FC236}">
-                <a16:creationId xmlns:a16="http://schemas.microsoft.com/office/drawing/2014/main" id="{FB62406B-26DB-4A01-B048-1F2C7540F82F}"/>
-              </a:ext>
-            </a:extLst>
-          </p:cNvPr>
-          <p:cNvSpPr>
-            <a:spLocks noGrp="1"/>
-          </p:cNvSpPr>
-          <p:nvPr>
-            <p:ph sz="half" idx="2"/>
-          </p:nvPr>
-        </p:nvSpPr>
-        <p:spPr>
-          <a:xfrm>
-            <a:off x="4639056" y="1533017"/>
-            <a:ext cx="3886200" cy="4351338"/>
-          </a:xfrm>
-          <a:prstGeom prst="rect">
-            <a:avLst/>
-          </a:prstGeom>
-        </p:spPr>
-        <p:txBody>
-          <a:bodyPr/>
-          <a:lstStyle>
-            <a:lvl1pPr>
-              <a:defRPr>
-                <a:latin typeface="Lato" panose="020F0502020204030203" pitchFamily="34" charset="0"/>
-                <a:ea typeface="Lato" panose="020F0502020204030203" pitchFamily="34" charset="0"/>
-                <a:cs typeface="Lato" panose="020F0502020204030203" pitchFamily="34" charset="0"/>
-              </a:defRPr>
-            </a:lvl1pPr>
-            <a:lvl2pPr>
-              <a:defRPr>
-                <a:latin typeface="Lato" panose="020F0502020204030203" pitchFamily="34" charset="0"/>
-                <a:ea typeface="Lato" panose="020F0502020204030203" pitchFamily="34" charset="0"/>
-                <a:cs typeface="Lato" panose="020F0502020204030203" pitchFamily="34" charset="0"/>
-              </a:defRPr>
-            </a:lvl2pPr>
-            <a:lvl3pPr>
-              <a:defRPr>
-                <a:latin typeface="Lato" panose="020F0502020204030203" pitchFamily="34" charset="0"/>
-                <a:ea typeface="Lato" panose="020F0502020204030203" pitchFamily="34" charset="0"/>
-                <a:cs typeface="Lato" panose="020F0502020204030203" pitchFamily="34" charset="0"/>
-              </a:defRPr>
-            </a:lvl3pPr>
-            <a:lvl4pPr>
-              <a:defRPr>
-                <a:latin typeface="Lato" panose="020F0502020204030203" pitchFamily="34" charset="0"/>
-                <a:ea typeface="Lato" panose="020F0502020204030203" pitchFamily="34" charset="0"/>
-                <a:cs typeface="Lato" panose="020F0502020204030203" pitchFamily="34" charset="0"/>
-              </a:defRPr>
-            </a:lvl4pPr>
-            <a:lvl5pPr>
-              <a:defRPr>
-                <a:latin typeface="Lato" panose="020F0502020204030203" pitchFamily="34" charset="0"/>
-                <a:ea typeface="Lato" panose="020F0502020204030203" pitchFamily="34" charset="0"/>
-                <a:cs typeface="Lato" panose="020F0502020204030203" pitchFamily="34" charset="0"/>
-              </a:defRPr>
-            </a:lvl5pPr>
-          </a:lstStyle>
-          <a:p>
-            <a:pPr lvl="0"/>
-            <a:r>
-              <a:rPr lang="en-US" dirty="0"/>
-              <a:t>Click to edit Master text styles</a:t>
-            </a:r>
-          </a:p>
-          <a:p>
-            <a:pPr lvl="1"/>
-            <a:r>
-              <a:rPr lang="en-US" dirty="0"/>
-              <a:t>Second level</a:t>
-            </a:r>
-          </a:p>
-          <a:p>
-            <a:pPr lvl="2"/>
-            <a:r>
-              <a:rPr lang="en-US" dirty="0"/>
-              <a:t>Third level</a:t>
-            </a:r>
-          </a:p>
-          <a:p>
-            <a:pPr lvl="3"/>
-            <a:r>
-              <a:rPr lang="en-US" dirty="0"/>
-              <a:t>Fourth level</a:t>
-            </a:r>
-          </a:p>
-          <a:p>
-            <a:pPr lvl="4"/>
-            <a:r>
-              <a:rPr lang="en-US" dirty="0"/>
-              <a:t>Fifth level</a:t>
-            </a:r>
-          </a:p>
-        </p:txBody>
-      </p:sp>
-      <p:sp>
-        <p:nvSpPr>
-          <p:cNvPr id="16" name="Date Placeholder 3">
-            <a:extLst>
-              <a:ext uri="{FF2B5EF4-FFF2-40B4-BE49-F238E27FC236}">
-                <a16:creationId xmlns:a16="http://schemas.microsoft.com/office/drawing/2014/main" id="{A52862E5-D8E1-49BF-8D1B-BF0ED6579EA7}"/>
-              </a:ext>
-            </a:extLst>
-          </p:cNvPr>
-          <p:cNvSpPr>
-            <a:spLocks noGrp="1"/>
-          </p:cNvSpPr>
-          <p:nvPr>
-            <p:ph type="dt" sz="half" idx="10"/>
-          </p:nvPr>
-        </p:nvSpPr>
-        <p:spPr>
-          <a:xfrm>
-            <a:off x="628650" y="6565257"/>
-            <a:ext cx="2057400" cy="365125"/>
-          </a:xfrm>
-          <a:prstGeom prst="rect">
-            <a:avLst/>
-          </a:prstGeom>
-        </p:spPr>
-        <p:txBody>
-          <a:bodyPr/>
-          <a:lstStyle>
-            <a:lvl1pPr>
-              <a:defRPr sz="1200" b="1">
-                <a:solidFill>
-                  <a:srgbClr val="C00000"/>
-                </a:solidFill>
-                <a:latin typeface="Lato" panose="020F0502020204030203" pitchFamily="34" charset="0"/>
-                <a:ea typeface="Lato" panose="020F0502020204030203" pitchFamily="34" charset="0"/>
-                <a:cs typeface="Lato" panose="020F0502020204030203" pitchFamily="34" charset="0"/>
-              </a:defRPr>
-            </a:lvl1pPr>
-          </a:lstStyle>
-          <a:p>
-            <a:fld id="{F70EAA40-3A53-4A3D-924A-D38F1059C7D5}" type="datetime1">
-              <a:rPr lang="en-US" smtClean="0"/>
-              <a:pPr/>
-              <a:t>12/24/2021</a:t>
-            </a:fld>
-            <a:endParaRPr lang="en-US"/>
-          </a:p>
-        </p:txBody>
-      </p:sp>
-      <p:sp>
-        <p:nvSpPr>
-          <p:cNvPr id="17" name="Footer Placeholder 4">
-            <a:extLst>
-              <a:ext uri="{FF2B5EF4-FFF2-40B4-BE49-F238E27FC236}">
-                <a16:creationId xmlns:a16="http://schemas.microsoft.com/office/drawing/2014/main" id="{591AAF74-01FB-49A8-9375-959140F1D0E6}"/>
-              </a:ext>
-            </a:extLst>
-          </p:cNvPr>
-          <p:cNvSpPr>
-            <a:spLocks noGrp="1"/>
-          </p:cNvSpPr>
-          <p:nvPr>
-            <p:ph type="ftr" sz="quarter" idx="11"/>
-          </p:nvPr>
-        </p:nvSpPr>
-        <p:spPr>
-          <a:xfrm>
-            <a:off x="3028950" y="6565257"/>
-            <a:ext cx="3086100" cy="365125"/>
-          </a:xfrm>
-          <a:prstGeom prst="rect">
-            <a:avLst/>
-          </a:prstGeom>
-        </p:spPr>
-        <p:txBody>
-          <a:bodyPr/>
-          <a:lstStyle>
-            <a:lvl1pPr algn="ctr">
-              <a:defRPr sz="1200" b="1">
-                <a:solidFill>
-                  <a:srgbClr val="C00000"/>
-                </a:solidFill>
-                <a:latin typeface="Lato" panose="020F0502020204030203" pitchFamily="34" charset="0"/>
-                <a:ea typeface="Lato" panose="020F0502020204030203" pitchFamily="34" charset="0"/>
-                <a:cs typeface="Lato" panose="020F0502020204030203" pitchFamily="34" charset="0"/>
-              </a:defRPr>
-            </a:lvl1pPr>
-          </a:lstStyle>
-          <a:p>
-            <a:endParaRPr lang="en-US"/>
-          </a:p>
-        </p:txBody>
-      </p:sp>
-      <p:sp>
-        <p:nvSpPr>
-          <p:cNvPr id="18" name="Slide Number Placeholder 5">
-            <a:extLst>
-              <a:ext uri="{FF2B5EF4-FFF2-40B4-BE49-F238E27FC236}">
-                <a16:creationId xmlns:a16="http://schemas.microsoft.com/office/drawing/2014/main" id="{BBF4BC2F-980C-499D-A4B9-E7CD3D44754C}"/>
-              </a:ext>
-            </a:extLst>
-          </p:cNvPr>
-          <p:cNvSpPr>
-            <a:spLocks noGrp="1"/>
-          </p:cNvSpPr>
-          <p:nvPr>
-            <p:ph type="sldNum" sz="quarter" idx="12"/>
-          </p:nvPr>
-        </p:nvSpPr>
-        <p:spPr>
-          <a:xfrm>
-            <a:off x="6867383" y="6572126"/>
-            <a:ext cx="2057400" cy="365125"/>
-          </a:xfrm>
-          <a:prstGeom prst="rect">
-            <a:avLst/>
-          </a:prstGeom>
-        </p:spPr>
-        <p:txBody>
-          <a:bodyPr/>
-          <a:lstStyle>
-            <a:lvl1pPr algn="r">
-              <a:defRPr sz="1200" b="1">
-                <a:solidFill>
-                  <a:srgbClr val="C00000"/>
-                </a:solidFill>
-                <a:latin typeface="Lato" panose="020F0502020204030203" pitchFamily="34" charset="0"/>
-                <a:ea typeface="Lato" panose="020F0502020204030203" pitchFamily="34" charset="0"/>
-                <a:cs typeface="Lato" panose="020F0502020204030203" pitchFamily="34" charset="0"/>
-              </a:defRPr>
-            </a:lvl1pPr>
-          </a:lstStyle>
-          <a:p>
-            <a:fld id="{9EA0BE3B-158A-4EDF-80DC-E394A0D1600F}" type="slidenum">
-              <a:rPr lang="en-US" smtClean="0"/>
-              <a:pPr/>
-              <a:t>‹#›</a:t>
-            </a:fld>
-            <a:endParaRPr lang="en-US" dirty="0"/>
+              <a:t>CLICK TO EDIT MASTER TITLE STYLE</a:t>
+            </a:r>
           </a:p>
         </p:txBody>
       </p:sp>
     </p:spTree>
     <p:extLst>
       <p:ext uri="{BB962C8B-B14F-4D97-AF65-F5344CB8AC3E}">
-        <p14:creationId xmlns:p14="http://schemas.microsoft.com/office/powerpoint/2010/main" val="3052933222"/>
-      </p:ext>
-    </p:extLst>
-  </p:cSld>
-  <p:clrMapOvr>
-    <a:masterClrMapping/>
-  </p:clrMapOvr>
-</p:sldLayout>
-</file>
-
-<file path=ppt/slideLayouts/slideLayout9.xml><?xml version="1.0" encoding="utf-8"?>
-<p:sldLayout xmlns:a="http://schemas.openxmlformats.org/drawingml/2006/main" xmlns:r="http://schemas.openxmlformats.org/officeDocument/2006/relationships" xmlns:p="http://schemas.openxmlformats.org/presentationml/2006/main" userDrawn="1">
-  <p:cSld name="1_Content with Caption">
-    <p:bg>
-      <p:bgPr>
-        <a:blipFill dpi="0" rotWithShape="1">
-          <a:blip r:embed="rId2">
-            <a:lum/>
-          </a:blip>
-          <a:srcRect/>
-          <a:stretch>
-            <a:fillRect/>
-          </a:stretch>
-        </a:blipFill>
-        <a:effectLst/>
-      </p:bgPr>
-    </p:bg>
-    <p:spTree>
-      <p:nvGrpSpPr>
-        <p:cNvPr id="1" name=""/>
-        <p:cNvGrpSpPr/>
-        <p:nvPr/>
-      </p:nvGrpSpPr>
-      <p:grpSpPr>
-        <a:xfrm>
-          <a:off x="0" y="0"/>
-          <a:ext cx="0" cy="0"/>
-          <a:chOff x="0" y="0"/>
-          <a:chExt cx="0" cy="0"/>
-        </a:xfrm>
-      </p:grpSpPr>
-      <p:sp>
-        <p:nvSpPr>
-          <p:cNvPr id="5" name="Date Placeholder 3">
-            <a:extLst>
-              <a:ext uri="{FF2B5EF4-FFF2-40B4-BE49-F238E27FC236}">
-                <a16:creationId xmlns:a16="http://schemas.microsoft.com/office/drawing/2014/main" id="{76EAE966-F590-4BAF-A55B-75735FCC661F}"/>
-              </a:ext>
-            </a:extLst>
-          </p:cNvPr>
-          <p:cNvSpPr>
-            <a:spLocks noGrp="1"/>
-          </p:cNvSpPr>
-          <p:nvPr>
-            <p:ph type="dt" sz="half" idx="10"/>
-          </p:nvPr>
-        </p:nvSpPr>
-        <p:spPr>
-          <a:xfrm>
-            <a:off x="628650" y="6565257"/>
-            <a:ext cx="2057400" cy="365125"/>
-          </a:xfrm>
-          <a:prstGeom prst="rect">
-            <a:avLst/>
-          </a:prstGeom>
-        </p:spPr>
-        <p:txBody>
-          <a:bodyPr/>
-          <a:lstStyle>
-            <a:lvl1pPr>
-              <a:defRPr sz="1200" b="1">
-                <a:solidFill>
-                  <a:schemeClr val="bg1">
-                    <a:lumMod val="95000"/>
-                  </a:schemeClr>
-                </a:solidFill>
-                <a:latin typeface="Lato" panose="020F0502020204030203" pitchFamily="34" charset="0"/>
-                <a:ea typeface="Lato" panose="020F0502020204030203" pitchFamily="34" charset="0"/>
-                <a:cs typeface="Lato" panose="020F0502020204030203" pitchFamily="34" charset="0"/>
-              </a:defRPr>
-            </a:lvl1pPr>
-          </a:lstStyle>
-          <a:p>
-            <a:fld id="{F70EAA40-3A53-4A3D-924A-D38F1059C7D5}" type="datetime1">
-              <a:rPr lang="en-US" smtClean="0"/>
-              <a:pPr/>
-              <a:t>12/24/2021</a:t>
-            </a:fld>
-            <a:endParaRPr lang="en-US"/>
-          </a:p>
-        </p:txBody>
-      </p:sp>
-      <p:sp>
-        <p:nvSpPr>
-          <p:cNvPr id="6" name="Footer Placeholder 4">
-            <a:extLst>
-              <a:ext uri="{FF2B5EF4-FFF2-40B4-BE49-F238E27FC236}">
-                <a16:creationId xmlns:a16="http://schemas.microsoft.com/office/drawing/2014/main" id="{C330CA1C-4366-43E8-9DC8-B360FC115AE4}"/>
-              </a:ext>
-            </a:extLst>
-          </p:cNvPr>
-          <p:cNvSpPr>
-            <a:spLocks noGrp="1"/>
-          </p:cNvSpPr>
-          <p:nvPr>
-            <p:ph type="ftr" sz="quarter" idx="11"/>
-          </p:nvPr>
-        </p:nvSpPr>
-        <p:spPr>
-          <a:xfrm>
-            <a:off x="3028950" y="6565257"/>
-            <a:ext cx="3086100" cy="365125"/>
-          </a:xfrm>
-          <a:prstGeom prst="rect">
-            <a:avLst/>
-          </a:prstGeom>
-        </p:spPr>
-        <p:txBody>
-          <a:bodyPr/>
-          <a:lstStyle>
-            <a:lvl1pPr algn="ctr">
-              <a:defRPr sz="1200" b="1">
-                <a:solidFill>
-                  <a:srgbClr val="C00000"/>
-                </a:solidFill>
-                <a:latin typeface="Lato" panose="020F0502020204030203" pitchFamily="34" charset="0"/>
-                <a:ea typeface="Lato" panose="020F0502020204030203" pitchFamily="34" charset="0"/>
-                <a:cs typeface="Lato" panose="020F0502020204030203" pitchFamily="34" charset="0"/>
-              </a:defRPr>
-            </a:lvl1pPr>
-          </a:lstStyle>
-          <a:p>
-            <a:endParaRPr lang="en-US"/>
-          </a:p>
-        </p:txBody>
-      </p:sp>
-      <p:sp>
-        <p:nvSpPr>
-          <p:cNvPr id="7" name="Slide Number Placeholder 5">
-            <a:extLst>
-              <a:ext uri="{FF2B5EF4-FFF2-40B4-BE49-F238E27FC236}">
-                <a16:creationId xmlns:a16="http://schemas.microsoft.com/office/drawing/2014/main" id="{72DB13F6-9193-4FE2-AE85-5B96248CC0EA}"/>
-              </a:ext>
-            </a:extLst>
-          </p:cNvPr>
-          <p:cNvSpPr>
-            <a:spLocks noGrp="1"/>
-          </p:cNvSpPr>
-          <p:nvPr>
-            <p:ph type="sldNum" sz="quarter" idx="12"/>
-          </p:nvPr>
-        </p:nvSpPr>
-        <p:spPr>
-          <a:xfrm>
-            <a:off x="6867383" y="6572126"/>
-            <a:ext cx="2057400" cy="365125"/>
-          </a:xfrm>
-          <a:prstGeom prst="rect">
-            <a:avLst/>
-          </a:prstGeom>
-        </p:spPr>
-        <p:txBody>
-          <a:bodyPr/>
-          <a:lstStyle>
-            <a:lvl1pPr algn="r">
-              <a:defRPr sz="1200" b="1">
-                <a:solidFill>
-                  <a:srgbClr val="C00000"/>
-                </a:solidFill>
-                <a:latin typeface="Lato" panose="020F0502020204030203" pitchFamily="34" charset="0"/>
-                <a:ea typeface="Lato" panose="020F0502020204030203" pitchFamily="34" charset="0"/>
-                <a:cs typeface="Lato" panose="020F0502020204030203" pitchFamily="34" charset="0"/>
-              </a:defRPr>
-            </a:lvl1pPr>
-          </a:lstStyle>
-          <a:p>
-            <a:fld id="{9EA0BE3B-158A-4EDF-80DC-E394A0D1600F}" type="slidenum">
-              <a:rPr lang="en-US" smtClean="0"/>
-              <a:pPr/>
-              <a:t>‹#›</a:t>
-            </a:fld>
-            <a:endParaRPr lang="en-US" dirty="0"/>
-          </a:p>
-        </p:txBody>
-      </p:sp>
-    </p:spTree>
-    <p:extLst>
-      <p:ext uri="{BB962C8B-B14F-4D97-AF65-F5344CB8AC3E}">
-        <p14:creationId xmlns:p14="http://schemas.microsoft.com/office/powerpoint/2010/main" val="817046252"/>
+        <p14:creationId xmlns:p14="http://schemas.microsoft.com/office/powerpoint/2010/main" val="2981520272"/>
       </p:ext>
     </p:extLst>
   </p:cSld>
@@ -3295,21 +2934,21 @@
     </p:spTree>
     <p:extLst>
       <p:ext uri="{BB962C8B-B14F-4D97-AF65-F5344CB8AC3E}">
-        <p14:creationId xmlns:p14="http://schemas.microsoft.com/office/powerpoint/2010/main" val="2819895280"/>
+        <p14:creationId xmlns:p14="http://schemas.microsoft.com/office/powerpoint/2010/main" val="2409543385"/>
       </p:ext>
     </p:extLst>
   </p:cSld>
   <p:clrMap bg1="lt1" tx1="dk1" bg2="lt2" tx2="dk2" accent1="accent1" accent2="accent2" accent3="accent3" accent4="accent4" accent5="accent5" accent6="accent6" hlink="hlink" folHlink="folHlink"/>
   <p:sldLayoutIdLst>
-    <p:sldLayoutId id="2147483670" r:id="rId1"/>
-    <p:sldLayoutId id="2147483671" r:id="rId2"/>
-    <p:sldLayoutId id="2147483672" r:id="rId3"/>
-    <p:sldLayoutId id="2147483673" r:id="rId4"/>
-    <p:sldLayoutId id="2147483674" r:id="rId5"/>
-    <p:sldLayoutId id="2147483675" r:id="rId6"/>
-    <p:sldLayoutId id="2147483676" r:id="rId7"/>
-    <p:sldLayoutId id="2147483677" r:id="rId8"/>
-    <p:sldLayoutId id="2147483678" r:id="rId9"/>
+    <p:sldLayoutId id="2147483650" r:id="rId1"/>
+    <p:sldLayoutId id="2147483651" r:id="rId2"/>
+    <p:sldLayoutId id="2147483652" r:id="rId3"/>
+    <p:sldLayoutId id="2147483653" r:id="rId4"/>
+    <p:sldLayoutId id="2147483654" r:id="rId5"/>
+    <p:sldLayoutId id="2147483655" r:id="rId6"/>
+    <p:sldLayoutId id="2147483656" r:id="rId7"/>
+    <p:sldLayoutId id="2147483657" r:id="rId8"/>
+    <p:sldLayoutId id="2147483649" r:id="rId9"/>
   </p:sldLayoutIdLst>
   <p:hf hdr="0" ftr="0" dt="0"/>
   <p:txStyles>
@@ -3615,7 +3254,7 @@
     </p:spTree>
     <p:extLst>
       <p:ext uri="{BB962C8B-B14F-4D97-AF65-F5344CB8AC3E}">
-        <p14:creationId xmlns:p14="http://schemas.microsoft.com/office/powerpoint/2010/main" val="1558653304"/>
+        <p14:creationId xmlns:p14="http://schemas.microsoft.com/office/powerpoint/2010/main" val="2066355306"/>
       </p:ext>
     </p:extLst>
   </p:cSld>
@@ -3644,560 +3283,22 @@
       </p:grpSpPr>
       <p:sp>
         <p:nvSpPr>
-          <p:cNvPr id="5" name="Slide Number Placeholder 4">
-            <a:extLst>
-              <a:ext uri="{FF2B5EF4-FFF2-40B4-BE49-F238E27FC236}">
-                <a16:creationId xmlns:a16="http://schemas.microsoft.com/office/drawing/2014/main" id="{3776946D-AB92-4D05-97ED-4EDF0AB0FF55}"/>
-              </a:ext>
-            </a:extLst>
-          </p:cNvPr>
-          <p:cNvSpPr>
-            <a:spLocks noGrp="1"/>
-          </p:cNvSpPr>
-          <p:nvPr>
-            <p:ph type="sldNum" sz="quarter" idx="12"/>
-          </p:nvPr>
+          <p:cNvPr id="2" name="Title 6">
+            <a:extLst>
+              <a:ext uri="{FF2B5EF4-FFF2-40B4-BE49-F238E27FC236}">
+                <a16:creationId xmlns:a16="http://schemas.microsoft.com/office/drawing/2014/main" id="{5945A2BB-ABB6-48FB-A491-502474D93E34}"/>
+              </a:ext>
+            </a:extLst>
+          </p:cNvPr>
+          <p:cNvSpPr txBox="1">
+            <a:spLocks/>
+          </p:cNvSpPr>
+          <p:nvPr/>
         </p:nvSpPr>
         <p:spPr>
           <a:xfrm>
-            <a:off x="6867383" y="6492878"/>
-            <a:ext cx="2057400" cy="365125"/>
-          </a:xfrm>
-          <a:prstGeom prst="rect">
-            <a:avLst/>
-          </a:prstGeom>
-        </p:spPr>
-        <p:txBody>
-          <a:bodyPr/>
-          <a:lstStyle/>
-          <a:p>
-            <a:fld id="{9EA0BE3B-158A-4EDF-80DC-E394A0D1600F}" type="slidenum">
-              <a:rPr lang="en-US" smtClean="0"/>
-              <a:pPr/>
-              <a:t>10</a:t>
-            </a:fld>
-            <a:endParaRPr lang="en-US"/>
-          </a:p>
-        </p:txBody>
-      </p:sp>
-      <p:sp>
-        <p:nvSpPr>
-          <p:cNvPr id="2" name="Title 1">
-            <a:extLst>
-              <a:ext uri="{FF2B5EF4-FFF2-40B4-BE49-F238E27FC236}">
-                <a16:creationId xmlns:a16="http://schemas.microsoft.com/office/drawing/2014/main" id="{4FB6CB3A-046A-4C56-A02D-DBF672421CAF}"/>
-              </a:ext>
-            </a:extLst>
-          </p:cNvPr>
-          <p:cNvSpPr>
-            <a:spLocks noGrp="1"/>
-          </p:cNvSpPr>
-          <p:nvPr>
-            <p:ph type="title"/>
-          </p:nvPr>
-        </p:nvSpPr>
-        <p:spPr>
-          <a:xfrm>
-            <a:off x="254052" y="82063"/>
-            <a:ext cx="8635896" cy="436098"/>
-          </a:xfrm>
-          <a:prstGeom prst="rect">
-            <a:avLst/>
-          </a:prstGeom>
-        </p:spPr>
-        <p:txBody>
-          <a:bodyPr/>
-          <a:lstStyle/>
-          <a:p>
-            <a:endParaRPr lang="en-US"/>
-          </a:p>
-        </p:txBody>
-      </p:sp>
-      <p:sp>
-        <p:nvSpPr>
-          <p:cNvPr id="3" name="Chart Placeholder 2">
-            <a:extLst>
-              <a:ext uri="{FF2B5EF4-FFF2-40B4-BE49-F238E27FC236}">
-                <a16:creationId xmlns:a16="http://schemas.microsoft.com/office/drawing/2014/main" id="{C8196C5E-7B93-4E81-B617-CD97C06D6032}"/>
-              </a:ext>
-            </a:extLst>
-          </p:cNvPr>
-          <p:cNvSpPr>
-            <a:spLocks noGrp="1"/>
-          </p:cNvSpPr>
-          <p:nvPr>
-            <p:ph type="chart" sz="quarter" idx="4294967295"/>
-          </p:nvPr>
-        </p:nvSpPr>
-        <p:spPr>
-          <a:xfrm>
-            <a:off x="247651" y="1406769"/>
-            <a:ext cx="4324350" cy="4655894"/>
-          </a:xfrm>
-          <a:prstGeom prst="rect">
-            <a:avLst/>
-          </a:prstGeom>
-        </p:spPr>
-      </p:sp>
-      <p:sp>
-        <p:nvSpPr>
-          <p:cNvPr id="4" name="Picture Placeholder 3">
-            <a:extLst>
-              <a:ext uri="{FF2B5EF4-FFF2-40B4-BE49-F238E27FC236}">
-                <a16:creationId xmlns:a16="http://schemas.microsoft.com/office/drawing/2014/main" id="{377CB842-AD15-4F5A-8EF5-EBD6CE5F54A3}"/>
-              </a:ext>
-            </a:extLst>
-          </p:cNvPr>
-          <p:cNvSpPr>
-            <a:spLocks noGrp="1"/>
-          </p:cNvSpPr>
-          <p:nvPr>
-            <p:ph type="pic" sz="quarter" idx="4294967295"/>
-          </p:nvPr>
-        </p:nvSpPr>
-        <p:spPr>
-          <a:xfrm>
-            <a:off x="4660869" y="1406769"/>
-            <a:ext cx="4083844" cy="4656137"/>
-          </a:xfrm>
-          <a:prstGeom prst="rect">
-            <a:avLst/>
-          </a:prstGeom>
-        </p:spPr>
-      </p:sp>
-    </p:spTree>
-    <p:extLst>
-      <p:ext uri="{BB962C8B-B14F-4D97-AF65-F5344CB8AC3E}">
-        <p14:creationId xmlns:p14="http://schemas.microsoft.com/office/powerpoint/2010/main" val="64084651"/>
-      </p:ext>
-    </p:extLst>
-  </p:cSld>
-  <p:clrMapOvr>
-    <a:masterClrMapping/>
-  </p:clrMapOvr>
-</p:sld>
-</file>
-
-<file path=ppt/slides/slide11.xml><?xml version="1.0" encoding="utf-8"?>
-<p:sld xmlns:a="http://schemas.openxmlformats.org/drawingml/2006/main" xmlns:r="http://schemas.openxmlformats.org/officeDocument/2006/relationships" xmlns:p="http://schemas.openxmlformats.org/presentationml/2006/main">
-  <p:cSld>
-    <p:spTree>
-      <p:nvGrpSpPr>
-        <p:cNvPr id="1" name=""/>
-        <p:cNvGrpSpPr/>
-        <p:nvPr/>
-      </p:nvGrpSpPr>
-      <p:grpSpPr>
-        <a:xfrm>
-          <a:off x="0" y="0"/>
-          <a:ext cx="0" cy="0"/>
-          <a:chOff x="0" y="0"/>
-          <a:chExt cx="0" cy="0"/>
-        </a:xfrm>
-      </p:grpSpPr>
-      <p:sp>
-        <p:nvSpPr>
-          <p:cNvPr id="2" name="Slide Number Placeholder 1">
-            <a:extLst>
-              <a:ext uri="{FF2B5EF4-FFF2-40B4-BE49-F238E27FC236}">
-                <a16:creationId xmlns:a16="http://schemas.microsoft.com/office/drawing/2014/main" id="{9E9CAB07-B0CD-4712-9734-2D3CBC72598C}"/>
-              </a:ext>
-            </a:extLst>
-          </p:cNvPr>
-          <p:cNvSpPr>
-            <a:spLocks noGrp="1"/>
-          </p:cNvSpPr>
-          <p:nvPr>
-            <p:ph type="sldNum" sz="quarter" idx="12"/>
-          </p:nvPr>
-        </p:nvSpPr>
-        <p:spPr/>
-        <p:txBody>
-          <a:bodyPr/>
-          <a:lstStyle/>
-          <a:p>
-            <a:fld id="{9EA0BE3B-158A-4EDF-80DC-E394A0D1600F}" type="slidenum">
-              <a:rPr lang="en-US" smtClean="0"/>
-              <a:pPr/>
-              <a:t>11</a:t>
-            </a:fld>
-            <a:endParaRPr lang="en-US" dirty="0"/>
-          </a:p>
-        </p:txBody>
-      </p:sp>
-      <p:sp>
-        <p:nvSpPr>
-          <p:cNvPr id="3" name="Title 2">
-            <a:extLst>
-              <a:ext uri="{FF2B5EF4-FFF2-40B4-BE49-F238E27FC236}">
-                <a16:creationId xmlns:a16="http://schemas.microsoft.com/office/drawing/2014/main" id="{F39C6F49-1887-4BE4-A583-FB79B8A22935}"/>
-              </a:ext>
-            </a:extLst>
-          </p:cNvPr>
-          <p:cNvSpPr>
-            <a:spLocks noGrp="1"/>
-          </p:cNvSpPr>
-          <p:nvPr>
-            <p:ph type="title"/>
-          </p:nvPr>
-        </p:nvSpPr>
-        <p:spPr/>
-        <p:txBody>
-          <a:bodyPr/>
-          <a:lstStyle/>
-          <a:p>
-            <a:endParaRPr lang="en-US"/>
-          </a:p>
-        </p:txBody>
-      </p:sp>
-      <p:sp>
-        <p:nvSpPr>
-          <p:cNvPr id="4" name="Text Placeholder 3">
-            <a:extLst>
-              <a:ext uri="{FF2B5EF4-FFF2-40B4-BE49-F238E27FC236}">
-                <a16:creationId xmlns:a16="http://schemas.microsoft.com/office/drawing/2014/main" id="{BC311219-8684-45FC-A126-E067924AC7F7}"/>
-              </a:ext>
-            </a:extLst>
-          </p:cNvPr>
-          <p:cNvSpPr>
-            <a:spLocks noGrp="1"/>
-          </p:cNvSpPr>
-          <p:nvPr>
-            <p:ph type="body" sz="quarter" idx="13"/>
-          </p:nvPr>
-        </p:nvSpPr>
-        <p:spPr/>
-        <p:txBody>
-          <a:bodyPr/>
-          <a:lstStyle/>
-          <a:p>
-            <a:endParaRPr lang="en-US"/>
-          </a:p>
-        </p:txBody>
-      </p:sp>
-    </p:spTree>
-    <p:extLst>
-      <p:ext uri="{BB962C8B-B14F-4D97-AF65-F5344CB8AC3E}">
-        <p14:creationId xmlns:p14="http://schemas.microsoft.com/office/powerpoint/2010/main" val="2751358436"/>
-      </p:ext>
-    </p:extLst>
-  </p:cSld>
-  <p:clrMapOvr>
-    <a:masterClrMapping/>
-  </p:clrMapOvr>
-</p:sld>
-</file>
-
-<file path=ppt/slides/slide12.xml><?xml version="1.0" encoding="utf-8"?>
-<p:sld xmlns:a="http://schemas.openxmlformats.org/drawingml/2006/main" xmlns:r="http://schemas.openxmlformats.org/officeDocument/2006/relationships" xmlns:p="http://schemas.openxmlformats.org/presentationml/2006/main">
-  <p:cSld>
-    <p:spTree>
-      <p:nvGrpSpPr>
-        <p:cNvPr id="1" name=""/>
-        <p:cNvGrpSpPr/>
-        <p:nvPr/>
-      </p:nvGrpSpPr>
-      <p:grpSpPr>
-        <a:xfrm>
-          <a:off x="0" y="0"/>
-          <a:ext cx="0" cy="0"/>
-          <a:chOff x="0" y="0"/>
-          <a:chExt cx="0" cy="0"/>
-        </a:xfrm>
-      </p:grpSpPr>
-      <p:sp>
-        <p:nvSpPr>
-          <p:cNvPr id="2" name="Title 1">
-            <a:extLst>
-              <a:ext uri="{FF2B5EF4-FFF2-40B4-BE49-F238E27FC236}">
-                <a16:creationId xmlns:a16="http://schemas.microsoft.com/office/drawing/2014/main" id="{66CA7ECF-1792-4255-AF79-1338056A166B}"/>
-              </a:ext>
-            </a:extLst>
-          </p:cNvPr>
-          <p:cNvSpPr>
-            <a:spLocks noGrp="1"/>
-          </p:cNvSpPr>
-          <p:nvPr>
-            <p:ph type="title"/>
-          </p:nvPr>
-        </p:nvSpPr>
-        <p:spPr/>
-        <p:txBody>
-          <a:bodyPr/>
-          <a:lstStyle/>
-          <a:p>
-            <a:endParaRPr lang="en-US"/>
-          </a:p>
-        </p:txBody>
-      </p:sp>
-      <p:sp>
-        <p:nvSpPr>
-          <p:cNvPr id="3" name="Text Placeholder 2">
-            <a:extLst>
-              <a:ext uri="{FF2B5EF4-FFF2-40B4-BE49-F238E27FC236}">
-                <a16:creationId xmlns:a16="http://schemas.microsoft.com/office/drawing/2014/main" id="{387A365B-2C63-46A3-AD64-BA52831BEC40}"/>
-              </a:ext>
-            </a:extLst>
-          </p:cNvPr>
-          <p:cNvSpPr>
-            <a:spLocks noGrp="1"/>
-          </p:cNvSpPr>
-          <p:nvPr>
-            <p:ph type="body" sz="quarter" idx="13"/>
-          </p:nvPr>
-        </p:nvSpPr>
-        <p:spPr/>
-        <p:txBody>
-          <a:bodyPr/>
-          <a:lstStyle/>
-          <a:p>
-            <a:endParaRPr lang="en-US"/>
-          </a:p>
-        </p:txBody>
-      </p:sp>
-      <p:sp>
-        <p:nvSpPr>
-          <p:cNvPr id="4" name="Slide Number Placeholder 3">
-            <a:extLst>
-              <a:ext uri="{FF2B5EF4-FFF2-40B4-BE49-F238E27FC236}">
-                <a16:creationId xmlns:a16="http://schemas.microsoft.com/office/drawing/2014/main" id="{FB67697B-E2F6-452F-B4AF-9444ACC6F580}"/>
-              </a:ext>
-            </a:extLst>
-          </p:cNvPr>
-          <p:cNvSpPr>
-            <a:spLocks noGrp="1"/>
-          </p:cNvSpPr>
-          <p:nvPr>
-            <p:ph type="sldNum" sz="quarter" idx="12"/>
-          </p:nvPr>
-        </p:nvSpPr>
-        <p:spPr/>
-        <p:txBody>
-          <a:bodyPr/>
-          <a:lstStyle/>
-          <a:p>
-            <a:fld id="{9EA0BE3B-158A-4EDF-80DC-E394A0D1600F}" type="slidenum">
-              <a:rPr lang="en-US" smtClean="0"/>
-              <a:pPr/>
-              <a:t>12</a:t>
-            </a:fld>
-            <a:endParaRPr lang="en-US" dirty="0"/>
-          </a:p>
-        </p:txBody>
-      </p:sp>
-    </p:spTree>
-    <p:extLst>
-      <p:ext uri="{BB962C8B-B14F-4D97-AF65-F5344CB8AC3E}">
-        <p14:creationId xmlns:p14="http://schemas.microsoft.com/office/powerpoint/2010/main" val="3194012731"/>
-      </p:ext>
-    </p:extLst>
-  </p:cSld>
-  <p:clrMapOvr>
-    <a:masterClrMapping/>
-  </p:clrMapOvr>
-</p:sld>
-</file>
-
-<file path=ppt/slides/slide13.xml><?xml version="1.0" encoding="utf-8"?>
-<p:sld xmlns:a="http://schemas.openxmlformats.org/drawingml/2006/main" xmlns:r="http://schemas.openxmlformats.org/officeDocument/2006/relationships" xmlns:p="http://schemas.openxmlformats.org/presentationml/2006/main">
-  <p:cSld>
-    <p:spTree>
-      <p:nvGrpSpPr>
-        <p:cNvPr id="1" name=""/>
-        <p:cNvGrpSpPr/>
-        <p:nvPr/>
-      </p:nvGrpSpPr>
-      <p:grpSpPr>
-        <a:xfrm>
-          <a:off x="0" y="0"/>
-          <a:ext cx="0" cy="0"/>
-          <a:chOff x="0" y="0"/>
-          <a:chExt cx="0" cy="0"/>
-        </a:xfrm>
-      </p:grpSpPr>
-      <p:sp>
-        <p:nvSpPr>
-          <p:cNvPr id="2" name="Title 1">
-            <a:extLst>
-              <a:ext uri="{FF2B5EF4-FFF2-40B4-BE49-F238E27FC236}">
-                <a16:creationId xmlns:a16="http://schemas.microsoft.com/office/drawing/2014/main" id="{87C0747E-B2EF-40FB-817D-1B9698A1DDF7}"/>
-              </a:ext>
-            </a:extLst>
-          </p:cNvPr>
-          <p:cNvSpPr>
-            <a:spLocks noGrp="1"/>
-          </p:cNvSpPr>
-          <p:nvPr>
-            <p:ph type="title"/>
-          </p:nvPr>
-        </p:nvSpPr>
-        <p:spPr/>
-        <p:txBody>
-          <a:bodyPr/>
-          <a:lstStyle/>
-          <a:p>
-            <a:endParaRPr lang="en-US"/>
-          </a:p>
-        </p:txBody>
-      </p:sp>
-      <p:sp>
-        <p:nvSpPr>
-          <p:cNvPr id="3" name="Content Placeholder 2">
-            <a:extLst>
-              <a:ext uri="{FF2B5EF4-FFF2-40B4-BE49-F238E27FC236}">
-                <a16:creationId xmlns:a16="http://schemas.microsoft.com/office/drawing/2014/main" id="{F39C2A16-C4CE-4211-8159-39DCE00C99DA}"/>
-              </a:ext>
-            </a:extLst>
-          </p:cNvPr>
-          <p:cNvSpPr>
-            <a:spLocks noGrp="1"/>
-          </p:cNvSpPr>
-          <p:nvPr>
-            <p:ph sz="half" idx="1"/>
-          </p:nvPr>
-        </p:nvSpPr>
-        <p:spPr/>
-        <p:txBody>
-          <a:bodyPr/>
-          <a:lstStyle/>
-          <a:p>
-            <a:endParaRPr lang="en-US"/>
-          </a:p>
-        </p:txBody>
-      </p:sp>
-      <p:sp>
-        <p:nvSpPr>
-          <p:cNvPr id="4" name="Content Placeholder 3">
-            <a:extLst>
-              <a:ext uri="{FF2B5EF4-FFF2-40B4-BE49-F238E27FC236}">
-                <a16:creationId xmlns:a16="http://schemas.microsoft.com/office/drawing/2014/main" id="{6FF4A0AC-28A9-48BF-A83D-2C70275828C6}"/>
-              </a:ext>
-            </a:extLst>
-          </p:cNvPr>
-          <p:cNvSpPr>
-            <a:spLocks noGrp="1"/>
-          </p:cNvSpPr>
-          <p:nvPr>
-            <p:ph sz="half" idx="2"/>
-          </p:nvPr>
-        </p:nvSpPr>
-        <p:spPr/>
-        <p:txBody>
-          <a:bodyPr/>
-          <a:lstStyle/>
-          <a:p>
-            <a:endParaRPr lang="en-US"/>
-          </a:p>
-        </p:txBody>
-      </p:sp>
-      <p:sp>
-        <p:nvSpPr>
-          <p:cNvPr id="5" name="Slide Number Placeholder 4">
-            <a:extLst>
-              <a:ext uri="{FF2B5EF4-FFF2-40B4-BE49-F238E27FC236}">
-                <a16:creationId xmlns:a16="http://schemas.microsoft.com/office/drawing/2014/main" id="{95F0CAEB-1E37-4136-AF3B-BBA69ACEC6DE}"/>
-              </a:ext>
-            </a:extLst>
-          </p:cNvPr>
-          <p:cNvSpPr>
-            <a:spLocks noGrp="1"/>
-          </p:cNvSpPr>
-          <p:nvPr>
-            <p:ph type="sldNum" sz="quarter" idx="12"/>
-          </p:nvPr>
-        </p:nvSpPr>
-        <p:spPr/>
-        <p:txBody>
-          <a:bodyPr/>
-          <a:lstStyle/>
-          <a:p>
-            <a:fld id="{9EA0BE3B-158A-4EDF-80DC-E394A0D1600F}" type="slidenum">
-              <a:rPr lang="en-US" smtClean="0"/>
-              <a:pPr/>
-              <a:t>13</a:t>
-            </a:fld>
-            <a:endParaRPr lang="en-US" dirty="0"/>
-          </a:p>
-        </p:txBody>
-      </p:sp>
-    </p:spTree>
-    <p:extLst>
-      <p:ext uri="{BB962C8B-B14F-4D97-AF65-F5344CB8AC3E}">
-        <p14:creationId xmlns:p14="http://schemas.microsoft.com/office/powerpoint/2010/main" val="870228455"/>
-      </p:ext>
-    </p:extLst>
-  </p:cSld>
-  <p:clrMapOvr>
-    <a:masterClrMapping/>
-  </p:clrMapOvr>
-</p:sld>
-</file>
-
-<file path=ppt/slides/slide14.xml><?xml version="1.0" encoding="utf-8"?>
-<p:sld xmlns:a="http://schemas.openxmlformats.org/drawingml/2006/main" xmlns:r="http://schemas.openxmlformats.org/officeDocument/2006/relationships" xmlns:p="http://schemas.openxmlformats.org/presentationml/2006/main">
-  <p:cSld>
-    <p:spTree>
-      <p:nvGrpSpPr>
-        <p:cNvPr id="1" name=""/>
-        <p:cNvGrpSpPr/>
-        <p:nvPr/>
-      </p:nvGrpSpPr>
-      <p:grpSpPr>
-        <a:xfrm>
-          <a:off x="0" y="0"/>
-          <a:ext cx="0" cy="0"/>
-          <a:chOff x="0" y="0"/>
-          <a:chExt cx="0" cy="0"/>
-        </a:xfrm>
-      </p:grpSpPr>
-      <p:sp>
-        <p:nvSpPr>
-          <p:cNvPr id="2" name="Slide Number Placeholder 1">
-            <a:extLst>
-              <a:ext uri="{FF2B5EF4-FFF2-40B4-BE49-F238E27FC236}">
-                <a16:creationId xmlns:a16="http://schemas.microsoft.com/office/drawing/2014/main" id="{DA37B5C8-2095-4D2D-97FE-E4E8D89379E1}"/>
-              </a:ext>
-            </a:extLst>
-          </p:cNvPr>
-          <p:cNvSpPr>
-            <a:spLocks noGrp="1"/>
-          </p:cNvSpPr>
-          <p:nvPr>
-            <p:ph type="sldNum" sz="quarter" idx="12"/>
-          </p:nvPr>
-        </p:nvSpPr>
-        <p:spPr/>
-        <p:txBody>
-          <a:bodyPr/>
-          <a:lstStyle/>
-          <a:p>
-            <a:fld id="{9EA0BE3B-158A-4EDF-80DC-E394A0D1600F}" type="slidenum">
-              <a:rPr lang="en-US" smtClean="0"/>
-              <a:pPr/>
-              <a:t>14</a:t>
-            </a:fld>
-            <a:endParaRPr lang="en-US" dirty="0"/>
-          </a:p>
-        </p:txBody>
-      </p:sp>
-      <p:sp>
-        <p:nvSpPr>
-          <p:cNvPr id="3" name="Title 10">
-            <a:extLst>
-              <a:ext uri="{FF2B5EF4-FFF2-40B4-BE49-F238E27FC236}">
-                <a16:creationId xmlns:a16="http://schemas.microsoft.com/office/drawing/2014/main" id="{F78B3876-6ECC-4098-BDD1-C48CE4B42721}"/>
-              </a:ext>
-            </a:extLst>
-          </p:cNvPr>
-          <p:cNvSpPr txBox="1">
-            <a:spLocks/>
-          </p:cNvSpPr>
-          <p:nvPr/>
-        </p:nvSpPr>
-        <p:spPr>
-          <a:xfrm>
-            <a:off x="4119556" y="2435290"/>
-            <a:ext cx="4404228" cy="3117551"/>
+            <a:off x="5605763" y="2869457"/>
+            <a:ext cx="5422456" cy="971304"/>
           </a:xfrm>
           <a:prstGeom prst="rect">
             <a:avLst/>
@@ -4214,7 +3315,7 @@
                 <a:spcPct val="0"/>
               </a:spcBef>
               <a:buNone/>
-              <a:defRPr sz="6000" b="1" kern="1200">
+              <a:defRPr sz="7200" b="1" kern="1200">
                 <a:solidFill>
                   <a:srgbClr val="C00000"/>
                 </a:solidFill>
@@ -4226,48 +3327,46 @@
           </a:lstStyle>
           <a:p>
             <a:r>
-              <a:rPr lang="vi-VN" sz="4800" dirty="0" err="1"/>
-              <a:t>Cảm</a:t>
-            </a:r>
-            <a:r>
-              <a:rPr lang="vi-VN" sz="4800" dirty="0"/>
-              <a:t> ơn cô và các </a:t>
-            </a:r>
-            <a:r>
-              <a:rPr lang="vi-VN" sz="4800" dirty="0" err="1"/>
-              <a:t>bạn</a:t>
-            </a:r>
-            <a:r>
-              <a:rPr lang="vi-VN" sz="4800" dirty="0"/>
-              <a:t> </a:t>
-            </a:r>
-            <a:r>
-              <a:rPr lang="vi-VN" sz="4800" dirty="0" err="1"/>
-              <a:t>đã</a:t>
-            </a:r>
-            <a:r>
-              <a:rPr lang="vi-VN" sz="4800" dirty="0"/>
-              <a:t> </a:t>
-            </a:r>
-            <a:r>
-              <a:rPr lang="vi-VN" sz="4800" dirty="0" err="1"/>
-              <a:t>lắng</a:t>
-            </a:r>
-            <a:r>
-              <a:rPr lang="vi-VN" sz="4800" dirty="0"/>
-              <a:t> nghe</a:t>
-            </a:r>
-            <a:r>
-              <a:rPr lang="en-US" sz="4800" dirty="0"/>
-              <a:t>!</a:t>
-            </a:r>
+              <a:rPr lang="en-US" sz="6000" dirty="0"/>
+              <a:t>THANK YOU !</a:t>
+            </a:r>
+          </a:p>
+        </p:txBody>
+      </p:sp>
+      <p:sp>
+        <p:nvSpPr>
+          <p:cNvPr id="3" name="Slide Number Placeholder 2">
+            <a:extLst>
+              <a:ext uri="{FF2B5EF4-FFF2-40B4-BE49-F238E27FC236}">
+                <a16:creationId xmlns:a16="http://schemas.microsoft.com/office/drawing/2014/main" id="{B255FE58-BA70-418C-863F-55066B6675FB}"/>
+              </a:ext>
+            </a:extLst>
+          </p:cNvPr>
+          <p:cNvSpPr>
+            <a:spLocks noGrp="1"/>
+          </p:cNvSpPr>
+          <p:nvPr>
+            <p:ph type="sldNum" sz="quarter" idx="12"/>
+          </p:nvPr>
+        </p:nvSpPr>
+        <p:spPr/>
+        <p:txBody>
+          <a:bodyPr/>
+          <a:lstStyle/>
+          <a:p>
+            <a:fld id="{9EA0BE3B-158A-4EDF-80DC-E394A0D1600F}" type="slidenum">
+              <a:rPr lang="en-US" smtClean="0"/>
+              <a:pPr/>
+              <a:t>10</a:t>
+            </a:fld>
+            <a:endParaRPr lang="en-US"/>
           </a:p>
         </p:txBody>
       </p:sp>
     </p:spTree>
     <p:extLst>
       <p:ext uri="{BB962C8B-B14F-4D97-AF65-F5344CB8AC3E}">
-        <p14:creationId xmlns:p14="http://schemas.microsoft.com/office/powerpoint/2010/main" val="2830535683"/>
+        <p14:creationId xmlns:p14="http://schemas.microsoft.com/office/powerpoint/2010/main" val="2790627162"/>
       </p:ext>
     </p:extLst>
   </p:cSld>
@@ -4296,10 +3395,10 @@
       </p:grpSpPr>
       <p:sp>
         <p:nvSpPr>
-          <p:cNvPr id="2" name="Title 1">
-            <a:extLst>
-              <a:ext uri="{FF2B5EF4-FFF2-40B4-BE49-F238E27FC236}">
-                <a16:creationId xmlns:a16="http://schemas.microsoft.com/office/drawing/2014/main" id="{B88898E0-30FF-4956-A658-42E15A83164B}"/>
+          <p:cNvPr id="4" name="Title 1">
+            <a:extLst>
+              <a:ext uri="{FF2B5EF4-FFF2-40B4-BE49-F238E27FC236}">
+                <a16:creationId xmlns:a16="http://schemas.microsoft.com/office/drawing/2014/main" id="{5642BA63-383F-45B9-939A-7A3B792A60C4}"/>
               </a:ext>
             </a:extLst>
           </p:cNvPr>
@@ -4312,8 +3411,8 @@
         </p:nvSpPr>
         <p:spPr>
           <a:xfrm>
-            <a:off x="569166" y="1712105"/>
-            <a:ext cx="8173617" cy="2127504"/>
+            <a:off x="2024743" y="2023307"/>
+            <a:ext cx="8602825" cy="1934307"/>
           </a:xfrm>
         </p:spPr>
         <p:txBody>
@@ -4387,59 +3486,10 @@
           </a:p>
         </p:txBody>
       </p:sp>
-      <p:sp>
-        <p:nvSpPr>
-          <p:cNvPr id="4" name="Title 1">
-            <a:extLst>
-              <a:ext uri="{FF2B5EF4-FFF2-40B4-BE49-F238E27FC236}">
-                <a16:creationId xmlns:a16="http://schemas.microsoft.com/office/drawing/2014/main" id="{75A933F0-BFD6-4D53-A1A0-92C63D4E1A1B}"/>
-              </a:ext>
-            </a:extLst>
-          </p:cNvPr>
-          <p:cNvSpPr txBox="1">
-            <a:spLocks/>
-          </p:cNvSpPr>
-          <p:nvPr/>
-        </p:nvSpPr>
-        <p:spPr>
-          <a:xfrm>
-            <a:off x="180390" y="3839609"/>
-            <a:ext cx="8173617" cy="2127504"/>
-          </a:xfrm>
-          <a:prstGeom prst="rect">
-            <a:avLst/>
-          </a:prstGeom>
-        </p:spPr>
-        <p:txBody>
-          <a:bodyPr/>
-          <a:lstStyle>
-            <a:lvl1pPr algn="ctr" defTabSz="914400" rtl="0" eaLnBrk="1" latinLnBrk="0" hangingPunct="1">
-              <a:lnSpc>
-                <a:spcPct val="90000"/>
-              </a:lnSpc>
-              <a:spcBef>
-                <a:spcPct val="0"/>
-              </a:spcBef>
-              <a:buNone/>
-              <a:defRPr sz="4800" b="1" kern="1200">
-                <a:solidFill>
-                  <a:schemeClr val="bg1"/>
-                </a:solidFill>
-                <a:latin typeface="Lato" panose="020F0502020204030203" pitchFamily="34" charset="0"/>
-                <a:ea typeface="Lato" panose="020F0502020204030203" pitchFamily="34" charset="0"/>
-                <a:cs typeface="Lato" panose="020F0502020204030203" pitchFamily="34" charset="0"/>
-              </a:defRPr>
-            </a:lvl1pPr>
-          </a:lstStyle>
-          <a:p>
-            <a:endParaRPr lang="en-US" dirty="0"/>
-          </a:p>
-        </p:txBody>
-      </p:sp>
     </p:spTree>
     <p:extLst>
       <p:ext uri="{BB962C8B-B14F-4D97-AF65-F5344CB8AC3E}">
-        <p14:creationId xmlns:p14="http://schemas.microsoft.com/office/powerpoint/2010/main" val="1850899118"/>
+        <p14:creationId xmlns:p14="http://schemas.microsoft.com/office/powerpoint/2010/main" val="1234004128"/>
       </p:ext>
     </p:extLst>
   </p:cSld>
@@ -4468,10 +3518,10 @@
       </p:grpSpPr>
       <p:pic>
         <p:nvPicPr>
-          <p:cNvPr id="10" name="Picture 3" descr="Text&#10;&#10;Description automatically generated">
-            <a:extLst>
-              <a:ext uri="{FF2B5EF4-FFF2-40B4-BE49-F238E27FC236}">
-                <a16:creationId xmlns:a16="http://schemas.microsoft.com/office/drawing/2014/main" id="{67FB4AA9-E9AF-4CE0-A0DC-99D795289003}"/>
+          <p:cNvPr id="2" name="Picture 3" descr="Text&#10;&#10;Description automatically generated">
+            <a:extLst>
+              <a:ext uri="{FF2B5EF4-FFF2-40B4-BE49-F238E27FC236}">
+                <a16:creationId xmlns:a16="http://schemas.microsoft.com/office/drawing/2014/main" id="{737FC17F-78B9-4DA3-B1E3-B6651CB17456}"/>
               </a:ext>
             </a:extLst>
           </p:cNvPr>
@@ -4494,8 +3544,8 @@
         </p:blipFill>
         <p:spPr>
           <a:xfrm>
-            <a:off x="413012" y="317038"/>
-            <a:ext cx="2576374" cy="936215"/>
+            <a:off x="386634" y="284376"/>
+            <a:ext cx="3174367" cy="1153516"/>
           </a:xfrm>
           <a:prstGeom prst="rect">
             <a:avLst/>
@@ -4504,10 +3554,10 @@
       </p:pic>
       <p:sp>
         <p:nvSpPr>
-          <p:cNvPr id="11" name="Title 6">
-            <a:extLst>
-              <a:ext uri="{FF2B5EF4-FFF2-40B4-BE49-F238E27FC236}">
-                <a16:creationId xmlns:a16="http://schemas.microsoft.com/office/drawing/2014/main" id="{FF8BDF70-CFA6-4031-86B7-31F910D8115D}"/>
+          <p:cNvPr id="3" name="Title 6">
+            <a:extLst>
+              <a:ext uri="{FF2B5EF4-FFF2-40B4-BE49-F238E27FC236}">
+                <a16:creationId xmlns:a16="http://schemas.microsoft.com/office/drawing/2014/main" id="{5702E00C-3125-4CD1-A5F8-64723BF48E3E}"/>
               </a:ext>
             </a:extLst>
           </p:cNvPr>
@@ -4518,7 +3568,7 @@
         </p:nvSpPr>
         <p:spPr>
           <a:xfrm>
-            <a:off x="338367" y="2492757"/>
+            <a:off x="386634" y="2219413"/>
             <a:ext cx="7342482" cy="848792"/>
           </a:xfrm>
           <a:prstGeom prst="rect">
@@ -4548,16 +3598,8 @@
           </a:lstStyle>
           <a:p>
             <a:r>
-              <a:rPr lang="vi-VN" dirty="0" err="1"/>
-              <a:t>Object</a:t>
-            </a:r>
-            <a:r>
               <a:rPr lang="vi-VN" dirty="0"/>
-              <a:t> </a:t>
-            </a:r>
-            <a:r>
-              <a:rPr lang="vi-VN" dirty="0" err="1"/>
-              <a:t>detection</a:t>
+              <a:t>OBJECT DETECTION</a:t>
             </a:r>
             <a:endParaRPr lang="en-US" dirty="0"/>
           </a:p>
@@ -4565,10 +3607,10 @@
       </p:sp>
       <p:sp>
         <p:nvSpPr>
-          <p:cNvPr id="12" name="Title 6">
-            <a:extLst>
-              <a:ext uri="{FF2B5EF4-FFF2-40B4-BE49-F238E27FC236}">
-                <a16:creationId xmlns:a16="http://schemas.microsoft.com/office/drawing/2014/main" id="{A4ACF486-B7D8-4A5A-B633-83527A2F99E2}"/>
+          <p:cNvPr id="4" name="Title 6">
+            <a:extLst>
+              <a:ext uri="{FF2B5EF4-FFF2-40B4-BE49-F238E27FC236}">
+                <a16:creationId xmlns:a16="http://schemas.microsoft.com/office/drawing/2014/main" id="{72BF49D9-2FCE-4950-8B1C-F580CC18F4C9}"/>
               </a:ext>
             </a:extLst>
           </p:cNvPr>
@@ -4579,7 +3621,7 @@
         </p:nvSpPr>
         <p:spPr>
           <a:xfrm>
-            <a:off x="338367" y="3516452"/>
+            <a:off x="386634" y="3365399"/>
             <a:ext cx="7342482" cy="848793"/>
           </a:xfrm>
           <a:prstGeom prst="rect">
@@ -4609,23 +3651,40 @@
           </a:lstStyle>
           <a:p>
             <a:r>
-              <a:rPr lang="vi-VN" sz="2800" b="0" dirty="0" err="1"/>
-              <a:t>Nhóm</a:t>
-            </a:r>
-            <a:r>
               <a:rPr lang="vi-VN" sz="2800" b="0" dirty="0"/>
-              <a:t> 20</a:t>
+              <a:t>NHÓM 13</a:t>
             </a:r>
             <a:endParaRPr lang="en-US" sz="2800" b="0" dirty="0"/>
           </a:p>
-          <a:p>
-            <a:endParaRPr lang="en-US" sz="2800" b="0" dirty="0"/>
-          </a:p>
-          <a:p>
-            <a:endParaRPr lang="en-US" sz="2800" b="0" dirty="0"/>
-          </a:p>
-          <a:p>
-            <a:endParaRPr lang="en-US" sz="2800" b="0" dirty="0"/>
+        </p:txBody>
+      </p:sp>
+      <p:sp>
+        <p:nvSpPr>
+          <p:cNvPr id="9" name="Slide Number Placeholder 8">
+            <a:extLst>
+              <a:ext uri="{FF2B5EF4-FFF2-40B4-BE49-F238E27FC236}">
+                <a16:creationId xmlns:a16="http://schemas.microsoft.com/office/drawing/2014/main" id="{99BF4829-01AB-4F75-A03B-DF4FC4C312C6}"/>
+              </a:ext>
+            </a:extLst>
+          </p:cNvPr>
+          <p:cNvSpPr>
+            <a:spLocks noGrp="1"/>
+          </p:cNvSpPr>
+          <p:nvPr>
+            <p:ph type="sldNum" sz="quarter" idx="12"/>
+          </p:nvPr>
+        </p:nvSpPr>
+        <p:spPr/>
+        <p:txBody>
+          <a:bodyPr/>
+          <a:lstStyle/>
+          <a:p>
+            <a:fld id="{9EA0BE3B-158A-4EDF-80DC-E394A0D1600F}" type="slidenum">
+              <a:rPr lang="en-US" smtClean="0"/>
+              <a:pPr/>
+              <a:t>3</a:t>
+            </a:fld>
+            <a:endParaRPr lang="en-US"/>
           </a:p>
         </p:txBody>
       </p:sp>
@@ -4661,10 +3720,149 @@
       </p:grpSpPr>
       <p:sp>
         <p:nvSpPr>
-          <p:cNvPr id="2" name="Slide Number Placeholder 1">
-            <a:extLst>
-              <a:ext uri="{FF2B5EF4-FFF2-40B4-BE49-F238E27FC236}">
-                <a16:creationId xmlns:a16="http://schemas.microsoft.com/office/drawing/2014/main" id="{A7101F79-2CBF-4392-B538-B0B5700DB4C6}"/>
+          <p:cNvPr id="2" name="Title 1">
+            <a:extLst>
+              <a:ext uri="{FF2B5EF4-FFF2-40B4-BE49-F238E27FC236}">
+                <a16:creationId xmlns:a16="http://schemas.microsoft.com/office/drawing/2014/main" id="{EF9B3AB5-95DF-4273-871C-843529DB7255}"/>
+              </a:ext>
+            </a:extLst>
+          </p:cNvPr>
+          <p:cNvSpPr>
+            <a:spLocks noGrp="1"/>
+          </p:cNvSpPr>
+          <p:nvPr>
+            <p:ph type="title"/>
+          </p:nvPr>
+        </p:nvSpPr>
+        <p:spPr/>
+        <p:txBody>
+          <a:bodyPr/>
+          <a:lstStyle/>
+          <a:p>
+            <a:r>
+              <a:rPr lang="vi-VN" dirty="0" err="1"/>
+              <a:t>Thành</a:t>
+            </a:r>
+            <a:r>
+              <a:rPr lang="vi-VN" dirty="0"/>
+              <a:t> viên</a:t>
+            </a:r>
+            <a:endParaRPr lang="en-US" dirty="0"/>
+          </a:p>
+        </p:txBody>
+      </p:sp>
+      <p:sp>
+        <p:nvSpPr>
+          <p:cNvPr id="3" name="Content Placeholder 2">
+            <a:extLst>
+              <a:ext uri="{FF2B5EF4-FFF2-40B4-BE49-F238E27FC236}">
+                <a16:creationId xmlns:a16="http://schemas.microsoft.com/office/drawing/2014/main" id="{3573E091-9DCD-4DE7-96D1-A93E44E0F5B9}"/>
+              </a:ext>
+            </a:extLst>
+          </p:cNvPr>
+          <p:cNvSpPr>
+            <a:spLocks noGrp="1"/>
+          </p:cNvSpPr>
+          <p:nvPr>
+            <p:ph sz="quarter" idx="13"/>
+          </p:nvPr>
+        </p:nvSpPr>
+        <p:spPr/>
+        <p:txBody>
+          <a:bodyPr/>
+          <a:lstStyle/>
+          <a:p>
+            <a:r>
+              <a:rPr lang="en-US" dirty="0"/>
+              <a:t>Đinh </a:t>
+            </a:r>
+            <a:r>
+              <a:rPr lang="en-US" dirty="0" err="1"/>
+              <a:t>Chí</a:t>
+            </a:r>
+            <a:r>
+              <a:rPr lang="en-US" dirty="0"/>
+              <a:t> Công 20193996</a:t>
+            </a:r>
+          </a:p>
+          <a:p>
+            <a:r>
+              <a:rPr lang="en-US" dirty="0" err="1"/>
+              <a:t>Ngô</a:t>
+            </a:r>
+            <a:r>
+              <a:rPr lang="en-US" dirty="0"/>
+              <a:t> </a:t>
+            </a:r>
+            <a:r>
+              <a:rPr lang="en-US" dirty="0" err="1"/>
+              <a:t>Đức</a:t>
+            </a:r>
+            <a:r>
+              <a:rPr lang="en-US" dirty="0"/>
+              <a:t> </a:t>
+            </a:r>
+            <a:r>
+              <a:rPr lang="en-US" dirty="0" err="1"/>
+              <a:t>Thắng</a:t>
+            </a:r>
+            <a:r>
+              <a:rPr lang="en-US" dirty="0"/>
+              <a:t> 20194168</a:t>
+            </a:r>
+          </a:p>
+          <a:p>
+            <a:r>
+              <a:rPr lang="en-US" dirty="0" err="1"/>
+              <a:t>Bùi</a:t>
+            </a:r>
+            <a:r>
+              <a:rPr lang="en-US" dirty="0"/>
+              <a:t> </a:t>
+            </a:r>
+            <a:r>
+              <a:rPr lang="en-US" dirty="0" err="1"/>
+              <a:t>Tiến</a:t>
+            </a:r>
+            <a:r>
+              <a:rPr lang="en-US" dirty="0"/>
+              <a:t> </a:t>
+            </a:r>
+            <a:r>
+              <a:rPr lang="en-US" dirty="0" err="1"/>
+              <a:t>Đạt</a:t>
+            </a:r>
+            <a:endParaRPr lang="en-US" dirty="0"/>
+          </a:p>
+          <a:p>
+            <a:r>
+              <a:rPr lang="en-US" dirty="0" err="1"/>
+              <a:t>Nguyễn</a:t>
+            </a:r>
+            <a:r>
+              <a:rPr lang="en-US" dirty="0"/>
+              <a:t> </a:t>
+            </a:r>
+            <a:r>
+              <a:rPr lang="en-US" dirty="0" err="1"/>
+              <a:t>Đức</a:t>
+            </a:r>
+            <a:r>
+              <a:rPr lang="en-US" dirty="0"/>
+              <a:t> Anh</a:t>
+            </a:r>
+          </a:p>
+          <a:p>
+            <a:endParaRPr lang="en-US" dirty="0"/>
+          </a:p>
+        </p:txBody>
+      </p:sp>
+      <p:sp>
+        <p:nvSpPr>
+          <p:cNvPr id="4" name="Slide Number Placeholder 3">
+            <a:extLst>
+              <a:ext uri="{FF2B5EF4-FFF2-40B4-BE49-F238E27FC236}">
+                <a16:creationId xmlns:a16="http://schemas.microsoft.com/office/drawing/2014/main" id="{6CAB879D-D188-4DA3-8675-F8BCF379A12E}"/>
               </a:ext>
             </a:extLst>
           </p:cNvPr>
@@ -4689,222 +3887,10 @@
           </a:p>
         </p:txBody>
       </p:sp>
-      <p:sp>
-        <p:nvSpPr>
-          <p:cNvPr id="3" name="Title 2">
-            <a:extLst>
-              <a:ext uri="{FF2B5EF4-FFF2-40B4-BE49-F238E27FC236}">
-                <a16:creationId xmlns:a16="http://schemas.microsoft.com/office/drawing/2014/main" id="{9EF27CAA-32BA-4E6B-B8C0-1A481E08E81D}"/>
-              </a:ext>
-            </a:extLst>
-          </p:cNvPr>
-          <p:cNvSpPr>
-            <a:spLocks noGrp="1"/>
-          </p:cNvSpPr>
-          <p:nvPr>
-            <p:ph type="title"/>
-          </p:nvPr>
-        </p:nvSpPr>
-        <p:spPr/>
-        <p:txBody>
-          <a:bodyPr/>
-          <a:lstStyle/>
-          <a:p>
-            <a:r>
-              <a:rPr lang="vi-VN" dirty="0" err="1"/>
-              <a:t>Thành</a:t>
-            </a:r>
-            <a:r>
-              <a:rPr lang="vi-VN" dirty="0"/>
-              <a:t> viên</a:t>
-            </a:r>
-            <a:endParaRPr lang="en-US" dirty="0"/>
-          </a:p>
-        </p:txBody>
-      </p:sp>
-      <p:sp>
-        <p:nvSpPr>
-          <p:cNvPr id="4" name="Content Placeholder 3">
-            <a:extLst>
-              <a:ext uri="{FF2B5EF4-FFF2-40B4-BE49-F238E27FC236}">
-                <a16:creationId xmlns:a16="http://schemas.microsoft.com/office/drawing/2014/main" id="{59563378-38F8-4CB3-AF99-2C56FCF55404}"/>
-              </a:ext>
-            </a:extLst>
-          </p:cNvPr>
-          <p:cNvSpPr>
-            <a:spLocks noGrp="1"/>
-          </p:cNvSpPr>
-          <p:nvPr>
-            <p:ph sz="quarter" idx="13"/>
-          </p:nvPr>
-        </p:nvSpPr>
-        <p:spPr/>
-        <p:txBody>
-          <a:bodyPr/>
-          <a:lstStyle/>
-          <a:p>
-            <a:r>
-              <a:rPr lang="en-US" dirty="0"/>
-              <a:t>Đinh </a:t>
-            </a:r>
-            <a:r>
-              <a:rPr lang="en-US" dirty="0" err="1"/>
-              <a:t>Chí</a:t>
-            </a:r>
-            <a:r>
-              <a:rPr lang="en-US" dirty="0"/>
-              <a:t> Công </a:t>
-            </a:r>
-            <a:r>
-              <a:rPr lang="en-US" sz="2800" dirty="0">
-                <a:solidFill>
-                  <a:srgbClr val="000000"/>
-                </a:solidFill>
-                <a:latin typeface="Open Sans"/>
-              </a:rPr>
-              <a:t>20193996</a:t>
-            </a:r>
-            <a:endParaRPr lang="en-US" dirty="0"/>
-          </a:p>
-          <a:p>
-            <a:r>
-              <a:rPr lang="en-US" dirty="0" err="1"/>
-              <a:t>Ngô</a:t>
-            </a:r>
-            <a:r>
-              <a:rPr lang="en-US" dirty="0"/>
-              <a:t> </a:t>
-            </a:r>
-            <a:r>
-              <a:rPr lang="en-US" dirty="0" err="1"/>
-              <a:t>Đức</a:t>
-            </a:r>
-            <a:r>
-              <a:rPr lang="en-US" dirty="0"/>
-              <a:t> </a:t>
-            </a:r>
-            <a:r>
-              <a:rPr lang="en-US" dirty="0" err="1"/>
-              <a:t>Thắng</a:t>
-            </a:r>
-            <a:r>
-              <a:rPr lang="en-US" dirty="0"/>
-              <a:t> </a:t>
-            </a:r>
-            <a:r>
-              <a:rPr lang="en-US" sz="2800" dirty="0">
-                <a:solidFill>
-                  <a:srgbClr val="000000"/>
-                </a:solidFill>
-                <a:latin typeface="Open Sans"/>
-              </a:rPr>
-              <a:t>20194168</a:t>
-            </a:r>
-          </a:p>
-          <a:p>
-            <a:r>
-              <a:rPr lang="vi-VN" dirty="0" err="1">
-                <a:solidFill>
-                  <a:srgbClr val="000000"/>
-                </a:solidFill>
-                <a:latin typeface="Open Sans"/>
-              </a:rPr>
-              <a:t>Bùi</a:t>
-            </a:r>
-            <a:r>
-              <a:rPr lang="vi-VN" dirty="0">
-                <a:solidFill>
-                  <a:srgbClr val="000000"/>
-                </a:solidFill>
-                <a:latin typeface="Open Sans"/>
-              </a:rPr>
-              <a:t> </a:t>
-            </a:r>
-            <a:r>
-              <a:rPr lang="vi-VN" dirty="0" err="1">
-                <a:solidFill>
-                  <a:srgbClr val="000000"/>
-                </a:solidFill>
-                <a:latin typeface="Open Sans"/>
-              </a:rPr>
-              <a:t>Tiến</a:t>
-            </a:r>
-            <a:r>
-              <a:rPr lang="vi-VN" dirty="0">
-                <a:solidFill>
-                  <a:srgbClr val="000000"/>
-                </a:solidFill>
-                <a:latin typeface="Open Sans"/>
-              </a:rPr>
-              <a:t> </a:t>
-            </a:r>
-            <a:r>
-              <a:rPr lang="vi-VN" dirty="0" err="1">
-                <a:solidFill>
-                  <a:srgbClr val="000000"/>
-                </a:solidFill>
-                <a:latin typeface="Open Sans"/>
-              </a:rPr>
-              <a:t>Đạt</a:t>
-            </a:r>
-            <a:endParaRPr lang="vi-VN" dirty="0">
-              <a:solidFill>
-                <a:srgbClr val="000000"/>
-              </a:solidFill>
-              <a:latin typeface="Open Sans"/>
-            </a:endParaRPr>
-          </a:p>
-          <a:p>
-            <a:r>
-              <a:rPr lang="vi-VN" dirty="0" err="1">
-                <a:solidFill>
-                  <a:srgbClr val="000000"/>
-                </a:solidFill>
-                <a:latin typeface="Open Sans"/>
-              </a:rPr>
-              <a:t>Nguyễn</a:t>
-            </a:r>
-            <a:r>
-              <a:rPr lang="vi-VN" dirty="0">
-                <a:solidFill>
-                  <a:srgbClr val="000000"/>
-                </a:solidFill>
-                <a:latin typeface="Open Sans"/>
-              </a:rPr>
-              <a:t> </a:t>
-            </a:r>
-            <a:r>
-              <a:rPr lang="vi-VN" dirty="0" err="1">
-                <a:solidFill>
-                  <a:srgbClr val="000000"/>
-                </a:solidFill>
-                <a:latin typeface="Open Sans"/>
-              </a:rPr>
-              <a:t>Đức</a:t>
-            </a:r>
-            <a:r>
-              <a:rPr lang="vi-VN" dirty="0">
-                <a:solidFill>
-                  <a:srgbClr val="000000"/>
-                </a:solidFill>
-                <a:latin typeface="Open Sans"/>
-              </a:rPr>
-              <a:t> Anh</a:t>
-            </a:r>
-            <a:endParaRPr lang="en-US" dirty="0"/>
-          </a:p>
-          <a:p>
-            <a:endParaRPr lang="en-US" dirty="0"/>
-          </a:p>
-          <a:p>
-            <a:endParaRPr lang="en-US" dirty="0"/>
-          </a:p>
-        </p:txBody>
-      </p:sp>
     </p:spTree>
     <p:extLst>
       <p:ext uri="{BB962C8B-B14F-4D97-AF65-F5344CB8AC3E}">
-        <p14:creationId xmlns:p14="http://schemas.microsoft.com/office/powerpoint/2010/main" val="292364014"/>
+        <p14:creationId xmlns:p14="http://schemas.microsoft.com/office/powerpoint/2010/main" val="221433772"/>
       </p:ext>
     </p:extLst>
   </p:cSld>
@@ -4933,10 +3919,233 @@
       </p:grpSpPr>
       <p:sp>
         <p:nvSpPr>
-          <p:cNvPr id="2" name="Slide Number Placeholder 1">
-            <a:extLst>
-              <a:ext uri="{FF2B5EF4-FFF2-40B4-BE49-F238E27FC236}">
-                <a16:creationId xmlns:a16="http://schemas.microsoft.com/office/drawing/2014/main" id="{A7101F79-2CBF-4392-B538-B0B5700DB4C6}"/>
+          <p:cNvPr id="2" name="Title 1">
+            <a:extLst>
+              <a:ext uri="{FF2B5EF4-FFF2-40B4-BE49-F238E27FC236}">
+                <a16:creationId xmlns:a16="http://schemas.microsoft.com/office/drawing/2014/main" id="{C7A5D019-96A4-4D1E-AFB5-09D65C86E12D}"/>
+              </a:ext>
+            </a:extLst>
+          </p:cNvPr>
+          <p:cNvSpPr>
+            <a:spLocks noGrp="1"/>
+          </p:cNvSpPr>
+          <p:nvPr>
+            <p:ph type="title"/>
+          </p:nvPr>
+        </p:nvSpPr>
+        <p:spPr/>
+        <p:txBody>
+          <a:bodyPr/>
+          <a:lstStyle/>
+          <a:p>
+            <a:r>
+              <a:rPr lang="vi-VN" dirty="0" err="1"/>
+              <a:t>Mục</a:t>
+            </a:r>
+            <a:r>
+              <a:rPr lang="vi-VN" dirty="0"/>
+              <a:t> </a:t>
+            </a:r>
+            <a:r>
+              <a:rPr lang="vi-VN" dirty="0" err="1"/>
+              <a:t>lục</a:t>
+            </a:r>
+            <a:endParaRPr lang="en-US" dirty="0"/>
+          </a:p>
+        </p:txBody>
+      </p:sp>
+      <p:sp>
+        <p:nvSpPr>
+          <p:cNvPr id="3" name="Text Placeholder 2">
+            <a:extLst>
+              <a:ext uri="{FF2B5EF4-FFF2-40B4-BE49-F238E27FC236}">
+                <a16:creationId xmlns:a16="http://schemas.microsoft.com/office/drawing/2014/main" id="{A5726603-7893-4AE0-9532-68058044B69D}"/>
+              </a:ext>
+            </a:extLst>
+          </p:cNvPr>
+          <p:cNvSpPr>
+            <a:spLocks noGrp="1"/>
+          </p:cNvSpPr>
+          <p:nvPr>
+            <p:ph type="body" sz="quarter" idx="13"/>
+          </p:nvPr>
+        </p:nvSpPr>
+        <p:spPr/>
+        <p:txBody>
+          <a:bodyPr/>
+          <a:lstStyle/>
+          <a:p>
+            <a:pPr marL="0" indent="0">
+              <a:buNone/>
+            </a:pPr>
+            <a:r>
+              <a:rPr lang="vi-VN" sz="2800" b="1" dirty="0">
+                <a:solidFill>
+                  <a:srgbClr val="FF0000"/>
+                </a:solidFill>
+                <a:latin typeface="Open Sans"/>
+              </a:rPr>
+              <a:t>I. </a:t>
+            </a:r>
+            <a:r>
+              <a:rPr lang="vi-VN" sz="2800" b="1" dirty="0" err="1">
+                <a:solidFill>
+                  <a:srgbClr val="FF0000"/>
+                </a:solidFill>
+                <a:latin typeface="Open Sans"/>
+              </a:rPr>
+              <a:t>Giới</a:t>
+            </a:r>
+            <a:r>
+              <a:rPr lang="vi-VN" sz="2800" b="1" dirty="0">
+                <a:solidFill>
+                  <a:srgbClr val="FF0000"/>
+                </a:solidFill>
+                <a:latin typeface="Open Sans"/>
+              </a:rPr>
+              <a:t> </a:t>
+            </a:r>
+            <a:r>
+              <a:rPr lang="vi-VN" sz="2800" b="1" dirty="0" err="1">
+                <a:solidFill>
+                  <a:srgbClr val="FF0000"/>
+                </a:solidFill>
+                <a:latin typeface="Open Sans"/>
+              </a:rPr>
+              <a:t>thiệu</a:t>
+            </a:r>
+            <a:endParaRPr lang="en-US" sz="2800" b="1" dirty="0">
+              <a:solidFill>
+                <a:srgbClr val="FF0000"/>
+              </a:solidFill>
+              <a:latin typeface="Open Sans"/>
+            </a:endParaRPr>
+          </a:p>
+          <a:p>
+            <a:pPr marL="0" indent="0">
+              <a:buNone/>
+            </a:pPr>
+            <a:r>
+              <a:rPr lang="en-US" dirty="0"/>
+              <a:t>II. </a:t>
+            </a:r>
+            <a:r>
+              <a:rPr lang="vi-VN" dirty="0" err="1"/>
+              <a:t>Dữ</a:t>
+            </a:r>
+            <a:r>
+              <a:rPr lang="vi-VN" dirty="0"/>
+              <a:t> </a:t>
+            </a:r>
+            <a:r>
+              <a:rPr lang="vi-VN" dirty="0" err="1"/>
+              <a:t>liệu</a:t>
+            </a:r>
+            <a:endParaRPr lang="vi-VN" dirty="0"/>
+          </a:p>
+          <a:p>
+            <a:pPr marL="0" indent="0">
+              <a:buNone/>
+            </a:pPr>
+            <a:r>
+              <a:rPr lang="vi-VN" dirty="0"/>
+              <a:t>III. Mô </a:t>
+            </a:r>
+            <a:r>
+              <a:rPr lang="vi-VN" dirty="0" err="1"/>
+              <a:t>hình</a:t>
+            </a:r>
+            <a:endParaRPr lang="vi-VN" dirty="0"/>
+          </a:p>
+          <a:p>
+            <a:pPr marL="571500" indent="-571500">
+              <a:buAutoNum type="romanUcPeriod" startAt="4"/>
+            </a:pPr>
+            <a:r>
+              <a:rPr lang="vi-VN" dirty="0"/>
+              <a:t>Quy </a:t>
+            </a:r>
+            <a:r>
+              <a:rPr lang="vi-VN" dirty="0" err="1"/>
+              <a:t>trình</a:t>
+            </a:r>
+            <a:r>
+              <a:rPr lang="vi-VN" dirty="0"/>
+              <a:t> </a:t>
+            </a:r>
+            <a:r>
+              <a:rPr lang="vi-VN" dirty="0" err="1"/>
+              <a:t>thực</a:t>
+            </a:r>
+            <a:r>
+              <a:rPr lang="vi-VN" dirty="0"/>
+              <a:t> </a:t>
+            </a:r>
+            <a:r>
+              <a:rPr lang="vi-VN" dirty="0" err="1"/>
+              <a:t>hiện</a:t>
+            </a:r>
+            <a:endParaRPr lang="vi-VN" dirty="0"/>
+          </a:p>
+          <a:p>
+            <a:pPr marL="571500" indent="-571500">
+              <a:buAutoNum type="romanUcPeriod" startAt="4"/>
+            </a:pPr>
+            <a:r>
+              <a:rPr lang="vi-VN" dirty="0"/>
+              <a:t>Kết quả và </a:t>
+            </a:r>
+            <a:r>
+              <a:rPr lang="vi-VN" dirty="0" err="1"/>
+              <a:t>đánh</a:t>
+            </a:r>
+            <a:r>
+              <a:rPr lang="vi-VN" dirty="0"/>
+              <a:t> </a:t>
+            </a:r>
+            <a:r>
+              <a:rPr lang="vi-VN" dirty="0" err="1"/>
+              <a:t>giá</a:t>
+            </a:r>
+            <a:endParaRPr lang="vi-VN" dirty="0"/>
+          </a:p>
+          <a:p>
+            <a:pPr marL="571500" indent="-571500">
+              <a:buAutoNum type="romanUcPeriod" startAt="4"/>
+            </a:pPr>
+            <a:r>
+              <a:rPr lang="vi-VN" dirty="0" err="1"/>
+              <a:t>Tài</a:t>
+            </a:r>
+            <a:r>
+              <a:rPr lang="vi-VN" dirty="0"/>
+              <a:t> </a:t>
+            </a:r>
+            <a:r>
+              <a:rPr lang="vi-VN" dirty="0" err="1"/>
+              <a:t>liệu</a:t>
+            </a:r>
+            <a:r>
+              <a:rPr lang="vi-VN" dirty="0"/>
+              <a:t> tham </a:t>
+            </a:r>
+            <a:r>
+              <a:rPr lang="vi-VN" dirty="0" err="1"/>
+              <a:t>khảo</a:t>
+            </a:r>
+            <a:endParaRPr lang="en-US" dirty="0"/>
+          </a:p>
+          <a:p>
+            <a:endParaRPr lang="en-US" dirty="0"/>
+          </a:p>
+        </p:txBody>
+      </p:sp>
+      <p:sp>
+        <p:nvSpPr>
+          <p:cNvPr id="6" name="Slide Number Placeholder 5">
+            <a:extLst>
+              <a:ext uri="{FF2B5EF4-FFF2-40B4-BE49-F238E27FC236}">
+                <a16:creationId xmlns:a16="http://schemas.microsoft.com/office/drawing/2014/main" id="{11E4677A-4F02-4478-B9B8-685D0B6264D3}"/>
               </a:ext>
             </a:extLst>
           </p:cNvPr>
@@ -4957,235 +4166,14 @@
               <a:pPr/>
               <a:t>5</a:t>
             </a:fld>
-            <a:endParaRPr lang="en-US" dirty="0"/>
-          </a:p>
-        </p:txBody>
-      </p:sp>
-      <p:sp>
-        <p:nvSpPr>
-          <p:cNvPr id="3" name="Title 2">
-            <a:extLst>
-              <a:ext uri="{FF2B5EF4-FFF2-40B4-BE49-F238E27FC236}">
-                <a16:creationId xmlns:a16="http://schemas.microsoft.com/office/drawing/2014/main" id="{9EF27CAA-32BA-4E6B-B8C0-1A481E08E81D}"/>
-              </a:ext>
-            </a:extLst>
-          </p:cNvPr>
-          <p:cNvSpPr>
-            <a:spLocks noGrp="1"/>
-          </p:cNvSpPr>
-          <p:nvPr>
-            <p:ph type="title"/>
-          </p:nvPr>
-        </p:nvSpPr>
-        <p:spPr/>
-        <p:txBody>
-          <a:bodyPr/>
-          <a:lstStyle/>
-          <a:p>
-            <a:r>
-              <a:rPr lang="vi-VN" dirty="0" err="1"/>
-              <a:t>Mục</a:t>
-            </a:r>
-            <a:r>
-              <a:rPr lang="vi-VN" dirty="0"/>
-              <a:t> </a:t>
-            </a:r>
-            <a:r>
-              <a:rPr lang="vi-VN" dirty="0" err="1"/>
-              <a:t>lục</a:t>
-            </a:r>
-            <a:endParaRPr lang="en-US" dirty="0"/>
-          </a:p>
-        </p:txBody>
-      </p:sp>
-      <p:sp>
-        <p:nvSpPr>
-          <p:cNvPr id="4" name="Content Placeholder 3">
-            <a:extLst>
-              <a:ext uri="{FF2B5EF4-FFF2-40B4-BE49-F238E27FC236}">
-                <a16:creationId xmlns:a16="http://schemas.microsoft.com/office/drawing/2014/main" id="{59563378-38F8-4CB3-AF99-2C56FCF55404}"/>
-              </a:ext>
-            </a:extLst>
-          </p:cNvPr>
-          <p:cNvSpPr>
-            <a:spLocks noGrp="1"/>
-          </p:cNvSpPr>
-          <p:nvPr>
-            <p:ph sz="quarter" idx="13"/>
-          </p:nvPr>
-        </p:nvSpPr>
-        <p:spPr/>
-        <p:txBody>
-          <a:bodyPr/>
-          <a:lstStyle/>
-          <a:p>
-            <a:pPr marL="0" indent="0">
-              <a:buNone/>
-            </a:pPr>
-            <a:r>
-              <a:rPr lang="en-US" dirty="0"/>
-              <a:t>I. </a:t>
-            </a:r>
-            <a:r>
-              <a:rPr lang="vi-VN" sz="2800" dirty="0" err="1">
-                <a:solidFill>
-                  <a:srgbClr val="000000"/>
-                </a:solidFill>
-                <a:latin typeface="Open Sans"/>
-              </a:rPr>
-              <a:t>Giới</a:t>
-            </a:r>
-            <a:r>
-              <a:rPr lang="vi-VN" sz="2800" dirty="0">
-                <a:solidFill>
-                  <a:srgbClr val="000000"/>
-                </a:solidFill>
-                <a:latin typeface="Open Sans"/>
-              </a:rPr>
-              <a:t> </a:t>
-            </a:r>
-            <a:r>
-              <a:rPr lang="vi-VN" sz="2800" dirty="0" err="1">
-                <a:solidFill>
-                  <a:srgbClr val="000000"/>
-                </a:solidFill>
-                <a:latin typeface="Open Sans"/>
-              </a:rPr>
-              <a:t>thiệu</a:t>
-            </a:r>
-            <a:endParaRPr lang="en-US" sz="2800" dirty="0">
-              <a:solidFill>
-                <a:srgbClr val="000000"/>
-              </a:solidFill>
-              <a:latin typeface="Open Sans"/>
-            </a:endParaRPr>
-          </a:p>
-          <a:p>
-            <a:pPr marL="0" indent="0">
-              <a:buNone/>
-            </a:pPr>
-            <a:r>
-              <a:rPr lang="en-US" dirty="0"/>
-              <a:t>II. </a:t>
-            </a:r>
-            <a:r>
-              <a:rPr lang="vi-VN" dirty="0" err="1"/>
-              <a:t>Dữ</a:t>
-            </a:r>
-            <a:r>
-              <a:rPr lang="vi-VN" dirty="0"/>
-              <a:t> </a:t>
-            </a:r>
-            <a:r>
-              <a:rPr lang="vi-VN" dirty="0" err="1"/>
-              <a:t>liệu</a:t>
-            </a:r>
-            <a:endParaRPr lang="vi-VN" dirty="0"/>
-          </a:p>
-          <a:p>
-            <a:pPr marL="0" indent="0">
-              <a:buNone/>
-            </a:pPr>
-            <a:r>
-              <a:rPr lang="vi-VN" dirty="0"/>
-              <a:t>III. Mô </a:t>
-            </a:r>
-            <a:r>
-              <a:rPr lang="vi-VN" dirty="0" err="1"/>
-              <a:t>hình</a:t>
-            </a:r>
-            <a:endParaRPr lang="vi-VN" dirty="0"/>
-          </a:p>
-          <a:p>
-            <a:pPr marL="571500" indent="-571500">
-              <a:buAutoNum type="romanUcPeriod" startAt="4"/>
-            </a:pPr>
-            <a:r>
-              <a:rPr lang="vi-VN" dirty="0"/>
-              <a:t>Quy </a:t>
-            </a:r>
-            <a:r>
-              <a:rPr lang="vi-VN" dirty="0" err="1"/>
-              <a:t>trình</a:t>
-            </a:r>
-            <a:r>
-              <a:rPr lang="vi-VN" dirty="0"/>
-              <a:t> </a:t>
-            </a:r>
-            <a:r>
-              <a:rPr lang="vi-VN" dirty="0" err="1"/>
-              <a:t>thực</a:t>
-            </a:r>
-            <a:r>
-              <a:rPr lang="vi-VN" dirty="0"/>
-              <a:t> </a:t>
-            </a:r>
-            <a:r>
-              <a:rPr lang="vi-VN" dirty="0" err="1"/>
-              <a:t>hiện</a:t>
-            </a:r>
-            <a:endParaRPr lang="vi-VN" dirty="0"/>
-          </a:p>
-          <a:p>
-            <a:pPr marL="571500" indent="-571500">
-              <a:buAutoNum type="romanUcPeriod" startAt="4"/>
-            </a:pPr>
-            <a:r>
-              <a:rPr lang="vi-VN" dirty="0"/>
-              <a:t>Kết quả và </a:t>
-            </a:r>
-            <a:r>
-              <a:rPr lang="vi-VN" dirty="0" err="1"/>
-              <a:t>đánh</a:t>
-            </a:r>
-            <a:r>
-              <a:rPr lang="vi-VN" dirty="0"/>
-              <a:t> </a:t>
-            </a:r>
-            <a:r>
-              <a:rPr lang="vi-VN" dirty="0" err="1"/>
-              <a:t>giá</a:t>
-            </a:r>
-            <a:endParaRPr lang="vi-VN" dirty="0"/>
-          </a:p>
-          <a:p>
-            <a:pPr marL="571500" indent="-571500">
-              <a:buAutoNum type="romanUcPeriod" startAt="4"/>
-            </a:pPr>
-            <a:r>
-              <a:rPr lang="vi-VN" dirty="0" err="1"/>
-              <a:t>Tài</a:t>
-            </a:r>
-            <a:r>
-              <a:rPr lang="vi-VN" dirty="0"/>
-              <a:t> </a:t>
-            </a:r>
-            <a:r>
-              <a:rPr lang="vi-VN" dirty="0" err="1"/>
-              <a:t>liệu</a:t>
-            </a:r>
-            <a:r>
-              <a:rPr lang="vi-VN" dirty="0"/>
-              <a:t> tham </a:t>
-            </a:r>
-            <a:r>
-              <a:rPr lang="vi-VN" dirty="0" err="1"/>
-              <a:t>khảo</a:t>
-            </a:r>
-            <a:endParaRPr lang="en-US" dirty="0"/>
-          </a:p>
-          <a:p>
-            <a:endParaRPr lang="en-US" dirty="0"/>
-          </a:p>
-          <a:p>
-            <a:endParaRPr lang="en-US" dirty="0"/>
+            <a:endParaRPr lang="en-US"/>
           </a:p>
         </p:txBody>
       </p:sp>
     </p:spTree>
     <p:extLst>
       <p:ext uri="{BB962C8B-B14F-4D97-AF65-F5344CB8AC3E}">
-        <p14:creationId xmlns:p14="http://schemas.microsoft.com/office/powerpoint/2010/main" val="1839009829"/>
+        <p14:creationId xmlns:p14="http://schemas.microsoft.com/office/powerpoint/2010/main" val="804410850"/>
       </p:ext>
     </p:extLst>
   </p:cSld>
@@ -5214,10 +4202,71 @@
       </p:grpSpPr>
       <p:sp>
         <p:nvSpPr>
-          <p:cNvPr id="2" name="Slide Number Placeholder 1">
-            <a:extLst>
-              <a:ext uri="{FF2B5EF4-FFF2-40B4-BE49-F238E27FC236}">
-                <a16:creationId xmlns:a16="http://schemas.microsoft.com/office/drawing/2014/main" id="{A7101F79-2CBF-4392-B538-B0B5700DB4C6}"/>
+          <p:cNvPr id="2" name="Title 1">
+            <a:extLst>
+              <a:ext uri="{FF2B5EF4-FFF2-40B4-BE49-F238E27FC236}">
+                <a16:creationId xmlns:a16="http://schemas.microsoft.com/office/drawing/2014/main" id="{4FB6CB3A-046A-4C56-A02D-DBF672421CAF}"/>
+              </a:ext>
+            </a:extLst>
+          </p:cNvPr>
+          <p:cNvSpPr>
+            <a:spLocks noGrp="1"/>
+          </p:cNvSpPr>
+          <p:nvPr>
+            <p:ph type="title"/>
+          </p:nvPr>
+        </p:nvSpPr>
+        <p:spPr/>
+        <p:txBody>
+          <a:bodyPr/>
+          <a:lstStyle/>
+          <a:p>
+            <a:endParaRPr lang="en-US"/>
+          </a:p>
+        </p:txBody>
+      </p:sp>
+      <p:sp>
+        <p:nvSpPr>
+          <p:cNvPr id="3" name="Chart Placeholder 2">
+            <a:extLst>
+              <a:ext uri="{FF2B5EF4-FFF2-40B4-BE49-F238E27FC236}">
+                <a16:creationId xmlns:a16="http://schemas.microsoft.com/office/drawing/2014/main" id="{C8196C5E-7B93-4E81-B617-CD97C06D6032}"/>
+              </a:ext>
+            </a:extLst>
+          </p:cNvPr>
+          <p:cNvSpPr>
+            <a:spLocks noGrp="1"/>
+          </p:cNvSpPr>
+          <p:nvPr>
+            <p:ph type="chart" sz="quarter" idx="13"/>
+          </p:nvPr>
+        </p:nvSpPr>
+        <p:spPr/>
+      </p:sp>
+      <p:sp>
+        <p:nvSpPr>
+          <p:cNvPr id="4" name="Picture Placeholder 3">
+            <a:extLst>
+              <a:ext uri="{FF2B5EF4-FFF2-40B4-BE49-F238E27FC236}">
+                <a16:creationId xmlns:a16="http://schemas.microsoft.com/office/drawing/2014/main" id="{377CB842-AD15-4F5A-8EF5-EBD6CE5F54A3}"/>
+              </a:ext>
+            </a:extLst>
+          </p:cNvPr>
+          <p:cNvSpPr>
+            <a:spLocks noGrp="1"/>
+          </p:cNvSpPr>
+          <p:nvPr>
+            <p:ph type="pic" sz="quarter" idx="14"/>
+          </p:nvPr>
+        </p:nvSpPr>
+        <p:spPr/>
+      </p:sp>
+      <p:sp>
+        <p:nvSpPr>
+          <p:cNvPr id="5" name="Slide Number Placeholder 4">
+            <a:extLst>
+              <a:ext uri="{FF2B5EF4-FFF2-40B4-BE49-F238E27FC236}">
+                <a16:creationId xmlns:a16="http://schemas.microsoft.com/office/drawing/2014/main" id="{3776946D-AB92-4D05-97ED-4EDF0AB0FF55}"/>
               </a:ext>
             </a:extLst>
           </p:cNvPr>
@@ -5238,94 +4287,14 @@
               <a:pPr/>
               <a:t>6</a:t>
             </a:fld>
-            <a:endParaRPr lang="en-US" dirty="0"/>
-          </a:p>
-        </p:txBody>
-      </p:sp>
-      <p:sp>
-        <p:nvSpPr>
-          <p:cNvPr id="3" name="Title 2">
-            <a:extLst>
-              <a:ext uri="{FF2B5EF4-FFF2-40B4-BE49-F238E27FC236}">
-                <a16:creationId xmlns:a16="http://schemas.microsoft.com/office/drawing/2014/main" id="{9EF27CAA-32BA-4E6B-B8C0-1A481E08E81D}"/>
-              </a:ext>
-            </a:extLst>
-          </p:cNvPr>
-          <p:cNvSpPr>
-            <a:spLocks noGrp="1"/>
-          </p:cNvSpPr>
-          <p:nvPr>
-            <p:ph type="title"/>
-          </p:nvPr>
-        </p:nvSpPr>
-        <p:spPr/>
-        <p:txBody>
-          <a:bodyPr/>
-          <a:lstStyle/>
-          <a:p>
-            <a:pPr marL="0" indent="0">
-              <a:buNone/>
-            </a:pPr>
-            <a:r>
-              <a:rPr lang="en-US" dirty="0"/>
-              <a:t>I. </a:t>
-            </a:r>
-            <a:r>
-              <a:rPr lang="vi-VN" dirty="0" err="1">
-                <a:latin typeface="Open Sans"/>
-              </a:rPr>
-              <a:t>Giới</a:t>
-            </a:r>
-            <a:r>
-              <a:rPr lang="vi-VN" dirty="0">
-                <a:latin typeface="Open Sans"/>
-              </a:rPr>
-              <a:t> </a:t>
-            </a:r>
-            <a:r>
-              <a:rPr lang="vi-VN" dirty="0" err="1">
-                <a:latin typeface="Open Sans"/>
-              </a:rPr>
-              <a:t>thiệu</a:t>
-            </a:r>
-            <a:endParaRPr lang="en-US" sz="2800" dirty="0">
-              <a:latin typeface="Open Sans"/>
-            </a:endParaRPr>
-          </a:p>
-        </p:txBody>
-      </p:sp>
-      <p:sp>
-        <p:nvSpPr>
-          <p:cNvPr id="4" name="Content Placeholder 3">
-            <a:extLst>
-              <a:ext uri="{FF2B5EF4-FFF2-40B4-BE49-F238E27FC236}">
-                <a16:creationId xmlns:a16="http://schemas.microsoft.com/office/drawing/2014/main" id="{59563378-38F8-4CB3-AF99-2C56FCF55404}"/>
-              </a:ext>
-            </a:extLst>
-          </p:cNvPr>
-          <p:cNvSpPr>
-            <a:spLocks noGrp="1"/>
-          </p:cNvSpPr>
-          <p:nvPr>
-            <p:ph sz="quarter" idx="13"/>
-          </p:nvPr>
-        </p:nvSpPr>
-        <p:spPr/>
-        <p:txBody>
-          <a:bodyPr/>
-          <a:lstStyle/>
-          <a:p>
-            <a:endParaRPr lang="en-US" dirty="0"/>
-          </a:p>
-          <a:p>
-            <a:endParaRPr lang="en-US" dirty="0"/>
+            <a:endParaRPr lang="en-US"/>
           </a:p>
         </p:txBody>
       </p:sp>
     </p:spTree>
     <p:extLst>
       <p:ext uri="{BB962C8B-B14F-4D97-AF65-F5344CB8AC3E}">
-        <p14:creationId xmlns:p14="http://schemas.microsoft.com/office/powerpoint/2010/main" val="3340432949"/>
+        <p14:creationId xmlns:p14="http://schemas.microsoft.com/office/powerpoint/2010/main" val="64084651"/>
       </p:ext>
     </p:extLst>
   </p:cSld>
@@ -5354,10 +4323,60 @@
       </p:grpSpPr>
       <p:sp>
         <p:nvSpPr>
-          <p:cNvPr id="2" name="Slide Number Placeholder 1">
-            <a:extLst>
-              <a:ext uri="{FF2B5EF4-FFF2-40B4-BE49-F238E27FC236}">
-                <a16:creationId xmlns:a16="http://schemas.microsoft.com/office/drawing/2014/main" id="{A7101F79-2CBF-4392-B538-B0B5700DB4C6}"/>
+          <p:cNvPr id="2" name="Title 1">
+            <a:extLst>
+              <a:ext uri="{FF2B5EF4-FFF2-40B4-BE49-F238E27FC236}">
+                <a16:creationId xmlns:a16="http://schemas.microsoft.com/office/drawing/2014/main" id="{C7A5D019-96A4-4D1E-AFB5-09D65C86E12D}"/>
+              </a:ext>
+            </a:extLst>
+          </p:cNvPr>
+          <p:cNvSpPr>
+            <a:spLocks noGrp="1"/>
+          </p:cNvSpPr>
+          <p:nvPr>
+            <p:ph type="title"/>
+          </p:nvPr>
+        </p:nvSpPr>
+        <p:spPr/>
+        <p:txBody>
+          <a:bodyPr/>
+          <a:lstStyle/>
+          <a:p>
+            <a:endParaRPr lang="en-US"/>
+          </a:p>
+        </p:txBody>
+      </p:sp>
+      <p:sp>
+        <p:nvSpPr>
+          <p:cNvPr id="3" name="Text Placeholder 2">
+            <a:extLst>
+              <a:ext uri="{FF2B5EF4-FFF2-40B4-BE49-F238E27FC236}">
+                <a16:creationId xmlns:a16="http://schemas.microsoft.com/office/drawing/2014/main" id="{A5726603-7893-4AE0-9532-68058044B69D}"/>
+              </a:ext>
+            </a:extLst>
+          </p:cNvPr>
+          <p:cNvSpPr>
+            <a:spLocks noGrp="1"/>
+          </p:cNvSpPr>
+          <p:nvPr>
+            <p:ph type="body" sz="quarter" idx="13"/>
+          </p:nvPr>
+        </p:nvSpPr>
+        <p:spPr/>
+        <p:txBody>
+          <a:bodyPr/>
+          <a:lstStyle/>
+          <a:p>
+            <a:endParaRPr lang="en-US"/>
+          </a:p>
+        </p:txBody>
+      </p:sp>
+      <p:sp>
+        <p:nvSpPr>
+          <p:cNvPr id="6" name="Slide Number Placeholder 5">
+            <a:extLst>
+              <a:ext uri="{FF2B5EF4-FFF2-40B4-BE49-F238E27FC236}">
+                <a16:creationId xmlns:a16="http://schemas.microsoft.com/office/drawing/2014/main" id="{11E4677A-4F02-4478-B9B8-685D0B6264D3}"/>
               </a:ext>
             </a:extLst>
           </p:cNvPr>
@@ -5378,88 +4397,14 @@
               <a:pPr/>
               <a:t>7</a:t>
             </a:fld>
-            <a:endParaRPr lang="en-US" dirty="0"/>
-          </a:p>
-        </p:txBody>
-      </p:sp>
-      <p:sp>
-        <p:nvSpPr>
-          <p:cNvPr id="3" name="Title 2">
-            <a:extLst>
-              <a:ext uri="{FF2B5EF4-FFF2-40B4-BE49-F238E27FC236}">
-                <a16:creationId xmlns:a16="http://schemas.microsoft.com/office/drawing/2014/main" id="{9EF27CAA-32BA-4E6B-B8C0-1A481E08E81D}"/>
-              </a:ext>
-            </a:extLst>
-          </p:cNvPr>
-          <p:cNvSpPr>
-            <a:spLocks noGrp="1"/>
-          </p:cNvSpPr>
-          <p:nvPr>
-            <p:ph type="title"/>
-          </p:nvPr>
-        </p:nvSpPr>
-        <p:spPr/>
-        <p:txBody>
-          <a:bodyPr/>
-          <a:lstStyle/>
-          <a:p>
-            <a:pPr marL="0" indent="0">
-              <a:buNone/>
-            </a:pPr>
-            <a:r>
-              <a:rPr lang="en-US" dirty="0"/>
-              <a:t>I. </a:t>
-            </a:r>
-            <a:r>
-              <a:rPr lang="vi-VN" dirty="0" err="1"/>
-              <a:t>Giới</a:t>
-            </a:r>
-            <a:r>
-              <a:rPr lang="vi-VN" dirty="0"/>
-              <a:t> </a:t>
-            </a:r>
-            <a:r>
-              <a:rPr lang="vi-VN" dirty="0" err="1"/>
-              <a:t>thiệu</a:t>
-            </a:r>
-            <a:endParaRPr lang="en-US" sz="2800" dirty="0">
-              <a:latin typeface="Open Sans"/>
-            </a:endParaRPr>
-          </a:p>
-        </p:txBody>
-      </p:sp>
-      <p:sp>
-        <p:nvSpPr>
-          <p:cNvPr id="4" name="Content Placeholder 3">
-            <a:extLst>
-              <a:ext uri="{FF2B5EF4-FFF2-40B4-BE49-F238E27FC236}">
-                <a16:creationId xmlns:a16="http://schemas.microsoft.com/office/drawing/2014/main" id="{59563378-38F8-4CB3-AF99-2C56FCF55404}"/>
-              </a:ext>
-            </a:extLst>
-          </p:cNvPr>
-          <p:cNvSpPr>
-            <a:spLocks noGrp="1"/>
-          </p:cNvSpPr>
-          <p:nvPr>
-            <p:ph sz="quarter" idx="13"/>
-          </p:nvPr>
-        </p:nvSpPr>
-        <p:spPr/>
-        <p:txBody>
-          <a:bodyPr/>
-          <a:lstStyle/>
-          <a:p>
-            <a:endParaRPr lang="vi-VN" dirty="0"/>
-          </a:p>
-          <a:p>
-            <a:endParaRPr lang="en-US" dirty="0"/>
+            <a:endParaRPr lang="en-US"/>
           </a:p>
         </p:txBody>
       </p:sp>
     </p:spTree>
     <p:extLst>
       <p:ext uri="{BB962C8B-B14F-4D97-AF65-F5344CB8AC3E}">
-        <p14:creationId xmlns:p14="http://schemas.microsoft.com/office/powerpoint/2010/main" val="3323321771"/>
+        <p14:creationId xmlns:p14="http://schemas.microsoft.com/office/powerpoint/2010/main" val="3505952789"/>
       </p:ext>
     </p:extLst>
   </p:cSld>
@@ -5488,10 +4433,60 @@
       </p:grpSpPr>
       <p:sp>
         <p:nvSpPr>
-          <p:cNvPr id="2" name="Slide Number Placeholder 1">
-            <a:extLst>
-              <a:ext uri="{FF2B5EF4-FFF2-40B4-BE49-F238E27FC236}">
-                <a16:creationId xmlns:a16="http://schemas.microsoft.com/office/drawing/2014/main" id="{A7101F79-2CBF-4392-B538-B0B5700DB4C6}"/>
+          <p:cNvPr id="2" name="Content Placeholder 1">
+            <a:extLst>
+              <a:ext uri="{FF2B5EF4-FFF2-40B4-BE49-F238E27FC236}">
+                <a16:creationId xmlns:a16="http://schemas.microsoft.com/office/drawing/2014/main" id="{5308E1B1-D9CD-415A-BCE5-B57F39B2F31D}"/>
+              </a:ext>
+            </a:extLst>
+          </p:cNvPr>
+          <p:cNvSpPr>
+            <a:spLocks noGrp="1"/>
+          </p:cNvSpPr>
+          <p:nvPr>
+            <p:ph sz="quarter" idx="13"/>
+          </p:nvPr>
+        </p:nvSpPr>
+        <p:spPr/>
+        <p:txBody>
+          <a:bodyPr/>
+          <a:lstStyle/>
+          <a:p>
+            <a:endParaRPr lang="en-US"/>
+          </a:p>
+        </p:txBody>
+      </p:sp>
+      <p:sp>
+        <p:nvSpPr>
+          <p:cNvPr id="3" name="Title 2">
+            <a:extLst>
+              <a:ext uri="{FF2B5EF4-FFF2-40B4-BE49-F238E27FC236}">
+                <a16:creationId xmlns:a16="http://schemas.microsoft.com/office/drawing/2014/main" id="{AD6941D0-D074-43AE-8875-C4BDC98ADB7F}"/>
+              </a:ext>
+            </a:extLst>
+          </p:cNvPr>
+          <p:cNvSpPr>
+            <a:spLocks noGrp="1"/>
+          </p:cNvSpPr>
+          <p:nvPr>
+            <p:ph type="title"/>
+          </p:nvPr>
+        </p:nvSpPr>
+        <p:spPr/>
+        <p:txBody>
+          <a:bodyPr/>
+          <a:lstStyle/>
+          <a:p>
+            <a:endParaRPr lang="en-US"/>
+          </a:p>
+        </p:txBody>
+      </p:sp>
+      <p:sp>
+        <p:nvSpPr>
+          <p:cNvPr id="4" name="Slide Number Placeholder 3">
+            <a:extLst>
+              <a:ext uri="{FF2B5EF4-FFF2-40B4-BE49-F238E27FC236}">
+                <a16:creationId xmlns:a16="http://schemas.microsoft.com/office/drawing/2014/main" id="{BD91CA00-8B5A-4B5F-AE21-CF0691D64D53}"/>
               </a:ext>
             </a:extLst>
           </p:cNvPr>
@@ -5512,94 +4507,14 @@
               <a:pPr/>
               <a:t>8</a:t>
             </a:fld>
-            <a:endParaRPr lang="en-US" dirty="0"/>
-          </a:p>
-        </p:txBody>
-      </p:sp>
-      <p:sp>
-        <p:nvSpPr>
-          <p:cNvPr id="3" name="Title 2">
-            <a:extLst>
-              <a:ext uri="{FF2B5EF4-FFF2-40B4-BE49-F238E27FC236}">
-                <a16:creationId xmlns:a16="http://schemas.microsoft.com/office/drawing/2014/main" id="{9EF27CAA-32BA-4E6B-B8C0-1A481E08E81D}"/>
-              </a:ext>
-            </a:extLst>
-          </p:cNvPr>
-          <p:cNvSpPr>
-            <a:spLocks noGrp="1"/>
-          </p:cNvSpPr>
-          <p:nvPr>
-            <p:ph type="title"/>
-          </p:nvPr>
-        </p:nvSpPr>
-        <p:spPr/>
-        <p:txBody>
-          <a:bodyPr/>
-          <a:lstStyle/>
-          <a:p>
-            <a:pPr marL="0" indent="0">
-              <a:buNone/>
-            </a:pPr>
-            <a:r>
-              <a:rPr lang="en-US" dirty="0"/>
-              <a:t>I. </a:t>
-            </a:r>
-            <a:r>
-              <a:rPr lang="vi-VN" dirty="0" err="1">
-                <a:latin typeface="Open Sans"/>
-              </a:rPr>
-              <a:t>Giới</a:t>
-            </a:r>
-            <a:r>
-              <a:rPr lang="vi-VN" dirty="0">
-                <a:latin typeface="Open Sans"/>
-              </a:rPr>
-              <a:t> </a:t>
-            </a:r>
-            <a:r>
-              <a:rPr lang="vi-VN" dirty="0" err="1">
-                <a:latin typeface="Open Sans"/>
-              </a:rPr>
-              <a:t>thiệu</a:t>
-            </a:r>
-            <a:endParaRPr lang="en-US" sz="2800" dirty="0">
-              <a:latin typeface="Open Sans"/>
-            </a:endParaRPr>
-          </a:p>
-        </p:txBody>
-      </p:sp>
-      <p:sp>
-        <p:nvSpPr>
-          <p:cNvPr id="4" name="Content Placeholder 3">
-            <a:extLst>
-              <a:ext uri="{FF2B5EF4-FFF2-40B4-BE49-F238E27FC236}">
-                <a16:creationId xmlns:a16="http://schemas.microsoft.com/office/drawing/2014/main" id="{59563378-38F8-4CB3-AF99-2C56FCF55404}"/>
-              </a:ext>
-            </a:extLst>
-          </p:cNvPr>
-          <p:cNvSpPr>
-            <a:spLocks noGrp="1"/>
-          </p:cNvSpPr>
-          <p:nvPr>
-            <p:ph sz="quarter" idx="13"/>
-          </p:nvPr>
-        </p:nvSpPr>
-        <p:spPr/>
-        <p:txBody>
-          <a:bodyPr/>
-          <a:lstStyle/>
-          <a:p>
-            <a:endParaRPr lang="vi-VN" dirty="0"/>
-          </a:p>
-          <a:p>
-            <a:endParaRPr lang="en-US" dirty="0"/>
+            <a:endParaRPr lang="en-US"/>
           </a:p>
         </p:txBody>
       </p:sp>
     </p:spTree>
     <p:extLst>
       <p:ext uri="{BB962C8B-B14F-4D97-AF65-F5344CB8AC3E}">
-        <p14:creationId xmlns:p14="http://schemas.microsoft.com/office/powerpoint/2010/main" val="1271696195"/>
+        <p14:creationId xmlns:p14="http://schemas.microsoft.com/office/powerpoint/2010/main" val="485500544"/>
       </p:ext>
     </p:extLst>
   </p:cSld>
@@ -5628,10 +4543,71 @@
       </p:grpSpPr>
       <p:sp>
         <p:nvSpPr>
-          <p:cNvPr id="2" name="Slide Number Placeholder 1">
-            <a:extLst>
-              <a:ext uri="{FF2B5EF4-FFF2-40B4-BE49-F238E27FC236}">
-                <a16:creationId xmlns:a16="http://schemas.microsoft.com/office/drawing/2014/main" id="{A7101F79-2CBF-4392-B538-B0B5700DB4C6}"/>
+          <p:cNvPr id="2" name="Title 1">
+            <a:extLst>
+              <a:ext uri="{FF2B5EF4-FFF2-40B4-BE49-F238E27FC236}">
+                <a16:creationId xmlns:a16="http://schemas.microsoft.com/office/drawing/2014/main" id="{AEAEFE0E-299A-46D8-9DF7-2C84CBBCAF45}"/>
+              </a:ext>
+            </a:extLst>
+          </p:cNvPr>
+          <p:cNvSpPr>
+            <a:spLocks noGrp="1"/>
+          </p:cNvSpPr>
+          <p:nvPr>
+            <p:ph type="title"/>
+          </p:nvPr>
+        </p:nvSpPr>
+        <p:spPr/>
+        <p:txBody>
+          <a:bodyPr/>
+          <a:lstStyle/>
+          <a:p>
+            <a:endParaRPr lang="en-US"/>
+          </a:p>
+        </p:txBody>
+      </p:sp>
+      <p:sp>
+        <p:nvSpPr>
+          <p:cNvPr id="3" name="Chart Placeholder 2">
+            <a:extLst>
+              <a:ext uri="{FF2B5EF4-FFF2-40B4-BE49-F238E27FC236}">
+                <a16:creationId xmlns:a16="http://schemas.microsoft.com/office/drawing/2014/main" id="{22B1B2EF-F9E2-4625-AD70-EE979A3EA521}"/>
+              </a:ext>
+            </a:extLst>
+          </p:cNvPr>
+          <p:cNvSpPr>
+            <a:spLocks noGrp="1"/>
+          </p:cNvSpPr>
+          <p:nvPr>
+            <p:ph type="chart" sz="quarter" idx="13"/>
+          </p:nvPr>
+        </p:nvSpPr>
+        <p:spPr/>
+      </p:sp>
+      <p:sp>
+        <p:nvSpPr>
+          <p:cNvPr id="4" name="Table Placeholder 3">
+            <a:extLst>
+              <a:ext uri="{FF2B5EF4-FFF2-40B4-BE49-F238E27FC236}">
+                <a16:creationId xmlns:a16="http://schemas.microsoft.com/office/drawing/2014/main" id="{9B7570B9-F44D-4F61-BF1F-C3F752BCAAB3}"/>
+              </a:ext>
+            </a:extLst>
+          </p:cNvPr>
+          <p:cNvSpPr>
+            <a:spLocks noGrp="1"/>
+          </p:cNvSpPr>
+          <p:nvPr>
+            <p:ph type="tbl" sz="quarter" idx="14"/>
+          </p:nvPr>
+        </p:nvSpPr>
+        <p:spPr/>
+      </p:sp>
+      <p:sp>
+        <p:nvSpPr>
+          <p:cNvPr id="5" name="Slide Number Placeholder 4">
+            <a:extLst>
+              <a:ext uri="{FF2B5EF4-FFF2-40B4-BE49-F238E27FC236}">
+                <a16:creationId xmlns:a16="http://schemas.microsoft.com/office/drawing/2014/main" id="{E8B4E653-E636-4EED-9A37-BC263FE84A93}"/>
               </a:ext>
             </a:extLst>
           </p:cNvPr>
@@ -5652,235 +4628,14 @@
               <a:pPr/>
               <a:t>9</a:t>
             </a:fld>
-            <a:endParaRPr lang="en-US" dirty="0"/>
-          </a:p>
-        </p:txBody>
-      </p:sp>
-      <p:sp>
-        <p:nvSpPr>
-          <p:cNvPr id="3" name="Title 2">
-            <a:extLst>
-              <a:ext uri="{FF2B5EF4-FFF2-40B4-BE49-F238E27FC236}">
-                <a16:creationId xmlns:a16="http://schemas.microsoft.com/office/drawing/2014/main" id="{9EF27CAA-32BA-4E6B-B8C0-1A481E08E81D}"/>
-              </a:ext>
-            </a:extLst>
-          </p:cNvPr>
-          <p:cNvSpPr>
-            <a:spLocks noGrp="1"/>
-          </p:cNvSpPr>
-          <p:nvPr>
-            <p:ph type="title"/>
-          </p:nvPr>
-        </p:nvSpPr>
-        <p:spPr/>
-        <p:txBody>
-          <a:bodyPr/>
-          <a:lstStyle/>
-          <a:p>
-            <a:r>
-              <a:rPr lang="vi-VN" dirty="0" err="1"/>
-              <a:t>Mục</a:t>
-            </a:r>
-            <a:r>
-              <a:rPr lang="vi-VN" dirty="0"/>
-              <a:t> </a:t>
-            </a:r>
-            <a:r>
-              <a:rPr lang="vi-VN" dirty="0" err="1"/>
-              <a:t>lục</a:t>
-            </a:r>
-            <a:endParaRPr lang="en-US" dirty="0"/>
-          </a:p>
-        </p:txBody>
-      </p:sp>
-      <p:sp>
-        <p:nvSpPr>
-          <p:cNvPr id="4" name="Content Placeholder 3">
-            <a:extLst>
-              <a:ext uri="{FF2B5EF4-FFF2-40B4-BE49-F238E27FC236}">
-                <a16:creationId xmlns:a16="http://schemas.microsoft.com/office/drawing/2014/main" id="{59563378-38F8-4CB3-AF99-2C56FCF55404}"/>
-              </a:ext>
-            </a:extLst>
-          </p:cNvPr>
-          <p:cNvSpPr>
-            <a:spLocks noGrp="1"/>
-          </p:cNvSpPr>
-          <p:nvPr>
-            <p:ph sz="quarter" idx="13"/>
-          </p:nvPr>
-        </p:nvSpPr>
-        <p:spPr/>
-        <p:txBody>
-          <a:bodyPr/>
-          <a:lstStyle/>
-          <a:p>
-            <a:pPr marL="0" indent="0">
-              <a:buNone/>
-            </a:pPr>
-            <a:r>
-              <a:rPr lang="en-US" dirty="0"/>
-              <a:t>I. </a:t>
-            </a:r>
-            <a:r>
-              <a:rPr lang="vi-VN" sz="2800" dirty="0" err="1">
-                <a:solidFill>
-                  <a:srgbClr val="000000"/>
-                </a:solidFill>
-                <a:latin typeface="Open Sans"/>
-              </a:rPr>
-              <a:t>Giới</a:t>
-            </a:r>
-            <a:r>
-              <a:rPr lang="vi-VN" sz="2800" dirty="0">
-                <a:solidFill>
-                  <a:srgbClr val="000000"/>
-                </a:solidFill>
-                <a:latin typeface="Open Sans"/>
-              </a:rPr>
-              <a:t> </a:t>
-            </a:r>
-            <a:r>
-              <a:rPr lang="vi-VN" sz="2800" dirty="0" err="1">
-                <a:solidFill>
-                  <a:srgbClr val="000000"/>
-                </a:solidFill>
-                <a:latin typeface="Open Sans"/>
-              </a:rPr>
-              <a:t>thiệu</a:t>
-            </a:r>
-            <a:endParaRPr lang="en-US" sz="2800" dirty="0">
-              <a:solidFill>
-                <a:srgbClr val="000000"/>
-              </a:solidFill>
-              <a:latin typeface="Open Sans"/>
-            </a:endParaRPr>
-          </a:p>
-          <a:p>
-            <a:pPr marL="0" indent="0">
-              <a:buNone/>
-            </a:pPr>
-            <a:r>
-              <a:rPr lang="en-US" dirty="0"/>
-              <a:t>II. </a:t>
-            </a:r>
-            <a:r>
-              <a:rPr lang="vi-VN" dirty="0" err="1"/>
-              <a:t>Dữ</a:t>
-            </a:r>
-            <a:r>
-              <a:rPr lang="vi-VN" dirty="0"/>
-              <a:t> </a:t>
-            </a:r>
-            <a:r>
-              <a:rPr lang="vi-VN" dirty="0" err="1"/>
-              <a:t>liệu</a:t>
-            </a:r>
-            <a:endParaRPr lang="vi-VN" dirty="0"/>
-          </a:p>
-          <a:p>
-            <a:pPr marL="0" indent="0">
-              <a:buNone/>
-            </a:pPr>
-            <a:r>
-              <a:rPr lang="vi-VN" dirty="0"/>
-              <a:t>III. Mô </a:t>
-            </a:r>
-            <a:r>
-              <a:rPr lang="vi-VN" dirty="0" err="1"/>
-              <a:t>hình</a:t>
-            </a:r>
-            <a:endParaRPr lang="vi-VN" dirty="0"/>
-          </a:p>
-          <a:p>
-            <a:pPr marL="571500" indent="-571500">
-              <a:buAutoNum type="romanUcPeriod" startAt="4"/>
-            </a:pPr>
-            <a:r>
-              <a:rPr lang="vi-VN" dirty="0"/>
-              <a:t>Quy </a:t>
-            </a:r>
-            <a:r>
-              <a:rPr lang="vi-VN" dirty="0" err="1"/>
-              <a:t>trình</a:t>
-            </a:r>
-            <a:r>
-              <a:rPr lang="vi-VN" dirty="0"/>
-              <a:t> </a:t>
-            </a:r>
-            <a:r>
-              <a:rPr lang="vi-VN" dirty="0" err="1"/>
-              <a:t>thực</a:t>
-            </a:r>
-            <a:r>
-              <a:rPr lang="vi-VN" dirty="0"/>
-              <a:t> </a:t>
-            </a:r>
-            <a:r>
-              <a:rPr lang="vi-VN" dirty="0" err="1"/>
-              <a:t>hiện</a:t>
-            </a:r>
-            <a:endParaRPr lang="vi-VN" dirty="0"/>
-          </a:p>
-          <a:p>
-            <a:pPr marL="571500" indent="-571500">
-              <a:buAutoNum type="romanUcPeriod" startAt="4"/>
-            </a:pPr>
-            <a:r>
-              <a:rPr lang="vi-VN" dirty="0"/>
-              <a:t>Kết quả và </a:t>
-            </a:r>
-            <a:r>
-              <a:rPr lang="vi-VN" dirty="0" err="1"/>
-              <a:t>đánh</a:t>
-            </a:r>
-            <a:r>
-              <a:rPr lang="vi-VN" dirty="0"/>
-              <a:t> </a:t>
-            </a:r>
-            <a:r>
-              <a:rPr lang="vi-VN" dirty="0" err="1"/>
-              <a:t>giá</a:t>
-            </a:r>
-            <a:endParaRPr lang="vi-VN" dirty="0"/>
-          </a:p>
-          <a:p>
-            <a:pPr marL="571500" indent="-571500">
-              <a:buAutoNum type="romanUcPeriod" startAt="4"/>
-            </a:pPr>
-            <a:r>
-              <a:rPr lang="vi-VN" dirty="0" err="1"/>
-              <a:t>Tài</a:t>
-            </a:r>
-            <a:r>
-              <a:rPr lang="vi-VN" dirty="0"/>
-              <a:t> </a:t>
-            </a:r>
-            <a:r>
-              <a:rPr lang="vi-VN" dirty="0" err="1"/>
-              <a:t>liệu</a:t>
-            </a:r>
-            <a:r>
-              <a:rPr lang="vi-VN" dirty="0"/>
-              <a:t> tham </a:t>
-            </a:r>
-            <a:r>
-              <a:rPr lang="vi-VN" dirty="0" err="1"/>
-              <a:t>khảo</a:t>
-            </a:r>
-            <a:endParaRPr lang="en-US" dirty="0"/>
-          </a:p>
-          <a:p>
-            <a:endParaRPr lang="en-US" dirty="0"/>
-          </a:p>
-          <a:p>
-            <a:endParaRPr lang="en-US" dirty="0"/>
+            <a:endParaRPr lang="en-US"/>
           </a:p>
         </p:txBody>
       </p:sp>
     </p:spTree>
     <p:extLst>
       <p:ext uri="{BB962C8B-B14F-4D97-AF65-F5344CB8AC3E}">
-        <p14:creationId xmlns:p14="http://schemas.microsoft.com/office/powerpoint/2010/main" val="3927333642"/>
+        <p14:creationId xmlns:p14="http://schemas.microsoft.com/office/powerpoint/2010/main" val="2287700220"/>
       </p:ext>
     </p:extLst>
   </p:cSld>
@@ -5893,7 +4648,7 @@
 <file path=ppt/theme/theme1.xml><?xml version="1.0" encoding="utf-8"?>
 <a:theme xmlns:a="http://schemas.openxmlformats.org/drawingml/2006/main" name="Office Theme">
   <a:themeElements>
-    <a:clrScheme name="Office Theme">
+    <a:clrScheme name="Office">
       <a:dk1>
         <a:sysClr val="windowText" lastClr="000000"/>
       </a:dk1>
@@ -5931,7 +4686,7 @@
         <a:srgbClr val="954F72"/>
       </a:folHlink>
     </a:clrScheme>
-    <a:fontScheme name="Office Theme">
+    <a:fontScheme name="Office">
       <a:majorFont>
         <a:latin typeface="Calibri Light" panose="020F0302020204030204"/>
         <a:ea typeface=""/>
@@ -5966,6 +4721,23 @@
         <a:font script="Viet" typeface="Times New Roman"/>
         <a:font script="Uigh" typeface="Microsoft Uighur"/>
         <a:font script="Geor" typeface="Sylfaen"/>
+        <a:font script="Armn" typeface="Arial"/>
+        <a:font script="Bugi" typeface="Leelawadee UI"/>
+        <a:font script="Bopo" typeface="Microsoft JhengHei"/>
+        <a:font script="Java" typeface="Javanese Text"/>
+        <a:font script="Lisu" typeface="Segoe UI"/>
+        <a:font script="Mymr" typeface="Myanmar Text"/>
+        <a:font script="Nkoo" typeface="Ebrima"/>
+        <a:font script="Olck" typeface="Nirmala UI"/>
+        <a:font script="Osma" typeface="Ebrima"/>
+        <a:font script="Phag" typeface="Phagspa"/>
+        <a:font script="Syrn" typeface="Estrangelo Edessa"/>
+        <a:font script="Syrj" typeface="Estrangelo Edessa"/>
+        <a:font script="Syre" typeface="Estrangelo Edessa"/>
+        <a:font script="Sora" typeface="Nirmala UI"/>
+        <a:font script="Tale" typeface="Microsoft Tai Le"/>
+        <a:font script="Talu" typeface="Microsoft New Tai Lue"/>
+        <a:font script="Tfng" typeface="Ebrima"/>
       </a:majorFont>
       <a:minorFont>
         <a:latin typeface="Calibri" panose="020F0502020204030204"/>
@@ -6001,9 +4773,26 @@
         <a:font script="Viet" typeface="Arial"/>
         <a:font script="Uigh" typeface="Microsoft Uighur"/>
         <a:font script="Geor" typeface="Sylfaen"/>
+        <a:font script="Armn" typeface="Arial"/>
+        <a:font script="Bugi" typeface="Leelawadee UI"/>
+        <a:font script="Bopo" typeface="Microsoft JhengHei"/>
+        <a:font script="Java" typeface="Javanese Text"/>
+        <a:font script="Lisu" typeface="Segoe UI"/>
+        <a:font script="Mymr" typeface="Myanmar Text"/>
+        <a:font script="Nkoo" typeface="Ebrima"/>
+        <a:font script="Olck" typeface="Nirmala UI"/>
+        <a:font script="Osma" typeface="Ebrima"/>
+        <a:font script="Phag" typeface="Phagspa"/>
+        <a:font script="Syrn" typeface="Estrangelo Edessa"/>
+        <a:font script="Syrj" typeface="Estrangelo Edessa"/>
+        <a:font script="Syre" typeface="Estrangelo Edessa"/>
+        <a:font script="Sora" typeface="Nirmala UI"/>
+        <a:font script="Tale" typeface="Microsoft Tai Le"/>
+        <a:font script="Talu" typeface="Microsoft New Tai Lue"/>
+        <a:font script="Tfng" typeface="Ebrima"/>
       </a:minorFont>
     </a:fontScheme>
-    <a:fmtScheme name="Office Theme">
+    <a:fmtScheme name="Office">
       <a:fillStyleLst>
         <a:solidFill>
           <a:schemeClr val="phClr"/>

--- a/document/Thuyết trình.pptx
+++ b/document/Thuyết trình.pptx
@@ -5,10 +5,10 @@
     <p:sldMasterId id="2147483648" r:id="rId1"/>
   </p:sldMasterIdLst>
   <p:notesMasterIdLst>
-    <p:notesMasterId r:id="rId12"/>
+    <p:notesMasterId r:id="rId35"/>
   </p:notesMasterIdLst>
   <p:handoutMasterIdLst>
-    <p:handoutMasterId r:id="rId13"/>
+    <p:handoutMasterId r:id="rId36"/>
   </p:handoutMasterIdLst>
   <p:sldIdLst>
     <p:sldId id="259" r:id="rId2"/>
@@ -16,11 +16,34 @@
     <p:sldId id="257" r:id="rId4"/>
     <p:sldId id="260" r:id="rId5"/>
     <p:sldId id="265" r:id="rId6"/>
-    <p:sldId id="261" r:id="rId7"/>
-    <p:sldId id="258" r:id="rId8"/>
-    <p:sldId id="263" r:id="rId9"/>
-    <p:sldId id="264" r:id="rId10"/>
-    <p:sldId id="262" r:id="rId11"/>
+    <p:sldId id="294" r:id="rId7"/>
+    <p:sldId id="266" r:id="rId8"/>
+    <p:sldId id="267" r:id="rId9"/>
+    <p:sldId id="282" r:id="rId10"/>
+    <p:sldId id="269" r:id="rId11"/>
+    <p:sldId id="271" r:id="rId12"/>
+    <p:sldId id="272" r:id="rId13"/>
+    <p:sldId id="274" r:id="rId14"/>
+    <p:sldId id="283" r:id="rId15"/>
+    <p:sldId id="258" r:id="rId16"/>
+    <p:sldId id="275" r:id="rId17"/>
+    <p:sldId id="276" r:id="rId18"/>
+    <p:sldId id="277" r:id="rId19"/>
+    <p:sldId id="286" r:id="rId20"/>
+    <p:sldId id="287" r:id="rId21"/>
+    <p:sldId id="288" r:id="rId22"/>
+    <p:sldId id="289" r:id="rId23"/>
+    <p:sldId id="291" r:id="rId24"/>
+    <p:sldId id="290" r:id="rId25"/>
+    <p:sldId id="285" r:id="rId26"/>
+    <p:sldId id="278" r:id="rId27"/>
+    <p:sldId id="279" r:id="rId28"/>
+    <p:sldId id="284" r:id="rId29"/>
+    <p:sldId id="280" r:id="rId30"/>
+    <p:sldId id="293" r:id="rId31"/>
+    <p:sldId id="292" r:id="rId32"/>
+    <p:sldId id="281" r:id="rId33"/>
+    <p:sldId id="262" r:id="rId34"/>
   </p:sldIdLst>
   <p:sldSz cx="12192000" cy="6858000"/>
   <p:notesSz cx="6858000" cy="9144000"/>
@@ -127,12 +150,20 @@
 </p:presentation>
 </file>
 
+<file path=ppt/revisionInfo.xml><?xml version="1.0" encoding="utf-8"?>
+<p1510:revInfo xmlns:a="http://schemas.openxmlformats.org/drawingml/2006/main" xmlns:r="http://schemas.openxmlformats.org/officeDocument/2006/relationships" xmlns:p1510="http://schemas.microsoft.com/office/powerpoint/2015/10/main">
+  <p1510:revLst>
+    <p1510:client id="{0C2097C4-7889-40AF-BDDD-302EAB254458}" v="48" dt="2022-01-04T23:18:59.337"/>
+  </p1510:revLst>
+</p1510:revInfo>
+</file>
+
 <file path=ppt/changesInfos/changesInfo1.xml><?xml version="1.0" encoding="utf-8"?>
 <pc:chgInfo xmlns:a="http://schemas.openxmlformats.org/drawingml/2006/main" xmlns:r="http://schemas.openxmlformats.org/officeDocument/2006/relationships" xmlns:ac="http://schemas.microsoft.com/office/drawing/2013/main/command" xmlns:pc="http://schemas.microsoft.com/office/powerpoint/2013/main/command">
   <pc:docChgLst>
     <pc:chgData name="DINH CHI CONG 20193996" userId="7e8c7395-f173-4154-8430-589656f15925" providerId="ADAL" clId="{0C2097C4-7889-40AF-BDDD-302EAB254458}"/>
-    <pc:docChg chg="addSld modSld sldOrd">
-      <pc:chgData name="DINH CHI CONG 20193996" userId="7e8c7395-f173-4154-8430-589656f15925" providerId="ADAL" clId="{0C2097C4-7889-40AF-BDDD-302EAB254458}" dt="2021-12-27T14:42:18.393" v="80" actId="207"/>
+    <pc:docChg chg="undo redo custSel addSld delSld modSld sldOrd">
+      <pc:chgData name="DINH CHI CONG 20193996" userId="7e8c7395-f173-4154-8430-589656f15925" providerId="ADAL" clId="{0C2097C4-7889-40AF-BDDD-302EAB254458}" dt="2022-01-04T23:42:44.841" v="3842" actId="14100"/>
       <pc:docMkLst>
         <pc:docMk/>
       </pc:docMkLst>
@@ -152,7 +183,7 @@
         </pc:spChg>
       </pc:sldChg>
       <pc:sldChg chg="modSp mod">
-        <pc:chgData name="DINH CHI CONG 20193996" userId="7e8c7395-f173-4154-8430-589656f15925" providerId="ADAL" clId="{0C2097C4-7889-40AF-BDDD-302EAB254458}" dt="2021-12-27T14:40:51.639" v="42" actId="20577"/>
+        <pc:chgData name="DINH CHI CONG 20193996" userId="7e8c7395-f173-4154-8430-589656f15925" providerId="ADAL" clId="{0C2097C4-7889-40AF-BDDD-302EAB254458}" dt="2022-01-04T22:36:32.446" v="3499" actId="14100"/>
         <pc:sldMkLst>
           <pc:docMk/>
           <pc:sldMk cId="743172911" sldId="257"/>
@@ -166,7 +197,7 @@
           </ac:spMkLst>
         </pc:spChg>
         <pc:spChg chg="mod">
-          <ac:chgData name="DINH CHI CONG 20193996" userId="7e8c7395-f173-4154-8430-589656f15925" providerId="ADAL" clId="{0C2097C4-7889-40AF-BDDD-302EAB254458}" dt="2021-12-27T14:40:51.639" v="42" actId="20577"/>
+          <ac:chgData name="DINH CHI CONG 20193996" userId="7e8c7395-f173-4154-8430-589656f15925" providerId="ADAL" clId="{0C2097C4-7889-40AF-BDDD-302EAB254458}" dt="2022-01-04T22:36:32.446" v="3499" actId="14100"/>
           <ac:spMkLst>
             <pc:docMk/>
             <pc:sldMk cId="743172911" sldId="257"/>
@@ -174,8 +205,39 @@
           </ac:spMkLst>
         </pc:spChg>
       </pc:sldChg>
+      <pc:sldChg chg="addSp modSp mod ord">
+        <pc:chgData name="DINH CHI CONG 20193996" userId="7e8c7395-f173-4154-8430-589656f15925" providerId="ADAL" clId="{0C2097C4-7889-40AF-BDDD-302EAB254458}" dt="2022-01-04T13:54:06.268" v="1280" actId="1076"/>
+        <pc:sldMkLst>
+          <pc:docMk/>
+          <pc:sldMk cId="3505952789" sldId="258"/>
+        </pc:sldMkLst>
+        <pc:spChg chg="mod">
+          <ac:chgData name="DINH CHI CONG 20193996" userId="7e8c7395-f173-4154-8430-589656f15925" providerId="ADAL" clId="{0C2097C4-7889-40AF-BDDD-302EAB254458}" dt="2022-01-04T10:53:52.040" v="1092" actId="20577"/>
+          <ac:spMkLst>
+            <pc:docMk/>
+            <pc:sldMk cId="3505952789" sldId="258"/>
+            <ac:spMk id="2" creationId="{C7A5D019-96A4-4D1E-AFB5-09D65C86E12D}"/>
+          </ac:spMkLst>
+        </pc:spChg>
+        <pc:spChg chg="mod">
+          <ac:chgData name="DINH CHI CONG 20193996" userId="7e8c7395-f173-4154-8430-589656f15925" providerId="ADAL" clId="{0C2097C4-7889-40AF-BDDD-302EAB254458}" dt="2022-01-04T13:53:59.280" v="1277" actId="20577"/>
+          <ac:spMkLst>
+            <pc:docMk/>
+            <pc:sldMk cId="3505952789" sldId="258"/>
+            <ac:spMk id="3" creationId="{A5726603-7893-4AE0-9532-68058044B69D}"/>
+          </ac:spMkLst>
+        </pc:spChg>
+        <pc:picChg chg="add mod">
+          <ac:chgData name="DINH CHI CONG 20193996" userId="7e8c7395-f173-4154-8430-589656f15925" providerId="ADAL" clId="{0C2097C4-7889-40AF-BDDD-302EAB254458}" dt="2022-01-04T13:54:06.268" v="1280" actId="1076"/>
+          <ac:picMkLst>
+            <pc:docMk/>
+            <pc:sldMk cId="3505952789" sldId="258"/>
+            <ac:picMk id="4" creationId="{07B77EA4-FBA5-41EA-8411-7906F6D5C5B6}"/>
+          </ac:picMkLst>
+        </pc:picChg>
+      </pc:sldChg>
       <pc:sldChg chg="modSp mod">
-        <pc:chgData name="DINH CHI CONG 20193996" userId="7e8c7395-f173-4154-8430-589656f15925" providerId="ADAL" clId="{0C2097C4-7889-40AF-BDDD-302EAB254458}" dt="2021-12-27T14:41:28.447" v="57" actId="20577"/>
+        <pc:chgData name="DINH CHI CONG 20193996" userId="7e8c7395-f173-4154-8430-589656f15925" providerId="ADAL" clId="{0C2097C4-7889-40AF-BDDD-302EAB254458}" dt="2022-01-04T23:19:28.780" v="3703" actId="20577"/>
         <pc:sldMkLst>
           <pc:docMk/>
           <pc:sldMk cId="221433772" sldId="260"/>
@@ -189,7 +251,7 @@
           </ac:spMkLst>
         </pc:spChg>
         <pc:spChg chg="mod">
-          <ac:chgData name="DINH CHI CONG 20193996" userId="7e8c7395-f173-4154-8430-589656f15925" providerId="ADAL" clId="{0C2097C4-7889-40AF-BDDD-302EAB254458}" dt="2021-12-27T14:41:06.766" v="43"/>
+          <ac:chgData name="DINH CHI CONG 20193996" userId="7e8c7395-f173-4154-8430-589656f15925" providerId="ADAL" clId="{0C2097C4-7889-40AF-BDDD-302EAB254458}" dt="2022-01-04T23:19:28.780" v="3703" actId="20577"/>
           <ac:spMkLst>
             <pc:docMk/>
             <pc:sldMk cId="221433772" sldId="260"/>
@@ -197,8 +259,44 @@
           </ac:spMkLst>
         </pc:spChg>
       </pc:sldChg>
+      <pc:sldChg chg="del">
+        <pc:chgData name="DINH CHI CONG 20193996" userId="7e8c7395-f173-4154-8430-589656f15925" providerId="ADAL" clId="{0C2097C4-7889-40AF-BDDD-302EAB254458}" dt="2022-01-04T22:30:37.324" v="3143" actId="47"/>
+        <pc:sldMkLst>
+          <pc:docMk/>
+          <pc:sldMk cId="64084651" sldId="261"/>
+        </pc:sldMkLst>
+      </pc:sldChg>
+      <pc:sldChg chg="modSp mod">
+        <pc:chgData name="DINH CHI CONG 20193996" userId="7e8c7395-f173-4154-8430-589656f15925" providerId="ADAL" clId="{0C2097C4-7889-40AF-BDDD-302EAB254458}" dt="2022-01-04T22:30:25.043" v="3140" actId="14100"/>
+        <pc:sldMkLst>
+          <pc:docMk/>
+          <pc:sldMk cId="2790627162" sldId="262"/>
+        </pc:sldMkLst>
+        <pc:spChg chg="mod">
+          <ac:chgData name="DINH CHI CONG 20193996" userId="7e8c7395-f173-4154-8430-589656f15925" providerId="ADAL" clId="{0C2097C4-7889-40AF-BDDD-302EAB254458}" dt="2022-01-04T22:30:25.043" v="3140" actId="14100"/>
+          <ac:spMkLst>
+            <pc:docMk/>
+            <pc:sldMk cId="2790627162" sldId="262"/>
+            <ac:spMk id="2" creationId="{5945A2BB-ABB6-48FB-A491-502474D93E34}"/>
+          </ac:spMkLst>
+        </pc:spChg>
+      </pc:sldChg>
+      <pc:sldChg chg="del">
+        <pc:chgData name="DINH CHI CONG 20193996" userId="7e8c7395-f173-4154-8430-589656f15925" providerId="ADAL" clId="{0C2097C4-7889-40AF-BDDD-302EAB254458}" dt="2022-01-04T22:30:30.725" v="3142" actId="47"/>
+        <pc:sldMkLst>
+          <pc:docMk/>
+          <pc:sldMk cId="485500544" sldId="263"/>
+        </pc:sldMkLst>
+      </pc:sldChg>
+      <pc:sldChg chg="del">
+        <pc:chgData name="DINH CHI CONG 20193996" userId="7e8c7395-f173-4154-8430-589656f15925" providerId="ADAL" clId="{0C2097C4-7889-40AF-BDDD-302EAB254458}" dt="2022-01-04T22:30:27.450" v="3141" actId="47"/>
+        <pc:sldMkLst>
+          <pc:docMk/>
+          <pc:sldMk cId="2287700220" sldId="264"/>
+        </pc:sldMkLst>
+      </pc:sldChg>
       <pc:sldChg chg="modSp add mod ord">
-        <pc:chgData name="DINH CHI CONG 20193996" userId="7e8c7395-f173-4154-8430-589656f15925" providerId="ADAL" clId="{0C2097C4-7889-40AF-BDDD-302EAB254458}" dt="2021-12-27T14:42:18.393" v="80" actId="207"/>
+        <pc:chgData name="DINH CHI CONG 20193996" userId="7e8c7395-f173-4154-8430-589656f15925" providerId="ADAL" clId="{0C2097C4-7889-40AF-BDDD-302EAB254458}" dt="2022-01-04T19:06:43.330" v="2402" actId="20577"/>
         <pc:sldMkLst>
           <pc:docMk/>
           <pc:sldMk cId="804410850" sldId="265"/>
@@ -212,13 +310,887 @@
           </ac:spMkLst>
         </pc:spChg>
         <pc:spChg chg="mod">
-          <ac:chgData name="DINH CHI CONG 20193996" userId="7e8c7395-f173-4154-8430-589656f15925" providerId="ADAL" clId="{0C2097C4-7889-40AF-BDDD-302EAB254458}" dt="2021-12-27T14:42:18.393" v="80" actId="207"/>
+          <ac:chgData name="DINH CHI CONG 20193996" userId="7e8c7395-f173-4154-8430-589656f15925" providerId="ADAL" clId="{0C2097C4-7889-40AF-BDDD-302EAB254458}" dt="2022-01-04T19:06:43.330" v="2402" actId="20577"/>
           <ac:spMkLst>
             <pc:docMk/>
             <pc:sldMk cId="804410850" sldId="265"/>
             <ac:spMk id="3" creationId="{A5726603-7893-4AE0-9532-68058044B69D}"/>
           </ac:spMkLst>
         </pc:spChg>
+      </pc:sldChg>
+      <pc:sldChg chg="addSp modSp add mod">
+        <pc:chgData name="DINH CHI CONG 20193996" userId="7e8c7395-f173-4154-8430-589656f15925" providerId="ADAL" clId="{0C2097C4-7889-40AF-BDDD-302EAB254458}" dt="2022-01-04T23:21:03.420" v="3756" actId="1076"/>
+        <pc:sldMkLst>
+          <pc:docMk/>
+          <pc:sldMk cId="3974134984" sldId="266"/>
+        </pc:sldMkLst>
+        <pc:spChg chg="mod">
+          <ac:chgData name="DINH CHI CONG 20193996" userId="7e8c7395-f173-4154-8430-589656f15925" providerId="ADAL" clId="{0C2097C4-7889-40AF-BDDD-302EAB254458}" dt="2022-01-04T10:26:50.764" v="83" actId="368"/>
+          <ac:spMkLst>
+            <pc:docMk/>
+            <pc:sldMk cId="3974134984" sldId="266"/>
+            <ac:spMk id="2" creationId="{C7A5D019-96A4-4D1E-AFB5-09D65C86E12D}"/>
+          </ac:spMkLst>
+        </pc:spChg>
+        <pc:spChg chg="mod">
+          <ac:chgData name="DINH CHI CONG 20193996" userId="7e8c7395-f173-4154-8430-589656f15925" providerId="ADAL" clId="{0C2097C4-7889-40AF-BDDD-302EAB254458}" dt="2022-01-04T23:20:59.794" v="3754" actId="20577"/>
+          <ac:spMkLst>
+            <pc:docMk/>
+            <pc:sldMk cId="3974134984" sldId="266"/>
+            <ac:spMk id="3" creationId="{A5726603-7893-4AE0-9532-68058044B69D}"/>
+          </ac:spMkLst>
+        </pc:spChg>
+        <pc:picChg chg="add mod">
+          <ac:chgData name="DINH CHI CONG 20193996" userId="7e8c7395-f173-4154-8430-589656f15925" providerId="ADAL" clId="{0C2097C4-7889-40AF-BDDD-302EAB254458}" dt="2022-01-04T23:21:03.420" v="3756" actId="1076"/>
+          <ac:picMkLst>
+            <pc:docMk/>
+            <pc:sldMk cId="3974134984" sldId="266"/>
+            <ac:picMk id="4" creationId="{56E9EFBD-AE1B-482B-AB8E-B4910E13D0BF}"/>
+          </ac:picMkLst>
+        </pc:picChg>
+      </pc:sldChg>
+      <pc:sldChg chg="addSp delSp modSp add mod">
+        <pc:chgData name="DINH CHI CONG 20193996" userId="7e8c7395-f173-4154-8430-589656f15925" providerId="ADAL" clId="{0C2097C4-7889-40AF-BDDD-302EAB254458}" dt="2022-01-04T15:12:06.825" v="1563" actId="113"/>
+        <pc:sldMkLst>
+          <pc:docMk/>
+          <pc:sldMk cId="2002239184" sldId="267"/>
+        </pc:sldMkLst>
+        <pc:spChg chg="mod">
+          <ac:chgData name="DINH CHI CONG 20193996" userId="7e8c7395-f173-4154-8430-589656f15925" providerId="ADAL" clId="{0C2097C4-7889-40AF-BDDD-302EAB254458}" dt="2022-01-04T10:33:48.885" v="248" actId="20577"/>
+          <ac:spMkLst>
+            <pc:docMk/>
+            <pc:sldMk cId="2002239184" sldId="267"/>
+            <ac:spMk id="2" creationId="{C7A5D019-96A4-4D1E-AFB5-09D65C86E12D}"/>
+          </ac:spMkLst>
+        </pc:spChg>
+        <pc:spChg chg="mod">
+          <ac:chgData name="DINH CHI CONG 20193996" userId="7e8c7395-f173-4154-8430-589656f15925" providerId="ADAL" clId="{0C2097C4-7889-40AF-BDDD-302EAB254458}" dt="2022-01-04T15:12:06.825" v="1563" actId="113"/>
+          <ac:spMkLst>
+            <pc:docMk/>
+            <pc:sldMk cId="2002239184" sldId="267"/>
+            <ac:spMk id="3" creationId="{A5726603-7893-4AE0-9532-68058044B69D}"/>
+          </ac:spMkLst>
+        </pc:spChg>
+        <pc:picChg chg="del">
+          <ac:chgData name="DINH CHI CONG 20193996" userId="7e8c7395-f173-4154-8430-589656f15925" providerId="ADAL" clId="{0C2097C4-7889-40AF-BDDD-302EAB254458}" dt="2022-01-04T10:33:51.084" v="249" actId="478"/>
+          <ac:picMkLst>
+            <pc:docMk/>
+            <pc:sldMk cId="2002239184" sldId="267"/>
+            <ac:picMk id="4" creationId="{56E9EFBD-AE1B-482B-AB8E-B4910E13D0BF}"/>
+          </ac:picMkLst>
+        </pc:picChg>
+        <pc:picChg chg="add del mod modCrop">
+          <ac:chgData name="DINH CHI CONG 20193996" userId="7e8c7395-f173-4154-8430-589656f15925" providerId="ADAL" clId="{0C2097C4-7889-40AF-BDDD-302EAB254458}" dt="2022-01-04T15:10:31.624" v="1493" actId="478"/>
+          <ac:picMkLst>
+            <pc:docMk/>
+            <pc:sldMk cId="2002239184" sldId="267"/>
+            <ac:picMk id="5" creationId="{4A9FFABC-6045-4D21-B968-63F0998D8373}"/>
+          </ac:picMkLst>
+        </pc:picChg>
+        <pc:picChg chg="add mod">
+          <ac:chgData name="DINH CHI CONG 20193996" userId="7e8c7395-f173-4154-8430-589656f15925" providerId="ADAL" clId="{0C2097C4-7889-40AF-BDDD-302EAB254458}" dt="2022-01-04T15:10:50.843" v="1501" actId="1076"/>
+          <ac:picMkLst>
+            <pc:docMk/>
+            <pc:sldMk cId="2002239184" sldId="267"/>
+            <ac:picMk id="1026" creationId="{D20B048D-E1E8-4BD3-B36A-9D56D31CE24E}"/>
+          </ac:picMkLst>
+        </pc:picChg>
+      </pc:sldChg>
+      <pc:sldChg chg="modSp add del mod ord">
+        <pc:chgData name="DINH CHI CONG 20193996" userId="7e8c7395-f173-4154-8430-589656f15925" providerId="ADAL" clId="{0C2097C4-7889-40AF-BDDD-302EAB254458}" dt="2022-01-04T19:07:15.928" v="2410" actId="47"/>
+        <pc:sldMkLst>
+          <pc:docMk/>
+          <pc:sldMk cId="2923966796" sldId="268"/>
+        </pc:sldMkLst>
+        <pc:spChg chg="mod">
+          <ac:chgData name="DINH CHI CONG 20193996" userId="7e8c7395-f173-4154-8430-589656f15925" providerId="ADAL" clId="{0C2097C4-7889-40AF-BDDD-302EAB254458}" dt="2022-01-04T10:37:03.070" v="410" actId="207"/>
+          <ac:spMkLst>
+            <pc:docMk/>
+            <pc:sldMk cId="2923966796" sldId="268"/>
+            <ac:spMk id="3" creationId="{A5726603-7893-4AE0-9532-68058044B69D}"/>
+          </ac:spMkLst>
+        </pc:spChg>
+      </pc:sldChg>
+      <pc:sldChg chg="addSp modSp add mod">
+        <pc:chgData name="DINH CHI CONG 20193996" userId="7e8c7395-f173-4154-8430-589656f15925" providerId="ADAL" clId="{0C2097C4-7889-40AF-BDDD-302EAB254458}" dt="2022-01-04T14:20:57.843" v="1305" actId="20577"/>
+        <pc:sldMkLst>
+          <pc:docMk/>
+          <pc:sldMk cId="697949831" sldId="269"/>
+        </pc:sldMkLst>
+        <pc:spChg chg="mod">
+          <ac:chgData name="DINH CHI CONG 20193996" userId="7e8c7395-f173-4154-8430-589656f15925" providerId="ADAL" clId="{0C2097C4-7889-40AF-BDDD-302EAB254458}" dt="2022-01-04T10:37:14.420" v="413" actId="368"/>
+          <ac:spMkLst>
+            <pc:docMk/>
+            <pc:sldMk cId="697949831" sldId="269"/>
+            <ac:spMk id="2" creationId="{C7A5D019-96A4-4D1E-AFB5-09D65C86E12D}"/>
+          </ac:spMkLst>
+        </pc:spChg>
+        <pc:spChg chg="mod">
+          <ac:chgData name="DINH CHI CONG 20193996" userId="7e8c7395-f173-4154-8430-589656f15925" providerId="ADAL" clId="{0C2097C4-7889-40AF-BDDD-302EAB254458}" dt="2022-01-04T14:20:57.843" v="1305" actId="20577"/>
+          <ac:spMkLst>
+            <pc:docMk/>
+            <pc:sldMk cId="697949831" sldId="269"/>
+            <ac:spMk id="3" creationId="{A5726603-7893-4AE0-9532-68058044B69D}"/>
+          </ac:spMkLst>
+        </pc:spChg>
+        <pc:picChg chg="add mod">
+          <ac:chgData name="DINH CHI CONG 20193996" userId="7e8c7395-f173-4154-8430-589656f15925" providerId="ADAL" clId="{0C2097C4-7889-40AF-BDDD-302EAB254458}" dt="2022-01-04T10:39:21.964" v="486" actId="1076"/>
+          <ac:picMkLst>
+            <pc:docMk/>
+            <pc:sldMk cId="697949831" sldId="269"/>
+            <ac:picMk id="5" creationId="{34E481EC-37BE-44DE-AEB2-4D920ACE83F5}"/>
+          </ac:picMkLst>
+        </pc:picChg>
+      </pc:sldChg>
+      <pc:sldChg chg="delSp modSp add del mod">
+        <pc:chgData name="DINH CHI CONG 20193996" userId="7e8c7395-f173-4154-8430-589656f15925" providerId="ADAL" clId="{0C2097C4-7889-40AF-BDDD-302EAB254458}" dt="2022-01-04T14:21:13.361" v="1306" actId="47"/>
+        <pc:sldMkLst>
+          <pc:docMk/>
+          <pc:sldMk cId="3843598987" sldId="270"/>
+        </pc:sldMkLst>
+        <pc:spChg chg="mod">
+          <ac:chgData name="DINH CHI CONG 20193996" userId="7e8c7395-f173-4154-8430-589656f15925" providerId="ADAL" clId="{0C2097C4-7889-40AF-BDDD-302EAB254458}" dt="2022-01-04T10:41:54.755" v="614" actId="5793"/>
+          <ac:spMkLst>
+            <pc:docMk/>
+            <pc:sldMk cId="3843598987" sldId="270"/>
+            <ac:spMk id="3" creationId="{A5726603-7893-4AE0-9532-68058044B69D}"/>
+          </ac:spMkLst>
+        </pc:spChg>
+        <pc:picChg chg="del">
+          <ac:chgData name="DINH CHI CONG 20193996" userId="7e8c7395-f173-4154-8430-589656f15925" providerId="ADAL" clId="{0C2097C4-7889-40AF-BDDD-302EAB254458}" dt="2022-01-04T10:39:31.183" v="488" actId="478"/>
+          <ac:picMkLst>
+            <pc:docMk/>
+            <pc:sldMk cId="3843598987" sldId="270"/>
+            <ac:picMk id="5" creationId="{34E481EC-37BE-44DE-AEB2-4D920ACE83F5}"/>
+          </ac:picMkLst>
+        </pc:picChg>
+      </pc:sldChg>
+      <pc:sldChg chg="addSp modSp add mod">
+        <pc:chgData name="DINH CHI CONG 20193996" userId="7e8c7395-f173-4154-8430-589656f15925" providerId="ADAL" clId="{0C2097C4-7889-40AF-BDDD-302EAB254458}" dt="2022-01-04T10:45:04.895" v="626" actId="1076"/>
+        <pc:sldMkLst>
+          <pc:docMk/>
+          <pc:sldMk cId="2541912864" sldId="271"/>
+        </pc:sldMkLst>
+        <pc:spChg chg="mod">
+          <ac:chgData name="DINH CHI CONG 20193996" userId="7e8c7395-f173-4154-8430-589656f15925" providerId="ADAL" clId="{0C2097C4-7889-40AF-BDDD-302EAB254458}" dt="2022-01-04T10:44:01.848" v="616" actId="20577"/>
+          <ac:spMkLst>
+            <pc:docMk/>
+            <pc:sldMk cId="2541912864" sldId="271"/>
+            <ac:spMk id="3" creationId="{A5726603-7893-4AE0-9532-68058044B69D}"/>
+          </ac:spMkLst>
+        </pc:spChg>
+        <pc:picChg chg="add mod">
+          <ac:chgData name="DINH CHI CONG 20193996" userId="7e8c7395-f173-4154-8430-589656f15925" providerId="ADAL" clId="{0C2097C4-7889-40AF-BDDD-302EAB254458}" dt="2022-01-04T10:44:17.937" v="622" actId="1076"/>
+          <ac:picMkLst>
+            <pc:docMk/>
+            <pc:sldMk cId="2541912864" sldId="271"/>
+            <ac:picMk id="5" creationId="{1A02ABEB-A66E-4938-AB27-C9432B7BC801}"/>
+          </ac:picMkLst>
+        </pc:picChg>
+        <pc:picChg chg="add mod">
+          <ac:chgData name="DINH CHI CONG 20193996" userId="7e8c7395-f173-4154-8430-589656f15925" providerId="ADAL" clId="{0C2097C4-7889-40AF-BDDD-302EAB254458}" dt="2022-01-04T10:45:04.895" v="626" actId="1076"/>
+          <ac:picMkLst>
+            <pc:docMk/>
+            <pc:sldMk cId="2541912864" sldId="271"/>
+            <ac:picMk id="8" creationId="{D78985ED-C20C-4044-939E-A1EEF2AEDE90}"/>
+          </ac:picMkLst>
+        </pc:picChg>
+      </pc:sldChg>
+      <pc:sldChg chg="modSp add mod ord">
+        <pc:chgData name="DINH CHI CONG 20193996" userId="7e8c7395-f173-4154-8430-589656f15925" providerId="ADAL" clId="{0C2097C4-7889-40AF-BDDD-302EAB254458}" dt="2022-01-04T23:26:00.477" v="3757" actId="20577"/>
+        <pc:sldMkLst>
+          <pc:docMk/>
+          <pc:sldMk cId="2392983928" sldId="272"/>
+        </pc:sldMkLst>
+        <pc:spChg chg="mod">
+          <ac:chgData name="DINH CHI CONG 20193996" userId="7e8c7395-f173-4154-8430-589656f15925" providerId="ADAL" clId="{0C2097C4-7889-40AF-BDDD-302EAB254458}" dt="2022-01-04T23:26:00.477" v="3757" actId="20577"/>
+          <ac:spMkLst>
+            <pc:docMk/>
+            <pc:sldMk cId="2392983928" sldId="272"/>
+            <ac:spMk id="3" creationId="{A5726603-7893-4AE0-9532-68058044B69D}"/>
+          </ac:spMkLst>
+        </pc:spChg>
+      </pc:sldChg>
+      <pc:sldChg chg="modSp add del mod ord">
+        <pc:chgData name="DINH CHI CONG 20193996" userId="7e8c7395-f173-4154-8430-589656f15925" providerId="ADAL" clId="{0C2097C4-7889-40AF-BDDD-302EAB254458}" dt="2022-01-04T19:07:29.968" v="2416" actId="47"/>
+        <pc:sldMkLst>
+          <pc:docMk/>
+          <pc:sldMk cId="2656368913" sldId="273"/>
+        </pc:sldMkLst>
+        <pc:spChg chg="mod">
+          <ac:chgData name="DINH CHI CONG 20193996" userId="7e8c7395-f173-4154-8430-589656f15925" providerId="ADAL" clId="{0C2097C4-7889-40AF-BDDD-302EAB254458}" dt="2022-01-04T10:47:13.510" v="697" actId="207"/>
+          <ac:spMkLst>
+            <pc:docMk/>
+            <pc:sldMk cId="2656368913" sldId="273"/>
+            <ac:spMk id="3" creationId="{A5726603-7893-4AE0-9532-68058044B69D}"/>
+          </ac:spMkLst>
+        </pc:spChg>
+      </pc:sldChg>
+      <pc:sldChg chg="addSp delSp modSp add mod">
+        <pc:chgData name="DINH CHI CONG 20193996" userId="7e8c7395-f173-4154-8430-589656f15925" providerId="ADAL" clId="{0C2097C4-7889-40AF-BDDD-302EAB254458}" dt="2022-01-04T23:27:15.453" v="3802" actId="20577"/>
+        <pc:sldMkLst>
+          <pc:docMk/>
+          <pc:sldMk cId="2035145883" sldId="274"/>
+        </pc:sldMkLst>
+        <pc:spChg chg="mod">
+          <ac:chgData name="DINH CHI CONG 20193996" userId="7e8c7395-f173-4154-8430-589656f15925" providerId="ADAL" clId="{0C2097C4-7889-40AF-BDDD-302EAB254458}" dt="2022-01-04T23:27:15.453" v="3802" actId="20577"/>
+          <ac:spMkLst>
+            <pc:docMk/>
+            <pc:sldMk cId="2035145883" sldId="274"/>
+            <ac:spMk id="3" creationId="{A5726603-7893-4AE0-9532-68058044B69D}"/>
+          </ac:spMkLst>
+        </pc:spChg>
+        <pc:picChg chg="add del mod">
+          <ac:chgData name="DINH CHI CONG 20193996" userId="7e8c7395-f173-4154-8430-589656f15925" providerId="ADAL" clId="{0C2097C4-7889-40AF-BDDD-302EAB254458}" dt="2022-01-04T10:52:57.319" v="1034" actId="22"/>
+          <ac:picMkLst>
+            <pc:docMk/>
+            <pc:sldMk cId="2035145883" sldId="274"/>
+            <ac:picMk id="5" creationId="{970E4410-9A85-46B2-AF9A-6749108EFBCF}"/>
+          </ac:picMkLst>
+        </pc:picChg>
+        <pc:picChg chg="add mod">
+          <ac:chgData name="DINH CHI CONG 20193996" userId="7e8c7395-f173-4154-8430-589656f15925" providerId="ADAL" clId="{0C2097C4-7889-40AF-BDDD-302EAB254458}" dt="2022-01-04T10:53:10.807" v="1038" actId="1076"/>
+          <ac:picMkLst>
+            <pc:docMk/>
+            <pc:sldMk cId="2035145883" sldId="274"/>
+            <ac:picMk id="8" creationId="{53ED3090-0D13-47FD-9CD9-D21AA89421BD}"/>
+          </ac:picMkLst>
+        </pc:picChg>
+      </pc:sldChg>
+      <pc:sldChg chg="addSp delSp modSp add mod">
+        <pc:chgData name="DINH CHI CONG 20193996" userId="7e8c7395-f173-4154-8430-589656f15925" providerId="ADAL" clId="{0C2097C4-7889-40AF-BDDD-302EAB254458}" dt="2022-01-04T15:05:26.809" v="1492" actId="1076"/>
+        <pc:sldMkLst>
+          <pc:docMk/>
+          <pc:sldMk cId="3805161825" sldId="275"/>
+        </pc:sldMkLst>
+        <pc:spChg chg="mod">
+          <ac:chgData name="DINH CHI CONG 20193996" userId="7e8c7395-f173-4154-8430-589656f15925" providerId="ADAL" clId="{0C2097C4-7889-40AF-BDDD-302EAB254458}" dt="2022-01-04T14:21:47.152" v="1308" actId="20577"/>
+          <ac:spMkLst>
+            <pc:docMk/>
+            <pc:sldMk cId="3805161825" sldId="275"/>
+            <ac:spMk id="3" creationId="{A5726603-7893-4AE0-9532-68058044B69D}"/>
+          </ac:spMkLst>
+        </pc:spChg>
+        <pc:graphicFrameChg chg="add del mod">
+          <ac:chgData name="DINH CHI CONG 20193996" userId="7e8c7395-f173-4154-8430-589656f15925" providerId="ADAL" clId="{0C2097C4-7889-40AF-BDDD-302EAB254458}" dt="2022-01-04T15:05:22.778" v="1490" actId="478"/>
+          <ac:graphicFrameMkLst>
+            <pc:docMk/>
+            <pc:sldMk cId="3805161825" sldId="275"/>
+            <ac:graphicFrameMk id="8" creationId="{55256AF6-B1C0-42CF-AF17-8F7007A7CBC8}"/>
+          </ac:graphicFrameMkLst>
+        </pc:graphicFrameChg>
+        <pc:picChg chg="del">
+          <ac:chgData name="DINH CHI CONG 20193996" userId="7e8c7395-f173-4154-8430-589656f15925" providerId="ADAL" clId="{0C2097C4-7889-40AF-BDDD-302EAB254458}" dt="2022-01-04T14:21:48.408" v="1309" actId="478"/>
+          <ac:picMkLst>
+            <pc:docMk/>
+            <pc:sldMk cId="3805161825" sldId="275"/>
+            <ac:picMk id="4" creationId="{07B77EA4-FBA5-41EA-8411-7906F6D5C5B6}"/>
+          </ac:picMkLst>
+        </pc:picChg>
+        <pc:picChg chg="add del mod">
+          <ac:chgData name="DINH CHI CONG 20193996" userId="7e8c7395-f173-4154-8430-589656f15925" providerId="ADAL" clId="{0C2097C4-7889-40AF-BDDD-302EAB254458}" dt="2022-01-04T15:04:50.895" v="1486" actId="478"/>
+          <ac:picMkLst>
+            <pc:docMk/>
+            <pc:sldMk cId="3805161825" sldId="275"/>
+            <ac:picMk id="7" creationId="{66BAC65B-A13F-4B9D-8009-9B477B2585C2}"/>
+          </ac:picMkLst>
+        </pc:picChg>
+        <pc:picChg chg="add mod">
+          <ac:chgData name="DINH CHI CONG 20193996" userId="7e8c7395-f173-4154-8430-589656f15925" providerId="ADAL" clId="{0C2097C4-7889-40AF-BDDD-302EAB254458}" dt="2022-01-04T15:05:26.809" v="1492" actId="1076"/>
+          <ac:picMkLst>
+            <pc:docMk/>
+            <pc:sldMk cId="3805161825" sldId="275"/>
+            <ac:picMk id="10" creationId="{99E9BA8B-F5E6-4840-BCA5-81DD1AD31481}"/>
+          </ac:picMkLst>
+        </pc:picChg>
+      </pc:sldChg>
+      <pc:sldChg chg="addSp delSp modSp add mod">
+        <pc:chgData name="DINH CHI CONG 20193996" userId="7e8c7395-f173-4154-8430-589656f15925" providerId="ADAL" clId="{0C2097C4-7889-40AF-BDDD-302EAB254458}" dt="2022-01-04T14:46:43.808" v="1485" actId="207"/>
+        <pc:sldMkLst>
+          <pc:docMk/>
+          <pc:sldMk cId="2766763864" sldId="276"/>
+        </pc:sldMkLst>
+        <pc:spChg chg="mod">
+          <ac:chgData name="DINH CHI CONG 20193996" userId="7e8c7395-f173-4154-8430-589656f15925" providerId="ADAL" clId="{0C2097C4-7889-40AF-BDDD-302EAB254458}" dt="2022-01-04T14:46:43.808" v="1485" actId="207"/>
+          <ac:spMkLst>
+            <pc:docMk/>
+            <pc:sldMk cId="2766763864" sldId="276"/>
+            <ac:spMk id="3" creationId="{A5726603-7893-4AE0-9532-68058044B69D}"/>
+          </ac:spMkLst>
+        </pc:spChg>
+        <pc:spChg chg="add del">
+          <ac:chgData name="DINH CHI CONG 20193996" userId="7e8c7395-f173-4154-8430-589656f15925" providerId="ADAL" clId="{0C2097C4-7889-40AF-BDDD-302EAB254458}" dt="2022-01-04T14:44:38.525" v="1400" actId="22"/>
+          <ac:spMkLst>
+            <pc:docMk/>
+            <pc:sldMk cId="2766763864" sldId="276"/>
+            <ac:spMk id="8" creationId="{AEA6AC6A-A9F9-4CC6-878A-9F9EB333083E}"/>
+          </ac:spMkLst>
+        </pc:spChg>
+        <pc:picChg chg="del">
+          <ac:chgData name="DINH CHI CONG 20193996" userId="7e8c7395-f173-4154-8430-589656f15925" providerId="ADAL" clId="{0C2097C4-7889-40AF-BDDD-302EAB254458}" dt="2022-01-04T14:39:15.696" v="1315" actId="478"/>
+          <ac:picMkLst>
+            <pc:docMk/>
+            <pc:sldMk cId="2766763864" sldId="276"/>
+            <ac:picMk id="7" creationId="{66BAC65B-A13F-4B9D-8009-9B477B2585C2}"/>
+          </ac:picMkLst>
+        </pc:picChg>
+        <pc:picChg chg="add mod">
+          <ac:chgData name="DINH CHI CONG 20193996" userId="7e8c7395-f173-4154-8430-589656f15925" providerId="ADAL" clId="{0C2097C4-7889-40AF-BDDD-302EAB254458}" dt="2022-01-04T14:46:19.622" v="1483" actId="1076"/>
+          <ac:picMkLst>
+            <pc:docMk/>
+            <pc:sldMk cId="2766763864" sldId="276"/>
+            <ac:picMk id="9" creationId="{8CD61D1C-FFC2-4496-804D-C049BAE2660B}"/>
+          </ac:picMkLst>
+        </pc:picChg>
+      </pc:sldChg>
+      <pc:sldChg chg="addSp delSp modSp add mod">
+        <pc:chgData name="DINH CHI CONG 20193996" userId="7e8c7395-f173-4154-8430-589656f15925" providerId="ADAL" clId="{0C2097C4-7889-40AF-BDDD-302EAB254458}" dt="2022-01-04T23:42:44.841" v="3842" actId="14100"/>
+        <pc:sldMkLst>
+          <pc:docMk/>
+          <pc:sldMk cId="1539737690" sldId="277"/>
+        </pc:sldMkLst>
+        <pc:spChg chg="mod">
+          <ac:chgData name="DINH CHI CONG 20193996" userId="7e8c7395-f173-4154-8430-589656f15925" providerId="ADAL" clId="{0C2097C4-7889-40AF-BDDD-302EAB254458}" dt="2022-01-04T23:40:29.194" v="3834" actId="20577"/>
+          <ac:spMkLst>
+            <pc:docMk/>
+            <pc:sldMk cId="1539737690" sldId="277"/>
+            <ac:spMk id="3" creationId="{A5726603-7893-4AE0-9532-68058044B69D}"/>
+          </ac:spMkLst>
+        </pc:spChg>
+        <pc:picChg chg="add del mod">
+          <ac:chgData name="DINH CHI CONG 20193996" userId="7e8c7395-f173-4154-8430-589656f15925" providerId="ADAL" clId="{0C2097C4-7889-40AF-BDDD-302EAB254458}" dt="2022-01-04T23:42:36.240" v="3837" actId="478"/>
+          <ac:picMkLst>
+            <pc:docMk/>
+            <pc:sldMk cId="1539737690" sldId="277"/>
+            <ac:picMk id="5" creationId="{76527D7D-6ADF-4749-AF7F-B57E01CC4031}"/>
+          </ac:picMkLst>
+        </pc:picChg>
+        <pc:picChg chg="add mod">
+          <ac:chgData name="DINH CHI CONG 20193996" userId="7e8c7395-f173-4154-8430-589656f15925" providerId="ADAL" clId="{0C2097C4-7889-40AF-BDDD-302EAB254458}" dt="2022-01-04T23:42:44.841" v="3842" actId="14100"/>
+          <ac:picMkLst>
+            <pc:docMk/>
+            <pc:sldMk cId="1539737690" sldId="277"/>
+            <ac:picMk id="7" creationId="{03C4A016-7C7E-4EC5-95DF-4E2BAB860388}"/>
+          </ac:picMkLst>
+        </pc:picChg>
+        <pc:picChg chg="add mod">
+          <ac:chgData name="DINH CHI CONG 20193996" userId="7e8c7395-f173-4154-8430-589656f15925" providerId="ADAL" clId="{0C2097C4-7889-40AF-BDDD-302EAB254458}" dt="2022-01-04T23:41:15.223" v="3836" actId="1076"/>
+          <ac:picMkLst>
+            <pc:docMk/>
+            <pc:sldMk cId="1539737690" sldId="277"/>
+            <ac:picMk id="8" creationId="{6C8B4C72-D013-44BF-B306-3A90F7F51A53}"/>
+          </ac:picMkLst>
+        </pc:picChg>
+        <pc:picChg chg="del">
+          <ac:chgData name="DINH CHI CONG 20193996" userId="7e8c7395-f173-4154-8430-589656f15925" providerId="ADAL" clId="{0C2097C4-7889-40AF-BDDD-302EAB254458}" dt="2022-01-04T16:27:44.057" v="1566" actId="478"/>
+          <ac:picMkLst>
+            <pc:docMk/>
+            <pc:sldMk cId="1539737690" sldId="277"/>
+            <ac:picMk id="9" creationId="{8CD61D1C-FFC2-4496-804D-C049BAE2660B}"/>
+          </ac:picMkLst>
+        </pc:picChg>
+      </pc:sldChg>
+      <pc:sldChg chg="addSp delSp modSp add mod">
+        <pc:chgData name="DINH CHI CONG 20193996" userId="7e8c7395-f173-4154-8430-589656f15925" providerId="ADAL" clId="{0C2097C4-7889-40AF-BDDD-302EAB254458}" dt="2022-01-04T19:08:13.473" v="2465" actId="20577"/>
+        <pc:sldMkLst>
+          <pc:docMk/>
+          <pc:sldMk cId="1867143901" sldId="278"/>
+        </pc:sldMkLst>
+        <pc:spChg chg="mod">
+          <ac:chgData name="DINH CHI CONG 20193996" userId="7e8c7395-f173-4154-8430-589656f15925" providerId="ADAL" clId="{0C2097C4-7889-40AF-BDDD-302EAB254458}" dt="2022-01-04T19:08:13.473" v="2465" actId="20577"/>
+          <ac:spMkLst>
+            <pc:docMk/>
+            <pc:sldMk cId="1867143901" sldId="278"/>
+            <ac:spMk id="2" creationId="{C7A5D019-96A4-4D1E-AFB5-09D65C86E12D}"/>
+          </ac:spMkLst>
+        </pc:spChg>
+        <pc:spChg chg="mod">
+          <ac:chgData name="DINH CHI CONG 20193996" userId="7e8c7395-f173-4154-8430-589656f15925" providerId="ADAL" clId="{0C2097C4-7889-40AF-BDDD-302EAB254458}" dt="2022-01-04T17:18:57.268" v="2207" actId="20577"/>
+          <ac:spMkLst>
+            <pc:docMk/>
+            <pc:sldMk cId="1867143901" sldId="278"/>
+            <ac:spMk id="3" creationId="{A5726603-7893-4AE0-9532-68058044B69D}"/>
+          </ac:spMkLst>
+        </pc:spChg>
+        <pc:picChg chg="del">
+          <ac:chgData name="DINH CHI CONG 20193996" userId="7e8c7395-f173-4154-8430-589656f15925" providerId="ADAL" clId="{0C2097C4-7889-40AF-BDDD-302EAB254458}" dt="2022-01-04T17:17:35.159" v="2021" actId="478"/>
+          <ac:picMkLst>
+            <pc:docMk/>
+            <pc:sldMk cId="1867143901" sldId="278"/>
+            <ac:picMk id="5" creationId="{76527D7D-6ADF-4749-AF7F-B57E01CC4031}"/>
+          </ac:picMkLst>
+        </pc:picChg>
+        <pc:picChg chg="add mod">
+          <ac:chgData name="DINH CHI CONG 20193996" userId="7e8c7395-f173-4154-8430-589656f15925" providerId="ADAL" clId="{0C2097C4-7889-40AF-BDDD-302EAB254458}" dt="2022-01-04T17:18:31.160" v="2177" actId="1076"/>
+          <ac:picMkLst>
+            <pc:docMk/>
+            <pc:sldMk cId="1867143901" sldId="278"/>
+            <ac:picMk id="7" creationId="{0F2C28D2-AFD4-48BF-B937-FC617100992E}"/>
+          </ac:picMkLst>
+        </pc:picChg>
+        <pc:picChg chg="del">
+          <ac:chgData name="DINH CHI CONG 20193996" userId="7e8c7395-f173-4154-8430-589656f15925" providerId="ADAL" clId="{0C2097C4-7889-40AF-BDDD-302EAB254458}" dt="2022-01-04T17:17:42.116" v="2024" actId="478"/>
+          <ac:picMkLst>
+            <pc:docMk/>
+            <pc:sldMk cId="1867143901" sldId="278"/>
+            <ac:picMk id="8" creationId="{6C8B4C72-D013-44BF-B306-3A90F7F51A53}"/>
+          </ac:picMkLst>
+        </pc:picChg>
+      </pc:sldChg>
+      <pc:sldChg chg="addSp delSp modSp add mod">
+        <pc:chgData name="DINH CHI CONG 20193996" userId="7e8c7395-f173-4154-8430-589656f15925" providerId="ADAL" clId="{0C2097C4-7889-40AF-BDDD-302EAB254458}" dt="2022-01-04T19:08:22.680" v="2466"/>
+        <pc:sldMkLst>
+          <pc:docMk/>
+          <pc:sldMk cId="2826580561" sldId="279"/>
+        </pc:sldMkLst>
+        <pc:spChg chg="mod">
+          <ac:chgData name="DINH CHI CONG 20193996" userId="7e8c7395-f173-4154-8430-589656f15925" providerId="ADAL" clId="{0C2097C4-7889-40AF-BDDD-302EAB254458}" dt="2022-01-04T19:08:22.680" v="2466"/>
+          <ac:spMkLst>
+            <pc:docMk/>
+            <pc:sldMk cId="2826580561" sldId="279"/>
+            <ac:spMk id="2" creationId="{C7A5D019-96A4-4D1E-AFB5-09D65C86E12D}"/>
+          </ac:spMkLst>
+        </pc:spChg>
+        <pc:spChg chg="mod">
+          <ac:chgData name="DINH CHI CONG 20193996" userId="7e8c7395-f173-4154-8430-589656f15925" providerId="ADAL" clId="{0C2097C4-7889-40AF-BDDD-302EAB254458}" dt="2022-01-04T17:24:42.489" v="2220" actId="1076"/>
+          <ac:spMkLst>
+            <pc:docMk/>
+            <pc:sldMk cId="2826580561" sldId="279"/>
+            <ac:spMk id="3" creationId="{A5726603-7893-4AE0-9532-68058044B69D}"/>
+          </ac:spMkLst>
+        </pc:spChg>
+        <pc:picChg chg="del">
+          <ac:chgData name="DINH CHI CONG 20193996" userId="7e8c7395-f173-4154-8430-589656f15925" providerId="ADAL" clId="{0C2097C4-7889-40AF-BDDD-302EAB254458}" dt="2022-01-04T17:22:54.549" v="2209" actId="478"/>
+          <ac:picMkLst>
+            <pc:docMk/>
+            <pc:sldMk cId="2826580561" sldId="279"/>
+            <ac:picMk id="7" creationId="{0F2C28D2-AFD4-48BF-B937-FC617100992E}"/>
+          </ac:picMkLst>
+        </pc:picChg>
+        <pc:picChg chg="add mod">
+          <ac:chgData name="DINH CHI CONG 20193996" userId="7e8c7395-f173-4154-8430-589656f15925" providerId="ADAL" clId="{0C2097C4-7889-40AF-BDDD-302EAB254458}" dt="2022-01-04T17:24:55.039" v="2223" actId="1076"/>
+          <ac:picMkLst>
+            <pc:docMk/>
+            <pc:sldMk cId="2826580561" sldId="279"/>
+            <ac:picMk id="2050" creationId="{50EF5794-756B-4719-BC03-C19027FCBBA4}"/>
+          </ac:picMkLst>
+        </pc:picChg>
+      </pc:sldChg>
+      <pc:sldChg chg="addSp delSp modSp add mod">
+        <pc:chgData name="DINH CHI CONG 20193996" userId="7e8c7395-f173-4154-8430-589656f15925" providerId="ADAL" clId="{0C2097C4-7889-40AF-BDDD-302EAB254458}" dt="2022-01-04T22:29:25.079" v="3037" actId="20577"/>
+        <pc:sldMkLst>
+          <pc:docMk/>
+          <pc:sldMk cId="1616153628" sldId="280"/>
+        </pc:sldMkLst>
+        <pc:spChg chg="mod">
+          <ac:chgData name="DINH CHI CONG 20193996" userId="7e8c7395-f173-4154-8430-589656f15925" providerId="ADAL" clId="{0C2097C4-7889-40AF-BDDD-302EAB254458}" dt="2022-01-04T22:29:25.079" v="3037" actId="20577"/>
+          <ac:spMkLst>
+            <pc:docMk/>
+            <pc:sldMk cId="1616153628" sldId="280"/>
+            <ac:spMk id="2" creationId="{C7A5D019-96A4-4D1E-AFB5-09D65C86E12D}"/>
+          </ac:spMkLst>
+        </pc:spChg>
+        <pc:spChg chg="mod">
+          <ac:chgData name="DINH CHI CONG 20193996" userId="7e8c7395-f173-4154-8430-589656f15925" providerId="ADAL" clId="{0C2097C4-7889-40AF-BDDD-302EAB254458}" dt="2022-01-04T18:46:57.043" v="2254" actId="6549"/>
+          <ac:spMkLst>
+            <pc:docMk/>
+            <pc:sldMk cId="1616153628" sldId="280"/>
+            <ac:spMk id="3" creationId="{A5726603-7893-4AE0-9532-68058044B69D}"/>
+          </ac:spMkLst>
+        </pc:spChg>
+        <pc:picChg chg="add del mod">
+          <ac:chgData name="DINH CHI CONG 20193996" userId="7e8c7395-f173-4154-8430-589656f15925" providerId="ADAL" clId="{0C2097C4-7889-40AF-BDDD-302EAB254458}" dt="2022-01-04T22:27:25.450" v="2941" actId="478"/>
+          <ac:picMkLst>
+            <pc:docMk/>
+            <pc:sldMk cId="1616153628" sldId="280"/>
+            <ac:picMk id="5" creationId="{40C0CCCC-B21F-4552-846C-2E7CBCC7F2CA}"/>
+          </ac:picMkLst>
+        </pc:picChg>
+        <pc:picChg chg="add mod">
+          <ac:chgData name="DINH CHI CONG 20193996" userId="7e8c7395-f173-4154-8430-589656f15925" providerId="ADAL" clId="{0C2097C4-7889-40AF-BDDD-302EAB254458}" dt="2022-01-04T22:28:11.448" v="2950" actId="14100"/>
+          <ac:picMkLst>
+            <pc:docMk/>
+            <pc:sldMk cId="1616153628" sldId="280"/>
+            <ac:picMk id="8" creationId="{307FD7A4-3378-4584-AE40-10A6E83ACFDF}"/>
+          </ac:picMkLst>
+        </pc:picChg>
+        <pc:picChg chg="add del mod">
+          <ac:chgData name="DINH CHI CONG 20193996" userId="7e8c7395-f173-4154-8430-589656f15925" providerId="ADAL" clId="{0C2097C4-7889-40AF-BDDD-302EAB254458}" dt="2022-01-04T22:27:52.025" v="2946" actId="478"/>
+          <ac:picMkLst>
+            <pc:docMk/>
+            <pc:sldMk cId="1616153628" sldId="280"/>
+            <ac:picMk id="10" creationId="{EE66C9A1-AFB9-4C85-8482-4A3ED180F4A4}"/>
+          </ac:picMkLst>
+        </pc:picChg>
+        <pc:picChg chg="add mod">
+          <ac:chgData name="DINH CHI CONG 20193996" userId="7e8c7395-f173-4154-8430-589656f15925" providerId="ADAL" clId="{0C2097C4-7889-40AF-BDDD-302EAB254458}" dt="2022-01-04T22:28:54.396" v="2955" actId="1076"/>
+          <ac:picMkLst>
+            <pc:docMk/>
+            <pc:sldMk cId="1616153628" sldId="280"/>
+            <ac:picMk id="12" creationId="{0A2C6F86-7A68-4686-B597-70FA70CDC00E}"/>
+          </ac:picMkLst>
+        </pc:picChg>
+        <pc:picChg chg="add mod">
+          <ac:chgData name="DINH CHI CONG 20193996" userId="7e8c7395-f173-4154-8430-589656f15925" providerId="ADAL" clId="{0C2097C4-7889-40AF-BDDD-302EAB254458}" dt="2022-01-04T22:28:24.335" v="2952" actId="1076"/>
+          <ac:picMkLst>
+            <pc:docMk/>
+            <pc:sldMk cId="1616153628" sldId="280"/>
+            <ac:picMk id="14" creationId="{12D80BC5-2B17-4BA9-8346-5D856336E837}"/>
+          </ac:picMkLst>
+        </pc:picChg>
+        <pc:picChg chg="add mod">
+          <ac:chgData name="DINH CHI CONG 20193996" userId="7e8c7395-f173-4154-8430-589656f15925" providerId="ADAL" clId="{0C2097C4-7889-40AF-BDDD-302EAB254458}" dt="2022-01-04T22:28:57.761" v="2956" actId="1076"/>
+          <ac:picMkLst>
+            <pc:docMk/>
+            <pc:sldMk cId="1616153628" sldId="280"/>
+            <ac:picMk id="16" creationId="{048CDE02-3C75-4C08-8221-E186D59FBE7D}"/>
+          </ac:picMkLst>
+        </pc:picChg>
+        <pc:picChg chg="del">
+          <ac:chgData name="DINH CHI CONG 20193996" userId="7e8c7395-f173-4154-8430-589656f15925" providerId="ADAL" clId="{0C2097C4-7889-40AF-BDDD-302EAB254458}" dt="2022-01-04T18:46:55.613" v="2253" actId="478"/>
+          <ac:picMkLst>
+            <pc:docMk/>
+            <pc:sldMk cId="1616153628" sldId="280"/>
+            <ac:picMk id="2050" creationId="{50EF5794-756B-4719-BC03-C19027FCBBA4}"/>
+          </ac:picMkLst>
+        </pc:picChg>
+      </pc:sldChg>
+      <pc:sldChg chg="delSp modSp add mod">
+        <pc:chgData name="DINH CHI CONG 20193996" userId="7e8c7395-f173-4154-8430-589656f15925" providerId="ADAL" clId="{0C2097C4-7889-40AF-BDDD-302EAB254458}" dt="2022-01-04T23:11:37.589" v="3671" actId="20577"/>
+        <pc:sldMkLst>
+          <pc:docMk/>
+          <pc:sldMk cId="711502177" sldId="281"/>
+        </pc:sldMkLst>
+        <pc:spChg chg="mod">
+          <ac:chgData name="DINH CHI CONG 20193996" userId="7e8c7395-f173-4154-8430-589656f15925" providerId="ADAL" clId="{0C2097C4-7889-40AF-BDDD-302EAB254458}" dt="2022-01-04T22:30:01.855" v="3077" actId="20577"/>
+          <ac:spMkLst>
+            <pc:docMk/>
+            <pc:sldMk cId="711502177" sldId="281"/>
+            <ac:spMk id="2" creationId="{C7A5D019-96A4-4D1E-AFB5-09D65C86E12D}"/>
+          </ac:spMkLst>
+        </pc:spChg>
+        <pc:spChg chg="mod">
+          <ac:chgData name="DINH CHI CONG 20193996" userId="7e8c7395-f173-4154-8430-589656f15925" providerId="ADAL" clId="{0C2097C4-7889-40AF-BDDD-302EAB254458}" dt="2022-01-04T23:11:37.589" v="3671" actId="20577"/>
+          <ac:spMkLst>
+            <pc:docMk/>
+            <pc:sldMk cId="711502177" sldId="281"/>
+            <ac:spMk id="3" creationId="{A5726603-7893-4AE0-9532-68058044B69D}"/>
+          </ac:spMkLst>
+        </pc:spChg>
+        <pc:picChg chg="del">
+          <ac:chgData name="DINH CHI CONG 20193996" userId="7e8c7395-f173-4154-8430-589656f15925" providerId="ADAL" clId="{0C2097C4-7889-40AF-BDDD-302EAB254458}" dt="2022-01-04T18:46:50.292" v="2252" actId="478"/>
+          <ac:picMkLst>
+            <pc:docMk/>
+            <pc:sldMk cId="711502177" sldId="281"/>
+            <ac:picMk id="2050" creationId="{50EF5794-756B-4719-BC03-C19027FCBBA4}"/>
+          </ac:picMkLst>
+        </pc:picChg>
+      </pc:sldChg>
+      <pc:sldChg chg="modSp add mod ord">
+        <pc:chgData name="DINH CHI CONG 20193996" userId="7e8c7395-f173-4154-8430-589656f15925" providerId="ADAL" clId="{0C2097C4-7889-40AF-BDDD-302EAB254458}" dt="2022-01-04T19:07:21.118" v="2412" actId="207"/>
+        <pc:sldMkLst>
+          <pc:docMk/>
+          <pc:sldMk cId="2170993215" sldId="282"/>
+        </pc:sldMkLst>
+        <pc:spChg chg="mod">
+          <ac:chgData name="DINH CHI CONG 20193996" userId="7e8c7395-f173-4154-8430-589656f15925" providerId="ADAL" clId="{0C2097C4-7889-40AF-BDDD-302EAB254458}" dt="2022-01-04T19:07:21.118" v="2412" actId="207"/>
+          <ac:spMkLst>
+            <pc:docMk/>
+            <pc:sldMk cId="2170993215" sldId="282"/>
+            <ac:spMk id="3" creationId="{A5726603-7893-4AE0-9532-68058044B69D}"/>
+          </ac:spMkLst>
+        </pc:spChg>
+      </pc:sldChg>
+      <pc:sldChg chg="modSp add mod ord">
+        <pc:chgData name="DINH CHI CONG 20193996" userId="7e8c7395-f173-4154-8430-589656f15925" providerId="ADAL" clId="{0C2097C4-7889-40AF-BDDD-302EAB254458}" dt="2022-01-04T19:07:35.160" v="2418" actId="113"/>
+        <pc:sldMkLst>
+          <pc:docMk/>
+          <pc:sldMk cId="3539973300" sldId="283"/>
+        </pc:sldMkLst>
+        <pc:spChg chg="mod">
+          <ac:chgData name="DINH CHI CONG 20193996" userId="7e8c7395-f173-4154-8430-589656f15925" providerId="ADAL" clId="{0C2097C4-7889-40AF-BDDD-302EAB254458}" dt="2022-01-04T19:07:35.160" v="2418" actId="113"/>
+          <ac:spMkLst>
+            <pc:docMk/>
+            <pc:sldMk cId="3539973300" sldId="283"/>
+            <ac:spMk id="3" creationId="{A5726603-7893-4AE0-9532-68058044B69D}"/>
+          </ac:spMkLst>
+        </pc:spChg>
+      </pc:sldChg>
+      <pc:sldChg chg="modSp add mod ord">
+        <pc:chgData name="DINH CHI CONG 20193996" userId="7e8c7395-f173-4154-8430-589656f15925" providerId="ADAL" clId="{0C2097C4-7889-40AF-BDDD-302EAB254458}" dt="2022-01-04T19:54:17.041" v="2937" actId="207"/>
+        <pc:sldMkLst>
+          <pc:docMk/>
+          <pc:sldMk cId="715233929" sldId="284"/>
+        </pc:sldMkLst>
+        <pc:spChg chg="mod">
+          <ac:chgData name="DINH CHI CONG 20193996" userId="7e8c7395-f173-4154-8430-589656f15925" providerId="ADAL" clId="{0C2097C4-7889-40AF-BDDD-302EAB254458}" dt="2022-01-04T19:54:17.041" v="2937" actId="207"/>
+          <ac:spMkLst>
+            <pc:docMk/>
+            <pc:sldMk cId="715233929" sldId="284"/>
+            <ac:spMk id="3" creationId="{A5726603-7893-4AE0-9532-68058044B69D}"/>
+          </ac:spMkLst>
+        </pc:spChg>
+      </pc:sldChg>
+      <pc:sldChg chg="modSp add mod">
+        <pc:chgData name="DINH CHI CONG 20193996" userId="7e8c7395-f173-4154-8430-589656f15925" providerId="ADAL" clId="{0C2097C4-7889-40AF-BDDD-302EAB254458}" dt="2022-01-04T19:08:45.115" v="2469" actId="207"/>
+        <pc:sldMkLst>
+          <pc:docMk/>
+          <pc:sldMk cId="2578536781" sldId="285"/>
+        </pc:sldMkLst>
+        <pc:spChg chg="mod">
+          <ac:chgData name="DINH CHI CONG 20193996" userId="7e8c7395-f173-4154-8430-589656f15925" providerId="ADAL" clId="{0C2097C4-7889-40AF-BDDD-302EAB254458}" dt="2022-01-04T19:08:45.115" v="2469" actId="207"/>
+          <ac:spMkLst>
+            <pc:docMk/>
+            <pc:sldMk cId="2578536781" sldId="285"/>
+            <ac:spMk id="3" creationId="{A5726603-7893-4AE0-9532-68058044B69D}"/>
+          </ac:spMkLst>
+        </pc:spChg>
+      </pc:sldChg>
+      <pc:sldChg chg="modSp add mod ord">
+        <pc:chgData name="DINH CHI CONG 20193996" userId="7e8c7395-f173-4154-8430-589656f15925" providerId="ADAL" clId="{0C2097C4-7889-40AF-BDDD-302EAB254458}" dt="2022-01-04T19:12:05.123" v="2476" actId="207"/>
+        <pc:sldMkLst>
+          <pc:docMk/>
+          <pc:sldMk cId="2128497670" sldId="286"/>
+        </pc:sldMkLst>
+        <pc:spChg chg="mod">
+          <ac:chgData name="DINH CHI CONG 20193996" userId="7e8c7395-f173-4154-8430-589656f15925" providerId="ADAL" clId="{0C2097C4-7889-40AF-BDDD-302EAB254458}" dt="2022-01-04T19:12:05.123" v="2476" actId="207"/>
+          <ac:spMkLst>
+            <pc:docMk/>
+            <pc:sldMk cId="2128497670" sldId="286"/>
+            <ac:spMk id="3" creationId="{A5726603-7893-4AE0-9532-68058044B69D}"/>
+          </ac:spMkLst>
+        </pc:spChg>
+      </pc:sldChg>
+      <pc:sldChg chg="addSp delSp modSp add mod ord">
+        <pc:chgData name="DINH CHI CONG 20193996" userId="7e8c7395-f173-4154-8430-589656f15925" providerId="ADAL" clId="{0C2097C4-7889-40AF-BDDD-302EAB254458}" dt="2022-01-04T19:53:35.304" v="2935" actId="20577"/>
+        <pc:sldMkLst>
+          <pc:docMk/>
+          <pc:sldMk cId="2400008057" sldId="287"/>
+        </pc:sldMkLst>
+        <pc:spChg chg="mod">
+          <ac:chgData name="DINH CHI CONG 20193996" userId="7e8c7395-f173-4154-8430-589656f15925" providerId="ADAL" clId="{0C2097C4-7889-40AF-BDDD-302EAB254458}" dt="2022-01-04T19:12:45.812" v="2548" actId="20577"/>
+          <ac:spMkLst>
+            <pc:docMk/>
+            <pc:sldMk cId="2400008057" sldId="287"/>
+            <ac:spMk id="2" creationId="{C7A5D019-96A4-4D1E-AFB5-09D65C86E12D}"/>
+          </ac:spMkLst>
+        </pc:spChg>
+        <pc:spChg chg="mod">
+          <ac:chgData name="DINH CHI CONG 20193996" userId="7e8c7395-f173-4154-8430-589656f15925" providerId="ADAL" clId="{0C2097C4-7889-40AF-BDDD-302EAB254458}" dt="2022-01-04T19:53:35.304" v="2935" actId="20577"/>
+          <ac:spMkLst>
+            <pc:docMk/>
+            <pc:sldMk cId="2400008057" sldId="287"/>
+            <ac:spMk id="3" creationId="{A5726603-7893-4AE0-9532-68058044B69D}"/>
+          </ac:spMkLst>
+        </pc:spChg>
+        <pc:picChg chg="add mod">
+          <ac:chgData name="DINH CHI CONG 20193996" userId="7e8c7395-f173-4154-8430-589656f15925" providerId="ADAL" clId="{0C2097C4-7889-40AF-BDDD-302EAB254458}" dt="2022-01-04T19:52:17.671" v="2862" actId="1076"/>
+          <ac:picMkLst>
+            <pc:docMk/>
+            <pc:sldMk cId="2400008057" sldId="287"/>
+            <ac:picMk id="4" creationId="{58D64311-9B0A-4C27-B70D-802F758E906F}"/>
+          </ac:picMkLst>
+        </pc:picChg>
+        <pc:picChg chg="del">
+          <ac:chgData name="DINH CHI CONG 20193996" userId="7e8c7395-f173-4154-8430-589656f15925" providerId="ADAL" clId="{0C2097C4-7889-40AF-BDDD-302EAB254458}" dt="2022-01-04T19:12:48.346" v="2549" actId="478"/>
+          <ac:picMkLst>
+            <pc:docMk/>
+            <pc:sldMk cId="2400008057" sldId="287"/>
+            <ac:picMk id="2050" creationId="{50EF5794-756B-4719-BC03-C19027FCBBA4}"/>
+          </ac:picMkLst>
+        </pc:picChg>
+        <pc:picChg chg="add del mod">
+          <ac:chgData name="DINH CHI CONG 20193996" userId="7e8c7395-f173-4154-8430-589656f15925" providerId="ADAL" clId="{0C2097C4-7889-40AF-BDDD-302EAB254458}" dt="2022-01-04T19:52:07.782" v="2859" actId="478"/>
+          <ac:picMkLst>
+            <pc:docMk/>
+            <pc:sldMk cId="2400008057" sldId="287"/>
+            <ac:picMk id="3074" creationId="{6A11FCE9-D4F8-43E7-A97D-00D2A5B80570}"/>
+          </ac:picMkLst>
+        </pc:picChg>
+      </pc:sldChg>
+      <pc:sldChg chg="addSp delSp modSp add mod">
+        <pc:chgData name="DINH CHI CONG 20193996" userId="7e8c7395-f173-4154-8430-589656f15925" providerId="ADAL" clId="{0C2097C4-7889-40AF-BDDD-302EAB254458}" dt="2022-01-04T19:37:20.062" v="2763" actId="1076"/>
+        <pc:sldMkLst>
+          <pc:docMk/>
+          <pc:sldMk cId="3070023526" sldId="288"/>
+        </pc:sldMkLst>
+        <pc:spChg chg="mod">
+          <ac:chgData name="DINH CHI CONG 20193996" userId="7e8c7395-f173-4154-8430-589656f15925" providerId="ADAL" clId="{0C2097C4-7889-40AF-BDDD-302EAB254458}" dt="2022-01-04T19:24:32.573" v="2681" actId="20577"/>
+          <ac:spMkLst>
+            <pc:docMk/>
+            <pc:sldMk cId="3070023526" sldId="288"/>
+            <ac:spMk id="3" creationId="{A5726603-7893-4AE0-9532-68058044B69D}"/>
+          </ac:spMkLst>
+        </pc:spChg>
+        <pc:picChg chg="add del mod">
+          <ac:chgData name="DINH CHI CONG 20193996" userId="7e8c7395-f173-4154-8430-589656f15925" providerId="ADAL" clId="{0C2097C4-7889-40AF-BDDD-302EAB254458}" dt="2022-01-04T19:37:11.330" v="2760" actId="478"/>
+          <ac:picMkLst>
+            <pc:docMk/>
+            <pc:sldMk cId="3070023526" sldId="288"/>
+            <ac:picMk id="5" creationId="{C9EBE8E9-8E77-49D8-8941-E3B84D8CE0B2}"/>
+          </ac:picMkLst>
+        </pc:picChg>
+        <pc:picChg chg="add mod">
+          <ac:chgData name="DINH CHI CONG 20193996" userId="7e8c7395-f173-4154-8430-589656f15925" providerId="ADAL" clId="{0C2097C4-7889-40AF-BDDD-302EAB254458}" dt="2022-01-04T19:37:20.062" v="2763" actId="1076"/>
+          <ac:picMkLst>
+            <pc:docMk/>
+            <pc:sldMk cId="3070023526" sldId="288"/>
+            <ac:picMk id="8" creationId="{6A2B7C6E-E194-4F77-85C3-E17E6FDB1DFE}"/>
+          </ac:picMkLst>
+        </pc:picChg>
+      </pc:sldChg>
+      <pc:sldChg chg="addSp modSp add mod">
+        <pc:chgData name="DINH CHI CONG 20193996" userId="7e8c7395-f173-4154-8430-589656f15925" providerId="ADAL" clId="{0C2097C4-7889-40AF-BDDD-302EAB254458}" dt="2022-01-04T19:38:49.339" v="2792" actId="20577"/>
+        <pc:sldMkLst>
+          <pc:docMk/>
+          <pc:sldMk cId="948530121" sldId="289"/>
+        </pc:sldMkLst>
+        <pc:spChg chg="mod">
+          <ac:chgData name="DINH CHI CONG 20193996" userId="7e8c7395-f173-4154-8430-589656f15925" providerId="ADAL" clId="{0C2097C4-7889-40AF-BDDD-302EAB254458}" dt="2022-01-04T19:38:49.339" v="2792" actId="20577"/>
+          <ac:spMkLst>
+            <pc:docMk/>
+            <pc:sldMk cId="948530121" sldId="289"/>
+            <ac:spMk id="3" creationId="{A5726603-7893-4AE0-9532-68058044B69D}"/>
+          </ac:spMkLst>
+        </pc:spChg>
+        <pc:picChg chg="add">
+          <ac:chgData name="DINH CHI CONG 20193996" userId="7e8c7395-f173-4154-8430-589656f15925" providerId="ADAL" clId="{0C2097C4-7889-40AF-BDDD-302EAB254458}" dt="2022-01-04T19:34:21.966" v="2759" actId="22"/>
+          <ac:picMkLst>
+            <pc:docMk/>
+            <pc:sldMk cId="948530121" sldId="289"/>
+            <ac:picMk id="5" creationId="{7BE173E8-C887-4F69-8E8B-B0631F055FF0}"/>
+          </ac:picMkLst>
+        </pc:picChg>
+      </pc:sldChg>
+      <pc:sldChg chg="modSp add mod">
+        <pc:chgData name="DINH CHI CONG 20193996" userId="7e8c7395-f173-4154-8430-589656f15925" providerId="ADAL" clId="{0C2097C4-7889-40AF-BDDD-302EAB254458}" dt="2022-01-04T22:52:01.136" v="3514"/>
+        <pc:sldMkLst>
+          <pc:docMk/>
+          <pc:sldMk cId="4055699695" sldId="290"/>
+        </pc:sldMkLst>
+        <pc:spChg chg="mod">
+          <ac:chgData name="DINH CHI CONG 20193996" userId="7e8c7395-f173-4154-8430-589656f15925" providerId="ADAL" clId="{0C2097C4-7889-40AF-BDDD-302EAB254458}" dt="2022-01-04T19:26:15.131" v="2706"/>
+          <ac:spMkLst>
+            <pc:docMk/>
+            <pc:sldMk cId="4055699695" sldId="290"/>
+            <ac:spMk id="2" creationId="{C7A5D019-96A4-4D1E-AFB5-09D65C86E12D}"/>
+          </ac:spMkLst>
+        </pc:spChg>
+        <pc:spChg chg="mod">
+          <ac:chgData name="DINH CHI CONG 20193996" userId="7e8c7395-f173-4154-8430-589656f15925" providerId="ADAL" clId="{0C2097C4-7889-40AF-BDDD-302EAB254458}" dt="2022-01-04T22:52:01.136" v="3514"/>
+          <ac:spMkLst>
+            <pc:docMk/>
+            <pc:sldMk cId="4055699695" sldId="290"/>
+            <ac:spMk id="3" creationId="{A5726603-7893-4AE0-9532-68058044B69D}"/>
+          </ac:spMkLst>
+        </pc:spChg>
+      </pc:sldChg>
+      <pc:sldChg chg="addSp delSp modSp add mod">
+        <pc:chgData name="DINH CHI CONG 20193996" userId="7e8c7395-f173-4154-8430-589656f15925" providerId="ADAL" clId="{0C2097C4-7889-40AF-BDDD-302EAB254458}" dt="2022-01-04T19:41:17.877" v="2836" actId="1076"/>
+        <pc:sldMkLst>
+          <pc:docMk/>
+          <pc:sldMk cId="3151005323" sldId="291"/>
+        </pc:sldMkLst>
+        <pc:spChg chg="mod">
+          <ac:chgData name="DINH CHI CONG 20193996" userId="7e8c7395-f173-4154-8430-589656f15925" providerId="ADAL" clId="{0C2097C4-7889-40AF-BDDD-302EAB254458}" dt="2022-01-04T19:41:12.271" v="2833" actId="1076"/>
+          <ac:spMkLst>
+            <pc:docMk/>
+            <pc:sldMk cId="3151005323" sldId="291"/>
+            <ac:spMk id="3" creationId="{A5726603-7893-4AE0-9532-68058044B69D}"/>
+          </ac:spMkLst>
+        </pc:spChg>
+        <pc:picChg chg="del">
+          <ac:chgData name="DINH CHI CONG 20193996" userId="7e8c7395-f173-4154-8430-589656f15925" providerId="ADAL" clId="{0C2097C4-7889-40AF-BDDD-302EAB254458}" dt="2022-01-04T19:38:58.555" v="2794" actId="478"/>
+          <ac:picMkLst>
+            <pc:docMk/>
+            <pc:sldMk cId="3151005323" sldId="291"/>
+            <ac:picMk id="5" creationId="{7BE173E8-C887-4F69-8E8B-B0631F055FF0}"/>
+          </ac:picMkLst>
+        </pc:picChg>
+        <pc:picChg chg="add mod">
+          <ac:chgData name="DINH CHI CONG 20193996" userId="7e8c7395-f173-4154-8430-589656f15925" providerId="ADAL" clId="{0C2097C4-7889-40AF-BDDD-302EAB254458}" dt="2022-01-04T19:41:17.877" v="2836" actId="1076"/>
+          <ac:picMkLst>
+            <pc:docMk/>
+            <pc:sldMk cId="3151005323" sldId="291"/>
+            <ac:picMk id="7" creationId="{83CADB24-7E54-44EA-B3F9-214575FCD2D2}"/>
+          </ac:picMkLst>
+        </pc:picChg>
+      </pc:sldChg>
+      <pc:sldChg chg="modSp add mod ord">
+        <pc:chgData name="DINH CHI CONG 20193996" userId="7e8c7395-f173-4154-8430-589656f15925" providerId="ADAL" clId="{0C2097C4-7889-40AF-BDDD-302EAB254458}" dt="2022-01-04T22:29:47.276" v="3045" actId="207"/>
+        <pc:sldMkLst>
+          <pc:docMk/>
+          <pc:sldMk cId="645786304" sldId="292"/>
+        </pc:sldMkLst>
+        <pc:spChg chg="mod">
+          <ac:chgData name="DINH CHI CONG 20193996" userId="7e8c7395-f173-4154-8430-589656f15925" providerId="ADAL" clId="{0C2097C4-7889-40AF-BDDD-302EAB254458}" dt="2022-01-04T22:29:47.276" v="3045" actId="207"/>
+          <ac:spMkLst>
+            <pc:docMk/>
+            <pc:sldMk cId="645786304" sldId="292"/>
+            <ac:spMk id="3" creationId="{A5726603-7893-4AE0-9532-68058044B69D}"/>
+          </ac:spMkLst>
+        </pc:spChg>
+      </pc:sldChg>
+      <pc:sldChg chg="add del">
+        <pc:chgData name="DINH CHI CONG 20193996" userId="7e8c7395-f173-4154-8430-589656f15925" providerId="ADAL" clId="{0C2097C4-7889-40AF-BDDD-302EAB254458}" dt="2022-01-04T22:31:58.192" v="3145" actId="2890"/>
+        <pc:sldMkLst>
+          <pc:docMk/>
+          <pc:sldMk cId="2428198099" sldId="293"/>
+        </pc:sldMkLst>
+      </pc:sldChg>
+      <pc:sldChg chg="modSp add mod ord">
+        <pc:chgData name="DINH CHI CONG 20193996" userId="7e8c7395-f173-4154-8430-589656f15925" providerId="ADAL" clId="{0C2097C4-7889-40AF-BDDD-302EAB254458}" dt="2022-01-04T22:33:48.230" v="3387" actId="20577"/>
+        <pc:sldMkLst>
+          <pc:docMk/>
+          <pc:sldMk cId="2638602737" sldId="293"/>
+        </pc:sldMkLst>
+        <pc:spChg chg="mod">
+          <ac:chgData name="DINH CHI CONG 20193996" userId="7e8c7395-f173-4154-8430-589656f15925" providerId="ADAL" clId="{0C2097C4-7889-40AF-BDDD-302EAB254458}" dt="2022-01-04T22:33:48.230" v="3387" actId="20577"/>
+          <ac:spMkLst>
+            <pc:docMk/>
+            <pc:sldMk cId="2638602737" sldId="293"/>
+            <ac:spMk id="2" creationId="{C7A5D019-96A4-4D1E-AFB5-09D65C86E12D}"/>
+          </ac:spMkLst>
+        </pc:spChg>
+        <pc:spChg chg="mod">
+          <ac:chgData name="DINH CHI CONG 20193996" userId="7e8c7395-f173-4154-8430-589656f15925" providerId="ADAL" clId="{0C2097C4-7889-40AF-BDDD-302EAB254458}" dt="2022-01-04T22:33:10.855" v="3327" actId="20577"/>
+          <ac:spMkLst>
+            <pc:docMk/>
+            <pc:sldMk cId="2638602737" sldId="293"/>
+            <ac:spMk id="3" creationId="{A5726603-7893-4AE0-9532-68058044B69D}"/>
+          </ac:spMkLst>
+        </pc:spChg>
+      </pc:sldChg>
+      <pc:sldChg chg="addSp delSp modSp add mod ord">
+        <pc:chgData name="DINH CHI CONG 20193996" userId="7e8c7395-f173-4154-8430-589656f15925" providerId="ADAL" clId="{0C2097C4-7889-40AF-BDDD-302EAB254458}" dt="2022-01-04T23:17:13.588" v="3677"/>
+        <pc:sldMkLst>
+          <pc:docMk/>
+          <pc:sldMk cId="566764626" sldId="294"/>
+        </pc:sldMkLst>
+        <pc:spChg chg="mod">
+          <ac:chgData name="DINH CHI CONG 20193996" userId="7e8c7395-f173-4154-8430-589656f15925" providerId="ADAL" clId="{0C2097C4-7889-40AF-BDDD-302EAB254458}" dt="2022-01-04T23:17:10.223" v="3676" actId="20577"/>
+          <ac:spMkLst>
+            <pc:docMk/>
+            <pc:sldMk cId="566764626" sldId="294"/>
+            <ac:spMk id="3" creationId="{A5726603-7893-4AE0-9532-68058044B69D}"/>
+          </ac:spMkLst>
+        </pc:spChg>
+        <pc:picChg chg="del">
+          <ac:chgData name="DINH CHI CONG 20193996" userId="7e8c7395-f173-4154-8430-589656f15925" providerId="ADAL" clId="{0C2097C4-7889-40AF-BDDD-302EAB254458}" dt="2022-01-04T23:17:06.115" v="3675" actId="478"/>
+          <ac:picMkLst>
+            <pc:docMk/>
+            <pc:sldMk cId="566764626" sldId="294"/>
+            <ac:picMk id="4" creationId="{56E9EFBD-AE1B-482B-AB8E-B4910E13D0BF}"/>
+          </ac:picMkLst>
+        </pc:picChg>
+        <pc:picChg chg="add">
+          <ac:chgData name="DINH CHI CONG 20193996" userId="7e8c7395-f173-4154-8430-589656f15925" providerId="ADAL" clId="{0C2097C4-7889-40AF-BDDD-302EAB254458}" dt="2022-01-04T23:17:13.588" v="3677"/>
+          <ac:picMkLst>
+            <pc:docMk/>
+            <pc:sldMk cId="566764626" sldId="294"/>
+            <ac:picMk id="5" creationId="{F38127A8-A0D4-4142-98CC-C417BB9E146C}"/>
+          </ac:picMkLst>
+        </pc:picChg>
       </pc:sldChg>
     </pc:docChg>
   </pc:docChgLst>
@@ -319,7 +1291,7 @@
           <a:p>
             <a:fld id="{48B45424-6BAC-416C-8F6C-5F9DE854A36B}" type="datetimeFigureOut">
               <a:rPr lang="en-US" smtClean="0"/>
-              <a:t>12/27/2021</a:t>
+              <a:t>1/5/2022</a:t>
             </a:fld>
             <a:endParaRPr lang="en-US"/>
           </a:p>
@@ -497,7 +1469,7 @@
           <a:p>
             <a:fld id="{6B733702-C25A-40B9-9167-54BAA79B29B0}" type="datetimeFigureOut">
               <a:rPr lang="en-US" smtClean="0"/>
-              <a:t>12/27/2021</a:t>
+              <a:t>1/5/2022</a:t>
             </a:fld>
             <a:endParaRPr lang="en-US"/>
           </a:p>
@@ -838,7 +1810,7 @@
           <a:p>
             <a:fld id="{58E92B09-5AF4-4E86-A8BE-E866F0E2C017}" type="datetime1">
               <a:rPr lang="en-US" smtClean="0"/>
-              <a:t>12/27/2021</a:t>
+              <a:t>1/5/2022</a:t>
             </a:fld>
             <a:endParaRPr lang="en-US"/>
           </a:p>
@@ -1024,7 +1996,7 @@
             <a:fld id="{F70EAA40-3A53-4A3D-924A-D38F1059C7D5}" type="datetime1">
               <a:rPr lang="en-US" smtClean="0"/>
               <a:pPr/>
-              <a:t>12/27/2021</a:t>
+              <a:t>1/5/2022</a:t>
             </a:fld>
             <a:endParaRPr lang="en-US"/>
           </a:p>
@@ -1358,7 +2330,7 @@
             <a:fld id="{B3ACFEBC-8634-4116-B617-2BE5C2034C2C}" type="datetime1">
               <a:rPr lang="en-US" smtClean="0"/>
               <a:pPr/>
-              <a:t>12/27/2021</a:t>
+              <a:t>1/5/2022</a:t>
             </a:fld>
             <a:endParaRPr lang="en-US"/>
           </a:p>
@@ -1826,7 +2798,7 @@
           <a:p>
             <a:fld id="{8CDB0C24-DFE0-41C5-B02D-FC32F5C22F7C}" type="datetime1">
               <a:rPr lang="en-US" smtClean="0"/>
-              <a:t>12/27/2021</a:t>
+              <a:t>1/5/2022</a:t>
             </a:fld>
             <a:endParaRPr lang="en-US"/>
           </a:p>
@@ -2012,7 +2984,7 @@
             <a:fld id="{EEBFCEF3-2DDE-476B-8A96-303EC557333C}" type="datetime1">
               <a:rPr lang="en-US" smtClean="0"/>
               <a:pPr/>
-              <a:t>12/27/2021</a:t>
+              <a:t>1/5/2022</a:t>
             </a:fld>
             <a:endParaRPr lang="en-US"/>
           </a:p>
@@ -2346,7 +3318,7 @@
             <a:fld id="{19A9EFEF-A194-4819-82D7-1112425D0E86}" type="datetime1">
               <a:rPr lang="en-US" smtClean="0"/>
               <a:pPr/>
-              <a:t>12/27/2021</a:t>
+              <a:t>1/5/2022</a:t>
             </a:fld>
             <a:endParaRPr lang="en-US"/>
           </a:p>
@@ -2667,7 +3639,7 @@
             <a:fld id="{82F65D4C-DEE4-4C7B-91C4-D6D57A523E98}" type="datetime1">
               <a:rPr lang="en-US" smtClean="0"/>
               <a:pPr/>
-              <a:t>12/27/2021</a:t>
+              <a:t>1/5/2022</a:t>
             </a:fld>
             <a:endParaRPr lang="en-US"/>
           </a:p>
@@ -3283,62 +4255,117 @@
       </p:grpSpPr>
       <p:sp>
         <p:nvSpPr>
-          <p:cNvPr id="2" name="Title 6">
-            <a:extLst>
-              <a:ext uri="{FF2B5EF4-FFF2-40B4-BE49-F238E27FC236}">
-                <a16:creationId xmlns:a16="http://schemas.microsoft.com/office/drawing/2014/main" id="{5945A2BB-ABB6-48FB-A491-502474D93E34}"/>
-              </a:ext>
-            </a:extLst>
-          </p:cNvPr>
-          <p:cNvSpPr txBox="1">
-            <a:spLocks/>
+          <p:cNvPr id="2" name="Title 1">
+            <a:extLst>
+              <a:ext uri="{FF2B5EF4-FFF2-40B4-BE49-F238E27FC236}">
+                <a16:creationId xmlns:a16="http://schemas.microsoft.com/office/drawing/2014/main" id="{C7A5D019-96A4-4D1E-AFB5-09D65C86E12D}"/>
+              </a:ext>
+            </a:extLst>
+          </p:cNvPr>
+          <p:cNvSpPr>
+            <a:spLocks noGrp="1"/>
           </p:cNvSpPr>
-          <p:nvPr/>
+          <p:nvPr>
+            <p:ph type="title"/>
+          </p:nvPr>
         </p:nvSpPr>
-        <p:spPr>
-          <a:xfrm>
-            <a:off x="5605763" y="2869457"/>
-            <a:ext cx="5422456" cy="971304"/>
-          </a:xfrm>
-          <a:prstGeom prst="rect">
-            <a:avLst/>
-          </a:prstGeom>
-        </p:spPr>
+        <p:spPr/>
         <p:txBody>
           <a:bodyPr/>
-          <a:lstStyle>
-            <a:lvl1pPr algn="l" defTabSz="914400" rtl="0" eaLnBrk="1" latinLnBrk="0" hangingPunct="1">
-              <a:lnSpc>
-                <a:spcPct val="90000"/>
-              </a:lnSpc>
-              <a:spcBef>
-                <a:spcPct val="0"/>
-              </a:spcBef>
+          <a:lstStyle/>
+          <a:p>
+            <a:pPr marL="0" indent="0">
               <a:buNone/>
-              <a:defRPr sz="7200" b="1" kern="1200">
-                <a:solidFill>
-                  <a:srgbClr val="C00000"/>
-                </a:solidFill>
-                <a:latin typeface="Lato" panose="020F0502020204030203" pitchFamily="34" charset="0"/>
-                <a:ea typeface="Lato" panose="020F0502020204030203" pitchFamily="34" charset="0"/>
-                <a:cs typeface="Lato" panose="020F0502020204030203" pitchFamily="34" charset="0"/>
-              </a:defRPr>
-            </a:lvl1pPr>
-          </a:lstStyle>
-          <a:p>
-            <a:r>
-              <a:rPr lang="en-US" sz="6000" dirty="0"/>
-              <a:t>THANK YOU !</a:t>
-            </a:r>
+            </a:pPr>
+            <a:r>
+              <a:rPr lang="en-US" dirty="0"/>
+              <a:t>II. </a:t>
+            </a:r>
+            <a:r>
+              <a:rPr lang="vi-VN" dirty="0" err="1"/>
+              <a:t>Dữ</a:t>
+            </a:r>
+            <a:r>
+              <a:rPr lang="vi-VN" dirty="0"/>
+              <a:t> </a:t>
+            </a:r>
+            <a:r>
+              <a:rPr lang="vi-VN" dirty="0" err="1"/>
+              <a:t>liệu</a:t>
+            </a:r>
+            <a:endParaRPr lang="vi-VN" dirty="0"/>
           </a:p>
         </p:txBody>
       </p:sp>
       <p:sp>
         <p:nvSpPr>
-          <p:cNvPr id="3" name="Slide Number Placeholder 2">
-            <a:extLst>
-              <a:ext uri="{FF2B5EF4-FFF2-40B4-BE49-F238E27FC236}">
-                <a16:creationId xmlns:a16="http://schemas.microsoft.com/office/drawing/2014/main" id="{B255FE58-BA70-418C-863F-55066B6675FB}"/>
+          <p:cNvPr id="3" name="Text Placeholder 2">
+            <a:extLst>
+              <a:ext uri="{FF2B5EF4-FFF2-40B4-BE49-F238E27FC236}">
+                <a16:creationId xmlns:a16="http://schemas.microsoft.com/office/drawing/2014/main" id="{A5726603-7893-4AE0-9532-68058044B69D}"/>
+              </a:ext>
+            </a:extLst>
+          </p:cNvPr>
+          <p:cNvSpPr>
+            <a:spLocks noGrp="1"/>
+          </p:cNvSpPr>
+          <p:nvPr>
+            <p:ph type="body" sz="quarter" idx="13"/>
+          </p:nvPr>
+        </p:nvSpPr>
+        <p:spPr/>
+        <p:txBody>
+          <a:bodyPr/>
+          <a:lstStyle/>
+          <a:p>
+            <a:r>
+              <a:rPr lang="vi-VN" dirty="0"/>
+              <a:t>Bộ </a:t>
+            </a:r>
+            <a:r>
+              <a:rPr lang="vi-VN" dirty="0" err="1"/>
+              <a:t>dữ</a:t>
+            </a:r>
+            <a:r>
+              <a:rPr lang="vi-VN" dirty="0"/>
+              <a:t> </a:t>
+            </a:r>
+            <a:r>
+              <a:rPr lang="vi-VN" dirty="0" err="1"/>
+              <a:t>liệu</a:t>
+            </a:r>
+            <a:r>
+              <a:rPr lang="vi-VN" dirty="0"/>
+              <a:t> </a:t>
+            </a:r>
+            <a:r>
+              <a:rPr lang="vi-VN" dirty="0" err="1"/>
+              <a:t>lấy</a:t>
+            </a:r>
+            <a:r>
+              <a:rPr lang="vi-VN" dirty="0"/>
+              <a:t> từ </a:t>
+            </a:r>
+            <a:r>
+              <a:rPr lang="vi-VN" dirty="0" err="1"/>
+              <a:t>tập</a:t>
+            </a:r>
+            <a:r>
+              <a:rPr lang="vi-VN" dirty="0"/>
+              <a:t> PASCAL VOC2012</a:t>
+            </a:r>
+          </a:p>
+          <a:p>
+            <a:endParaRPr lang="en-US" dirty="0"/>
+          </a:p>
+        </p:txBody>
+      </p:sp>
+      <p:sp>
+        <p:nvSpPr>
+          <p:cNvPr id="6" name="Slide Number Placeholder 5">
+            <a:extLst>
+              <a:ext uri="{FF2B5EF4-FFF2-40B4-BE49-F238E27FC236}">
+                <a16:creationId xmlns:a16="http://schemas.microsoft.com/office/drawing/2014/main" id="{11E4677A-4F02-4478-B9B8-685D0B6264D3}"/>
               </a:ext>
             </a:extLst>
           </p:cNvPr>
@@ -3363,10 +4390,2531 @@
           </a:p>
         </p:txBody>
       </p:sp>
+      <p:pic>
+        <p:nvPicPr>
+          <p:cNvPr id="5" name="Hình ảnh 4">
+            <a:extLst>
+              <a:ext uri="{FF2B5EF4-FFF2-40B4-BE49-F238E27FC236}">
+                <a16:creationId xmlns:a16="http://schemas.microsoft.com/office/drawing/2014/main" id="{34E481EC-37BE-44DE-AEB2-4D920ACE83F5}"/>
+              </a:ext>
+            </a:extLst>
+          </p:cNvPr>
+          <p:cNvPicPr>
+            <a:picLocks noChangeAspect="1"/>
+          </p:cNvPicPr>
+          <p:nvPr/>
+        </p:nvPicPr>
+        <p:blipFill>
+          <a:blip r:embed="rId2"/>
+          <a:stretch>
+            <a:fillRect/>
+          </a:stretch>
+        </p:blipFill>
+        <p:spPr>
+          <a:xfrm>
+            <a:off x="2429863" y="2099007"/>
+            <a:ext cx="7331075" cy="3406435"/>
+          </a:xfrm>
+          <a:prstGeom prst="rect">
+            <a:avLst/>
+          </a:prstGeom>
+        </p:spPr>
+      </p:pic>
     </p:spTree>
     <p:extLst>
       <p:ext uri="{BB962C8B-B14F-4D97-AF65-F5344CB8AC3E}">
-        <p14:creationId xmlns:p14="http://schemas.microsoft.com/office/powerpoint/2010/main" val="2790627162"/>
+        <p14:creationId xmlns:p14="http://schemas.microsoft.com/office/powerpoint/2010/main" val="697949831"/>
+      </p:ext>
+    </p:extLst>
+  </p:cSld>
+  <p:clrMapOvr>
+    <a:masterClrMapping/>
+  </p:clrMapOvr>
+</p:sld>
+</file>
+
+<file path=ppt/slides/slide11.xml><?xml version="1.0" encoding="utf-8"?>
+<p:sld xmlns:a="http://schemas.openxmlformats.org/drawingml/2006/main" xmlns:r="http://schemas.openxmlformats.org/officeDocument/2006/relationships" xmlns:p="http://schemas.openxmlformats.org/presentationml/2006/main">
+  <p:cSld>
+    <p:spTree>
+      <p:nvGrpSpPr>
+        <p:cNvPr id="1" name=""/>
+        <p:cNvGrpSpPr/>
+        <p:nvPr/>
+      </p:nvGrpSpPr>
+      <p:grpSpPr>
+        <a:xfrm>
+          <a:off x="0" y="0"/>
+          <a:ext cx="0" cy="0"/>
+          <a:chOff x="0" y="0"/>
+          <a:chExt cx="0" cy="0"/>
+        </a:xfrm>
+      </p:grpSpPr>
+      <p:sp>
+        <p:nvSpPr>
+          <p:cNvPr id="2" name="Title 1">
+            <a:extLst>
+              <a:ext uri="{FF2B5EF4-FFF2-40B4-BE49-F238E27FC236}">
+                <a16:creationId xmlns:a16="http://schemas.microsoft.com/office/drawing/2014/main" id="{C7A5D019-96A4-4D1E-AFB5-09D65C86E12D}"/>
+              </a:ext>
+            </a:extLst>
+          </p:cNvPr>
+          <p:cNvSpPr>
+            <a:spLocks noGrp="1"/>
+          </p:cNvSpPr>
+          <p:nvPr>
+            <p:ph type="title"/>
+          </p:nvPr>
+        </p:nvSpPr>
+        <p:spPr/>
+        <p:txBody>
+          <a:bodyPr/>
+          <a:lstStyle/>
+          <a:p>
+            <a:pPr marL="0" indent="0">
+              <a:buNone/>
+            </a:pPr>
+            <a:r>
+              <a:rPr lang="en-US" dirty="0"/>
+              <a:t>II. </a:t>
+            </a:r>
+            <a:r>
+              <a:rPr lang="vi-VN" dirty="0" err="1"/>
+              <a:t>Dữ</a:t>
+            </a:r>
+            <a:r>
+              <a:rPr lang="vi-VN" dirty="0"/>
+              <a:t> </a:t>
+            </a:r>
+            <a:r>
+              <a:rPr lang="vi-VN" dirty="0" err="1"/>
+              <a:t>liệu</a:t>
+            </a:r>
+            <a:endParaRPr lang="vi-VN" dirty="0"/>
+          </a:p>
+        </p:txBody>
+      </p:sp>
+      <p:sp>
+        <p:nvSpPr>
+          <p:cNvPr id="3" name="Text Placeholder 2">
+            <a:extLst>
+              <a:ext uri="{FF2B5EF4-FFF2-40B4-BE49-F238E27FC236}">
+                <a16:creationId xmlns:a16="http://schemas.microsoft.com/office/drawing/2014/main" id="{A5726603-7893-4AE0-9532-68058044B69D}"/>
+              </a:ext>
+            </a:extLst>
+          </p:cNvPr>
+          <p:cNvSpPr>
+            <a:spLocks noGrp="1"/>
+          </p:cNvSpPr>
+          <p:nvPr>
+            <p:ph type="body" sz="quarter" idx="13"/>
+          </p:nvPr>
+        </p:nvSpPr>
+        <p:spPr/>
+        <p:txBody>
+          <a:bodyPr/>
+          <a:lstStyle/>
+          <a:p>
+            <a:r>
+              <a:rPr lang="vi-VN" dirty="0"/>
+              <a:t>Bao </a:t>
+            </a:r>
+            <a:r>
+              <a:rPr lang="vi-VN" dirty="0" err="1"/>
+              <a:t>gồm</a:t>
+            </a:r>
+            <a:r>
+              <a:rPr lang="vi-VN" dirty="0"/>
+              <a:t>:</a:t>
+            </a:r>
+          </a:p>
+          <a:p>
+            <a:pPr lvl="1"/>
+            <a:r>
+              <a:rPr lang="vi-VN" dirty="0" err="1"/>
+              <a:t>Annotation</a:t>
+            </a:r>
+            <a:endParaRPr lang="vi-VN" dirty="0"/>
+          </a:p>
+          <a:p>
+            <a:pPr lvl="1"/>
+            <a:r>
+              <a:rPr lang="vi-VN" dirty="0" err="1"/>
+              <a:t>Image</a:t>
+            </a:r>
+            <a:r>
+              <a:rPr lang="vi-VN" dirty="0"/>
+              <a:t> (20 </a:t>
+            </a:r>
+            <a:r>
+              <a:rPr lang="vi-VN" dirty="0" err="1"/>
+              <a:t>Object</a:t>
+            </a:r>
+            <a:r>
+              <a:rPr lang="vi-VN" dirty="0"/>
+              <a:t>)</a:t>
+            </a:r>
+          </a:p>
+          <a:p>
+            <a:pPr lvl="1"/>
+            <a:endParaRPr lang="vi-VN" dirty="0"/>
+          </a:p>
+          <a:p>
+            <a:pPr lvl="1"/>
+            <a:endParaRPr lang="vi-VN" dirty="0"/>
+          </a:p>
+          <a:p>
+            <a:pPr marL="0" indent="0">
+              <a:buNone/>
+            </a:pPr>
+            <a:endParaRPr lang="en-US" dirty="0"/>
+          </a:p>
+        </p:txBody>
+      </p:sp>
+      <p:sp>
+        <p:nvSpPr>
+          <p:cNvPr id="6" name="Slide Number Placeholder 5">
+            <a:extLst>
+              <a:ext uri="{FF2B5EF4-FFF2-40B4-BE49-F238E27FC236}">
+                <a16:creationId xmlns:a16="http://schemas.microsoft.com/office/drawing/2014/main" id="{11E4677A-4F02-4478-B9B8-685D0B6264D3}"/>
+              </a:ext>
+            </a:extLst>
+          </p:cNvPr>
+          <p:cNvSpPr>
+            <a:spLocks noGrp="1"/>
+          </p:cNvSpPr>
+          <p:nvPr>
+            <p:ph type="sldNum" sz="quarter" idx="12"/>
+          </p:nvPr>
+        </p:nvSpPr>
+        <p:spPr/>
+        <p:txBody>
+          <a:bodyPr/>
+          <a:lstStyle/>
+          <a:p>
+            <a:fld id="{9EA0BE3B-158A-4EDF-80DC-E394A0D1600F}" type="slidenum">
+              <a:rPr lang="en-US" smtClean="0"/>
+              <a:pPr/>
+              <a:t>11</a:t>
+            </a:fld>
+            <a:endParaRPr lang="en-US"/>
+          </a:p>
+        </p:txBody>
+      </p:sp>
+      <p:pic>
+        <p:nvPicPr>
+          <p:cNvPr id="5" name="Hình ảnh 4">
+            <a:extLst>
+              <a:ext uri="{FF2B5EF4-FFF2-40B4-BE49-F238E27FC236}">
+                <a16:creationId xmlns:a16="http://schemas.microsoft.com/office/drawing/2014/main" id="{1A02ABEB-A66E-4938-AB27-C9432B7BC801}"/>
+              </a:ext>
+            </a:extLst>
+          </p:cNvPr>
+          <p:cNvPicPr>
+            <a:picLocks noChangeAspect="1"/>
+          </p:cNvPicPr>
+          <p:nvPr/>
+        </p:nvPicPr>
+        <p:blipFill>
+          <a:blip r:embed="rId2"/>
+          <a:stretch>
+            <a:fillRect/>
+          </a:stretch>
+        </p:blipFill>
+        <p:spPr>
+          <a:xfrm>
+            <a:off x="8133662" y="999307"/>
+            <a:ext cx="3324330" cy="5232742"/>
+          </a:xfrm>
+          <a:prstGeom prst="rect">
+            <a:avLst/>
+          </a:prstGeom>
+        </p:spPr>
+      </p:pic>
+      <p:pic>
+        <p:nvPicPr>
+          <p:cNvPr id="8" name="Hình ảnh 7">
+            <a:extLst>
+              <a:ext uri="{FF2B5EF4-FFF2-40B4-BE49-F238E27FC236}">
+                <a16:creationId xmlns:a16="http://schemas.microsoft.com/office/drawing/2014/main" id="{D78985ED-C20C-4044-939E-A1EEF2AEDE90}"/>
+              </a:ext>
+            </a:extLst>
+          </p:cNvPr>
+          <p:cNvPicPr>
+            <a:picLocks noChangeAspect="1"/>
+          </p:cNvPicPr>
+          <p:nvPr/>
+        </p:nvPicPr>
+        <p:blipFill>
+          <a:blip r:embed="rId3"/>
+          <a:stretch>
+            <a:fillRect/>
+          </a:stretch>
+        </p:blipFill>
+        <p:spPr>
+          <a:xfrm>
+            <a:off x="504847" y="3006855"/>
+            <a:ext cx="7461507" cy="1217645"/>
+          </a:xfrm>
+          <a:prstGeom prst="rect">
+            <a:avLst/>
+          </a:prstGeom>
+        </p:spPr>
+      </p:pic>
+    </p:spTree>
+    <p:extLst>
+      <p:ext uri="{BB962C8B-B14F-4D97-AF65-F5344CB8AC3E}">
+        <p14:creationId xmlns:p14="http://schemas.microsoft.com/office/powerpoint/2010/main" val="2541912864"/>
+      </p:ext>
+    </p:extLst>
+  </p:cSld>
+  <p:clrMapOvr>
+    <a:masterClrMapping/>
+  </p:clrMapOvr>
+</p:sld>
+</file>
+
+<file path=ppt/slides/slide12.xml><?xml version="1.0" encoding="utf-8"?>
+<p:sld xmlns:a="http://schemas.openxmlformats.org/drawingml/2006/main" xmlns:r="http://schemas.openxmlformats.org/officeDocument/2006/relationships" xmlns:p="http://schemas.openxmlformats.org/presentationml/2006/main">
+  <p:cSld>
+    <p:spTree>
+      <p:nvGrpSpPr>
+        <p:cNvPr id="1" name=""/>
+        <p:cNvGrpSpPr/>
+        <p:nvPr/>
+      </p:nvGrpSpPr>
+      <p:grpSpPr>
+        <a:xfrm>
+          <a:off x="0" y="0"/>
+          <a:ext cx="0" cy="0"/>
+          <a:chOff x="0" y="0"/>
+          <a:chExt cx="0" cy="0"/>
+        </a:xfrm>
+      </p:grpSpPr>
+      <p:sp>
+        <p:nvSpPr>
+          <p:cNvPr id="2" name="Title 1">
+            <a:extLst>
+              <a:ext uri="{FF2B5EF4-FFF2-40B4-BE49-F238E27FC236}">
+                <a16:creationId xmlns:a16="http://schemas.microsoft.com/office/drawing/2014/main" id="{C7A5D019-96A4-4D1E-AFB5-09D65C86E12D}"/>
+              </a:ext>
+            </a:extLst>
+          </p:cNvPr>
+          <p:cNvSpPr>
+            <a:spLocks noGrp="1"/>
+          </p:cNvSpPr>
+          <p:nvPr>
+            <p:ph type="title"/>
+          </p:nvPr>
+        </p:nvSpPr>
+        <p:spPr/>
+        <p:txBody>
+          <a:bodyPr/>
+          <a:lstStyle/>
+          <a:p>
+            <a:pPr marL="0" indent="0">
+              <a:buNone/>
+            </a:pPr>
+            <a:r>
+              <a:rPr lang="en-US" dirty="0"/>
+              <a:t>II. </a:t>
+            </a:r>
+            <a:r>
+              <a:rPr lang="vi-VN" dirty="0" err="1"/>
+              <a:t>Dữ</a:t>
+            </a:r>
+            <a:r>
+              <a:rPr lang="vi-VN" dirty="0"/>
+              <a:t> </a:t>
+            </a:r>
+            <a:r>
+              <a:rPr lang="vi-VN" dirty="0" err="1"/>
+              <a:t>liệu</a:t>
+            </a:r>
+            <a:endParaRPr lang="vi-VN" dirty="0"/>
+          </a:p>
+        </p:txBody>
+      </p:sp>
+      <p:sp>
+        <p:nvSpPr>
+          <p:cNvPr id="3" name="Text Placeholder 2">
+            <a:extLst>
+              <a:ext uri="{FF2B5EF4-FFF2-40B4-BE49-F238E27FC236}">
+                <a16:creationId xmlns:a16="http://schemas.microsoft.com/office/drawing/2014/main" id="{A5726603-7893-4AE0-9532-68058044B69D}"/>
+              </a:ext>
+            </a:extLst>
+          </p:cNvPr>
+          <p:cNvSpPr>
+            <a:spLocks noGrp="1"/>
+          </p:cNvSpPr>
+          <p:nvPr>
+            <p:ph type="body" sz="quarter" idx="13"/>
+          </p:nvPr>
+        </p:nvSpPr>
+        <p:spPr/>
+        <p:txBody>
+          <a:bodyPr/>
+          <a:lstStyle/>
+          <a:p>
+            <a:r>
+              <a:rPr lang="vi-VN" dirty="0"/>
+              <a:t>Chia </a:t>
+            </a:r>
+            <a:r>
+              <a:rPr lang="vi-VN" dirty="0" err="1"/>
+              <a:t>dữ</a:t>
+            </a:r>
+            <a:r>
+              <a:rPr lang="vi-VN" dirty="0"/>
+              <a:t> </a:t>
+            </a:r>
+            <a:r>
+              <a:rPr lang="vi-VN" dirty="0" err="1"/>
+              <a:t>liệu</a:t>
+            </a:r>
+            <a:r>
+              <a:rPr lang="vi-VN" dirty="0"/>
+              <a:t>:</a:t>
+            </a:r>
+          </a:p>
+          <a:p>
+            <a:pPr lvl="1"/>
+            <a:r>
+              <a:rPr lang="vi-VN" dirty="0" err="1"/>
+              <a:t>Train</a:t>
+            </a:r>
+            <a:r>
+              <a:rPr lang="vi-VN" dirty="0"/>
+              <a:t>: 5717</a:t>
+            </a:r>
+          </a:p>
+          <a:p>
+            <a:pPr lvl="1"/>
+            <a:r>
+              <a:rPr lang="vi-VN" dirty="0" err="1"/>
+              <a:t>Validation</a:t>
+            </a:r>
+            <a:r>
+              <a:rPr lang="vi-VN" dirty="0"/>
+              <a:t>: 5823</a:t>
+            </a:r>
+          </a:p>
+          <a:p>
+            <a:pPr marL="0" indent="0">
+              <a:buNone/>
+            </a:pPr>
+            <a:endParaRPr lang="en-US" dirty="0"/>
+          </a:p>
+        </p:txBody>
+      </p:sp>
+      <p:sp>
+        <p:nvSpPr>
+          <p:cNvPr id="6" name="Slide Number Placeholder 5">
+            <a:extLst>
+              <a:ext uri="{FF2B5EF4-FFF2-40B4-BE49-F238E27FC236}">
+                <a16:creationId xmlns:a16="http://schemas.microsoft.com/office/drawing/2014/main" id="{11E4677A-4F02-4478-B9B8-685D0B6264D3}"/>
+              </a:ext>
+            </a:extLst>
+          </p:cNvPr>
+          <p:cNvSpPr>
+            <a:spLocks noGrp="1"/>
+          </p:cNvSpPr>
+          <p:nvPr>
+            <p:ph type="sldNum" sz="quarter" idx="12"/>
+          </p:nvPr>
+        </p:nvSpPr>
+        <p:spPr/>
+        <p:txBody>
+          <a:bodyPr/>
+          <a:lstStyle/>
+          <a:p>
+            <a:fld id="{9EA0BE3B-158A-4EDF-80DC-E394A0D1600F}" type="slidenum">
+              <a:rPr lang="en-US" smtClean="0"/>
+              <a:pPr/>
+              <a:t>12</a:t>
+            </a:fld>
+            <a:endParaRPr lang="en-US"/>
+          </a:p>
+        </p:txBody>
+      </p:sp>
+    </p:spTree>
+    <p:extLst>
+      <p:ext uri="{BB962C8B-B14F-4D97-AF65-F5344CB8AC3E}">
+        <p14:creationId xmlns:p14="http://schemas.microsoft.com/office/powerpoint/2010/main" val="2392983928"/>
+      </p:ext>
+    </p:extLst>
+  </p:cSld>
+  <p:clrMapOvr>
+    <a:masterClrMapping/>
+  </p:clrMapOvr>
+</p:sld>
+</file>
+
+<file path=ppt/slides/slide13.xml><?xml version="1.0" encoding="utf-8"?>
+<p:sld xmlns:a="http://schemas.openxmlformats.org/drawingml/2006/main" xmlns:r="http://schemas.openxmlformats.org/officeDocument/2006/relationships" xmlns:p="http://schemas.openxmlformats.org/presentationml/2006/main">
+  <p:cSld>
+    <p:spTree>
+      <p:nvGrpSpPr>
+        <p:cNvPr id="1" name=""/>
+        <p:cNvGrpSpPr/>
+        <p:nvPr/>
+      </p:nvGrpSpPr>
+      <p:grpSpPr>
+        <a:xfrm>
+          <a:off x="0" y="0"/>
+          <a:ext cx="0" cy="0"/>
+          <a:chOff x="0" y="0"/>
+          <a:chExt cx="0" cy="0"/>
+        </a:xfrm>
+      </p:grpSpPr>
+      <p:sp>
+        <p:nvSpPr>
+          <p:cNvPr id="2" name="Title 1">
+            <a:extLst>
+              <a:ext uri="{FF2B5EF4-FFF2-40B4-BE49-F238E27FC236}">
+                <a16:creationId xmlns:a16="http://schemas.microsoft.com/office/drawing/2014/main" id="{C7A5D019-96A4-4D1E-AFB5-09D65C86E12D}"/>
+              </a:ext>
+            </a:extLst>
+          </p:cNvPr>
+          <p:cNvSpPr>
+            <a:spLocks noGrp="1"/>
+          </p:cNvSpPr>
+          <p:nvPr>
+            <p:ph type="title"/>
+          </p:nvPr>
+        </p:nvSpPr>
+        <p:spPr/>
+        <p:txBody>
+          <a:bodyPr/>
+          <a:lstStyle/>
+          <a:p>
+            <a:pPr marL="0" indent="0">
+              <a:buNone/>
+            </a:pPr>
+            <a:r>
+              <a:rPr lang="en-US" dirty="0"/>
+              <a:t>II. </a:t>
+            </a:r>
+            <a:r>
+              <a:rPr lang="vi-VN" dirty="0" err="1"/>
+              <a:t>Dữ</a:t>
+            </a:r>
+            <a:r>
+              <a:rPr lang="vi-VN" dirty="0"/>
+              <a:t> </a:t>
+            </a:r>
+            <a:r>
+              <a:rPr lang="vi-VN" dirty="0" err="1"/>
+              <a:t>liệu</a:t>
+            </a:r>
+            <a:endParaRPr lang="vi-VN" dirty="0"/>
+          </a:p>
+        </p:txBody>
+      </p:sp>
+      <p:sp>
+        <p:nvSpPr>
+          <p:cNvPr id="3" name="Text Placeholder 2">
+            <a:extLst>
+              <a:ext uri="{FF2B5EF4-FFF2-40B4-BE49-F238E27FC236}">
+                <a16:creationId xmlns:a16="http://schemas.microsoft.com/office/drawing/2014/main" id="{A5726603-7893-4AE0-9532-68058044B69D}"/>
+              </a:ext>
+            </a:extLst>
+          </p:cNvPr>
+          <p:cNvSpPr>
+            <a:spLocks noGrp="1"/>
+          </p:cNvSpPr>
+          <p:nvPr>
+            <p:ph type="body" sz="quarter" idx="13"/>
+          </p:nvPr>
+        </p:nvSpPr>
+        <p:spPr/>
+        <p:txBody>
+          <a:bodyPr/>
+          <a:lstStyle/>
+          <a:p>
+            <a:r>
+              <a:rPr lang="vi-VN" dirty="0"/>
+              <a:t>Qua </a:t>
+            </a:r>
+            <a:r>
+              <a:rPr lang="vi-VN" dirty="0" err="1"/>
+              <a:t>mỗi</a:t>
+            </a:r>
+            <a:r>
+              <a:rPr lang="vi-VN" dirty="0"/>
+              <a:t> </a:t>
+            </a:r>
+            <a:r>
+              <a:rPr lang="vi-VN" dirty="0" err="1"/>
+              <a:t>epoch</a:t>
+            </a:r>
+            <a:endParaRPr lang="vi-VN" dirty="0"/>
+          </a:p>
+          <a:p>
+            <a:r>
+              <a:rPr lang="vi-VN" dirty="0" err="1"/>
+              <a:t>Làm</a:t>
+            </a:r>
+            <a:r>
+              <a:rPr lang="vi-VN" dirty="0"/>
+              <a:t> </a:t>
+            </a:r>
+            <a:r>
+              <a:rPr lang="vi-VN" dirty="0" err="1"/>
+              <a:t>giàu</a:t>
+            </a:r>
+            <a:r>
+              <a:rPr lang="vi-VN" dirty="0"/>
+              <a:t> </a:t>
+            </a:r>
+          </a:p>
+          <a:p>
+            <a:pPr lvl="1"/>
+            <a:r>
+              <a:rPr lang="vi-VN" dirty="0" err="1"/>
+              <a:t>Hiệu</a:t>
+            </a:r>
+            <a:r>
+              <a:rPr lang="vi-VN" dirty="0"/>
+              <a:t> </a:t>
+            </a:r>
+            <a:r>
+              <a:rPr lang="vi-VN" dirty="0" err="1"/>
+              <a:t>chỉnh</a:t>
+            </a:r>
+            <a:r>
+              <a:rPr lang="vi-VN" dirty="0"/>
+              <a:t> </a:t>
+            </a:r>
+            <a:r>
+              <a:rPr lang="vi-VN" dirty="0" err="1"/>
+              <a:t>độ</a:t>
+            </a:r>
+            <a:r>
+              <a:rPr lang="vi-VN" dirty="0"/>
+              <a:t> tương </a:t>
+            </a:r>
+            <a:r>
+              <a:rPr lang="vi-VN" dirty="0" err="1"/>
+              <a:t>phản</a:t>
+            </a:r>
+            <a:r>
+              <a:rPr lang="vi-VN" dirty="0"/>
+              <a:t> </a:t>
+            </a:r>
+          </a:p>
+          <a:p>
+            <a:pPr lvl="1"/>
+            <a:r>
+              <a:rPr lang="vi-VN" dirty="0" err="1"/>
+              <a:t>Hiệu</a:t>
+            </a:r>
+            <a:r>
+              <a:rPr lang="vi-VN" dirty="0"/>
+              <a:t> </a:t>
+            </a:r>
+            <a:r>
+              <a:rPr lang="vi-VN" dirty="0" err="1"/>
+              <a:t>chỉnh</a:t>
+            </a:r>
+            <a:r>
+              <a:rPr lang="vi-VN" dirty="0"/>
+              <a:t> các kênh </a:t>
+            </a:r>
+            <a:r>
+              <a:rPr lang="vi-VN" dirty="0" err="1"/>
+              <a:t>màu</a:t>
+            </a:r>
+            <a:r>
+              <a:rPr lang="vi-VN" dirty="0"/>
+              <a:t> (HSV)</a:t>
+            </a:r>
+          </a:p>
+          <a:p>
+            <a:pPr lvl="1"/>
+            <a:r>
+              <a:rPr lang="vi-VN" dirty="0"/>
+              <a:t>Xoay </a:t>
+            </a:r>
+            <a:r>
+              <a:rPr lang="vi-VN" dirty="0" err="1"/>
+              <a:t>ảnh</a:t>
+            </a:r>
+            <a:r>
+              <a:rPr lang="vi-VN" dirty="0"/>
+              <a:t> </a:t>
+            </a:r>
+          </a:p>
+          <a:p>
+            <a:pPr lvl="1"/>
+            <a:r>
+              <a:rPr lang="vi-VN" dirty="0" err="1"/>
+              <a:t>Cắt</a:t>
+            </a:r>
+            <a:r>
+              <a:rPr lang="vi-VN" dirty="0"/>
+              <a:t> </a:t>
+            </a:r>
+            <a:r>
+              <a:rPr lang="vi-VN" dirty="0" err="1"/>
+              <a:t>ảnh</a:t>
+            </a:r>
+            <a:endParaRPr lang="vi-VN" dirty="0"/>
+          </a:p>
+          <a:p>
+            <a:pPr lvl="1"/>
+            <a:r>
+              <a:rPr lang="vi-VN" dirty="0" err="1"/>
+              <a:t>Mở</a:t>
+            </a:r>
+            <a:r>
+              <a:rPr lang="vi-VN" dirty="0"/>
+              <a:t> </a:t>
+            </a:r>
+            <a:r>
+              <a:rPr lang="vi-VN" dirty="0" err="1"/>
+              <a:t>rộng</a:t>
+            </a:r>
+            <a:r>
+              <a:rPr lang="vi-VN" dirty="0"/>
+              <a:t> khung</a:t>
+            </a:r>
+          </a:p>
+          <a:p>
+            <a:pPr lvl="1"/>
+            <a:endParaRPr lang="vi-VN" dirty="0"/>
+          </a:p>
+          <a:p>
+            <a:r>
+              <a:rPr lang="vi-VN" dirty="0" err="1"/>
+              <a:t>Chuẩn</a:t>
+            </a:r>
+            <a:r>
+              <a:rPr lang="vi-VN" dirty="0"/>
+              <a:t> hóa các </a:t>
+            </a:r>
+            <a:r>
+              <a:rPr lang="vi-VN" dirty="0" err="1"/>
+              <a:t>điểm</a:t>
+            </a:r>
+            <a:r>
+              <a:rPr lang="vi-VN" dirty="0"/>
+              <a:t> </a:t>
+            </a:r>
+            <a:r>
+              <a:rPr lang="vi-VN" dirty="0" err="1"/>
+              <a:t>ảnh</a:t>
+            </a:r>
+            <a:endParaRPr lang="en-US" dirty="0"/>
+          </a:p>
+        </p:txBody>
+      </p:sp>
+      <p:sp>
+        <p:nvSpPr>
+          <p:cNvPr id="6" name="Slide Number Placeholder 5">
+            <a:extLst>
+              <a:ext uri="{FF2B5EF4-FFF2-40B4-BE49-F238E27FC236}">
+                <a16:creationId xmlns:a16="http://schemas.microsoft.com/office/drawing/2014/main" id="{11E4677A-4F02-4478-B9B8-685D0B6264D3}"/>
+              </a:ext>
+            </a:extLst>
+          </p:cNvPr>
+          <p:cNvSpPr>
+            <a:spLocks noGrp="1"/>
+          </p:cNvSpPr>
+          <p:nvPr>
+            <p:ph type="sldNum" sz="quarter" idx="12"/>
+          </p:nvPr>
+        </p:nvSpPr>
+        <p:spPr/>
+        <p:txBody>
+          <a:bodyPr/>
+          <a:lstStyle/>
+          <a:p>
+            <a:fld id="{9EA0BE3B-158A-4EDF-80DC-E394A0D1600F}" type="slidenum">
+              <a:rPr lang="en-US" smtClean="0"/>
+              <a:pPr/>
+              <a:t>13</a:t>
+            </a:fld>
+            <a:endParaRPr lang="en-US"/>
+          </a:p>
+        </p:txBody>
+      </p:sp>
+      <p:pic>
+        <p:nvPicPr>
+          <p:cNvPr id="8" name="Hình ảnh 7">
+            <a:extLst>
+              <a:ext uri="{FF2B5EF4-FFF2-40B4-BE49-F238E27FC236}">
+                <a16:creationId xmlns:a16="http://schemas.microsoft.com/office/drawing/2014/main" id="{53ED3090-0D13-47FD-9CD9-D21AA89421BD}"/>
+              </a:ext>
+            </a:extLst>
+          </p:cNvPr>
+          <p:cNvPicPr>
+            <a:picLocks noChangeAspect="1"/>
+          </p:cNvPicPr>
+          <p:nvPr/>
+        </p:nvPicPr>
+        <p:blipFill>
+          <a:blip r:embed="rId2"/>
+          <a:stretch>
+            <a:fillRect/>
+          </a:stretch>
+        </p:blipFill>
+        <p:spPr>
+          <a:xfrm>
+            <a:off x="7036460" y="1032510"/>
+            <a:ext cx="3335915" cy="3030198"/>
+          </a:xfrm>
+          <a:prstGeom prst="rect">
+            <a:avLst/>
+          </a:prstGeom>
+        </p:spPr>
+      </p:pic>
+    </p:spTree>
+    <p:extLst>
+      <p:ext uri="{BB962C8B-B14F-4D97-AF65-F5344CB8AC3E}">
+        <p14:creationId xmlns:p14="http://schemas.microsoft.com/office/powerpoint/2010/main" val="2035145883"/>
+      </p:ext>
+    </p:extLst>
+  </p:cSld>
+  <p:clrMapOvr>
+    <a:masterClrMapping/>
+  </p:clrMapOvr>
+</p:sld>
+</file>
+
+<file path=ppt/slides/slide14.xml><?xml version="1.0" encoding="utf-8"?>
+<p:sld xmlns:a="http://schemas.openxmlformats.org/drawingml/2006/main" xmlns:r="http://schemas.openxmlformats.org/officeDocument/2006/relationships" xmlns:p="http://schemas.openxmlformats.org/presentationml/2006/main">
+  <p:cSld>
+    <p:spTree>
+      <p:nvGrpSpPr>
+        <p:cNvPr id="1" name=""/>
+        <p:cNvGrpSpPr/>
+        <p:nvPr/>
+      </p:nvGrpSpPr>
+      <p:grpSpPr>
+        <a:xfrm>
+          <a:off x="0" y="0"/>
+          <a:ext cx="0" cy="0"/>
+          <a:chOff x="0" y="0"/>
+          <a:chExt cx="0" cy="0"/>
+        </a:xfrm>
+      </p:grpSpPr>
+      <p:sp>
+        <p:nvSpPr>
+          <p:cNvPr id="2" name="Title 1">
+            <a:extLst>
+              <a:ext uri="{FF2B5EF4-FFF2-40B4-BE49-F238E27FC236}">
+                <a16:creationId xmlns:a16="http://schemas.microsoft.com/office/drawing/2014/main" id="{C7A5D019-96A4-4D1E-AFB5-09D65C86E12D}"/>
+              </a:ext>
+            </a:extLst>
+          </p:cNvPr>
+          <p:cNvSpPr>
+            <a:spLocks noGrp="1"/>
+          </p:cNvSpPr>
+          <p:nvPr>
+            <p:ph type="title"/>
+          </p:nvPr>
+        </p:nvSpPr>
+        <p:spPr/>
+        <p:txBody>
+          <a:bodyPr/>
+          <a:lstStyle/>
+          <a:p>
+            <a:r>
+              <a:rPr lang="vi-VN" dirty="0" err="1"/>
+              <a:t>Mục</a:t>
+            </a:r>
+            <a:r>
+              <a:rPr lang="vi-VN" dirty="0"/>
+              <a:t> </a:t>
+            </a:r>
+            <a:r>
+              <a:rPr lang="vi-VN" dirty="0" err="1"/>
+              <a:t>lục</a:t>
+            </a:r>
+            <a:endParaRPr lang="en-US" dirty="0"/>
+          </a:p>
+        </p:txBody>
+      </p:sp>
+      <p:sp>
+        <p:nvSpPr>
+          <p:cNvPr id="3" name="Text Placeholder 2">
+            <a:extLst>
+              <a:ext uri="{FF2B5EF4-FFF2-40B4-BE49-F238E27FC236}">
+                <a16:creationId xmlns:a16="http://schemas.microsoft.com/office/drawing/2014/main" id="{A5726603-7893-4AE0-9532-68058044B69D}"/>
+              </a:ext>
+            </a:extLst>
+          </p:cNvPr>
+          <p:cNvSpPr>
+            <a:spLocks noGrp="1"/>
+          </p:cNvSpPr>
+          <p:nvPr>
+            <p:ph type="body" sz="quarter" idx="13"/>
+          </p:nvPr>
+        </p:nvSpPr>
+        <p:spPr/>
+        <p:txBody>
+          <a:bodyPr/>
+          <a:lstStyle/>
+          <a:p>
+            <a:pPr marL="0" indent="0">
+              <a:buNone/>
+            </a:pPr>
+            <a:r>
+              <a:rPr lang="vi-VN" dirty="0"/>
+              <a:t>I. </a:t>
+            </a:r>
+            <a:r>
+              <a:rPr lang="vi-VN" dirty="0" err="1"/>
+              <a:t>Giới</a:t>
+            </a:r>
+            <a:r>
+              <a:rPr lang="vi-VN" dirty="0"/>
+              <a:t> </a:t>
+            </a:r>
+            <a:r>
+              <a:rPr lang="vi-VN" dirty="0" err="1"/>
+              <a:t>thiệu</a:t>
+            </a:r>
+            <a:endParaRPr lang="en-US" dirty="0"/>
+          </a:p>
+          <a:p>
+            <a:pPr marL="0" indent="0">
+              <a:buNone/>
+            </a:pPr>
+            <a:r>
+              <a:rPr lang="en-US" dirty="0"/>
+              <a:t>II. </a:t>
+            </a:r>
+            <a:r>
+              <a:rPr lang="vi-VN" dirty="0" err="1"/>
+              <a:t>Dữ</a:t>
+            </a:r>
+            <a:r>
+              <a:rPr lang="vi-VN" dirty="0"/>
+              <a:t> </a:t>
+            </a:r>
+            <a:r>
+              <a:rPr lang="vi-VN" dirty="0" err="1"/>
+              <a:t>liệu</a:t>
+            </a:r>
+            <a:endParaRPr lang="vi-VN" dirty="0"/>
+          </a:p>
+          <a:p>
+            <a:pPr marL="0" indent="0">
+              <a:buNone/>
+            </a:pPr>
+            <a:r>
+              <a:rPr lang="vi-VN" b="1" dirty="0">
+                <a:solidFill>
+                  <a:srgbClr val="FF0000"/>
+                </a:solidFill>
+              </a:rPr>
+              <a:t>III. Mô </a:t>
+            </a:r>
+            <a:r>
+              <a:rPr lang="vi-VN" b="1" dirty="0" err="1">
+                <a:solidFill>
+                  <a:srgbClr val="FF0000"/>
+                </a:solidFill>
+              </a:rPr>
+              <a:t>hình</a:t>
+            </a:r>
+            <a:endParaRPr lang="vi-VN" b="1" dirty="0">
+              <a:solidFill>
+                <a:srgbClr val="FF0000"/>
+              </a:solidFill>
+            </a:endParaRPr>
+          </a:p>
+          <a:p>
+            <a:pPr marL="571500" indent="-571500">
+              <a:buAutoNum type="romanUcPeriod" startAt="4"/>
+            </a:pPr>
+            <a:r>
+              <a:rPr lang="vi-VN" dirty="0" err="1"/>
+              <a:t>Hàm</a:t>
+            </a:r>
+            <a:r>
+              <a:rPr lang="vi-VN" dirty="0"/>
+              <a:t> </a:t>
+            </a:r>
+            <a:r>
+              <a:rPr lang="vi-VN" dirty="0" err="1"/>
+              <a:t>lỗi</a:t>
+            </a:r>
+            <a:r>
+              <a:rPr lang="vi-VN" dirty="0"/>
+              <a:t> và </a:t>
+            </a:r>
+            <a:r>
+              <a:rPr lang="vi-VN" dirty="0" err="1"/>
+              <a:t>thuật</a:t>
+            </a:r>
+            <a:r>
+              <a:rPr lang="vi-VN" dirty="0"/>
+              <a:t> </a:t>
+            </a:r>
+            <a:r>
+              <a:rPr lang="vi-VN" dirty="0" err="1"/>
+              <a:t>toán</a:t>
+            </a:r>
+            <a:r>
+              <a:rPr lang="vi-VN" dirty="0"/>
+              <a:t> </a:t>
+            </a:r>
+            <a:r>
+              <a:rPr lang="vi-VN" dirty="0" err="1"/>
+              <a:t>tối</a:t>
+            </a:r>
+            <a:r>
+              <a:rPr lang="vi-VN" dirty="0"/>
+              <a:t> ưu hóa</a:t>
+            </a:r>
+          </a:p>
+          <a:p>
+            <a:pPr marL="571500" indent="-571500">
+              <a:buAutoNum type="romanUcPeriod" startAt="4"/>
+            </a:pPr>
+            <a:r>
+              <a:rPr lang="vi-VN" dirty="0" err="1"/>
+              <a:t>Quá</a:t>
+            </a:r>
+            <a:r>
+              <a:rPr lang="vi-VN" dirty="0"/>
+              <a:t> trinh </a:t>
+            </a:r>
+            <a:r>
+              <a:rPr lang="vi-VN" dirty="0" err="1"/>
+              <a:t>detect</a:t>
+            </a:r>
+            <a:endParaRPr lang="vi-VN" dirty="0"/>
+          </a:p>
+          <a:p>
+            <a:pPr marL="571500" indent="-571500">
+              <a:buAutoNum type="romanUcPeriod" startAt="4"/>
+            </a:pPr>
+            <a:r>
+              <a:rPr lang="vi-VN" dirty="0"/>
+              <a:t>Kết quả và </a:t>
+            </a:r>
+            <a:r>
+              <a:rPr lang="vi-VN" dirty="0" err="1"/>
+              <a:t>đánh</a:t>
+            </a:r>
+            <a:r>
+              <a:rPr lang="vi-VN" dirty="0"/>
+              <a:t> </a:t>
+            </a:r>
+            <a:r>
+              <a:rPr lang="vi-VN" dirty="0" err="1"/>
+              <a:t>giá</a:t>
+            </a:r>
+            <a:endParaRPr lang="vi-VN" dirty="0"/>
+          </a:p>
+          <a:p>
+            <a:pPr marL="571500" indent="-571500">
+              <a:buAutoNum type="romanUcPeriod" startAt="4"/>
+            </a:pPr>
+            <a:r>
+              <a:rPr lang="vi-VN" dirty="0" err="1"/>
+              <a:t>Tài</a:t>
+            </a:r>
+            <a:r>
+              <a:rPr lang="vi-VN" dirty="0"/>
+              <a:t> </a:t>
+            </a:r>
+            <a:r>
+              <a:rPr lang="vi-VN" dirty="0" err="1"/>
+              <a:t>liệu</a:t>
+            </a:r>
+            <a:r>
+              <a:rPr lang="vi-VN" dirty="0"/>
+              <a:t> tham </a:t>
+            </a:r>
+            <a:r>
+              <a:rPr lang="vi-VN" dirty="0" err="1"/>
+              <a:t>khảo</a:t>
+            </a:r>
+            <a:endParaRPr lang="en-US" dirty="0"/>
+          </a:p>
+          <a:p>
+            <a:endParaRPr lang="en-US" dirty="0"/>
+          </a:p>
+        </p:txBody>
+      </p:sp>
+      <p:sp>
+        <p:nvSpPr>
+          <p:cNvPr id="6" name="Slide Number Placeholder 5">
+            <a:extLst>
+              <a:ext uri="{FF2B5EF4-FFF2-40B4-BE49-F238E27FC236}">
+                <a16:creationId xmlns:a16="http://schemas.microsoft.com/office/drawing/2014/main" id="{11E4677A-4F02-4478-B9B8-685D0B6264D3}"/>
+              </a:ext>
+            </a:extLst>
+          </p:cNvPr>
+          <p:cNvSpPr>
+            <a:spLocks noGrp="1"/>
+          </p:cNvSpPr>
+          <p:nvPr>
+            <p:ph type="sldNum" sz="quarter" idx="12"/>
+          </p:nvPr>
+        </p:nvSpPr>
+        <p:spPr/>
+        <p:txBody>
+          <a:bodyPr/>
+          <a:lstStyle/>
+          <a:p>
+            <a:fld id="{9EA0BE3B-158A-4EDF-80DC-E394A0D1600F}" type="slidenum">
+              <a:rPr lang="en-US" smtClean="0"/>
+              <a:pPr/>
+              <a:t>14</a:t>
+            </a:fld>
+            <a:endParaRPr lang="en-US"/>
+          </a:p>
+        </p:txBody>
+      </p:sp>
+    </p:spTree>
+    <p:extLst>
+      <p:ext uri="{BB962C8B-B14F-4D97-AF65-F5344CB8AC3E}">
+        <p14:creationId xmlns:p14="http://schemas.microsoft.com/office/powerpoint/2010/main" val="3539973300"/>
+      </p:ext>
+    </p:extLst>
+  </p:cSld>
+  <p:clrMapOvr>
+    <a:masterClrMapping/>
+  </p:clrMapOvr>
+</p:sld>
+</file>
+
+<file path=ppt/slides/slide15.xml><?xml version="1.0" encoding="utf-8"?>
+<p:sld xmlns:a="http://schemas.openxmlformats.org/drawingml/2006/main" xmlns:r="http://schemas.openxmlformats.org/officeDocument/2006/relationships" xmlns:p="http://schemas.openxmlformats.org/presentationml/2006/main">
+  <p:cSld>
+    <p:spTree>
+      <p:nvGrpSpPr>
+        <p:cNvPr id="1" name=""/>
+        <p:cNvGrpSpPr/>
+        <p:nvPr/>
+      </p:nvGrpSpPr>
+      <p:grpSpPr>
+        <a:xfrm>
+          <a:off x="0" y="0"/>
+          <a:ext cx="0" cy="0"/>
+          <a:chOff x="0" y="0"/>
+          <a:chExt cx="0" cy="0"/>
+        </a:xfrm>
+      </p:grpSpPr>
+      <p:sp>
+        <p:nvSpPr>
+          <p:cNvPr id="2" name="Title 1">
+            <a:extLst>
+              <a:ext uri="{FF2B5EF4-FFF2-40B4-BE49-F238E27FC236}">
+                <a16:creationId xmlns:a16="http://schemas.microsoft.com/office/drawing/2014/main" id="{C7A5D019-96A4-4D1E-AFB5-09D65C86E12D}"/>
+              </a:ext>
+            </a:extLst>
+          </p:cNvPr>
+          <p:cNvSpPr>
+            <a:spLocks noGrp="1"/>
+          </p:cNvSpPr>
+          <p:nvPr>
+            <p:ph type="title"/>
+          </p:nvPr>
+        </p:nvSpPr>
+        <p:spPr/>
+        <p:txBody>
+          <a:bodyPr/>
+          <a:lstStyle/>
+          <a:p>
+            <a:r>
+              <a:rPr lang="vi-VN" dirty="0"/>
+              <a:t>III. Mô </a:t>
+            </a:r>
+            <a:r>
+              <a:rPr lang="vi-VN" dirty="0" err="1"/>
+              <a:t>hình</a:t>
+            </a:r>
+            <a:r>
+              <a:rPr lang="vi-VN" dirty="0"/>
+              <a:t> </a:t>
+            </a:r>
+            <a:endParaRPr lang="en-US" dirty="0"/>
+          </a:p>
+        </p:txBody>
+      </p:sp>
+      <p:sp>
+        <p:nvSpPr>
+          <p:cNvPr id="3" name="Text Placeholder 2">
+            <a:extLst>
+              <a:ext uri="{FF2B5EF4-FFF2-40B4-BE49-F238E27FC236}">
+                <a16:creationId xmlns:a16="http://schemas.microsoft.com/office/drawing/2014/main" id="{A5726603-7893-4AE0-9532-68058044B69D}"/>
+              </a:ext>
+            </a:extLst>
+          </p:cNvPr>
+          <p:cNvSpPr>
+            <a:spLocks noGrp="1"/>
+          </p:cNvSpPr>
+          <p:nvPr>
+            <p:ph type="body" sz="quarter" idx="13"/>
+          </p:nvPr>
+        </p:nvSpPr>
+        <p:spPr/>
+        <p:txBody>
+          <a:bodyPr/>
+          <a:lstStyle/>
+          <a:p>
+            <a:r>
+              <a:rPr lang="vi-VN" dirty="0"/>
+              <a:t>Sử dụng mô </a:t>
+            </a:r>
+            <a:r>
+              <a:rPr lang="vi-VN" dirty="0" err="1"/>
+              <a:t>hình</a:t>
+            </a:r>
+            <a:r>
+              <a:rPr lang="vi-VN" dirty="0"/>
+              <a:t> SSD 300</a:t>
+            </a:r>
+          </a:p>
+          <a:p>
+            <a:r>
+              <a:rPr lang="vi-VN" dirty="0" err="1"/>
+              <a:t>Lý</a:t>
+            </a:r>
+            <a:r>
+              <a:rPr lang="vi-VN" dirty="0"/>
+              <a:t> do: </a:t>
+            </a:r>
+          </a:p>
+          <a:p>
+            <a:pPr lvl="1"/>
+            <a:r>
+              <a:rPr lang="vi-VN" dirty="0" err="1"/>
+              <a:t>rất</a:t>
+            </a:r>
+            <a:r>
+              <a:rPr lang="vi-VN" dirty="0"/>
+              <a:t> nhanh</a:t>
+            </a:r>
+          </a:p>
+          <a:p>
+            <a:pPr lvl="1"/>
+            <a:r>
+              <a:rPr lang="vi-VN" dirty="0" err="1"/>
+              <a:t>Tốn</a:t>
+            </a:r>
+            <a:r>
+              <a:rPr lang="vi-VN" dirty="0"/>
+              <a:t> </a:t>
+            </a:r>
+            <a:r>
+              <a:rPr lang="vi-VN" dirty="0" err="1"/>
+              <a:t>ít</a:t>
+            </a:r>
+            <a:r>
+              <a:rPr lang="vi-VN" dirty="0"/>
+              <a:t> bộ </a:t>
+            </a:r>
+            <a:r>
+              <a:rPr lang="vi-VN" dirty="0" err="1"/>
+              <a:t>nhớ</a:t>
+            </a:r>
+            <a:endParaRPr lang="vi-VN" dirty="0"/>
+          </a:p>
+          <a:p>
+            <a:pPr lvl="1"/>
+            <a:endParaRPr lang="vi-VN" dirty="0"/>
+          </a:p>
+          <a:p>
+            <a:endParaRPr lang="en-US" dirty="0"/>
+          </a:p>
+        </p:txBody>
+      </p:sp>
+      <p:sp>
+        <p:nvSpPr>
+          <p:cNvPr id="6" name="Slide Number Placeholder 5">
+            <a:extLst>
+              <a:ext uri="{FF2B5EF4-FFF2-40B4-BE49-F238E27FC236}">
+                <a16:creationId xmlns:a16="http://schemas.microsoft.com/office/drawing/2014/main" id="{11E4677A-4F02-4478-B9B8-685D0B6264D3}"/>
+              </a:ext>
+            </a:extLst>
+          </p:cNvPr>
+          <p:cNvSpPr>
+            <a:spLocks noGrp="1"/>
+          </p:cNvSpPr>
+          <p:nvPr>
+            <p:ph type="sldNum" sz="quarter" idx="12"/>
+          </p:nvPr>
+        </p:nvSpPr>
+        <p:spPr/>
+        <p:txBody>
+          <a:bodyPr/>
+          <a:lstStyle/>
+          <a:p>
+            <a:fld id="{9EA0BE3B-158A-4EDF-80DC-E394A0D1600F}" type="slidenum">
+              <a:rPr lang="en-US" smtClean="0"/>
+              <a:pPr/>
+              <a:t>15</a:t>
+            </a:fld>
+            <a:endParaRPr lang="en-US"/>
+          </a:p>
+        </p:txBody>
+      </p:sp>
+      <p:pic>
+        <p:nvPicPr>
+          <p:cNvPr id="4" name="Hình ảnh 3">
+            <a:extLst>
+              <a:ext uri="{FF2B5EF4-FFF2-40B4-BE49-F238E27FC236}">
+                <a16:creationId xmlns:a16="http://schemas.microsoft.com/office/drawing/2014/main" id="{07B77EA4-FBA5-41EA-8411-7906F6D5C5B6}"/>
+              </a:ext>
+            </a:extLst>
+          </p:cNvPr>
+          <p:cNvPicPr>
+            <a:picLocks noChangeAspect="1"/>
+          </p:cNvPicPr>
+          <p:nvPr/>
+        </p:nvPicPr>
+        <p:blipFill>
+          <a:blip r:embed="rId2"/>
+          <a:stretch>
+            <a:fillRect/>
+          </a:stretch>
+        </p:blipFill>
+        <p:spPr>
+          <a:xfrm>
+            <a:off x="4200157" y="2072661"/>
+            <a:ext cx="7445460" cy="3180275"/>
+          </a:xfrm>
+          <a:prstGeom prst="rect">
+            <a:avLst/>
+          </a:prstGeom>
+        </p:spPr>
+      </p:pic>
+    </p:spTree>
+    <p:extLst>
+      <p:ext uri="{BB962C8B-B14F-4D97-AF65-F5344CB8AC3E}">
+        <p14:creationId xmlns:p14="http://schemas.microsoft.com/office/powerpoint/2010/main" val="3505952789"/>
+      </p:ext>
+    </p:extLst>
+  </p:cSld>
+  <p:clrMapOvr>
+    <a:masterClrMapping/>
+  </p:clrMapOvr>
+</p:sld>
+</file>
+
+<file path=ppt/slides/slide16.xml><?xml version="1.0" encoding="utf-8"?>
+<p:sld xmlns:a="http://schemas.openxmlformats.org/drawingml/2006/main" xmlns:r="http://schemas.openxmlformats.org/officeDocument/2006/relationships" xmlns:p="http://schemas.openxmlformats.org/presentationml/2006/main">
+  <p:cSld>
+    <p:spTree>
+      <p:nvGrpSpPr>
+        <p:cNvPr id="1" name=""/>
+        <p:cNvGrpSpPr/>
+        <p:nvPr/>
+      </p:nvGrpSpPr>
+      <p:grpSpPr>
+        <a:xfrm>
+          <a:off x="0" y="0"/>
+          <a:ext cx="0" cy="0"/>
+          <a:chOff x="0" y="0"/>
+          <a:chExt cx="0" cy="0"/>
+        </a:xfrm>
+      </p:grpSpPr>
+      <p:sp>
+        <p:nvSpPr>
+          <p:cNvPr id="2" name="Title 1">
+            <a:extLst>
+              <a:ext uri="{FF2B5EF4-FFF2-40B4-BE49-F238E27FC236}">
+                <a16:creationId xmlns:a16="http://schemas.microsoft.com/office/drawing/2014/main" id="{C7A5D019-96A4-4D1E-AFB5-09D65C86E12D}"/>
+              </a:ext>
+            </a:extLst>
+          </p:cNvPr>
+          <p:cNvSpPr>
+            <a:spLocks noGrp="1"/>
+          </p:cNvSpPr>
+          <p:nvPr>
+            <p:ph type="title"/>
+          </p:nvPr>
+        </p:nvSpPr>
+        <p:spPr/>
+        <p:txBody>
+          <a:bodyPr/>
+          <a:lstStyle/>
+          <a:p>
+            <a:r>
+              <a:rPr lang="vi-VN" dirty="0"/>
+              <a:t>III. Mô </a:t>
+            </a:r>
+            <a:r>
+              <a:rPr lang="vi-VN" dirty="0" err="1"/>
+              <a:t>hình</a:t>
+            </a:r>
+            <a:r>
+              <a:rPr lang="vi-VN" dirty="0"/>
+              <a:t> </a:t>
+            </a:r>
+            <a:endParaRPr lang="en-US" dirty="0"/>
+          </a:p>
+        </p:txBody>
+      </p:sp>
+      <p:sp>
+        <p:nvSpPr>
+          <p:cNvPr id="3" name="Text Placeholder 2">
+            <a:extLst>
+              <a:ext uri="{FF2B5EF4-FFF2-40B4-BE49-F238E27FC236}">
+                <a16:creationId xmlns:a16="http://schemas.microsoft.com/office/drawing/2014/main" id="{A5726603-7893-4AE0-9532-68058044B69D}"/>
+              </a:ext>
+            </a:extLst>
+          </p:cNvPr>
+          <p:cNvSpPr>
+            <a:spLocks noGrp="1"/>
+          </p:cNvSpPr>
+          <p:nvPr>
+            <p:ph type="body" sz="quarter" idx="13"/>
+          </p:nvPr>
+        </p:nvSpPr>
+        <p:spPr/>
+        <p:txBody>
+          <a:bodyPr/>
+          <a:lstStyle/>
+          <a:p>
+            <a:pPr lvl="1"/>
+            <a:endParaRPr lang="vi-VN" dirty="0"/>
+          </a:p>
+          <a:p>
+            <a:endParaRPr lang="en-US" dirty="0"/>
+          </a:p>
+        </p:txBody>
+      </p:sp>
+      <p:sp>
+        <p:nvSpPr>
+          <p:cNvPr id="6" name="Slide Number Placeholder 5">
+            <a:extLst>
+              <a:ext uri="{FF2B5EF4-FFF2-40B4-BE49-F238E27FC236}">
+                <a16:creationId xmlns:a16="http://schemas.microsoft.com/office/drawing/2014/main" id="{11E4677A-4F02-4478-B9B8-685D0B6264D3}"/>
+              </a:ext>
+            </a:extLst>
+          </p:cNvPr>
+          <p:cNvSpPr>
+            <a:spLocks noGrp="1"/>
+          </p:cNvSpPr>
+          <p:nvPr>
+            <p:ph type="sldNum" sz="quarter" idx="12"/>
+          </p:nvPr>
+        </p:nvSpPr>
+        <p:spPr/>
+        <p:txBody>
+          <a:bodyPr/>
+          <a:lstStyle/>
+          <a:p>
+            <a:fld id="{9EA0BE3B-158A-4EDF-80DC-E394A0D1600F}" type="slidenum">
+              <a:rPr lang="en-US" smtClean="0"/>
+              <a:pPr/>
+              <a:t>16</a:t>
+            </a:fld>
+            <a:endParaRPr lang="en-US"/>
+          </a:p>
+        </p:txBody>
+      </p:sp>
+      <p:pic>
+        <p:nvPicPr>
+          <p:cNvPr id="10" name="Hình ảnh 9">
+            <a:extLst>
+              <a:ext uri="{FF2B5EF4-FFF2-40B4-BE49-F238E27FC236}">
+                <a16:creationId xmlns:a16="http://schemas.microsoft.com/office/drawing/2014/main" id="{99E9BA8B-F5E6-4840-BCA5-81DD1AD31481}"/>
+              </a:ext>
+            </a:extLst>
+          </p:cNvPr>
+          <p:cNvPicPr>
+            <a:picLocks noChangeAspect="1"/>
+          </p:cNvPicPr>
+          <p:nvPr/>
+        </p:nvPicPr>
+        <p:blipFill>
+          <a:blip r:embed="rId2"/>
+          <a:stretch>
+            <a:fillRect/>
+          </a:stretch>
+        </p:blipFill>
+        <p:spPr>
+          <a:xfrm>
+            <a:off x="1469660" y="935690"/>
+            <a:ext cx="9251482" cy="5296359"/>
+          </a:xfrm>
+          <a:prstGeom prst="rect">
+            <a:avLst/>
+          </a:prstGeom>
+        </p:spPr>
+      </p:pic>
+    </p:spTree>
+    <p:extLst>
+      <p:ext uri="{BB962C8B-B14F-4D97-AF65-F5344CB8AC3E}">
+        <p14:creationId xmlns:p14="http://schemas.microsoft.com/office/powerpoint/2010/main" val="3805161825"/>
+      </p:ext>
+    </p:extLst>
+  </p:cSld>
+  <p:clrMapOvr>
+    <a:masterClrMapping/>
+  </p:clrMapOvr>
+</p:sld>
+</file>
+
+<file path=ppt/slides/slide17.xml><?xml version="1.0" encoding="utf-8"?>
+<p:sld xmlns:a="http://schemas.openxmlformats.org/drawingml/2006/main" xmlns:r="http://schemas.openxmlformats.org/officeDocument/2006/relationships" xmlns:p="http://schemas.openxmlformats.org/presentationml/2006/main">
+  <p:cSld>
+    <p:spTree>
+      <p:nvGrpSpPr>
+        <p:cNvPr id="1" name=""/>
+        <p:cNvGrpSpPr/>
+        <p:nvPr/>
+      </p:nvGrpSpPr>
+      <p:grpSpPr>
+        <a:xfrm>
+          <a:off x="0" y="0"/>
+          <a:ext cx="0" cy="0"/>
+          <a:chOff x="0" y="0"/>
+          <a:chExt cx="0" cy="0"/>
+        </a:xfrm>
+      </p:grpSpPr>
+      <p:sp>
+        <p:nvSpPr>
+          <p:cNvPr id="2" name="Title 1">
+            <a:extLst>
+              <a:ext uri="{FF2B5EF4-FFF2-40B4-BE49-F238E27FC236}">
+                <a16:creationId xmlns:a16="http://schemas.microsoft.com/office/drawing/2014/main" id="{C7A5D019-96A4-4D1E-AFB5-09D65C86E12D}"/>
+              </a:ext>
+            </a:extLst>
+          </p:cNvPr>
+          <p:cNvSpPr>
+            <a:spLocks noGrp="1"/>
+          </p:cNvSpPr>
+          <p:nvPr>
+            <p:ph type="title"/>
+          </p:nvPr>
+        </p:nvSpPr>
+        <p:spPr/>
+        <p:txBody>
+          <a:bodyPr/>
+          <a:lstStyle/>
+          <a:p>
+            <a:r>
+              <a:rPr lang="vi-VN" dirty="0"/>
+              <a:t>III. Mô </a:t>
+            </a:r>
+            <a:r>
+              <a:rPr lang="vi-VN" dirty="0" err="1"/>
+              <a:t>hình</a:t>
+            </a:r>
+            <a:r>
+              <a:rPr lang="vi-VN" dirty="0"/>
+              <a:t> </a:t>
+            </a:r>
+            <a:endParaRPr lang="en-US" dirty="0"/>
+          </a:p>
+        </p:txBody>
+      </p:sp>
+      <p:sp>
+        <p:nvSpPr>
+          <p:cNvPr id="3" name="Text Placeholder 2">
+            <a:extLst>
+              <a:ext uri="{FF2B5EF4-FFF2-40B4-BE49-F238E27FC236}">
+                <a16:creationId xmlns:a16="http://schemas.microsoft.com/office/drawing/2014/main" id="{A5726603-7893-4AE0-9532-68058044B69D}"/>
+              </a:ext>
+            </a:extLst>
+          </p:cNvPr>
+          <p:cNvSpPr>
+            <a:spLocks noGrp="1"/>
+          </p:cNvSpPr>
+          <p:nvPr>
+            <p:ph type="body" sz="quarter" idx="13"/>
+          </p:nvPr>
+        </p:nvSpPr>
+        <p:spPr/>
+        <p:txBody>
+          <a:bodyPr/>
+          <a:lstStyle/>
+          <a:p>
+            <a:pPr lvl="1"/>
+            <a:r>
+              <a:rPr lang="vi-VN" dirty="0"/>
+              <a:t>Cách tinh ra </a:t>
+            </a:r>
+            <a:r>
+              <a:rPr lang="vi-VN" dirty="0" err="1"/>
+              <a:t>số</a:t>
+            </a:r>
+            <a:r>
+              <a:rPr lang="vi-VN" dirty="0"/>
+              <a:t> </a:t>
+            </a:r>
+            <a:r>
+              <a:rPr lang="vi-VN" dirty="0" err="1"/>
+              <a:t>lượng</a:t>
+            </a:r>
+            <a:r>
+              <a:rPr lang="vi-VN" dirty="0"/>
+              <a:t> </a:t>
+            </a:r>
+            <a:r>
+              <a:rPr lang="vi-VN" dirty="0" err="1"/>
+              <a:t>default</a:t>
+            </a:r>
+            <a:r>
+              <a:rPr lang="vi-VN" dirty="0"/>
+              <a:t> </a:t>
+            </a:r>
+            <a:r>
+              <a:rPr lang="vi-VN" dirty="0" err="1"/>
+              <a:t>box</a:t>
+            </a:r>
+            <a:endParaRPr lang="vi-VN" dirty="0"/>
+          </a:p>
+          <a:p>
+            <a:pPr lvl="1"/>
+            <a:endParaRPr lang="vi-VN" dirty="0"/>
+          </a:p>
+          <a:p>
+            <a:pPr lvl="1"/>
+            <a:r>
+              <a:rPr lang="vi-VN" dirty="0"/>
+              <a:t>38x38x</a:t>
+            </a:r>
+            <a:r>
+              <a:rPr lang="vi-VN" b="1" dirty="0">
+                <a:solidFill>
+                  <a:srgbClr val="00B0F0"/>
+                </a:solidFill>
+              </a:rPr>
+              <a:t>4 </a:t>
+            </a:r>
+            <a:r>
+              <a:rPr lang="vi-VN" dirty="0"/>
+              <a:t>+ 19x19x</a:t>
+            </a:r>
+            <a:r>
+              <a:rPr lang="vi-VN" b="1" dirty="0">
+                <a:solidFill>
+                  <a:srgbClr val="00B0F0"/>
+                </a:solidFill>
+              </a:rPr>
+              <a:t>6</a:t>
+            </a:r>
+            <a:r>
+              <a:rPr lang="vi-VN" dirty="0"/>
+              <a:t> + 10x10x</a:t>
+            </a:r>
+            <a:r>
+              <a:rPr lang="vi-VN" b="1" dirty="0">
+                <a:solidFill>
+                  <a:srgbClr val="00B0F0"/>
+                </a:solidFill>
+              </a:rPr>
+              <a:t>6</a:t>
+            </a:r>
+            <a:r>
+              <a:rPr lang="vi-VN" dirty="0"/>
+              <a:t> + 5x5x</a:t>
+            </a:r>
+            <a:r>
+              <a:rPr lang="vi-VN" b="1" dirty="0">
+                <a:solidFill>
+                  <a:srgbClr val="00B0F0"/>
+                </a:solidFill>
+              </a:rPr>
+              <a:t>6</a:t>
+            </a:r>
+            <a:r>
+              <a:rPr lang="vi-VN" dirty="0"/>
+              <a:t> + 3x3x</a:t>
+            </a:r>
+            <a:r>
+              <a:rPr lang="vi-VN" b="1" dirty="0">
+                <a:solidFill>
+                  <a:srgbClr val="00B0F0"/>
+                </a:solidFill>
+              </a:rPr>
+              <a:t>4</a:t>
+            </a:r>
+            <a:r>
+              <a:rPr lang="vi-VN" dirty="0"/>
+              <a:t> + 1x1x</a:t>
+            </a:r>
+            <a:r>
+              <a:rPr lang="vi-VN" b="1" dirty="0">
+                <a:solidFill>
+                  <a:srgbClr val="00B0F0"/>
+                </a:solidFill>
+              </a:rPr>
+              <a:t>6</a:t>
+            </a:r>
+            <a:r>
+              <a:rPr lang="vi-VN" dirty="0"/>
+              <a:t> = 8732</a:t>
+            </a:r>
+          </a:p>
+          <a:p>
+            <a:endParaRPr lang="en-US" dirty="0"/>
+          </a:p>
+        </p:txBody>
+      </p:sp>
+      <p:sp>
+        <p:nvSpPr>
+          <p:cNvPr id="6" name="Slide Number Placeholder 5">
+            <a:extLst>
+              <a:ext uri="{FF2B5EF4-FFF2-40B4-BE49-F238E27FC236}">
+                <a16:creationId xmlns:a16="http://schemas.microsoft.com/office/drawing/2014/main" id="{11E4677A-4F02-4478-B9B8-685D0B6264D3}"/>
+              </a:ext>
+            </a:extLst>
+          </p:cNvPr>
+          <p:cNvSpPr>
+            <a:spLocks noGrp="1"/>
+          </p:cNvSpPr>
+          <p:nvPr>
+            <p:ph type="sldNum" sz="quarter" idx="12"/>
+          </p:nvPr>
+        </p:nvSpPr>
+        <p:spPr/>
+        <p:txBody>
+          <a:bodyPr/>
+          <a:lstStyle/>
+          <a:p>
+            <a:fld id="{9EA0BE3B-158A-4EDF-80DC-E394A0D1600F}" type="slidenum">
+              <a:rPr lang="en-US" smtClean="0"/>
+              <a:pPr/>
+              <a:t>17</a:t>
+            </a:fld>
+            <a:endParaRPr lang="en-US"/>
+          </a:p>
+        </p:txBody>
+      </p:sp>
+      <p:pic>
+        <p:nvPicPr>
+          <p:cNvPr id="9" name="Hình ảnh 8">
+            <a:extLst>
+              <a:ext uri="{FF2B5EF4-FFF2-40B4-BE49-F238E27FC236}">
+                <a16:creationId xmlns:a16="http://schemas.microsoft.com/office/drawing/2014/main" id="{8CD61D1C-FFC2-4496-804D-C049BAE2660B}"/>
+              </a:ext>
+            </a:extLst>
+          </p:cNvPr>
+          <p:cNvPicPr>
+            <a:picLocks noChangeAspect="1"/>
+          </p:cNvPicPr>
+          <p:nvPr/>
+        </p:nvPicPr>
+        <p:blipFill>
+          <a:blip r:embed="rId2"/>
+          <a:stretch>
+            <a:fillRect/>
+          </a:stretch>
+        </p:blipFill>
+        <p:spPr>
+          <a:xfrm>
+            <a:off x="4710265" y="2778166"/>
+            <a:ext cx="3200677" cy="3193057"/>
+          </a:xfrm>
+          <a:prstGeom prst="rect">
+            <a:avLst/>
+          </a:prstGeom>
+        </p:spPr>
+      </p:pic>
+    </p:spTree>
+    <p:extLst>
+      <p:ext uri="{BB962C8B-B14F-4D97-AF65-F5344CB8AC3E}">
+        <p14:creationId xmlns:p14="http://schemas.microsoft.com/office/powerpoint/2010/main" val="2766763864"/>
+      </p:ext>
+    </p:extLst>
+  </p:cSld>
+  <p:clrMapOvr>
+    <a:masterClrMapping/>
+  </p:clrMapOvr>
+</p:sld>
+</file>
+
+<file path=ppt/slides/slide18.xml><?xml version="1.0" encoding="utf-8"?>
+<p:sld xmlns:a="http://schemas.openxmlformats.org/drawingml/2006/main" xmlns:r="http://schemas.openxmlformats.org/officeDocument/2006/relationships" xmlns:p="http://schemas.openxmlformats.org/presentationml/2006/main">
+  <p:cSld>
+    <p:spTree>
+      <p:nvGrpSpPr>
+        <p:cNvPr id="1" name=""/>
+        <p:cNvGrpSpPr/>
+        <p:nvPr/>
+      </p:nvGrpSpPr>
+      <p:grpSpPr>
+        <a:xfrm>
+          <a:off x="0" y="0"/>
+          <a:ext cx="0" cy="0"/>
+          <a:chOff x="0" y="0"/>
+          <a:chExt cx="0" cy="0"/>
+        </a:xfrm>
+      </p:grpSpPr>
+      <p:sp>
+        <p:nvSpPr>
+          <p:cNvPr id="2" name="Title 1">
+            <a:extLst>
+              <a:ext uri="{FF2B5EF4-FFF2-40B4-BE49-F238E27FC236}">
+                <a16:creationId xmlns:a16="http://schemas.microsoft.com/office/drawing/2014/main" id="{C7A5D019-96A4-4D1E-AFB5-09D65C86E12D}"/>
+              </a:ext>
+            </a:extLst>
+          </p:cNvPr>
+          <p:cNvSpPr>
+            <a:spLocks noGrp="1"/>
+          </p:cNvSpPr>
+          <p:nvPr>
+            <p:ph type="title"/>
+          </p:nvPr>
+        </p:nvSpPr>
+        <p:spPr/>
+        <p:txBody>
+          <a:bodyPr/>
+          <a:lstStyle/>
+          <a:p>
+            <a:r>
+              <a:rPr lang="vi-VN" dirty="0"/>
+              <a:t>III. Mô </a:t>
+            </a:r>
+            <a:r>
+              <a:rPr lang="vi-VN" dirty="0" err="1"/>
+              <a:t>hình</a:t>
+            </a:r>
+            <a:r>
+              <a:rPr lang="vi-VN" dirty="0"/>
+              <a:t> </a:t>
+            </a:r>
+            <a:endParaRPr lang="en-US" dirty="0"/>
+          </a:p>
+        </p:txBody>
+      </p:sp>
+      <p:sp>
+        <p:nvSpPr>
+          <p:cNvPr id="3" name="Text Placeholder 2">
+            <a:extLst>
+              <a:ext uri="{FF2B5EF4-FFF2-40B4-BE49-F238E27FC236}">
+                <a16:creationId xmlns:a16="http://schemas.microsoft.com/office/drawing/2014/main" id="{A5726603-7893-4AE0-9532-68058044B69D}"/>
+              </a:ext>
+            </a:extLst>
+          </p:cNvPr>
+          <p:cNvSpPr>
+            <a:spLocks noGrp="1"/>
+          </p:cNvSpPr>
+          <p:nvPr>
+            <p:ph type="body" sz="quarter" idx="13"/>
+          </p:nvPr>
+        </p:nvSpPr>
+        <p:spPr/>
+        <p:txBody>
+          <a:bodyPr/>
+          <a:lstStyle/>
+          <a:p>
+            <a:r>
+              <a:rPr lang="vi-VN" dirty="0" err="1"/>
+              <a:t>Khởi</a:t>
+            </a:r>
+            <a:r>
+              <a:rPr lang="vi-VN" dirty="0"/>
+              <a:t> </a:t>
+            </a:r>
+            <a:r>
+              <a:rPr lang="vi-VN" dirty="0" err="1"/>
+              <a:t>tạo</a:t>
+            </a:r>
+            <a:r>
+              <a:rPr lang="vi-VN" dirty="0"/>
+              <a:t> </a:t>
+            </a:r>
+            <a:r>
+              <a:rPr lang="vi-VN" dirty="0" err="1"/>
+              <a:t>default</a:t>
+            </a:r>
+            <a:r>
+              <a:rPr lang="vi-VN" dirty="0"/>
+              <a:t> </a:t>
+            </a:r>
+            <a:r>
+              <a:rPr lang="vi-VN" dirty="0" err="1"/>
+              <a:t>box</a:t>
+            </a:r>
+            <a:endParaRPr lang="vi-VN" dirty="0"/>
+          </a:p>
+          <a:p>
+            <a:r>
+              <a:rPr lang="vi-VN" dirty="0" err="1"/>
+              <a:t>Cụ</a:t>
+            </a:r>
+            <a:r>
+              <a:rPr lang="vi-VN" dirty="0"/>
+              <a:t> </a:t>
+            </a:r>
+            <a:r>
+              <a:rPr lang="vi-VN" dirty="0" err="1"/>
+              <a:t>thể</a:t>
+            </a:r>
+            <a:r>
+              <a:rPr lang="vi-VN" dirty="0"/>
+              <a:t> </a:t>
+            </a:r>
+            <a:r>
+              <a:rPr lang="vi-VN" dirty="0" err="1"/>
+              <a:t>cách</a:t>
+            </a:r>
+            <a:r>
+              <a:rPr lang="vi-VN" dirty="0"/>
+              <a:t> tinh ra </a:t>
+            </a:r>
+            <a:r>
+              <a:rPr lang="vi-VN" dirty="0" err="1"/>
+              <a:t>tọa</a:t>
+            </a:r>
+            <a:r>
+              <a:rPr lang="vi-VN" dirty="0"/>
+              <a:t> </a:t>
+            </a:r>
+            <a:r>
+              <a:rPr lang="vi-VN" dirty="0" err="1"/>
+              <a:t>độ</a:t>
+            </a:r>
+            <a:r>
+              <a:rPr lang="vi-VN" dirty="0"/>
+              <a:t> của </a:t>
+            </a:r>
+            <a:r>
+              <a:rPr lang="vi-VN" dirty="0" err="1"/>
+              <a:t>từng</a:t>
+            </a:r>
+            <a:r>
+              <a:rPr lang="vi-VN" dirty="0"/>
+              <a:t> </a:t>
+            </a:r>
+            <a:r>
+              <a:rPr lang="vi-VN" dirty="0" err="1"/>
+              <a:t>default</a:t>
+            </a:r>
+            <a:r>
+              <a:rPr lang="vi-VN" dirty="0"/>
+              <a:t> </a:t>
+            </a:r>
+            <a:r>
+              <a:rPr lang="vi-VN" dirty="0" err="1"/>
+              <a:t>box</a:t>
+            </a:r>
+            <a:endParaRPr lang="vi-VN" dirty="0"/>
+          </a:p>
+          <a:p>
+            <a:r>
+              <a:rPr lang="vi-VN" dirty="0" err="1"/>
+              <a:t>Bước</a:t>
+            </a:r>
+            <a:r>
+              <a:rPr lang="vi-VN" dirty="0"/>
+              <a:t> 1: </a:t>
+            </a:r>
+            <a:r>
+              <a:rPr lang="vi-VN" dirty="0" err="1"/>
+              <a:t>Tính</a:t>
+            </a:r>
+            <a:r>
+              <a:rPr lang="vi-VN" dirty="0"/>
+              <a:t> ra các </a:t>
+            </a:r>
+            <a:r>
+              <a:rPr lang="vi-VN" dirty="0" err="1"/>
+              <a:t>center_x</a:t>
+            </a:r>
+            <a:r>
+              <a:rPr lang="vi-VN" dirty="0"/>
+              <a:t>, </a:t>
+            </a:r>
+            <a:r>
+              <a:rPr lang="vi-VN" dirty="0" err="1"/>
+              <a:t>center_y</a:t>
+            </a:r>
+            <a:endParaRPr lang="vi-VN" dirty="0"/>
+          </a:p>
+          <a:p>
+            <a:r>
+              <a:rPr lang="vi-VN" dirty="0" err="1"/>
+              <a:t>Bước</a:t>
+            </a:r>
+            <a:r>
+              <a:rPr lang="vi-VN" dirty="0"/>
+              <a:t> 2: </a:t>
+            </a:r>
+            <a:r>
+              <a:rPr lang="vi-VN" dirty="0" err="1"/>
+              <a:t>Tính</a:t>
+            </a:r>
+            <a:r>
+              <a:rPr lang="vi-VN" dirty="0"/>
+              <a:t> ra </a:t>
+            </a:r>
+            <a:r>
+              <a:rPr lang="vi-VN" dirty="0" err="1"/>
+              <a:t>scale</a:t>
+            </a:r>
+            <a:r>
+              <a:rPr lang="vi-VN" dirty="0"/>
+              <a:t> </a:t>
+            </a:r>
+            <a:r>
+              <a:rPr lang="vi-VN" dirty="0" err="1"/>
+              <a:t>dựa</a:t>
+            </a:r>
+            <a:r>
+              <a:rPr lang="vi-VN" dirty="0"/>
+              <a:t> </a:t>
+            </a:r>
+            <a:r>
+              <a:rPr lang="vi-VN" dirty="0" err="1"/>
+              <a:t>vào</a:t>
+            </a:r>
+            <a:r>
+              <a:rPr lang="vi-VN" dirty="0"/>
+              <a:t> </a:t>
+            </a:r>
+            <a:r>
+              <a:rPr lang="vi-VN" dirty="0" err="1"/>
+              <a:t>scale_max</a:t>
+            </a:r>
+            <a:r>
+              <a:rPr lang="vi-VN" dirty="0"/>
+              <a:t> và </a:t>
+            </a:r>
+            <a:r>
+              <a:rPr lang="vi-VN" dirty="0" err="1"/>
+              <a:t>scale</a:t>
+            </a:r>
+            <a:r>
+              <a:rPr lang="vi-VN" dirty="0"/>
+              <a:t> min</a:t>
+            </a:r>
+          </a:p>
+          <a:p>
+            <a:r>
+              <a:rPr lang="vi-VN" dirty="0" err="1"/>
+              <a:t>Bước</a:t>
+            </a:r>
+            <a:r>
+              <a:rPr lang="vi-VN" dirty="0"/>
+              <a:t> 3: </a:t>
+            </a:r>
+            <a:r>
+              <a:rPr lang="vi-VN" dirty="0" err="1"/>
+              <a:t>Dựa</a:t>
+            </a:r>
+            <a:r>
+              <a:rPr lang="vi-VN" dirty="0"/>
+              <a:t> </a:t>
+            </a:r>
+            <a:r>
+              <a:rPr lang="vi-VN" dirty="0" err="1"/>
+              <a:t>vào</a:t>
+            </a:r>
+            <a:r>
+              <a:rPr lang="vi-VN" dirty="0"/>
+              <a:t> </a:t>
+            </a:r>
+            <a:r>
+              <a:rPr lang="vi-VN" dirty="0" err="1"/>
+              <a:t>aspect_ratio</a:t>
+            </a:r>
+            <a:r>
+              <a:rPr lang="vi-VN" dirty="0"/>
+              <a:t> </a:t>
+            </a:r>
+            <a:r>
+              <a:rPr lang="vi-VN" dirty="0" err="1"/>
+              <a:t>thuộc</a:t>
+            </a:r>
+            <a:r>
+              <a:rPr lang="vi-VN" dirty="0"/>
+              <a:t> </a:t>
+            </a:r>
+          </a:p>
+          <a:p>
+            <a:pPr marL="0" indent="0">
+              <a:buNone/>
+            </a:pPr>
+            <a:r>
+              <a:rPr lang="vi-VN" dirty="0" err="1"/>
+              <a:t>Scale</a:t>
+            </a:r>
+            <a:r>
+              <a:rPr lang="vi-VN" dirty="0"/>
+              <a:t> </a:t>
+            </a:r>
+            <a:r>
+              <a:rPr lang="vi-VN" dirty="0" err="1"/>
+              <a:t>để</a:t>
+            </a:r>
+            <a:r>
+              <a:rPr lang="vi-VN" dirty="0"/>
+              <a:t> tinh ra toàn bộ </a:t>
+            </a:r>
+            <a:r>
+              <a:rPr lang="vi-VN" dirty="0" err="1"/>
+              <a:t>tọa</a:t>
+            </a:r>
+            <a:r>
+              <a:rPr lang="vi-VN" dirty="0"/>
+              <a:t> </a:t>
+            </a:r>
+            <a:r>
+              <a:rPr lang="vi-VN" dirty="0" err="1"/>
+              <a:t>độ</a:t>
+            </a:r>
+            <a:r>
+              <a:rPr lang="vi-VN" dirty="0"/>
+              <a:t> các </a:t>
+            </a:r>
+            <a:r>
+              <a:rPr lang="vi-VN" dirty="0" err="1"/>
+              <a:t>default</a:t>
+            </a:r>
+            <a:r>
+              <a:rPr lang="vi-VN" dirty="0"/>
+              <a:t> </a:t>
+            </a:r>
+            <a:r>
+              <a:rPr lang="vi-VN" dirty="0" err="1"/>
+              <a:t>box</a:t>
+            </a:r>
+            <a:endParaRPr lang="vi-VN" dirty="0"/>
+          </a:p>
+          <a:p>
+            <a:pPr marL="0" indent="0">
+              <a:buNone/>
+            </a:pPr>
+            <a:endParaRPr lang="vi-VN" dirty="0"/>
+          </a:p>
+          <a:p>
+            <a:pPr marL="0" indent="0">
+              <a:buNone/>
+            </a:pPr>
+            <a:endParaRPr lang="en-US" dirty="0"/>
+          </a:p>
+        </p:txBody>
+      </p:sp>
+      <p:sp>
+        <p:nvSpPr>
+          <p:cNvPr id="6" name="Slide Number Placeholder 5">
+            <a:extLst>
+              <a:ext uri="{FF2B5EF4-FFF2-40B4-BE49-F238E27FC236}">
+                <a16:creationId xmlns:a16="http://schemas.microsoft.com/office/drawing/2014/main" id="{11E4677A-4F02-4478-B9B8-685D0B6264D3}"/>
+              </a:ext>
+            </a:extLst>
+          </p:cNvPr>
+          <p:cNvSpPr>
+            <a:spLocks noGrp="1"/>
+          </p:cNvSpPr>
+          <p:nvPr>
+            <p:ph type="sldNum" sz="quarter" idx="12"/>
+          </p:nvPr>
+        </p:nvSpPr>
+        <p:spPr/>
+        <p:txBody>
+          <a:bodyPr/>
+          <a:lstStyle/>
+          <a:p>
+            <a:fld id="{9EA0BE3B-158A-4EDF-80DC-E394A0D1600F}" type="slidenum">
+              <a:rPr lang="en-US" smtClean="0"/>
+              <a:pPr/>
+              <a:t>18</a:t>
+            </a:fld>
+            <a:endParaRPr lang="en-US"/>
+          </a:p>
+        </p:txBody>
+      </p:sp>
+      <p:pic>
+        <p:nvPicPr>
+          <p:cNvPr id="8" name="Hình ảnh 7">
+            <a:extLst>
+              <a:ext uri="{FF2B5EF4-FFF2-40B4-BE49-F238E27FC236}">
+                <a16:creationId xmlns:a16="http://schemas.microsoft.com/office/drawing/2014/main" id="{6C8B4C72-D013-44BF-B306-3A90F7F51A53}"/>
+              </a:ext>
+            </a:extLst>
+          </p:cNvPr>
+          <p:cNvPicPr>
+            <a:picLocks noChangeAspect="1"/>
+          </p:cNvPicPr>
+          <p:nvPr/>
+        </p:nvPicPr>
+        <p:blipFill>
+          <a:blip r:embed="rId2"/>
+          <a:stretch>
+            <a:fillRect/>
+          </a:stretch>
+        </p:blipFill>
+        <p:spPr>
+          <a:xfrm>
+            <a:off x="6433959" y="3067488"/>
+            <a:ext cx="1790855" cy="434378"/>
+          </a:xfrm>
+          <a:prstGeom prst="rect">
+            <a:avLst/>
+          </a:prstGeom>
+        </p:spPr>
+      </p:pic>
+      <p:pic>
+        <p:nvPicPr>
+          <p:cNvPr id="7" name="Hình ảnh 6">
+            <a:extLst>
+              <a:ext uri="{FF2B5EF4-FFF2-40B4-BE49-F238E27FC236}">
+                <a16:creationId xmlns:a16="http://schemas.microsoft.com/office/drawing/2014/main" id="{03C4A016-7C7E-4EC5-95DF-4E2BAB860388}"/>
+              </a:ext>
+            </a:extLst>
+          </p:cNvPr>
+          <p:cNvPicPr>
+            <a:picLocks noChangeAspect="1"/>
+          </p:cNvPicPr>
+          <p:nvPr/>
+        </p:nvPicPr>
+        <p:blipFill>
+          <a:blip r:embed="rId3"/>
+          <a:stretch>
+            <a:fillRect/>
+          </a:stretch>
+        </p:blipFill>
+        <p:spPr>
+          <a:xfrm>
+            <a:off x="3895629" y="4062100"/>
+            <a:ext cx="3657696" cy="1942363"/>
+          </a:xfrm>
+          <a:prstGeom prst="rect">
+            <a:avLst/>
+          </a:prstGeom>
+        </p:spPr>
+      </p:pic>
+    </p:spTree>
+    <p:extLst>
+      <p:ext uri="{BB962C8B-B14F-4D97-AF65-F5344CB8AC3E}">
+        <p14:creationId xmlns:p14="http://schemas.microsoft.com/office/powerpoint/2010/main" val="1539737690"/>
+      </p:ext>
+    </p:extLst>
+  </p:cSld>
+  <p:clrMapOvr>
+    <a:masterClrMapping/>
+  </p:clrMapOvr>
+</p:sld>
+</file>
+
+<file path=ppt/slides/slide19.xml><?xml version="1.0" encoding="utf-8"?>
+<p:sld xmlns:a="http://schemas.openxmlformats.org/drawingml/2006/main" xmlns:r="http://schemas.openxmlformats.org/officeDocument/2006/relationships" xmlns:p="http://schemas.openxmlformats.org/presentationml/2006/main">
+  <p:cSld>
+    <p:spTree>
+      <p:nvGrpSpPr>
+        <p:cNvPr id="1" name=""/>
+        <p:cNvGrpSpPr/>
+        <p:nvPr/>
+      </p:nvGrpSpPr>
+      <p:grpSpPr>
+        <a:xfrm>
+          <a:off x="0" y="0"/>
+          <a:ext cx="0" cy="0"/>
+          <a:chOff x="0" y="0"/>
+          <a:chExt cx="0" cy="0"/>
+        </a:xfrm>
+      </p:grpSpPr>
+      <p:sp>
+        <p:nvSpPr>
+          <p:cNvPr id="2" name="Title 1">
+            <a:extLst>
+              <a:ext uri="{FF2B5EF4-FFF2-40B4-BE49-F238E27FC236}">
+                <a16:creationId xmlns:a16="http://schemas.microsoft.com/office/drawing/2014/main" id="{C7A5D019-96A4-4D1E-AFB5-09D65C86E12D}"/>
+              </a:ext>
+            </a:extLst>
+          </p:cNvPr>
+          <p:cNvSpPr>
+            <a:spLocks noGrp="1"/>
+          </p:cNvSpPr>
+          <p:nvPr>
+            <p:ph type="title"/>
+          </p:nvPr>
+        </p:nvSpPr>
+        <p:spPr/>
+        <p:txBody>
+          <a:bodyPr/>
+          <a:lstStyle/>
+          <a:p>
+            <a:r>
+              <a:rPr lang="vi-VN" dirty="0" err="1"/>
+              <a:t>Mục</a:t>
+            </a:r>
+            <a:r>
+              <a:rPr lang="vi-VN" dirty="0"/>
+              <a:t> </a:t>
+            </a:r>
+            <a:r>
+              <a:rPr lang="vi-VN" dirty="0" err="1"/>
+              <a:t>lục</a:t>
+            </a:r>
+            <a:endParaRPr lang="en-US" dirty="0"/>
+          </a:p>
+        </p:txBody>
+      </p:sp>
+      <p:sp>
+        <p:nvSpPr>
+          <p:cNvPr id="3" name="Text Placeholder 2">
+            <a:extLst>
+              <a:ext uri="{FF2B5EF4-FFF2-40B4-BE49-F238E27FC236}">
+                <a16:creationId xmlns:a16="http://schemas.microsoft.com/office/drawing/2014/main" id="{A5726603-7893-4AE0-9532-68058044B69D}"/>
+              </a:ext>
+            </a:extLst>
+          </p:cNvPr>
+          <p:cNvSpPr>
+            <a:spLocks noGrp="1"/>
+          </p:cNvSpPr>
+          <p:nvPr>
+            <p:ph type="body" sz="quarter" idx="13"/>
+          </p:nvPr>
+        </p:nvSpPr>
+        <p:spPr/>
+        <p:txBody>
+          <a:bodyPr/>
+          <a:lstStyle/>
+          <a:p>
+            <a:pPr marL="0" indent="0">
+              <a:buNone/>
+            </a:pPr>
+            <a:r>
+              <a:rPr lang="vi-VN" dirty="0"/>
+              <a:t>I. </a:t>
+            </a:r>
+            <a:r>
+              <a:rPr lang="vi-VN" dirty="0" err="1"/>
+              <a:t>Giới</a:t>
+            </a:r>
+            <a:r>
+              <a:rPr lang="vi-VN" dirty="0"/>
+              <a:t> </a:t>
+            </a:r>
+            <a:r>
+              <a:rPr lang="vi-VN" dirty="0" err="1"/>
+              <a:t>thiệu</a:t>
+            </a:r>
+            <a:endParaRPr lang="en-US" dirty="0"/>
+          </a:p>
+          <a:p>
+            <a:pPr marL="0" indent="0">
+              <a:buNone/>
+            </a:pPr>
+            <a:r>
+              <a:rPr lang="en-US" dirty="0"/>
+              <a:t>II. </a:t>
+            </a:r>
+            <a:r>
+              <a:rPr lang="vi-VN" dirty="0" err="1"/>
+              <a:t>Dữ</a:t>
+            </a:r>
+            <a:r>
+              <a:rPr lang="vi-VN" dirty="0"/>
+              <a:t> </a:t>
+            </a:r>
+            <a:r>
+              <a:rPr lang="vi-VN" dirty="0" err="1"/>
+              <a:t>liệu</a:t>
+            </a:r>
+            <a:endParaRPr lang="vi-VN" dirty="0"/>
+          </a:p>
+          <a:p>
+            <a:pPr marL="0" indent="0">
+              <a:buNone/>
+            </a:pPr>
+            <a:r>
+              <a:rPr lang="vi-VN" dirty="0"/>
+              <a:t>III. Mô </a:t>
+            </a:r>
+            <a:r>
+              <a:rPr lang="vi-VN" dirty="0" err="1"/>
+              <a:t>hình</a:t>
+            </a:r>
+            <a:endParaRPr lang="vi-VN" dirty="0"/>
+          </a:p>
+          <a:p>
+            <a:pPr marL="571500" indent="-571500">
+              <a:buAutoNum type="romanUcPeriod" startAt="4"/>
+            </a:pPr>
+            <a:r>
+              <a:rPr lang="vi-VN" b="1" dirty="0" err="1">
+                <a:solidFill>
+                  <a:srgbClr val="FF0000"/>
+                </a:solidFill>
+              </a:rPr>
+              <a:t>Hàm</a:t>
+            </a:r>
+            <a:r>
+              <a:rPr lang="vi-VN" b="1" dirty="0">
+                <a:solidFill>
+                  <a:srgbClr val="FF0000"/>
+                </a:solidFill>
+              </a:rPr>
+              <a:t> </a:t>
+            </a:r>
+            <a:r>
+              <a:rPr lang="vi-VN" b="1" dirty="0" err="1">
+                <a:solidFill>
+                  <a:srgbClr val="FF0000"/>
+                </a:solidFill>
+              </a:rPr>
+              <a:t>lỗi</a:t>
+            </a:r>
+            <a:r>
+              <a:rPr lang="vi-VN" b="1" dirty="0">
+                <a:solidFill>
+                  <a:srgbClr val="FF0000"/>
+                </a:solidFill>
+              </a:rPr>
+              <a:t> và </a:t>
+            </a:r>
+            <a:r>
+              <a:rPr lang="vi-VN" b="1" dirty="0" err="1">
+                <a:solidFill>
+                  <a:srgbClr val="FF0000"/>
+                </a:solidFill>
+              </a:rPr>
+              <a:t>thuật</a:t>
+            </a:r>
+            <a:r>
+              <a:rPr lang="vi-VN" b="1" dirty="0">
+                <a:solidFill>
+                  <a:srgbClr val="FF0000"/>
+                </a:solidFill>
+              </a:rPr>
+              <a:t> </a:t>
+            </a:r>
+            <a:r>
+              <a:rPr lang="vi-VN" b="1" dirty="0" err="1">
+                <a:solidFill>
+                  <a:srgbClr val="FF0000"/>
+                </a:solidFill>
+              </a:rPr>
+              <a:t>toán</a:t>
+            </a:r>
+            <a:r>
+              <a:rPr lang="vi-VN" b="1" dirty="0">
+                <a:solidFill>
+                  <a:srgbClr val="FF0000"/>
+                </a:solidFill>
+              </a:rPr>
+              <a:t> </a:t>
+            </a:r>
+            <a:r>
+              <a:rPr lang="vi-VN" b="1" dirty="0" err="1">
+                <a:solidFill>
+                  <a:srgbClr val="FF0000"/>
+                </a:solidFill>
+              </a:rPr>
+              <a:t>tối</a:t>
+            </a:r>
+            <a:r>
+              <a:rPr lang="vi-VN" b="1" dirty="0">
+                <a:solidFill>
+                  <a:srgbClr val="FF0000"/>
+                </a:solidFill>
+              </a:rPr>
+              <a:t> ưu hóa</a:t>
+            </a:r>
+          </a:p>
+          <a:p>
+            <a:pPr marL="571500" indent="-571500">
+              <a:buAutoNum type="romanUcPeriod" startAt="4"/>
+            </a:pPr>
+            <a:r>
+              <a:rPr lang="vi-VN" dirty="0" err="1"/>
+              <a:t>Quá</a:t>
+            </a:r>
+            <a:r>
+              <a:rPr lang="vi-VN" dirty="0"/>
+              <a:t> trinh </a:t>
+            </a:r>
+            <a:r>
+              <a:rPr lang="vi-VN" dirty="0" err="1"/>
+              <a:t>detect</a:t>
+            </a:r>
+            <a:endParaRPr lang="vi-VN" dirty="0"/>
+          </a:p>
+          <a:p>
+            <a:pPr marL="571500" indent="-571500">
+              <a:buAutoNum type="romanUcPeriod" startAt="4"/>
+            </a:pPr>
+            <a:r>
+              <a:rPr lang="vi-VN" dirty="0"/>
+              <a:t>Kết quả và </a:t>
+            </a:r>
+            <a:r>
+              <a:rPr lang="vi-VN" dirty="0" err="1"/>
+              <a:t>đánh</a:t>
+            </a:r>
+            <a:r>
+              <a:rPr lang="vi-VN" dirty="0"/>
+              <a:t> </a:t>
+            </a:r>
+            <a:r>
+              <a:rPr lang="vi-VN" dirty="0" err="1"/>
+              <a:t>giá</a:t>
+            </a:r>
+            <a:endParaRPr lang="vi-VN" dirty="0"/>
+          </a:p>
+          <a:p>
+            <a:pPr marL="571500" indent="-571500">
+              <a:buAutoNum type="romanUcPeriod" startAt="4"/>
+            </a:pPr>
+            <a:r>
+              <a:rPr lang="vi-VN" dirty="0" err="1"/>
+              <a:t>Tài</a:t>
+            </a:r>
+            <a:r>
+              <a:rPr lang="vi-VN" dirty="0"/>
+              <a:t> </a:t>
+            </a:r>
+            <a:r>
+              <a:rPr lang="vi-VN" dirty="0" err="1"/>
+              <a:t>liệu</a:t>
+            </a:r>
+            <a:r>
+              <a:rPr lang="vi-VN" dirty="0"/>
+              <a:t> tham </a:t>
+            </a:r>
+            <a:r>
+              <a:rPr lang="vi-VN" dirty="0" err="1"/>
+              <a:t>khảo</a:t>
+            </a:r>
+            <a:endParaRPr lang="en-US" dirty="0"/>
+          </a:p>
+          <a:p>
+            <a:endParaRPr lang="en-US" dirty="0"/>
+          </a:p>
+        </p:txBody>
+      </p:sp>
+      <p:sp>
+        <p:nvSpPr>
+          <p:cNvPr id="6" name="Slide Number Placeholder 5">
+            <a:extLst>
+              <a:ext uri="{FF2B5EF4-FFF2-40B4-BE49-F238E27FC236}">
+                <a16:creationId xmlns:a16="http://schemas.microsoft.com/office/drawing/2014/main" id="{11E4677A-4F02-4478-B9B8-685D0B6264D3}"/>
+              </a:ext>
+            </a:extLst>
+          </p:cNvPr>
+          <p:cNvSpPr>
+            <a:spLocks noGrp="1"/>
+          </p:cNvSpPr>
+          <p:nvPr>
+            <p:ph type="sldNum" sz="quarter" idx="12"/>
+          </p:nvPr>
+        </p:nvSpPr>
+        <p:spPr/>
+        <p:txBody>
+          <a:bodyPr/>
+          <a:lstStyle/>
+          <a:p>
+            <a:fld id="{9EA0BE3B-158A-4EDF-80DC-E394A0D1600F}" type="slidenum">
+              <a:rPr lang="en-US" smtClean="0"/>
+              <a:pPr/>
+              <a:t>19</a:t>
+            </a:fld>
+            <a:endParaRPr lang="en-US"/>
+          </a:p>
+        </p:txBody>
+      </p:sp>
+    </p:spTree>
+    <p:extLst>
+      <p:ext uri="{BB962C8B-B14F-4D97-AF65-F5344CB8AC3E}">
+        <p14:creationId xmlns:p14="http://schemas.microsoft.com/office/powerpoint/2010/main" val="2128497670"/>
       </p:ext>
     </p:extLst>
   </p:cSld>
@@ -3490,6 +7038,2815 @@
     <p:extLst>
       <p:ext uri="{BB962C8B-B14F-4D97-AF65-F5344CB8AC3E}">
         <p14:creationId xmlns:p14="http://schemas.microsoft.com/office/powerpoint/2010/main" val="1234004128"/>
+      </p:ext>
+    </p:extLst>
+  </p:cSld>
+  <p:clrMapOvr>
+    <a:masterClrMapping/>
+  </p:clrMapOvr>
+</p:sld>
+</file>
+
+<file path=ppt/slides/slide20.xml><?xml version="1.0" encoding="utf-8"?>
+<p:sld xmlns:a="http://schemas.openxmlformats.org/drawingml/2006/main" xmlns:r="http://schemas.openxmlformats.org/officeDocument/2006/relationships" xmlns:p="http://schemas.openxmlformats.org/presentationml/2006/main">
+  <p:cSld>
+    <p:spTree>
+      <p:nvGrpSpPr>
+        <p:cNvPr id="1" name=""/>
+        <p:cNvGrpSpPr/>
+        <p:nvPr/>
+      </p:nvGrpSpPr>
+      <p:grpSpPr>
+        <a:xfrm>
+          <a:off x="0" y="0"/>
+          <a:ext cx="0" cy="0"/>
+          <a:chOff x="0" y="0"/>
+          <a:chExt cx="0" cy="0"/>
+        </a:xfrm>
+      </p:grpSpPr>
+      <p:sp>
+        <p:nvSpPr>
+          <p:cNvPr id="2" name="Title 1">
+            <a:extLst>
+              <a:ext uri="{FF2B5EF4-FFF2-40B4-BE49-F238E27FC236}">
+                <a16:creationId xmlns:a16="http://schemas.microsoft.com/office/drawing/2014/main" id="{C7A5D019-96A4-4D1E-AFB5-09D65C86E12D}"/>
+              </a:ext>
+            </a:extLst>
+          </p:cNvPr>
+          <p:cNvSpPr>
+            <a:spLocks noGrp="1"/>
+          </p:cNvSpPr>
+          <p:nvPr>
+            <p:ph type="title"/>
+          </p:nvPr>
+        </p:nvSpPr>
+        <p:spPr/>
+        <p:txBody>
+          <a:bodyPr/>
+          <a:lstStyle/>
+          <a:p>
+            <a:r>
+              <a:rPr lang="vi-VN" dirty="0"/>
+              <a:t>IV. </a:t>
+            </a:r>
+            <a:r>
+              <a:rPr lang="vi-VN" dirty="0" err="1"/>
+              <a:t>Hàm</a:t>
+            </a:r>
+            <a:r>
+              <a:rPr lang="vi-VN" dirty="0"/>
+              <a:t> </a:t>
+            </a:r>
+            <a:r>
+              <a:rPr lang="vi-VN" dirty="0" err="1"/>
+              <a:t>lỗi</a:t>
+            </a:r>
+            <a:r>
+              <a:rPr lang="vi-VN" dirty="0"/>
+              <a:t> và </a:t>
+            </a:r>
+            <a:r>
+              <a:rPr lang="vi-VN" dirty="0" err="1"/>
+              <a:t>thuật</a:t>
+            </a:r>
+            <a:r>
+              <a:rPr lang="vi-VN" dirty="0"/>
+              <a:t> </a:t>
+            </a:r>
+            <a:r>
+              <a:rPr lang="vi-VN" dirty="0" err="1"/>
+              <a:t>toán</a:t>
+            </a:r>
+            <a:r>
+              <a:rPr lang="vi-VN" dirty="0"/>
+              <a:t> </a:t>
+            </a:r>
+            <a:r>
+              <a:rPr lang="vi-VN" dirty="0" err="1"/>
+              <a:t>tối</a:t>
+            </a:r>
+            <a:r>
+              <a:rPr lang="vi-VN" dirty="0"/>
+              <a:t> ưu hóa</a:t>
+            </a:r>
+            <a:endParaRPr lang="en-US" dirty="0"/>
+          </a:p>
+        </p:txBody>
+      </p:sp>
+      <p:sp>
+        <p:nvSpPr>
+          <p:cNvPr id="3" name="Text Placeholder 2">
+            <a:extLst>
+              <a:ext uri="{FF2B5EF4-FFF2-40B4-BE49-F238E27FC236}">
+                <a16:creationId xmlns:a16="http://schemas.microsoft.com/office/drawing/2014/main" id="{A5726603-7893-4AE0-9532-68058044B69D}"/>
+              </a:ext>
+            </a:extLst>
+          </p:cNvPr>
+          <p:cNvSpPr>
+            <a:spLocks noGrp="1"/>
+          </p:cNvSpPr>
+          <p:nvPr>
+            <p:ph type="body" sz="quarter" idx="13"/>
+          </p:nvPr>
+        </p:nvSpPr>
+        <p:spPr/>
+        <p:txBody>
+          <a:bodyPr/>
+          <a:lstStyle/>
+          <a:p>
+            <a:pPr marL="0" indent="0">
+              <a:buNone/>
+            </a:pPr>
+            <a:r>
+              <a:rPr lang="vi-VN" dirty="0"/>
+              <a:t>Sử dụng hệ </a:t>
+            </a:r>
+            <a:r>
+              <a:rPr lang="vi-VN" dirty="0" err="1"/>
+              <a:t>số</a:t>
+            </a:r>
+            <a:r>
+              <a:rPr lang="vi-VN" dirty="0"/>
+              <a:t> </a:t>
+            </a:r>
+            <a:r>
+              <a:rPr lang="vi-VN" dirty="0" err="1"/>
+              <a:t>jaccard</a:t>
+            </a:r>
+            <a:r>
+              <a:rPr lang="vi-VN" dirty="0"/>
+              <a:t> </a:t>
+            </a:r>
+            <a:r>
+              <a:rPr lang="vi-VN" dirty="0" err="1"/>
+              <a:t>để</a:t>
+            </a:r>
+            <a:r>
+              <a:rPr lang="vi-VN" dirty="0"/>
+              <a:t> nhận </a:t>
+            </a:r>
+            <a:r>
+              <a:rPr lang="vi-VN" dirty="0" err="1"/>
+              <a:t>biết</a:t>
+            </a:r>
+            <a:r>
+              <a:rPr lang="vi-VN" dirty="0"/>
+              <a:t> được đâu là </a:t>
+            </a:r>
+            <a:r>
+              <a:rPr lang="vi-VN" dirty="0" err="1"/>
+              <a:t>negative</a:t>
+            </a:r>
+            <a:r>
+              <a:rPr lang="vi-VN" dirty="0"/>
+              <a:t> </a:t>
+            </a:r>
+            <a:r>
+              <a:rPr lang="vi-VN" dirty="0" err="1"/>
+              <a:t>đầu</a:t>
+            </a:r>
+            <a:r>
+              <a:rPr lang="vi-VN" dirty="0"/>
+              <a:t> </a:t>
+            </a:r>
+            <a:r>
+              <a:rPr lang="vi-VN" dirty="0" err="1"/>
+              <a:t>positive</a:t>
+            </a:r>
+            <a:endParaRPr lang="vi-VN" dirty="0"/>
+          </a:p>
+        </p:txBody>
+      </p:sp>
+      <p:sp>
+        <p:nvSpPr>
+          <p:cNvPr id="6" name="Slide Number Placeholder 5">
+            <a:extLst>
+              <a:ext uri="{FF2B5EF4-FFF2-40B4-BE49-F238E27FC236}">
+                <a16:creationId xmlns:a16="http://schemas.microsoft.com/office/drawing/2014/main" id="{11E4677A-4F02-4478-B9B8-685D0B6264D3}"/>
+              </a:ext>
+            </a:extLst>
+          </p:cNvPr>
+          <p:cNvSpPr>
+            <a:spLocks noGrp="1"/>
+          </p:cNvSpPr>
+          <p:nvPr>
+            <p:ph type="sldNum" sz="quarter" idx="12"/>
+          </p:nvPr>
+        </p:nvSpPr>
+        <p:spPr/>
+        <p:txBody>
+          <a:bodyPr/>
+          <a:lstStyle/>
+          <a:p>
+            <a:fld id="{9EA0BE3B-158A-4EDF-80DC-E394A0D1600F}" type="slidenum">
+              <a:rPr lang="en-US" smtClean="0"/>
+              <a:pPr/>
+              <a:t>20</a:t>
+            </a:fld>
+            <a:endParaRPr lang="en-US"/>
+          </a:p>
+        </p:txBody>
+      </p:sp>
+      <p:pic>
+        <p:nvPicPr>
+          <p:cNvPr id="4" name="Hình ảnh 3">
+            <a:extLst>
+              <a:ext uri="{FF2B5EF4-FFF2-40B4-BE49-F238E27FC236}">
+                <a16:creationId xmlns:a16="http://schemas.microsoft.com/office/drawing/2014/main" id="{58D64311-9B0A-4C27-B70D-802F758E906F}"/>
+              </a:ext>
+            </a:extLst>
+          </p:cNvPr>
+          <p:cNvPicPr>
+            <a:picLocks noChangeAspect="1"/>
+          </p:cNvPicPr>
+          <p:nvPr/>
+        </p:nvPicPr>
+        <p:blipFill>
+          <a:blip r:embed="rId2"/>
+          <a:stretch>
+            <a:fillRect/>
+          </a:stretch>
+        </p:blipFill>
+        <p:spPr>
+          <a:xfrm>
+            <a:off x="1959428" y="1529445"/>
+            <a:ext cx="7800392" cy="4209780"/>
+          </a:xfrm>
+          <a:prstGeom prst="rect">
+            <a:avLst/>
+          </a:prstGeom>
+        </p:spPr>
+      </p:pic>
+    </p:spTree>
+    <p:extLst>
+      <p:ext uri="{BB962C8B-B14F-4D97-AF65-F5344CB8AC3E}">
+        <p14:creationId xmlns:p14="http://schemas.microsoft.com/office/powerpoint/2010/main" val="2400008057"/>
+      </p:ext>
+    </p:extLst>
+  </p:cSld>
+  <p:clrMapOvr>
+    <a:masterClrMapping/>
+  </p:clrMapOvr>
+</p:sld>
+</file>
+
+<file path=ppt/slides/slide21.xml><?xml version="1.0" encoding="utf-8"?>
+<p:sld xmlns:a="http://schemas.openxmlformats.org/drawingml/2006/main" xmlns:r="http://schemas.openxmlformats.org/officeDocument/2006/relationships" xmlns:p="http://schemas.openxmlformats.org/presentationml/2006/main">
+  <p:cSld>
+    <p:spTree>
+      <p:nvGrpSpPr>
+        <p:cNvPr id="1" name=""/>
+        <p:cNvGrpSpPr/>
+        <p:nvPr/>
+      </p:nvGrpSpPr>
+      <p:grpSpPr>
+        <a:xfrm>
+          <a:off x="0" y="0"/>
+          <a:ext cx="0" cy="0"/>
+          <a:chOff x="0" y="0"/>
+          <a:chExt cx="0" cy="0"/>
+        </a:xfrm>
+      </p:grpSpPr>
+      <p:sp>
+        <p:nvSpPr>
+          <p:cNvPr id="2" name="Title 1">
+            <a:extLst>
+              <a:ext uri="{FF2B5EF4-FFF2-40B4-BE49-F238E27FC236}">
+                <a16:creationId xmlns:a16="http://schemas.microsoft.com/office/drawing/2014/main" id="{C7A5D019-96A4-4D1E-AFB5-09D65C86E12D}"/>
+              </a:ext>
+            </a:extLst>
+          </p:cNvPr>
+          <p:cNvSpPr>
+            <a:spLocks noGrp="1"/>
+          </p:cNvSpPr>
+          <p:nvPr>
+            <p:ph type="title"/>
+          </p:nvPr>
+        </p:nvSpPr>
+        <p:spPr/>
+        <p:txBody>
+          <a:bodyPr/>
+          <a:lstStyle/>
+          <a:p>
+            <a:r>
+              <a:rPr lang="vi-VN" dirty="0"/>
+              <a:t>IV. </a:t>
+            </a:r>
+            <a:r>
+              <a:rPr lang="vi-VN" dirty="0" err="1"/>
+              <a:t>Hàm</a:t>
+            </a:r>
+            <a:r>
+              <a:rPr lang="vi-VN" dirty="0"/>
+              <a:t> </a:t>
+            </a:r>
+            <a:r>
+              <a:rPr lang="vi-VN" dirty="0" err="1"/>
+              <a:t>lỗi</a:t>
+            </a:r>
+            <a:r>
+              <a:rPr lang="vi-VN" dirty="0"/>
+              <a:t> và </a:t>
+            </a:r>
+            <a:r>
+              <a:rPr lang="vi-VN" dirty="0" err="1"/>
+              <a:t>thuật</a:t>
+            </a:r>
+            <a:r>
+              <a:rPr lang="vi-VN" dirty="0"/>
+              <a:t> </a:t>
+            </a:r>
+            <a:r>
+              <a:rPr lang="vi-VN" dirty="0" err="1"/>
+              <a:t>toán</a:t>
+            </a:r>
+            <a:r>
+              <a:rPr lang="vi-VN" dirty="0"/>
+              <a:t> </a:t>
+            </a:r>
+            <a:r>
+              <a:rPr lang="vi-VN" dirty="0" err="1"/>
+              <a:t>tối</a:t>
+            </a:r>
+            <a:r>
+              <a:rPr lang="vi-VN" dirty="0"/>
+              <a:t> ưu hóa</a:t>
+            </a:r>
+            <a:endParaRPr lang="en-US" dirty="0"/>
+          </a:p>
+        </p:txBody>
+      </p:sp>
+      <p:sp>
+        <p:nvSpPr>
+          <p:cNvPr id="3" name="Text Placeholder 2">
+            <a:extLst>
+              <a:ext uri="{FF2B5EF4-FFF2-40B4-BE49-F238E27FC236}">
+                <a16:creationId xmlns:a16="http://schemas.microsoft.com/office/drawing/2014/main" id="{A5726603-7893-4AE0-9532-68058044B69D}"/>
+              </a:ext>
+            </a:extLst>
+          </p:cNvPr>
+          <p:cNvSpPr>
+            <a:spLocks noGrp="1"/>
+          </p:cNvSpPr>
+          <p:nvPr>
+            <p:ph type="body" sz="quarter" idx="13"/>
+          </p:nvPr>
+        </p:nvSpPr>
+        <p:spPr/>
+        <p:txBody>
+          <a:bodyPr/>
+          <a:lstStyle/>
+          <a:p>
+            <a:r>
+              <a:rPr lang="vi-VN" dirty="0"/>
+              <a:t>SmoothL1Loss</a:t>
+            </a:r>
+          </a:p>
+          <a:p>
+            <a:r>
+              <a:rPr lang="vi-VN" dirty="0" err="1"/>
+              <a:t>Bình</a:t>
+            </a:r>
+            <a:r>
+              <a:rPr lang="vi-VN" dirty="0"/>
+              <a:t> </a:t>
+            </a:r>
+            <a:r>
+              <a:rPr lang="vi-VN" dirty="0" err="1"/>
+              <a:t>thường</a:t>
+            </a:r>
+            <a:r>
+              <a:rPr lang="vi-VN" dirty="0"/>
+              <a:t> sẽ </a:t>
+            </a:r>
+            <a:r>
+              <a:rPr lang="vi-VN" dirty="0" err="1"/>
+              <a:t>dùng</a:t>
+            </a:r>
+            <a:r>
+              <a:rPr lang="vi-VN" dirty="0"/>
+              <a:t> MSE (</a:t>
+            </a:r>
+            <a:r>
+              <a:rPr lang="vi-VN" dirty="0" err="1"/>
+              <a:t>Mean</a:t>
+            </a:r>
+            <a:r>
+              <a:rPr lang="vi-VN" dirty="0"/>
+              <a:t> </a:t>
+            </a:r>
+            <a:r>
+              <a:rPr lang="vi-VN" dirty="0" err="1"/>
+              <a:t>Square</a:t>
+            </a:r>
+            <a:r>
+              <a:rPr lang="vi-VN" dirty="0"/>
+              <a:t> </a:t>
+            </a:r>
+            <a:r>
+              <a:rPr lang="vi-VN" dirty="0" err="1"/>
+              <a:t>Error</a:t>
+            </a:r>
+            <a:r>
+              <a:rPr lang="vi-VN" dirty="0"/>
+              <a:t>) cho </a:t>
+            </a:r>
+            <a:r>
+              <a:rPr lang="vi-VN" dirty="0" err="1"/>
+              <a:t>bài</a:t>
+            </a:r>
+            <a:r>
+              <a:rPr lang="vi-VN" dirty="0"/>
+              <a:t> </a:t>
+            </a:r>
+            <a:r>
+              <a:rPr lang="vi-VN" dirty="0" err="1"/>
+              <a:t>toán</a:t>
+            </a:r>
+            <a:r>
+              <a:rPr lang="vi-VN" dirty="0"/>
+              <a:t> </a:t>
+            </a:r>
+            <a:r>
+              <a:rPr lang="vi-VN" dirty="0" err="1"/>
+              <a:t>regression</a:t>
+            </a:r>
+            <a:endParaRPr lang="vi-VN" dirty="0"/>
+          </a:p>
+          <a:p>
+            <a:r>
+              <a:rPr lang="vi-VN" dirty="0"/>
+              <a:t>Trong SSD </a:t>
+            </a:r>
+            <a:r>
+              <a:rPr lang="vi-VN" dirty="0" err="1"/>
+              <a:t>chỉnh</a:t>
+            </a:r>
+            <a:r>
+              <a:rPr lang="vi-VN" dirty="0"/>
+              <a:t> </a:t>
+            </a:r>
+            <a:r>
+              <a:rPr lang="vi-VN" dirty="0" err="1"/>
+              <a:t>sửa</a:t>
+            </a:r>
+            <a:r>
+              <a:rPr lang="vi-VN" dirty="0"/>
+              <a:t> lại MSE </a:t>
+            </a:r>
+            <a:r>
+              <a:rPr lang="vi-VN" dirty="0" err="1"/>
+              <a:t>để</a:t>
+            </a:r>
+            <a:r>
+              <a:rPr lang="vi-VN" dirty="0"/>
+              <a:t> </a:t>
+            </a:r>
+            <a:r>
+              <a:rPr lang="vi-VN" dirty="0" err="1"/>
+              <a:t>làm</a:t>
+            </a:r>
+            <a:r>
+              <a:rPr lang="vi-VN" dirty="0"/>
+              <a:t> </a:t>
+            </a:r>
+            <a:r>
+              <a:rPr lang="vi-VN" dirty="0" err="1"/>
+              <a:t>hàm</a:t>
+            </a:r>
+            <a:r>
+              <a:rPr lang="vi-VN" dirty="0"/>
+              <a:t> </a:t>
+            </a:r>
+            <a:r>
+              <a:rPr lang="vi-VN" dirty="0" err="1"/>
+              <a:t>loss</a:t>
+            </a:r>
+            <a:r>
+              <a:rPr lang="vi-VN" dirty="0"/>
+              <a:t> cho </a:t>
+            </a:r>
+            <a:r>
+              <a:rPr lang="vi-VN" dirty="0" err="1"/>
+              <a:t>regression</a:t>
+            </a:r>
+            <a:endParaRPr lang="vi-VN" dirty="0"/>
+          </a:p>
+        </p:txBody>
+      </p:sp>
+      <p:sp>
+        <p:nvSpPr>
+          <p:cNvPr id="6" name="Slide Number Placeholder 5">
+            <a:extLst>
+              <a:ext uri="{FF2B5EF4-FFF2-40B4-BE49-F238E27FC236}">
+                <a16:creationId xmlns:a16="http://schemas.microsoft.com/office/drawing/2014/main" id="{11E4677A-4F02-4478-B9B8-685D0B6264D3}"/>
+              </a:ext>
+            </a:extLst>
+          </p:cNvPr>
+          <p:cNvSpPr>
+            <a:spLocks noGrp="1"/>
+          </p:cNvSpPr>
+          <p:nvPr>
+            <p:ph type="sldNum" sz="quarter" idx="12"/>
+          </p:nvPr>
+        </p:nvSpPr>
+        <p:spPr/>
+        <p:txBody>
+          <a:bodyPr/>
+          <a:lstStyle/>
+          <a:p>
+            <a:fld id="{9EA0BE3B-158A-4EDF-80DC-E394A0D1600F}" type="slidenum">
+              <a:rPr lang="en-US" smtClean="0"/>
+              <a:pPr/>
+              <a:t>21</a:t>
+            </a:fld>
+            <a:endParaRPr lang="en-US"/>
+          </a:p>
+        </p:txBody>
+      </p:sp>
+      <p:pic>
+        <p:nvPicPr>
+          <p:cNvPr id="8" name="Hình ảnh 7">
+            <a:extLst>
+              <a:ext uri="{FF2B5EF4-FFF2-40B4-BE49-F238E27FC236}">
+                <a16:creationId xmlns:a16="http://schemas.microsoft.com/office/drawing/2014/main" id="{6A2B7C6E-E194-4F77-85C3-E17E6FDB1DFE}"/>
+              </a:ext>
+            </a:extLst>
+          </p:cNvPr>
+          <p:cNvPicPr>
+            <a:picLocks noChangeAspect="1"/>
+          </p:cNvPicPr>
+          <p:nvPr/>
+        </p:nvPicPr>
+        <p:blipFill>
+          <a:blip r:embed="rId2"/>
+          <a:stretch>
+            <a:fillRect/>
+          </a:stretch>
+        </p:blipFill>
+        <p:spPr>
+          <a:xfrm>
+            <a:off x="2233823" y="3326566"/>
+            <a:ext cx="7970444" cy="1590667"/>
+          </a:xfrm>
+          <a:prstGeom prst="rect">
+            <a:avLst/>
+          </a:prstGeom>
+        </p:spPr>
+      </p:pic>
+    </p:spTree>
+    <p:extLst>
+      <p:ext uri="{BB962C8B-B14F-4D97-AF65-F5344CB8AC3E}">
+        <p14:creationId xmlns:p14="http://schemas.microsoft.com/office/powerpoint/2010/main" val="3070023526"/>
+      </p:ext>
+    </p:extLst>
+  </p:cSld>
+  <p:clrMapOvr>
+    <a:masterClrMapping/>
+  </p:clrMapOvr>
+</p:sld>
+</file>
+
+<file path=ppt/slides/slide22.xml><?xml version="1.0" encoding="utf-8"?>
+<p:sld xmlns:a="http://schemas.openxmlformats.org/drawingml/2006/main" xmlns:r="http://schemas.openxmlformats.org/officeDocument/2006/relationships" xmlns:p="http://schemas.openxmlformats.org/presentationml/2006/main">
+  <p:cSld>
+    <p:spTree>
+      <p:nvGrpSpPr>
+        <p:cNvPr id="1" name=""/>
+        <p:cNvGrpSpPr/>
+        <p:nvPr/>
+      </p:nvGrpSpPr>
+      <p:grpSpPr>
+        <a:xfrm>
+          <a:off x="0" y="0"/>
+          <a:ext cx="0" cy="0"/>
+          <a:chOff x="0" y="0"/>
+          <a:chExt cx="0" cy="0"/>
+        </a:xfrm>
+      </p:grpSpPr>
+      <p:sp>
+        <p:nvSpPr>
+          <p:cNvPr id="2" name="Title 1">
+            <a:extLst>
+              <a:ext uri="{FF2B5EF4-FFF2-40B4-BE49-F238E27FC236}">
+                <a16:creationId xmlns:a16="http://schemas.microsoft.com/office/drawing/2014/main" id="{C7A5D019-96A4-4D1E-AFB5-09D65C86E12D}"/>
+              </a:ext>
+            </a:extLst>
+          </p:cNvPr>
+          <p:cNvSpPr>
+            <a:spLocks noGrp="1"/>
+          </p:cNvSpPr>
+          <p:nvPr>
+            <p:ph type="title"/>
+          </p:nvPr>
+        </p:nvSpPr>
+        <p:spPr/>
+        <p:txBody>
+          <a:bodyPr/>
+          <a:lstStyle/>
+          <a:p>
+            <a:r>
+              <a:rPr lang="vi-VN" dirty="0"/>
+              <a:t>IV. </a:t>
+            </a:r>
+            <a:r>
+              <a:rPr lang="vi-VN" dirty="0" err="1"/>
+              <a:t>Hàm</a:t>
+            </a:r>
+            <a:r>
+              <a:rPr lang="vi-VN" dirty="0"/>
+              <a:t> </a:t>
+            </a:r>
+            <a:r>
+              <a:rPr lang="vi-VN" dirty="0" err="1"/>
+              <a:t>lỗi</a:t>
+            </a:r>
+            <a:r>
+              <a:rPr lang="vi-VN" dirty="0"/>
+              <a:t> và </a:t>
+            </a:r>
+            <a:r>
+              <a:rPr lang="vi-VN" dirty="0" err="1"/>
+              <a:t>thuật</a:t>
+            </a:r>
+            <a:r>
+              <a:rPr lang="vi-VN" dirty="0"/>
+              <a:t> </a:t>
+            </a:r>
+            <a:r>
+              <a:rPr lang="vi-VN" dirty="0" err="1"/>
+              <a:t>toán</a:t>
+            </a:r>
+            <a:r>
+              <a:rPr lang="vi-VN" dirty="0"/>
+              <a:t> </a:t>
+            </a:r>
+            <a:r>
+              <a:rPr lang="vi-VN" dirty="0" err="1"/>
+              <a:t>tối</a:t>
+            </a:r>
+            <a:r>
+              <a:rPr lang="vi-VN" dirty="0"/>
+              <a:t> ưu hóa</a:t>
+            </a:r>
+            <a:endParaRPr lang="en-US" dirty="0"/>
+          </a:p>
+        </p:txBody>
+      </p:sp>
+      <p:sp>
+        <p:nvSpPr>
+          <p:cNvPr id="3" name="Text Placeholder 2">
+            <a:extLst>
+              <a:ext uri="{FF2B5EF4-FFF2-40B4-BE49-F238E27FC236}">
+                <a16:creationId xmlns:a16="http://schemas.microsoft.com/office/drawing/2014/main" id="{A5726603-7893-4AE0-9532-68058044B69D}"/>
+              </a:ext>
+            </a:extLst>
+          </p:cNvPr>
+          <p:cNvSpPr>
+            <a:spLocks noGrp="1"/>
+          </p:cNvSpPr>
+          <p:nvPr>
+            <p:ph type="body" sz="quarter" idx="13"/>
+          </p:nvPr>
+        </p:nvSpPr>
+        <p:spPr/>
+        <p:txBody>
+          <a:bodyPr/>
+          <a:lstStyle/>
+          <a:p>
+            <a:pPr marL="0" indent="0">
+              <a:buNone/>
+            </a:pPr>
+            <a:r>
+              <a:rPr lang="vi-VN" dirty="0" err="1"/>
+              <a:t>Confident</a:t>
+            </a:r>
+            <a:r>
+              <a:rPr lang="vi-VN" dirty="0"/>
+              <a:t> </a:t>
+            </a:r>
+            <a:r>
+              <a:rPr lang="vi-VN" dirty="0" err="1"/>
+              <a:t>loss</a:t>
+            </a:r>
+            <a:endParaRPr lang="vi-VN" dirty="0"/>
+          </a:p>
+        </p:txBody>
+      </p:sp>
+      <p:sp>
+        <p:nvSpPr>
+          <p:cNvPr id="6" name="Slide Number Placeholder 5">
+            <a:extLst>
+              <a:ext uri="{FF2B5EF4-FFF2-40B4-BE49-F238E27FC236}">
+                <a16:creationId xmlns:a16="http://schemas.microsoft.com/office/drawing/2014/main" id="{11E4677A-4F02-4478-B9B8-685D0B6264D3}"/>
+              </a:ext>
+            </a:extLst>
+          </p:cNvPr>
+          <p:cNvSpPr>
+            <a:spLocks noGrp="1"/>
+          </p:cNvSpPr>
+          <p:nvPr>
+            <p:ph type="sldNum" sz="quarter" idx="12"/>
+          </p:nvPr>
+        </p:nvSpPr>
+        <p:spPr/>
+        <p:txBody>
+          <a:bodyPr/>
+          <a:lstStyle/>
+          <a:p>
+            <a:fld id="{9EA0BE3B-158A-4EDF-80DC-E394A0D1600F}" type="slidenum">
+              <a:rPr lang="en-US" smtClean="0"/>
+              <a:pPr/>
+              <a:t>22</a:t>
+            </a:fld>
+            <a:endParaRPr lang="en-US"/>
+          </a:p>
+        </p:txBody>
+      </p:sp>
+      <p:pic>
+        <p:nvPicPr>
+          <p:cNvPr id="5" name="Hình ảnh 4">
+            <a:extLst>
+              <a:ext uri="{FF2B5EF4-FFF2-40B4-BE49-F238E27FC236}">
+                <a16:creationId xmlns:a16="http://schemas.microsoft.com/office/drawing/2014/main" id="{7BE173E8-C887-4F69-8E8B-B0631F055FF0}"/>
+              </a:ext>
+            </a:extLst>
+          </p:cNvPr>
+          <p:cNvPicPr>
+            <a:picLocks noChangeAspect="1"/>
+          </p:cNvPicPr>
+          <p:nvPr/>
+        </p:nvPicPr>
+        <p:blipFill>
+          <a:blip r:embed="rId2"/>
+          <a:stretch>
+            <a:fillRect/>
+          </a:stretch>
+        </p:blipFill>
+        <p:spPr>
+          <a:xfrm>
+            <a:off x="605314" y="2666934"/>
+            <a:ext cx="10981372" cy="1524132"/>
+          </a:xfrm>
+          <a:prstGeom prst="rect">
+            <a:avLst/>
+          </a:prstGeom>
+        </p:spPr>
+      </p:pic>
+    </p:spTree>
+    <p:extLst>
+      <p:ext uri="{BB962C8B-B14F-4D97-AF65-F5344CB8AC3E}">
+        <p14:creationId xmlns:p14="http://schemas.microsoft.com/office/powerpoint/2010/main" val="948530121"/>
+      </p:ext>
+    </p:extLst>
+  </p:cSld>
+  <p:clrMapOvr>
+    <a:masterClrMapping/>
+  </p:clrMapOvr>
+</p:sld>
+</file>
+
+<file path=ppt/slides/slide23.xml><?xml version="1.0" encoding="utf-8"?>
+<p:sld xmlns:a="http://schemas.openxmlformats.org/drawingml/2006/main" xmlns:r="http://schemas.openxmlformats.org/officeDocument/2006/relationships" xmlns:p="http://schemas.openxmlformats.org/presentationml/2006/main">
+  <p:cSld>
+    <p:spTree>
+      <p:nvGrpSpPr>
+        <p:cNvPr id="1" name=""/>
+        <p:cNvGrpSpPr/>
+        <p:nvPr/>
+      </p:nvGrpSpPr>
+      <p:grpSpPr>
+        <a:xfrm>
+          <a:off x="0" y="0"/>
+          <a:ext cx="0" cy="0"/>
+          <a:chOff x="0" y="0"/>
+          <a:chExt cx="0" cy="0"/>
+        </a:xfrm>
+      </p:grpSpPr>
+      <p:sp>
+        <p:nvSpPr>
+          <p:cNvPr id="2" name="Title 1">
+            <a:extLst>
+              <a:ext uri="{FF2B5EF4-FFF2-40B4-BE49-F238E27FC236}">
+                <a16:creationId xmlns:a16="http://schemas.microsoft.com/office/drawing/2014/main" id="{C7A5D019-96A4-4D1E-AFB5-09D65C86E12D}"/>
+              </a:ext>
+            </a:extLst>
+          </p:cNvPr>
+          <p:cNvSpPr>
+            <a:spLocks noGrp="1"/>
+          </p:cNvSpPr>
+          <p:nvPr>
+            <p:ph type="title"/>
+          </p:nvPr>
+        </p:nvSpPr>
+        <p:spPr/>
+        <p:txBody>
+          <a:bodyPr/>
+          <a:lstStyle/>
+          <a:p>
+            <a:r>
+              <a:rPr lang="vi-VN" dirty="0"/>
+              <a:t>IV. </a:t>
+            </a:r>
+            <a:r>
+              <a:rPr lang="vi-VN" dirty="0" err="1"/>
+              <a:t>Hàm</a:t>
+            </a:r>
+            <a:r>
+              <a:rPr lang="vi-VN" dirty="0"/>
+              <a:t> </a:t>
+            </a:r>
+            <a:r>
+              <a:rPr lang="vi-VN" dirty="0" err="1"/>
+              <a:t>lỗi</a:t>
+            </a:r>
+            <a:r>
+              <a:rPr lang="vi-VN" dirty="0"/>
+              <a:t> và </a:t>
+            </a:r>
+            <a:r>
+              <a:rPr lang="vi-VN" dirty="0" err="1"/>
+              <a:t>thuật</a:t>
+            </a:r>
+            <a:r>
+              <a:rPr lang="vi-VN" dirty="0"/>
+              <a:t> </a:t>
+            </a:r>
+            <a:r>
+              <a:rPr lang="vi-VN" dirty="0" err="1"/>
+              <a:t>toán</a:t>
+            </a:r>
+            <a:r>
+              <a:rPr lang="vi-VN" dirty="0"/>
+              <a:t> </a:t>
+            </a:r>
+            <a:r>
+              <a:rPr lang="vi-VN" dirty="0" err="1"/>
+              <a:t>tối</a:t>
+            </a:r>
+            <a:r>
+              <a:rPr lang="vi-VN" dirty="0"/>
+              <a:t> ưu hóa</a:t>
+            </a:r>
+            <a:endParaRPr lang="en-US" dirty="0"/>
+          </a:p>
+        </p:txBody>
+      </p:sp>
+      <p:sp>
+        <p:nvSpPr>
+          <p:cNvPr id="3" name="Text Placeholder 2">
+            <a:extLst>
+              <a:ext uri="{FF2B5EF4-FFF2-40B4-BE49-F238E27FC236}">
+                <a16:creationId xmlns:a16="http://schemas.microsoft.com/office/drawing/2014/main" id="{A5726603-7893-4AE0-9532-68058044B69D}"/>
+              </a:ext>
+            </a:extLst>
+          </p:cNvPr>
+          <p:cNvSpPr>
+            <a:spLocks noGrp="1"/>
+          </p:cNvSpPr>
+          <p:nvPr>
+            <p:ph type="body" sz="quarter" idx="13"/>
+          </p:nvPr>
+        </p:nvSpPr>
+        <p:spPr/>
+        <p:txBody>
+          <a:bodyPr/>
+          <a:lstStyle/>
+          <a:p>
+            <a:pPr marL="0" indent="0">
+              <a:buNone/>
+            </a:pPr>
+            <a:r>
+              <a:rPr lang="vi-VN" dirty="0" err="1"/>
+              <a:t>Tổng</a:t>
+            </a:r>
+            <a:r>
+              <a:rPr lang="vi-VN" dirty="0"/>
+              <a:t> </a:t>
+            </a:r>
+            <a:r>
+              <a:rPr lang="vi-VN" dirty="0" err="1"/>
+              <a:t>lỗi</a:t>
+            </a:r>
+            <a:r>
+              <a:rPr lang="vi-VN" dirty="0"/>
+              <a:t>:</a:t>
+            </a:r>
+          </a:p>
+          <a:p>
+            <a:pPr marL="0" indent="0">
+              <a:buNone/>
+            </a:pPr>
+            <a:endParaRPr lang="vi-VN" dirty="0"/>
+          </a:p>
+        </p:txBody>
+      </p:sp>
+      <p:sp>
+        <p:nvSpPr>
+          <p:cNvPr id="6" name="Slide Number Placeholder 5">
+            <a:extLst>
+              <a:ext uri="{FF2B5EF4-FFF2-40B4-BE49-F238E27FC236}">
+                <a16:creationId xmlns:a16="http://schemas.microsoft.com/office/drawing/2014/main" id="{11E4677A-4F02-4478-B9B8-685D0B6264D3}"/>
+              </a:ext>
+            </a:extLst>
+          </p:cNvPr>
+          <p:cNvSpPr>
+            <a:spLocks noGrp="1"/>
+          </p:cNvSpPr>
+          <p:nvPr>
+            <p:ph type="sldNum" sz="quarter" idx="12"/>
+          </p:nvPr>
+        </p:nvSpPr>
+        <p:spPr/>
+        <p:txBody>
+          <a:bodyPr/>
+          <a:lstStyle/>
+          <a:p>
+            <a:fld id="{9EA0BE3B-158A-4EDF-80DC-E394A0D1600F}" type="slidenum">
+              <a:rPr lang="en-US" smtClean="0"/>
+              <a:pPr/>
+              <a:t>23</a:t>
+            </a:fld>
+            <a:endParaRPr lang="en-US"/>
+          </a:p>
+        </p:txBody>
+      </p:sp>
+      <p:pic>
+        <p:nvPicPr>
+          <p:cNvPr id="7" name="Hình ảnh 6">
+            <a:extLst>
+              <a:ext uri="{FF2B5EF4-FFF2-40B4-BE49-F238E27FC236}">
+                <a16:creationId xmlns:a16="http://schemas.microsoft.com/office/drawing/2014/main" id="{83CADB24-7E54-44EA-B3F9-214575FCD2D2}"/>
+              </a:ext>
+            </a:extLst>
+          </p:cNvPr>
+          <p:cNvPicPr>
+            <a:picLocks noChangeAspect="1"/>
+          </p:cNvPicPr>
+          <p:nvPr/>
+        </p:nvPicPr>
+        <p:blipFill>
+          <a:blip r:embed="rId2"/>
+          <a:stretch>
+            <a:fillRect/>
+          </a:stretch>
+        </p:blipFill>
+        <p:spPr>
+          <a:xfrm>
+            <a:off x="1734850" y="2385008"/>
+            <a:ext cx="9105727" cy="1701799"/>
+          </a:xfrm>
+          <a:prstGeom prst="rect">
+            <a:avLst/>
+          </a:prstGeom>
+        </p:spPr>
+      </p:pic>
+    </p:spTree>
+    <p:extLst>
+      <p:ext uri="{BB962C8B-B14F-4D97-AF65-F5344CB8AC3E}">
+        <p14:creationId xmlns:p14="http://schemas.microsoft.com/office/powerpoint/2010/main" val="3151005323"/>
+      </p:ext>
+    </p:extLst>
+  </p:cSld>
+  <p:clrMapOvr>
+    <a:masterClrMapping/>
+  </p:clrMapOvr>
+</p:sld>
+</file>
+
+<file path=ppt/slides/slide24.xml><?xml version="1.0" encoding="utf-8"?>
+<p:sld xmlns:a="http://schemas.openxmlformats.org/drawingml/2006/main" xmlns:r="http://schemas.openxmlformats.org/officeDocument/2006/relationships" xmlns:p="http://schemas.openxmlformats.org/presentationml/2006/main">
+  <p:cSld>
+    <p:spTree>
+      <p:nvGrpSpPr>
+        <p:cNvPr id="1" name=""/>
+        <p:cNvGrpSpPr/>
+        <p:nvPr/>
+      </p:nvGrpSpPr>
+      <p:grpSpPr>
+        <a:xfrm>
+          <a:off x="0" y="0"/>
+          <a:ext cx="0" cy="0"/>
+          <a:chOff x="0" y="0"/>
+          <a:chExt cx="0" cy="0"/>
+        </a:xfrm>
+      </p:grpSpPr>
+      <p:sp>
+        <p:nvSpPr>
+          <p:cNvPr id="2" name="Title 1">
+            <a:extLst>
+              <a:ext uri="{FF2B5EF4-FFF2-40B4-BE49-F238E27FC236}">
+                <a16:creationId xmlns:a16="http://schemas.microsoft.com/office/drawing/2014/main" id="{C7A5D019-96A4-4D1E-AFB5-09D65C86E12D}"/>
+              </a:ext>
+            </a:extLst>
+          </p:cNvPr>
+          <p:cNvSpPr>
+            <a:spLocks noGrp="1"/>
+          </p:cNvSpPr>
+          <p:nvPr>
+            <p:ph type="title"/>
+          </p:nvPr>
+        </p:nvSpPr>
+        <p:spPr/>
+        <p:txBody>
+          <a:bodyPr/>
+          <a:lstStyle/>
+          <a:p>
+            <a:pPr marL="0" indent="0">
+              <a:buNone/>
+            </a:pPr>
+            <a:r>
+              <a:rPr lang="vi-VN" dirty="0" err="1"/>
+              <a:t>Hard</a:t>
+            </a:r>
+            <a:r>
+              <a:rPr lang="vi-VN" dirty="0"/>
+              <a:t> </a:t>
+            </a:r>
+            <a:r>
+              <a:rPr lang="vi-VN" dirty="0" err="1"/>
+              <a:t>negative</a:t>
+            </a:r>
+            <a:r>
+              <a:rPr lang="vi-VN" dirty="0"/>
+              <a:t> </a:t>
+            </a:r>
+            <a:r>
+              <a:rPr lang="vi-VN" dirty="0" err="1"/>
+              <a:t>mining</a:t>
+            </a:r>
+            <a:endParaRPr lang="vi-VN" dirty="0"/>
+          </a:p>
+        </p:txBody>
+      </p:sp>
+      <p:sp>
+        <p:nvSpPr>
+          <p:cNvPr id="3" name="Text Placeholder 2">
+            <a:extLst>
+              <a:ext uri="{FF2B5EF4-FFF2-40B4-BE49-F238E27FC236}">
+                <a16:creationId xmlns:a16="http://schemas.microsoft.com/office/drawing/2014/main" id="{A5726603-7893-4AE0-9532-68058044B69D}"/>
+              </a:ext>
+            </a:extLst>
+          </p:cNvPr>
+          <p:cNvSpPr>
+            <a:spLocks noGrp="1"/>
+          </p:cNvSpPr>
+          <p:nvPr>
+            <p:ph type="body" sz="quarter" idx="13"/>
+          </p:nvPr>
+        </p:nvSpPr>
+        <p:spPr/>
+        <p:txBody>
+          <a:bodyPr/>
+          <a:lstStyle/>
+          <a:p>
+            <a:pPr marL="0" indent="0">
+              <a:buNone/>
+            </a:pPr>
+            <a:r>
+              <a:rPr lang="vi-VN" dirty="0" err="1"/>
+              <a:t>Vấn</a:t>
+            </a:r>
+            <a:r>
+              <a:rPr lang="vi-VN" dirty="0"/>
+              <a:t> </a:t>
+            </a:r>
+            <a:r>
+              <a:rPr lang="vi-VN" dirty="0" err="1"/>
+              <a:t>đề</a:t>
+            </a:r>
+            <a:endParaRPr lang="vi-VN" dirty="0"/>
+          </a:p>
+          <a:p>
+            <a:pPr marL="0" indent="0">
+              <a:buNone/>
+            </a:pPr>
+            <a:r>
+              <a:rPr lang="vi-VN" dirty="0"/>
+              <a:t>- Trong 8732 </a:t>
+            </a:r>
+            <a:r>
+              <a:rPr lang="vi-VN" dirty="0" err="1"/>
+              <a:t>Dbox</a:t>
+            </a:r>
+            <a:r>
+              <a:rPr lang="vi-VN" dirty="0"/>
+              <a:t> </a:t>
+            </a:r>
+            <a:r>
+              <a:rPr lang="vi-VN" dirty="0" err="1"/>
+              <a:t>thì</a:t>
+            </a:r>
+            <a:r>
+              <a:rPr lang="vi-VN" dirty="0"/>
+              <a:t> </a:t>
+            </a:r>
+            <a:r>
+              <a:rPr lang="vi-VN" dirty="0" err="1"/>
+              <a:t>số</a:t>
+            </a:r>
+            <a:r>
+              <a:rPr lang="vi-VN" dirty="0"/>
+              <a:t> </a:t>
+            </a:r>
+            <a:r>
+              <a:rPr lang="vi-VN" dirty="0" err="1"/>
+              <a:t>lượng</a:t>
+            </a:r>
+            <a:r>
+              <a:rPr lang="vi-VN" dirty="0"/>
+              <a:t> của </a:t>
+            </a:r>
+            <a:r>
+              <a:rPr lang="vi-VN" dirty="0" err="1"/>
+              <a:t>Negative</a:t>
+            </a:r>
+            <a:r>
+              <a:rPr lang="vi-VN" dirty="0"/>
+              <a:t> </a:t>
+            </a:r>
+            <a:r>
+              <a:rPr lang="vi-VN" dirty="0" err="1"/>
+              <a:t>DBox</a:t>
+            </a:r>
+            <a:r>
+              <a:rPr lang="vi-VN" dirty="0"/>
+              <a:t> &gt;&gt; </a:t>
+            </a:r>
+            <a:r>
+              <a:rPr lang="vi-VN" dirty="0" err="1"/>
+              <a:t>Positive</a:t>
+            </a:r>
+            <a:r>
+              <a:rPr lang="vi-VN" dirty="0"/>
+              <a:t> </a:t>
+            </a:r>
+            <a:r>
+              <a:rPr lang="vi-VN" dirty="0" err="1"/>
+              <a:t>Dbox</a:t>
+            </a:r>
+            <a:endParaRPr lang="vi-VN" dirty="0"/>
+          </a:p>
+          <a:p>
+            <a:pPr marL="0" indent="0">
+              <a:buNone/>
+            </a:pPr>
+            <a:r>
+              <a:rPr lang="vi-VN" dirty="0"/>
+              <a:t> =&gt; </a:t>
+            </a:r>
+            <a:r>
+              <a:rPr lang="vi-VN" dirty="0" err="1"/>
+              <a:t>Hầu</a:t>
+            </a:r>
+            <a:r>
+              <a:rPr lang="vi-VN" dirty="0"/>
+              <a:t> như </a:t>
+            </a:r>
+            <a:r>
+              <a:rPr lang="vi-VN" dirty="0" err="1"/>
+              <a:t>chỉ</a:t>
+            </a:r>
+            <a:r>
+              <a:rPr lang="vi-VN" dirty="0"/>
+              <a:t> </a:t>
+            </a:r>
+            <a:r>
+              <a:rPr lang="vi-VN" dirty="0" err="1"/>
+              <a:t>học</a:t>
+            </a:r>
+            <a:r>
+              <a:rPr lang="vi-VN" dirty="0"/>
+              <a:t> từ </a:t>
+            </a:r>
+            <a:r>
+              <a:rPr lang="vi-VN" dirty="0" err="1"/>
+              <a:t>Negative</a:t>
+            </a:r>
+            <a:r>
+              <a:rPr lang="vi-VN" dirty="0"/>
+              <a:t> </a:t>
+            </a:r>
+            <a:r>
+              <a:rPr lang="vi-VN" dirty="0" err="1"/>
+              <a:t>Dbox</a:t>
+            </a:r>
+            <a:r>
+              <a:rPr lang="vi-VN" dirty="0"/>
+              <a:t> (</a:t>
+            </a:r>
+            <a:r>
+              <a:rPr lang="vi-VN" dirty="0" err="1"/>
+              <a:t>Nhãn</a:t>
+            </a:r>
+            <a:r>
+              <a:rPr lang="vi-VN" dirty="0"/>
+              <a:t>=0) </a:t>
+            </a:r>
+          </a:p>
+          <a:p>
+            <a:pPr>
+              <a:buFontTx/>
+              <a:buChar char="-"/>
+            </a:pPr>
+            <a:r>
+              <a:rPr lang="vi-VN" dirty="0" err="1"/>
+              <a:t>Data</a:t>
+            </a:r>
+            <a:r>
+              <a:rPr lang="vi-VN" dirty="0"/>
+              <a:t> </a:t>
+            </a:r>
+            <a:r>
+              <a:rPr lang="vi-VN" dirty="0" err="1"/>
+              <a:t>bị</a:t>
+            </a:r>
+            <a:r>
+              <a:rPr lang="vi-VN" dirty="0"/>
+              <a:t> </a:t>
+            </a:r>
+            <a:r>
+              <a:rPr lang="vi-VN" dirty="0" err="1"/>
+              <a:t>imbalance</a:t>
+            </a:r>
+            <a:r>
+              <a:rPr lang="vi-VN" dirty="0"/>
+              <a:t>. </a:t>
+            </a:r>
+            <a:r>
+              <a:rPr lang="vi-VN" dirty="0" err="1"/>
+              <a:t>Lúc</a:t>
+            </a:r>
+            <a:r>
+              <a:rPr lang="vi-VN" dirty="0"/>
+              <a:t> </a:t>
+            </a:r>
+            <a:r>
+              <a:rPr lang="vi-VN" dirty="0" err="1"/>
+              <a:t>dự</a:t>
+            </a:r>
+            <a:r>
+              <a:rPr lang="vi-VN" dirty="0"/>
+              <a:t> </a:t>
+            </a:r>
+            <a:r>
+              <a:rPr lang="vi-VN" dirty="0" err="1"/>
+              <a:t>đoán</a:t>
+            </a:r>
+            <a:r>
+              <a:rPr lang="vi-VN" dirty="0"/>
+              <a:t> sẽ </a:t>
+            </a:r>
+            <a:r>
+              <a:rPr lang="vi-VN" dirty="0" err="1"/>
+              <a:t>chỉ</a:t>
+            </a:r>
+            <a:r>
+              <a:rPr lang="vi-VN" dirty="0"/>
+              <a:t> ra </a:t>
+            </a:r>
+            <a:r>
+              <a:rPr lang="vi-VN" dirty="0" err="1"/>
+              <a:t>nhãn</a:t>
+            </a:r>
+            <a:r>
+              <a:rPr lang="vi-VN" dirty="0"/>
+              <a:t> 0</a:t>
+            </a:r>
+          </a:p>
+          <a:p>
+            <a:pPr marL="0" indent="0">
+              <a:buNone/>
+            </a:pPr>
+            <a:r>
+              <a:rPr lang="vi-VN" b="1" dirty="0">
+                <a:solidFill>
+                  <a:srgbClr val="00B0F0"/>
+                </a:solidFill>
+              </a:rPr>
+              <a:t>Giải pháp</a:t>
+            </a:r>
+          </a:p>
+          <a:p>
+            <a:pPr marL="0" indent="0">
+              <a:buNone/>
+            </a:pPr>
+            <a:r>
+              <a:rPr lang="vi-VN" dirty="0"/>
+              <a:t>- </a:t>
+            </a:r>
+            <a:r>
+              <a:rPr lang="vi-VN" dirty="0" err="1"/>
+              <a:t>Hạn</a:t>
+            </a:r>
+            <a:r>
+              <a:rPr lang="vi-VN" dirty="0"/>
+              <a:t> </a:t>
+            </a:r>
+            <a:r>
+              <a:rPr lang="vi-VN" dirty="0" err="1"/>
+              <a:t>chế</a:t>
+            </a:r>
+            <a:r>
+              <a:rPr lang="vi-VN" dirty="0"/>
+              <a:t> </a:t>
+            </a:r>
+            <a:r>
+              <a:rPr lang="vi-VN" dirty="0" err="1"/>
+              <a:t>số</a:t>
+            </a:r>
+            <a:r>
+              <a:rPr lang="vi-VN" dirty="0"/>
+              <a:t> </a:t>
+            </a:r>
+            <a:r>
+              <a:rPr lang="vi-VN" dirty="0" err="1"/>
+              <a:t>lượng</a:t>
+            </a:r>
+            <a:r>
+              <a:rPr lang="vi-VN" dirty="0"/>
+              <a:t> của </a:t>
+            </a:r>
+            <a:r>
+              <a:rPr lang="vi-VN" dirty="0" err="1"/>
+              <a:t>Negative</a:t>
+            </a:r>
+            <a:r>
+              <a:rPr lang="vi-VN" dirty="0"/>
+              <a:t> </a:t>
+            </a:r>
+            <a:r>
+              <a:rPr lang="vi-VN" dirty="0" err="1"/>
+              <a:t>DBox</a:t>
+            </a:r>
+            <a:r>
+              <a:rPr lang="vi-VN" dirty="0"/>
+              <a:t> lại bằng 3 </a:t>
+            </a:r>
+            <a:r>
+              <a:rPr lang="vi-VN" dirty="0" err="1"/>
+              <a:t>lần</a:t>
+            </a:r>
+            <a:r>
+              <a:rPr lang="vi-VN" dirty="0"/>
+              <a:t> của </a:t>
+            </a:r>
+            <a:r>
+              <a:rPr lang="vi-VN" dirty="0" err="1"/>
+              <a:t>Positive</a:t>
+            </a:r>
+            <a:r>
+              <a:rPr lang="vi-VN" dirty="0"/>
+              <a:t> </a:t>
+            </a:r>
+            <a:r>
+              <a:rPr lang="vi-VN" dirty="0" err="1"/>
+              <a:t>Dbox</a:t>
+            </a:r>
+            <a:endParaRPr lang="vi-VN" dirty="0"/>
+          </a:p>
+          <a:p>
+            <a:pPr marL="0" indent="0">
+              <a:buNone/>
+            </a:pPr>
+            <a:r>
+              <a:rPr lang="vi-VN" dirty="0"/>
+              <a:t>- </a:t>
+            </a:r>
+            <a:r>
+              <a:rPr lang="vi-VN" dirty="0" err="1"/>
+              <a:t>Chọn</a:t>
+            </a:r>
+            <a:r>
+              <a:rPr lang="vi-VN" dirty="0"/>
+              <a:t> </a:t>
+            </a:r>
+            <a:r>
+              <a:rPr lang="vi-VN" dirty="0" err="1"/>
+              <a:t>những</a:t>
+            </a:r>
+            <a:r>
+              <a:rPr lang="vi-VN" dirty="0"/>
+              <a:t> </a:t>
+            </a:r>
+            <a:r>
+              <a:rPr lang="vi-VN" dirty="0" err="1"/>
+              <a:t>negative</a:t>
+            </a:r>
+            <a:r>
+              <a:rPr lang="vi-VN" dirty="0"/>
+              <a:t> DBOX </a:t>
+            </a:r>
+            <a:r>
+              <a:rPr lang="vi-VN" dirty="0" err="1"/>
+              <a:t>mà</a:t>
+            </a:r>
+            <a:r>
+              <a:rPr lang="vi-VN" dirty="0"/>
+              <a:t> khi </a:t>
+            </a:r>
+            <a:r>
+              <a:rPr lang="vi-VN" dirty="0" err="1"/>
+              <a:t>dự</a:t>
+            </a:r>
+            <a:r>
+              <a:rPr lang="vi-VN" dirty="0"/>
+              <a:t> </a:t>
+            </a:r>
+            <a:r>
+              <a:rPr lang="vi-VN" dirty="0" err="1"/>
+              <a:t>đoán</a:t>
+            </a:r>
+            <a:r>
+              <a:rPr lang="vi-VN" dirty="0"/>
+              <a:t> ra có </a:t>
+            </a:r>
+            <a:r>
+              <a:rPr lang="vi-VN" dirty="0" err="1"/>
+              <a:t>loss</a:t>
+            </a:r>
+            <a:r>
+              <a:rPr lang="vi-VN" dirty="0"/>
+              <a:t> cao (</a:t>
+            </a:r>
+            <a:r>
+              <a:rPr lang="vi-VN" dirty="0" err="1"/>
+              <a:t>chọn</a:t>
+            </a:r>
+            <a:r>
+              <a:rPr lang="vi-VN" dirty="0"/>
+              <a:t> </a:t>
+            </a:r>
+            <a:r>
+              <a:rPr lang="vi-VN" dirty="0" err="1"/>
+              <a:t>những</a:t>
+            </a:r>
+            <a:r>
+              <a:rPr lang="vi-VN" dirty="0"/>
+              <a:t> </a:t>
+            </a:r>
+            <a:r>
+              <a:rPr lang="vi-VN" dirty="0" err="1"/>
+              <a:t>DBox</a:t>
+            </a:r>
+            <a:r>
+              <a:rPr lang="vi-VN" dirty="0"/>
+              <a:t> </a:t>
+            </a:r>
+            <a:r>
+              <a:rPr lang="vi-VN" dirty="0" err="1"/>
+              <a:t>khó</a:t>
+            </a:r>
+            <a:r>
+              <a:rPr lang="vi-VN" dirty="0"/>
+              <a:t> </a:t>
+            </a:r>
+            <a:r>
+              <a:rPr lang="vi-VN" dirty="0" err="1"/>
+              <a:t>học</a:t>
+            </a:r>
+            <a:r>
+              <a:rPr lang="vi-VN" dirty="0"/>
+              <a:t>)</a:t>
+            </a:r>
+          </a:p>
+        </p:txBody>
+      </p:sp>
+      <p:sp>
+        <p:nvSpPr>
+          <p:cNvPr id="6" name="Slide Number Placeholder 5">
+            <a:extLst>
+              <a:ext uri="{FF2B5EF4-FFF2-40B4-BE49-F238E27FC236}">
+                <a16:creationId xmlns:a16="http://schemas.microsoft.com/office/drawing/2014/main" id="{11E4677A-4F02-4478-B9B8-685D0B6264D3}"/>
+              </a:ext>
+            </a:extLst>
+          </p:cNvPr>
+          <p:cNvSpPr>
+            <a:spLocks noGrp="1"/>
+          </p:cNvSpPr>
+          <p:nvPr>
+            <p:ph type="sldNum" sz="quarter" idx="12"/>
+          </p:nvPr>
+        </p:nvSpPr>
+        <p:spPr/>
+        <p:txBody>
+          <a:bodyPr/>
+          <a:lstStyle/>
+          <a:p>
+            <a:fld id="{9EA0BE3B-158A-4EDF-80DC-E394A0D1600F}" type="slidenum">
+              <a:rPr lang="en-US" smtClean="0"/>
+              <a:pPr/>
+              <a:t>24</a:t>
+            </a:fld>
+            <a:endParaRPr lang="en-US"/>
+          </a:p>
+        </p:txBody>
+      </p:sp>
+    </p:spTree>
+    <p:extLst>
+      <p:ext uri="{BB962C8B-B14F-4D97-AF65-F5344CB8AC3E}">
+        <p14:creationId xmlns:p14="http://schemas.microsoft.com/office/powerpoint/2010/main" val="4055699695"/>
+      </p:ext>
+    </p:extLst>
+  </p:cSld>
+  <p:clrMapOvr>
+    <a:masterClrMapping/>
+  </p:clrMapOvr>
+</p:sld>
+</file>
+
+<file path=ppt/slides/slide25.xml><?xml version="1.0" encoding="utf-8"?>
+<p:sld xmlns:a="http://schemas.openxmlformats.org/drawingml/2006/main" xmlns:r="http://schemas.openxmlformats.org/officeDocument/2006/relationships" xmlns:p="http://schemas.openxmlformats.org/presentationml/2006/main">
+  <p:cSld>
+    <p:spTree>
+      <p:nvGrpSpPr>
+        <p:cNvPr id="1" name=""/>
+        <p:cNvGrpSpPr/>
+        <p:nvPr/>
+      </p:nvGrpSpPr>
+      <p:grpSpPr>
+        <a:xfrm>
+          <a:off x="0" y="0"/>
+          <a:ext cx="0" cy="0"/>
+          <a:chOff x="0" y="0"/>
+          <a:chExt cx="0" cy="0"/>
+        </a:xfrm>
+      </p:grpSpPr>
+      <p:sp>
+        <p:nvSpPr>
+          <p:cNvPr id="2" name="Title 1">
+            <a:extLst>
+              <a:ext uri="{FF2B5EF4-FFF2-40B4-BE49-F238E27FC236}">
+                <a16:creationId xmlns:a16="http://schemas.microsoft.com/office/drawing/2014/main" id="{C7A5D019-96A4-4D1E-AFB5-09D65C86E12D}"/>
+              </a:ext>
+            </a:extLst>
+          </p:cNvPr>
+          <p:cNvSpPr>
+            <a:spLocks noGrp="1"/>
+          </p:cNvSpPr>
+          <p:nvPr>
+            <p:ph type="title"/>
+          </p:nvPr>
+        </p:nvSpPr>
+        <p:spPr/>
+        <p:txBody>
+          <a:bodyPr/>
+          <a:lstStyle/>
+          <a:p>
+            <a:r>
+              <a:rPr lang="vi-VN" dirty="0" err="1"/>
+              <a:t>Mục</a:t>
+            </a:r>
+            <a:r>
+              <a:rPr lang="vi-VN" dirty="0"/>
+              <a:t> </a:t>
+            </a:r>
+            <a:r>
+              <a:rPr lang="vi-VN" dirty="0" err="1"/>
+              <a:t>lục</a:t>
+            </a:r>
+            <a:endParaRPr lang="en-US" dirty="0"/>
+          </a:p>
+        </p:txBody>
+      </p:sp>
+      <p:sp>
+        <p:nvSpPr>
+          <p:cNvPr id="3" name="Text Placeholder 2">
+            <a:extLst>
+              <a:ext uri="{FF2B5EF4-FFF2-40B4-BE49-F238E27FC236}">
+                <a16:creationId xmlns:a16="http://schemas.microsoft.com/office/drawing/2014/main" id="{A5726603-7893-4AE0-9532-68058044B69D}"/>
+              </a:ext>
+            </a:extLst>
+          </p:cNvPr>
+          <p:cNvSpPr>
+            <a:spLocks noGrp="1"/>
+          </p:cNvSpPr>
+          <p:nvPr>
+            <p:ph type="body" sz="quarter" idx="13"/>
+          </p:nvPr>
+        </p:nvSpPr>
+        <p:spPr/>
+        <p:txBody>
+          <a:bodyPr/>
+          <a:lstStyle/>
+          <a:p>
+            <a:pPr marL="0" indent="0">
+              <a:buNone/>
+            </a:pPr>
+            <a:r>
+              <a:rPr lang="vi-VN" dirty="0"/>
+              <a:t>I. </a:t>
+            </a:r>
+            <a:r>
+              <a:rPr lang="vi-VN" dirty="0" err="1"/>
+              <a:t>Giới</a:t>
+            </a:r>
+            <a:r>
+              <a:rPr lang="vi-VN" dirty="0"/>
+              <a:t> </a:t>
+            </a:r>
+            <a:r>
+              <a:rPr lang="vi-VN" dirty="0" err="1"/>
+              <a:t>thiệu</a:t>
+            </a:r>
+            <a:endParaRPr lang="en-US" dirty="0"/>
+          </a:p>
+          <a:p>
+            <a:pPr marL="0" indent="0">
+              <a:buNone/>
+            </a:pPr>
+            <a:r>
+              <a:rPr lang="en-US" dirty="0"/>
+              <a:t>II. </a:t>
+            </a:r>
+            <a:r>
+              <a:rPr lang="vi-VN" dirty="0" err="1"/>
+              <a:t>Dữ</a:t>
+            </a:r>
+            <a:r>
+              <a:rPr lang="vi-VN" dirty="0"/>
+              <a:t> </a:t>
+            </a:r>
+            <a:r>
+              <a:rPr lang="vi-VN" dirty="0" err="1"/>
+              <a:t>liệu</a:t>
+            </a:r>
+            <a:endParaRPr lang="vi-VN" dirty="0"/>
+          </a:p>
+          <a:p>
+            <a:pPr marL="0" indent="0">
+              <a:buNone/>
+            </a:pPr>
+            <a:r>
+              <a:rPr lang="vi-VN" dirty="0"/>
+              <a:t>III. Mô </a:t>
+            </a:r>
+            <a:r>
+              <a:rPr lang="vi-VN" dirty="0" err="1"/>
+              <a:t>hình</a:t>
+            </a:r>
+            <a:endParaRPr lang="vi-VN" dirty="0"/>
+          </a:p>
+          <a:p>
+            <a:pPr marL="571500" indent="-571500">
+              <a:buAutoNum type="romanUcPeriod" startAt="4"/>
+            </a:pPr>
+            <a:r>
+              <a:rPr lang="vi-VN" dirty="0" err="1"/>
+              <a:t>Hàm</a:t>
+            </a:r>
+            <a:r>
+              <a:rPr lang="vi-VN" dirty="0"/>
+              <a:t> </a:t>
+            </a:r>
+            <a:r>
+              <a:rPr lang="vi-VN" dirty="0" err="1"/>
+              <a:t>lỗi</a:t>
+            </a:r>
+            <a:r>
+              <a:rPr lang="vi-VN" dirty="0"/>
+              <a:t> và </a:t>
+            </a:r>
+            <a:r>
+              <a:rPr lang="vi-VN" dirty="0" err="1"/>
+              <a:t>thuật</a:t>
+            </a:r>
+            <a:r>
+              <a:rPr lang="vi-VN" dirty="0"/>
+              <a:t> </a:t>
+            </a:r>
+            <a:r>
+              <a:rPr lang="vi-VN" dirty="0" err="1"/>
+              <a:t>toán</a:t>
+            </a:r>
+            <a:r>
+              <a:rPr lang="vi-VN" dirty="0"/>
+              <a:t> </a:t>
+            </a:r>
+            <a:r>
+              <a:rPr lang="vi-VN" dirty="0" err="1"/>
+              <a:t>tối</a:t>
+            </a:r>
+            <a:r>
+              <a:rPr lang="vi-VN" dirty="0"/>
+              <a:t> ưu hóa</a:t>
+            </a:r>
+          </a:p>
+          <a:p>
+            <a:pPr marL="571500" indent="-571500">
+              <a:buAutoNum type="romanUcPeriod" startAt="4"/>
+            </a:pPr>
+            <a:r>
+              <a:rPr lang="vi-VN" b="1" dirty="0" err="1">
+                <a:solidFill>
+                  <a:srgbClr val="FF0000"/>
+                </a:solidFill>
+              </a:rPr>
+              <a:t>Quá</a:t>
+            </a:r>
+            <a:r>
+              <a:rPr lang="vi-VN" b="1" dirty="0">
+                <a:solidFill>
+                  <a:srgbClr val="FF0000"/>
+                </a:solidFill>
+              </a:rPr>
+              <a:t> trinh </a:t>
+            </a:r>
+            <a:r>
+              <a:rPr lang="vi-VN" b="1" dirty="0" err="1">
+                <a:solidFill>
+                  <a:srgbClr val="FF0000"/>
+                </a:solidFill>
+              </a:rPr>
+              <a:t>detect</a:t>
+            </a:r>
+            <a:endParaRPr lang="vi-VN" b="1" dirty="0">
+              <a:solidFill>
+                <a:srgbClr val="FF0000"/>
+              </a:solidFill>
+            </a:endParaRPr>
+          </a:p>
+          <a:p>
+            <a:pPr marL="571500" indent="-571500">
+              <a:buAutoNum type="romanUcPeriod" startAt="4"/>
+            </a:pPr>
+            <a:r>
+              <a:rPr lang="vi-VN" dirty="0"/>
+              <a:t>Kết quả và </a:t>
+            </a:r>
+            <a:r>
+              <a:rPr lang="vi-VN" dirty="0" err="1"/>
+              <a:t>đánh</a:t>
+            </a:r>
+            <a:r>
+              <a:rPr lang="vi-VN" dirty="0"/>
+              <a:t> </a:t>
+            </a:r>
+            <a:r>
+              <a:rPr lang="vi-VN" dirty="0" err="1"/>
+              <a:t>giá</a:t>
+            </a:r>
+            <a:endParaRPr lang="vi-VN" dirty="0"/>
+          </a:p>
+          <a:p>
+            <a:pPr marL="571500" indent="-571500">
+              <a:buAutoNum type="romanUcPeriod" startAt="4"/>
+            </a:pPr>
+            <a:r>
+              <a:rPr lang="vi-VN" dirty="0" err="1"/>
+              <a:t>Tài</a:t>
+            </a:r>
+            <a:r>
+              <a:rPr lang="vi-VN" dirty="0"/>
+              <a:t> </a:t>
+            </a:r>
+            <a:r>
+              <a:rPr lang="vi-VN" dirty="0" err="1"/>
+              <a:t>liệu</a:t>
+            </a:r>
+            <a:r>
+              <a:rPr lang="vi-VN" dirty="0"/>
+              <a:t> tham </a:t>
+            </a:r>
+            <a:r>
+              <a:rPr lang="vi-VN" dirty="0" err="1"/>
+              <a:t>khảo</a:t>
+            </a:r>
+            <a:endParaRPr lang="en-US" dirty="0"/>
+          </a:p>
+          <a:p>
+            <a:endParaRPr lang="en-US" dirty="0"/>
+          </a:p>
+        </p:txBody>
+      </p:sp>
+      <p:sp>
+        <p:nvSpPr>
+          <p:cNvPr id="6" name="Slide Number Placeholder 5">
+            <a:extLst>
+              <a:ext uri="{FF2B5EF4-FFF2-40B4-BE49-F238E27FC236}">
+                <a16:creationId xmlns:a16="http://schemas.microsoft.com/office/drawing/2014/main" id="{11E4677A-4F02-4478-B9B8-685D0B6264D3}"/>
+              </a:ext>
+            </a:extLst>
+          </p:cNvPr>
+          <p:cNvSpPr>
+            <a:spLocks noGrp="1"/>
+          </p:cNvSpPr>
+          <p:nvPr>
+            <p:ph type="sldNum" sz="quarter" idx="12"/>
+          </p:nvPr>
+        </p:nvSpPr>
+        <p:spPr/>
+        <p:txBody>
+          <a:bodyPr/>
+          <a:lstStyle/>
+          <a:p>
+            <a:fld id="{9EA0BE3B-158A-4EDF-80DC-E394A0D1600F}" type="slidenum">
+              <a:rPr lang="en-US" smtClean="0"/>
+              <a:pPr/>
+              <a:t>25</a:t>
+            </a:fld>
+            <a:endParaRPr lang="en-US"/>
+          </a:p>
+        </p:txBody>
+      </p:sp>
+    </p:spTree>
+    <p:extLst>
+      <p:ext uri="{BB962C8B-B14F-4D97-AF65-F5344CB8AC3E}">
+        <p14:creationId xmlns:p14="http://schemas.microsoft.com/office/powerpoint/2010/main" val="2578536781"/>
+      </p:ext>
+    </p:extLst>
+  </p:cSld>
+  <p:clrMapOvr>
+    <a:masterClrMapping/>
+  </p:clrMapOvr>
+</p:sld>
+</file>
+
+<file path=ppt/slides/slide26.xml><?xml version="1.0" encoding="utf-8"?>
+<p:sld xmlns:a="http://schemas.openxmlformats.org/drawingml/2006/main" xmlns:r="http://schemas.openxmlformats.org/officeDocument/2006/relationships" xmlns:p="http://schemas.openxmlformats.org/presentationml/2006/main">
+  <p:cSld>
+    <p:spTree>
+      <p:nvGrpSpPr>
+        <p:cNvPr id="1" name=""/>
+        <p:cNvGrpSpPr/>
+        <p:nvPr/>
+      </p:nvGrpSpPr>
+      <p:grpSpPr>
+        <a:xfrm>
+          <a:off x="0" y="0"/>
+          <a:ext cx="0" cy="0"/>
+          <a:chOff x="0" y="0"/>
+          <a:chExt cx="0" cy="0"/>
+        </a:xfrm>
+      </p:grpSpPr>
+      <p:sp>
+        <p:nvSpPr>
+          <p:cNvPr id="2" name="Title 1">
+            <a:extLst>
+              <a:ext uri="{FF2B5EF4-FFF2-40B4-BE49-F238E27FC236}">
+                <a16:creationId xmlns:a16="http://schemas.microsoft.com/office/drawing/2014/main" id="{C7A5D019-96A4-4D1E-AFB5-09D65C86E12D}"/>
+              </a:ext>
+            </a:extLst>
+          </p:cNvPr>
+          <p:cNvSpPr>
+            <a:spLocks noGrp="1"/>
+          </p:cNvSpPr>
+          <p:nvPr>
+            <p:ph type="title"/>
+          </p:nvPr>
+        </p:nvSpPr>
+        <p:spPr/>
+        <p:txBody>
+          <a:bodyPr/>
+          <a:lstStyle/>
+          <a:p>
+            <a:r>
+              <a:rPr lang="vi-VN" dirty="0"/>
+              <a:t>III. </a:t>
+            </a:r>
+            <a:r>
+              <a:rPr lang="vi-VN" dirty="0" err="1"/>
+              <a:t>Quá</a:t>
+            </a:r>
+            <a:r>
+              <a:rPr lang="vi-VN" dirty="0"/>
+              <a:t> </a:t>
+            </a:r>
+            <a:r>
+              <a:rPr lang="vi-VN" dirty="0" err="1"/>
+              <a:t>trình</a:t>
+            </a:r>
+            <a:r>
+              <a:rPr lang="vi-VN" dirty="0"/>
+              <a:t> </a:t>
+            </a:r>
+            <a:r>
+              <a:rPr lang="vi-VN" dirty="0" err="1"/>
+              <a:t>detect</a:t>
+            </a:r>
+            <a:endParaRPr lang="en-US" dirty="0"/>
+          </a:p>
+        </p:txBody>
+      </p:sp>
+      <p:sp>
+        <p:nvSpPr>
+          <p:cNvPr id="3" name="Text Placeholder 2">
+            <a:extLst>
+              <a:ext uri="{FF2B5EF4-FFF2-40B4-BE49-F238E27FC236}">
+                <a16:creationId xmlns:a16="http://schemas.microsoft.com/office/drawing/2014/main" id="{A5726603-7893-4AE0-9532-68058044B69D}"/>
+              </a:ext>
+            </a:extLst>
+          </p:cNvPr>
+          <p:cNvSpPr>
+            <a:spLocks noGrp="1"/>
+          </p:cNvSpPr>
+          <p:nvPr>
+            <p:ph type="body" sz="quarter" idx="13"/>
+          </p:nvPr>
+        </p:nvSpPr>
+        <p:spPr/>
+        <p:txBody>
+          <a:bodyPr/>
+          <a:lstStyle/>
+          <a:p>
+            <a:r>
+              <a:rPr lang="vi-VN" dirty="0"/>
+              <a:t>Sau khi đi qua </a:t>
+            </a:r>
+            <a:r>
+              <a:rPr lang="vi-VN" dirty="0" err="1"/>
+              <a:t>modul</a:t>
+            </a:r>
+            <a:r>
+              <a:rPr lang="vi-VN" dirty="0"/>
+              <a:t> </a:t>
+            </a:r>
+            <a:r>
+              <a:rPr lang="vi-VN" dirty="0" err="1"/>
+              <a:t>Location</a:t>
+            </a:r>
+            <a:endParaRPr lang="vi-VN" dirty="0"/>
+          </a:p>
+          <a:p>
+            <a:r>
+              <a:rPr lang="vi-VN" dirty="0"/>
+              <a:t>có được các thông </a:t>
+            </a:r>
+            <a:r>
+              <a:rPr lang="vi-VN" dirty="0" err="1"/>
+              <a:t>số</a:t>
+            </a:r>
+            <a:r>
+              <a:rPr lang="vi-VN" dirty="0"/>
+              <a:t> </a:t>
+            </a:r>
+            <a:r>
+              <a:rPr lang="vi-VN" dirty="0" err="1"/>
+              <a:t>offset</a:t>
+            </a:r>
+            <a:r>
+              <a:rPr lang="vi-VN" dirty="0"/>
+              <a:t> =&gt; </a:t>
+            </a:r>
+            <a:r>
+              <a:rPr lang="vi-VN" dirty="0" err="1"/>
+              <a:t>dự</a:t>
+            </a:r>
+            <a:r>
+              <a:rPr lang="vi-VN" dirty="0"/>
+              <a:t> đoan </a:t>
+            </a:r>
+            <a:r>
+              <a:rPr lang="vi-VN" dirty="0" err="1"/>
+              <a:t>về</a:t>
+            </a:r>
+            <a:r>
+              <a:rPr lang="vi-VN" dirty="0"/>
+              <a:t> </a:t>
+            </a:r>
+            <a:r>
+              <a:rPr lang="vi-VN" dirty="0" err="1"/>
+              <a:t>bounding</a:t>
+            </a:r>
+            <a:r>
+              <a:rPr lang="vi-VN" dirty="0"/>
+              <a:t> </a:t>
+            </a:r>
+            <a:r>
+              <a:rPr lang="vi-VN" dirty="0" err="1"/>
+              <a:t>box</a:t>
+            </a:r>
+            <a:endParaRPr lang="vi-VN" dirty="0"/>
+          </a:p>
+          <a:p>
+            <a:pPr marL="0" indent="0">
+              <a:buNone/>
+            </a:pPr>
+            <a:endParaRPr lang="en-US" dirty="0"/>
+          </a:p>
+        </p:txBody>
+      </p:sp>
+      <p:sp>
+        <p:nvSpPr>
+          <p:cNvPr id="6" name="Slide Number Placeholder 5">
+            <a:extLst>
+              <a:ext uri="{FF2B5EF4-FFF2-40B4-BE49-F238E27FC236}">
+                <a16:creationId xmlns:a16="http://schemas.microsoft.com/office/drawing/2014/main" id="{11E4677A-4F02-4478-B9B8-685D0B6264D3}"/>
+              </a:ext>
+            </a:extLst>
+          </p:cNvPr>
+          <p:cNvSpPr>
+            <a:spLocks noGrp="1"/>
+          </p:cNvSpPr>
+          <p:nvPr>
+            <p:ph type="sldNum" sz="quarter" idx="12"/>
+          </p:nvPr>
+        </p:nvSpPr>
+        <p:spPr/>
+        <p:txBody>
+          <a:bodyPr/>
+          <a:lstStyle/>
+          <a:p>
+            <a:fld id="{9EA0BE3B-158A-4EDF-80DC-E394A0D1600F}" type="slidenum">
+              <a:rPr lang="en-US" smtClean="0"/>
+              <a:pPr/>
+              <a:t>26</a:t>
+            </a:fld>
+            <a:endParaRPr lang="en-US"/>
+          </a:p>
+        </p:txBody>
+      </p:sp>
+      <p:pic>
+        <p:nvPicPr>
+          <p:cNvPr id="7" name="Hình ảnh 6">
+            <a:extLst>
+              <a:ext uri="{FF2B5EF4-FFF2-40B4-BE49-F238E27FC236}">
+                <a16:creationId xmlns:a16="http://schemas.microsoft.com/office/drawing/2014/main" id="{0F2C28D2-AFD4-48BF-B937-FC617100992E}"/>
+              </a:ext>
+            </a:extLst>
+          </p:cNvPr>
+          <p:cNvPicPr>
+            <a:picLocks noChangeAspect="1"/>
+          </p:cNvPicPr>
+          <p:nvPr/>
+        </p:nvPicPr>
+        <p:blipFill>
+          <a:blip r:embed="rId2"/>
+          <a:stretch>
+            <a:fillRect/>
+          </a:stretch>
+        </p:blipFill>
+        <p:spPr>
+          <a:xfrm>
+            <a:off x="3599235" y="2557142"/>
+            <a:ext cx="4151394" cy="2158725"/>
+          </a:xfrm>
+          <a:prstGeom prst="rect">
+            <a:avLst/>
+          </a:prstGeom>
+        </p:spPr>
+      </p:pic>
+    </p:spTree>
+    <p:extLst>
+      <p:ext uri="{BB962C8B-B14F-4D97-AF65-F5344CB8AC3E}">
+        <p14:creationId xmlns:p14="http://schemas.microsoft.com/office/powerpoint/2010/main" val="1867143901"/>
+      </p:ext>
+    </p:extLst>
+  </p:cSld>
+  <p:clrMapOvr>
+    <a:masterClrMapping/>
+  </p:clrMapOvr>
+</p:sld>
+</file>
+
+<file path=ppt/slides/slide27.xml><?xml version="1.0" encoding="utf-8"?>
+<p:sld xmlns:a="http://schemas.openxmlformats.org/drawingml/2006/main" xmlns:r="http://schemas.openxmlformats.org/officeDocument/2006/relationships" xmlns:p="http://schemas.openxmlformats.org/presentationml/2006/main">
+  <p:cSld>
+    <p:spTree>
+      <p:nvGrpSpPr>
+        <p:cNvPr id="1" name=""/>
+        <p:cNvGrpSpPr/>
+        <p:nvPr/>
+      </p:nvGrpSpPr>
+      <p:grpSpPr>
+        <a:xfrm>
+          <a:off x="0" y="0"/>
+          <a:ext cx="0" cy="0"/>
+          <a:chOff x="0" y="0"/>
+          <a:chExt cx="0" cy="0"/>
+        </a:xfrm>
+      </p:grpSpPr>
+      <p:sp>
+        <p:nvSpPr>
+          <p:cNvPr id="2" name="Title 1">
+            <a:extLst>
+              <a:ext uri="{FF2B5EF4-FFF2-40B4-BE49-F238E27FC236}">
+                <a16:creationId xmlns:a16="http://schemas.microsoft.com/office/drawing/2014/main" id="{C7A5D019-96A4-4D1E-AFB5-09D65C86E12D}"/>
+              </a:ext>
+            </a:extLst>
+          </p:cNvPr>
+          <p:cNvSpPr>
+            <a:spLocks noGrp="1"/>
+          </p:cNvSpPr>
+          <p:nvPr>
+            <p:ph type="title"/>
+          </p:nvPr>
+        </p:nvSpPr>
+        <p:spPr/>
+        <p:txBody>
+          <a:bodyPr/>
+          <a:lstStyle/>
+          <a:p>
+            <a:r>
+              <a:rPr lang="vi-VN" dirty="0"/>
+              <a:t>III. </a:t>
+            </a:r>
+            <a:r>
+              <a:rPr lang="vi-VN" dirty="0" err="1"/>
+              <a:t>Quá</a:t>
+            </a:r>
+            <a:r>
+              <a:rPr lang="vi-VN" dirty="0"/>
+              <a:t> </a:t>
+            </a:r>
+            <a:r>
+              <a:rPr lang="vi-VN" dirty="0" err="1"/>
+              <a:t>trình</a:t>
+            </a:r>
+            <a:r>
+              <a:rPr lang="vi-VN" dirty="0"/>
+              <a:t> </a:t>
+            </a:r>
+            <a:r>
+              <a:rPr lang="vi-VN" dirty="0" err="1"/>
+              <a:t>detect</a:t>
+            </a:r>
+            <a:endParaRPr lang="en-US" dirty="0"/>
+          </a:p>
+        </p:txBody>
+      </p:sp>
+      <p:sp>
+        <p:nvSpPr>
+          <p:cNvPr id="3" name="Text Placeholder 2">
+            <a:extLst>
+              <a:ext uri="{FF2B5EF4-FFF2-40B4-BE49-F238E27FC236}">
+                <a16:creationId xmlns:a16="http://schemas.microsoft.com/office/drawing/2014/main" id="{A5726603-7893-4AE0-9532-68058044B69D}"/>
+              </a:ext>
+            </a:extLst>
+          </p:cNvPr>
+          <p:cNvSpPr>
+            <a:spLocks noGrp="1"/>
+          </p:cNvSpPr>
+          <p:nvPr>
+            <p:ph type="body" sz="quarter" idx="13"/>
+          </p:nvPr>
+        </p:nvSpPr>
+        <p:spPr/>
+        <p:txBody>
+          <a:bodyPr/>
+          <a:lstStyle/>
+          <a:p>
+            <a:pPr marL="0" indent="0">
+              <a:buNone/>
+            </a:pPr>
+            <a:r>
+              <a:rPr lang="vi-VN" dirty="0"/>
+              <a:t>NMS</a:t>
+            </a:r>
+          </a:p>
+          <a:p>
+            <a:pPr marL="0" indent="0">
+              <a:buNone/>
+            </a:pPr>
+            <a:endParaRPr lang="en-US" dirty="0"/>
+          </a:p>
+        </p:txBody>
+      </p:sp>
+      <p:sp>
+        <p:nvSpPr>
+          <p:cNvPr id="6" name="Slide Number Placeholder 5">
+            <a:extLst>
+              <a:ext uri="{FF2B5EF4-FFF2-40B4-BE49-F238E27FC236}">
+                <a16:creationId xmlns:a16="http://schemas.microsoft.com/office/drawing/2014/main" id="{11E4677A-4F02-4478-B9B8-685D0B6264D3}"/>
+              </a:ext>
+            </a:extLst>
+          </p:cNvPr>
+          <p:cNvSpPr>
+            <a:spLocks noGrp="1"/>
+          </p:cNvSpPr>
+          <p:nvPr>
+            <p:ph type="sldNum" sz="quarter" idx="12"/>
+          </p:nvPr>
+        </p:nvSpPr>
+        <p:spPr/>
+        <p:txBody>
+          <a:bodyPr/>
+          <a:lstStyle/>
+          <a:p>
+            <a:fld id="{9EA0BE3B-158A-4EDF-80DC-E394A0D1600F}" type="slidenum">
+              <a:rPr lang="en-US" smtClean="0"/>
+              <a:pPr/>
+              <a:t>27</a:t>
+            </a:fld>
+            <a:endParaRPr lang="en-US"/>
+          </a:p>
+        </p:txBody>
+      </p:sp>
+      <p:pic>
+        <p:nvPicPr>
+          <p:cNvPr id="2050" name="Picture 2">
+            <a:extLst>
+              <a:ext uri="{FF2B5EF4-FFF2-40B4-BE49-F238E27FC236}">
+                <a16:creationId xmlns:a16="http://schemas.microsoft.com/office/drawing/2014/main" id="{50EF5794-756B-4719-BC03-C19027FCBBA4}"/>
+              </a:ext>
+            </a:extLst>
+          </p:cNvPr>
+          <p:cNvPicPr>
+            <a:picLocks noChangeAspect="1" noChangeArrowheads="1"/>
+          </p:cNvPicPr>
+          <p:nvPr/>
+        </p:nvPicPr>
+        <p:blipFill>
+          <a:blip r:embed="rId2">
+            <a:extLst>
+              <a:ext uri="{28A0092B-C50C-407E-A947-70E740481C1C}">
+                <a14:useLocalDpi xmlns:a14="http://schemas.microsoft.com/office/drawing/2010/main" val="0"/>
+              </a:ext>
+            </a:extLst>
+          </a:blip>
+          <a:srcRect/>
+          <a:stretch>
+            <a:fillRect/>
+          </a:stretch>
+        </p:blipFill>
+        <p:spPr bwMode="auto">
+          <a:xfrm>
+            <a:off x="2857333" y="1343154"/>
+            <a:ext cx="6476135" cy="4317423"/>
+          </a:xfrm>
+          <a:prstGeom prst="rect">
+            <a:avLst/>
+          </a:prstGeom>
+          <a:noFill/>
+          <a:extLst>
+            <a:ext uri="{909E8E84-426E-40DD-AFC4-6F175D3DCCD1}">
+              <a14:hiddenFill xmlns:a14="http://schemas.microsoft.com/office/drawing/2010/main">
+                <a:solidFill>
+                  <a:srgbClr val="FFFFFF"/>
+                </a:solidFill>
+              </a14:hiddenFill>
+            </a:ext>
+          </a:extLst>
+        </p:spPr>
+      </p:pic>
+    </p:spTree>
+    <p:extLst>
+      <p:ext uri="{BB962C8B-B14F-4D97-AF65-F5344CB8AC3E}">
+        <p14:creationId xmlns:p14="http://schemas.microsoft.com/office/powerpoint/2010/main" val="2826580561"/>
+      </p:ext>
+    </p:extLst>
+  </p:cSld>
+  <p:clrMapOvr>
+    <a:masterClrMapping/>
+  </p:clrMapOvr>
+</p:sld>
+</file>
+
+<file path=ppt/slides/slide28.xml><?xml version="1.0" encoding="utf-8"?>
+<p:sld xmlns:a="http://schemas.openxmlformats.org/drawingml/2006/main" xmlns:r="http://schemas.openxmlformats.org/officeDocument/2006/relationships" xmlns:p="http://schemas.openxmlformats.org/presentationml/2006/main">
+  <p:cSld>
+    <p:spTree>
+      <p:nvGrpSpPr>
+        <p:cNvPr id="1" name=""/>
+        <p:cNvGrpSpPr/>
+        <p:nvPr/>
+      </p:nvGrpSpPr>
+      <p:grpSpPr>
+        <a:xfrm>
+          <a:off x="0" y="0"/>
+          <a:ext cx="0" cy="0"/>
+          <a:chOff x="0" y="0"/>
+          <a:chExt cx="0" cy="0"/>
+        </a:xfrm>
+      </p:grpSpPr>
+      <p:sp>
+        <p:nvSpPr>
+          <p:cNvPr id="2" name="Title 1">
+            <a:extLst>
+              <a:ext uri="{FF2B5EF4-FFF2-40B4-BE49-F238E27FC236}">
+                <a16:creationId xmlns:a16="http://schemas.microsoft.com/office/drawing/2014/main" id="{C7A5D019-96A4-4D1E-AFB5-09D65C86E12D}"/>
+              </a:ext>
+            </a:extLst>
+          </p:cNvPr>
+          <p:cNvSpPr>
+            <a:spLocks noGrp="1"/>
+          </p:cNvSpPr>
+          <p:nvPr>
+            <p:ph type="title"/>
+          </p:nvPr>
+        </p:nvSpPr>
+        <p:spPr/>
+        <p:txBody>
+          <a:bodyPr/>
+          <a:lstStyle/>
+          <a:p>
+            <a:r>
+              <a:rPr lang="vi-VN" dirty="0" err="1"/>
+              <a:t>Mục</a:t>
+            </a:r>
+            <a:r>
+              <a:rPr lang="vi-VN" dirty="0"/>
+              <a:t> </a:t>
+            </a:r>
+            <a:r>
+              <a:rPr lang="vi-VN" dirty="0" err="1"/>
+              <a:t>lục</a:t>
+            </a:r>
+            <a:endParaRPr lang="en-US" dirty="0"/>
+          </a:p>
+        </p:txBody>
+      </p:sp>
+      <p:sp>
+        <p:nvSpPr>
+          <p:cNvPr id="3" name="Text Placeholder 2">
+            <a:extLst>
+              <a:ext uri="{FF2B5EF4-FFF2-40B4-BE49-F238E27FC236}">
+                <a16:creationId xmlns:a16="http://schemas.microsoft.com/office/drawing/2014/main" id="{A5726603-7893-4AE0-9532-68058044B69D}"/>
+              </a:ext>
+            </a:extLst>
+          </p:cNvPr>
+          <p:cNvSpPr>
+            <a:spLocks noGrp="1"/>
+          </p:cNvSpPr>
+          <p:nvPr>
+            <p:ph type="body" sz="quarter" idx="13"/>
+          </p:nvPr>
+        </p:nvSpPr>
+        <p:spPr/>
+        <p:txBody>
+          <a:bodyPr/>
+          <a:lstStyle/>
+          <a:p>
+            <a:pPr marL="0" indent="0">
+              <a:buNone/>
+            </a:pPr>
+            <a:r>
+              <a:rPr lang="vi-VN" dirty="0"/>
+              <a:t>I. </a:t>
+            </a:r>
+            <a:r>
+              <a:rPr lang="vi-VN" dirty="0" err="1"/>
+              <a:t>Giới</a:t>
+            </a:r>
+            <a:r>
+              <a:rPr lang="vi-VN" dirty="0"/>
+              <a:t> </a:t>
+            </a:r>
+            <a:r>
+              <a:rPr lang="vi-VN" dirty="0" err="1"/>
+              <a:t>thiệu</a:t>
+            </a:r>
+            <a:endParaRPr lang="en-US" dirty="0"/>
+          </a:p>
+          <a:p>
+            <a:pPr marL="0" indent="0">
+              <a:buNone/>
+            </a:pPr>
+            <a:r>
+              <a:rPr lang="en-US" dirty="0"/>
+              <a:t>II. </a:t>
+            </a:r>
+            <a:r>
+              <a:rPr lang="vi-VN" dirty="0" err="1"/>
+              <a:t>Dữ</a:t>
+            </a:r>
+            <a:r>
+              <a:rPr lang="vi-VN" dirty="0"/>
+              <a:t> </a:t>
+            </a:r>
+            <a:r>
+              <a:rPr lang="vi-VN" dirty="0" err="1"/>
+              <a:t>liệu</a:t>
+            </a:r>
+            <a:endParaRPr lang="vi-VN" dirty="0"/>
+          </a:p>
+          <a:p>
+            <a:pPr marL="0" indent="0">
+              <a:buNone/>
+            </a:pPr>
+            <a:r>
+              <a:rPr lang="vi-VN" dirty="0"/>
+              <a:t>III. Mô </a:t>
+            </a:r>
+            <a:r>
+              <a:rPr lang="vi-VN" dirty="0" err="1"/>
+              <a:t>hình</a:t>
+            </a:r>
+            <a:endParaRPr lang="vi-VN" dirty="0"/>
+          </a:p>
+          <a:p>
+            <a:pPr marL="571500" indent="-571500">
+              <a:buAutoNum type="romanUcPeriod" startAt="4"/>
+            </a:pPr>
+            <a:r>
+              <a:rPr lang="vi-VN" dirty="0" err="1"/>
+              <a:t>Hàm</a:t>
+            </a:r>
+            <a:r>
+              <a:rPr lang="vi-VN" dirty="0"/>
+              <a:t> </a:t>
+            </a:r>
+            <a:r>
+              <a:rPr lang="vi-VN" dirty="0" err="1"/>
+              <a:t>lỗi</a:t>
+            </a:r>
+            <a:r>
+              <a:rPr lang="vi-VN" dirty="0"/>
+              <a:t> và </a:t>
+            </a:r>
+            <a:r>
+              <a:rPr lang="vi-VN" dirty="0" err="1"/>
+              <a:t>thuật</a:t>
+            </a:r>
+            <a:r>
+              <a:rPr lang="vi-VN" dirty="0"/>
+              <a:t> </a:t>
+            </a:r>
+            <a:r>
+              <a:rPr lang="vi-VN" dirty="0" err="1"/>
+              <a:t>toán</a:t>
+            </a:r>
+            <a:r>
+              <a:rPr lang="vi-VN" dirty="0"/>
+              <a:t> </a:t>
+            </a:r>
+            <a:r>
+              <a:rPr lang="vi-VN" dirty="0" err="1"/>
+              <a:t>tối</a:t>
+            </a:r>
+            <a:r>
+              <a:rPr lang="vi-VN" dirty="0"/>
+              <a:t> ưu hóa</a:t>
+            </a:r>
+          </a:p>
+          <a:p>
+            <a:pPr marL="571500" indent="-571500">
+              <a:buAutoNum type="romanUcPeriod" startAt="4"/>
+            </a:pPr>
+            <a:r>
+              <a:rPr lang="vi-VN" dirty="0" err="1"/>
+              <a:t>Quá</a:t>
+            </a:r>
+            <a:r>
+              <a:rPr lang="vi-VN" dirty="0"/>
+              <a:t> trinh </a:t>
+            </a:r>
+            <a:r>
+              <a:rPr lang="vi-VN" dirty="0" err="1"/>
+              <a:t>detect</a:t>
+            </a:r>
+            <a:endParaRPr lang="vi-VN" dirty="0"/>
+          </a:p>
+          <a:p>
+            <a:pPr marL="571500" indent="-571500">
+              <a:buAutoNum type="romanUcPeriod" startAt="4"/>
+            </a:pPr>
+            <a:r>
+              <a:rPr lang="vi-VN" b="1" dirty="0">
+                <a:solidFill>
+                  <a:srgbClr val="FF0000"/>
+                </a:solidFill>
+              </a:rPr>
+              <a:t>Kết quả và </a:t>
+            </a:r>
+            <a:r>
+              <a:rPr lang="vi-VN" b="1" dirty="0" err="1">
+                <a:solidFill>
+                  <a:srgbClr val="FF0000"/>
+                </a:solidFill>
+              </a:rPr>
+              <a:t>đánh</a:t>
+            </a:r>
+            <a:r>
+              <a:rPr lang="vi-VN" b="1" dirty="0">
+                <a:solidFill>
+                  <a:srgbClr val="FF0000"/>
+                </a:solidFill>
+              </a:rPr>
+              <a:t> </a:t>
+            </a:r>
+            <a:r>
+              <a:rPr lang="vi-VN" b="1" dirty="0" err="1">
+                <a:solidFill>
+                  <a:srgbClr val="FF0000"/>
+                </a:solidFill>
+              </a:rPr>
+              <a:t>giá</a:t>
+            </a:r>
+            <a:endParaRPr lang="vi-VN" b="1" dirty="0">
+              <a:solidFill>
+                <a:srgbClr val="FF0000"/>
+              </a:solidFill>
+            </a:endParaRPr>
+          </a:p>
+          <a:p>
+            <a:pPr marL="571500" indent="-571500">
+              <a:buAutoNum type="romanUcPeriod" startAt="4"/>
+            </a:pPr>
+            <a:r>
+              <a:rPr lang="vi-VN" dirty="0" err="1"/>
+              <a:t>Tài</a:t>
+            </a:r>
+            <a:r>
+              <a:rPr lang="vi-VN" dirty="0"/>
+              <a:t> </a:t>
+            </a:r>
+            <a:r>
+              <a:rPr lang="vi-VN" dirty="0" err="1"/>
+              <a:t>liệu</a:t>
+            </a:r>
+            <a:r>
+              <a:rPr lang="vi-VN" dirty="0"/>
+              <a:t> tham </a:t>
+            </a:r>
+            <a:r>
+              <a:rPr lang="vi-VN" dirty="0" err="1"/>
+              <a:t>khảo</a:t>
+            </a:r>
+            <a:endParaRPr lang="en-US" dirty="0"/>
+          </a:p>
+          <a:p>
+            <a:endParaRPr lang="en-US" dirty="0"/>
+          </a:p>
+        </p:txBody>
+      </p:sp>
+      <p:sp>
+        <p:nvSpPr>
+          <p:cNvPr id="6" name="Slide Number Placeholder 5">
+            <a:extLst>
+              <a:ext uri="{FF2B5EF4-FFF2-40B4-BE49-F238E27FC236}">
+                <a16:creationId xmlns:a16="http://schemas.microsoft.com/office/drawing/2014/main" id="{11E4677A-4F02-4478-B9B8-685D0B6264D3}"/>
+              </a:ext>
+            </a:extLst>
+          </p:cNvPr>
+          <p:cNvSpPr>
+            <a:spLocks noGrp="1"/>
+          </p:cNvSpPr>
+          <p:nvPr>
+            <p:ph type="sldNum" sz="quarter" idx="12"/>
+          </p:nvPr>
+        </p:nvSpPr>
+        <p:spPr/>
+        <p:txBody>
+          <a:bodyPr/>
+          <a:lstStyle/>
+          <a:p>
+            <a:fld id="{9EA0BE3B-158A-4EDF-80DC-E394A0D1600F}" type="slidenum">
+              <a:rPr lang="en-US" smtClean="0"/>
+              <a:pPr/>
+              <a:t>28</a:t>
+            </a:fld>
+            <a:endParaRPr lang="en-US"/>
+          </a:p>
+        </p:txBody>
+      </p:sp>
+    </p:spTree>
+    <p:extLst>
+      <p:ext uri="{BB962C8B-B14F-4D97-AF65-F5344CB8AC3E}">
+        <p14:creationId xmlns:p14="http://schemas.microsoft.com/office/powerpoint/2010/main" val="715233929"/>
+      </p:ext>
+    </p:extLst>
+  </p:cSld>
+  <p:clrMapOvr>
+    <a:masterClrMapping/>
+  </p:clrMapOvr>
+</p:sld>
+</file>
+
+<file path=ppt/slides/slide29.xml><?xml version="1.0" encoding="utf-8"?>
+<p:sld xmlns:a="http://schemas.openxmlformats.org/drawingml/2006/main" xmlns:r="http://schemas.openxmlformats.org/officeDocument/2006/relationships" xmlns:p="http://schemas.openxmlformats.org/presentationml/2006/main">
+  <p:cSld>
+    <p:spTree>
+      <p:nvGrpSpPr>
+        <p:cNvPr id="1" name=""/>
+        <p:cNvGrpSpPr/>
+        <p:nvPr/>
+      </p:nvGrpSpPr>
+      <p:grpSpPr>
+        <a:xfrm>
+          <a:off x="0" y="0"/>
+          <a:ext cx="0" cy="0"/>
+          <a:chOff x="0" y="0"/>
+          <a:chExt cx="0" cy="0"/>
+        </a:xfrm>
+      </p:grpSpPr>
+      <p:sp>
+        <p:nvSpPr>
+          <p:cNvPr id="2" name="Title 1">
+            <a:extLst>
+              <a:ext uri="{FF2B5EF4-FFF2-40B4-BE49-F238E27FC236}">
+                <a16:creationId xmlns:a16="http://schemas.microsoft.com/office/drawing/2014/main" id="{C7A5D019-96A4-4D1E-AFB5-09D65C86E12D}"/>
+              </a:ext>
+            </a:extLst>
+          </p:cNvPr>
+          <p:cNvSpPr>
+            <a:spLocks noGrp="1"/>
+          </p:cNvSpPr>
+          <p:nvPr>
+            <p:ph type="title"/>
+          </p:nvPr>
+        </p:nvSpPr>
+        <p:spPr/>
+        <p:txBody>
+          <a:bodyPr/>
+          <a:lstStyle/>
+          <a:p>
+            <a:r>
+              <a:rPr lang="vi-VN" dirty="0" err="1"/>
+              <a:t>VI.Kết</a:t>
+            </a:r>
+            <a:r>
+              <a:rPr lang="vi-VN" dirty="0"/>
+              <a:t> quả và </a:t>
+            </a:r>
+            <a:r>
+              <a:rPr lang="vi-VN" dirty="0" err="1"/>
+              <a:t>đánh</a:t>
+            </a:r>
+            <a:r>
+              <a:rPr lang="vi-VN" dirty="0"/>
+              <a:t> </a:t>
+            </a:r>
+            <a:r>
+              <a:rPr lang="vi-VN" dirty="0" err="1"/>
+              <a:t>giá</a:t>
+            </a:r>
+            <a:endParaRPr lang="en-US" dirty="0"/>
+          </a:p>
+        </p:txBody>
+      </p:sp>
+      <p:sp>
+        <p:nvSpPr>
+          <p:cNvPr id="3" name="Text Placeholder 2">
+            <a:extLst>
+              <a:ext uri="{FF2B5EF4-FFF2-40B4-BE49-F238E27FC236}">
+                <a16:creationId xmlns:a16="http://schemas.microsoft.com/office/drawing/2014/main" id="{A5726603-7893-4AE0-9532-68058044B69D}"/>
+              </a:ext>
+            </a:extLst>
+          </p:cNvPr>
+          <p:cNvSpPr>
+            <a:spLocks noGrp="1"/>
+          </p:cNvSpPr>
+          <p:nvPr>
+            <p:ph type="body" sz="quarter" idx="13"/>
+          </p:nvPr>
+        </p:nvSpPr>
+        <p:spPr/>
+        <p:txBody>
+          <a:bodyPr/>
+          <a:lstStyle/>
+          <a:p>
+            <a:pPr marL="0" indent="0">
+              <a:buNone/>
+            </a:pPr>
+            <a:endParaRPr lang="en-US" dirty="0"/>
+          </a:p>
+        </p:txBody>
+      </p:sp>
+      <p:sp>
+        <p:nvSpPr>
+          <p:cNvPr id="6" name="Slide Number Placeholder 5">
+            <a:extLst>
+              <a:ext uri="{FF2B5EF4-FFF2-40B4-BE49-F238E27FC236}">
+                <a16:creationId xmlns:a16="http://schemas.microsoft.com/office/drawing/2014/main" id="{11E4677A-4F02-4478-B9B8-685D0B6264D3}"/>
+              </a:ext>
+            </a:extLst>
+          </p:cNvPr>
+          <p:cNvSpPr>
+            <a:spLocks noGrp="1"/>
+          </p:cNvSpPr>
+          <p:nvPr>
+            <p:ph type="sldNum" sz="quarter" idx="12"/>
+          </p:nvPr>
+        </p:nvSpPr>
+        <p:spPr/>
+        <p:txBody>
+          <a:bodyPr/>
+          <a:lstStyle/>
+          <a:p>
+            <a:fld id="{9EA0BE3B-158A-4EDF-80DC-E394A0D1600F}" type="slidenum">
+              <a:rPr lang="en-US" smtClean="0"/>
+              <a:pPr/>
+              <a:t>29</a:t>
+            </a:fld>
+            <a:endParaRPr lang="en-US"/>
+          </a:p>
+        </p:txBody>
+      </p:sp>
+      <p:pic>
+        <p:nvPicPr>
+          <p:cNvPr id="8" name="Hình ảnh 7">
+            <a:extLst>
+              <a:ext uri="{FF2B5EF4-FFF2-40B4-BE49-F238E27FC236}">
+                <a16:creationId xmlns:a16="http://schemas.microsoft.com/office/drawing/2014/main" id="{307FD7A4-3378-4584-AE40-10A6E83ACFDF}"/>
+              </a:ext>
+            </a:extLst>
+          </p:cNvPr>
+          <p:cNvPicPr>
+            <a:picLocks noChangeAspect="1"/>
+          </p:cNvPicPr>
+          <p:nvPr/>
+        </p:nvPicPr>
+        <p:blipFill>
+          <a:blip r:embed="rId2"/>
+          <a:stretch>
+            <a:fillRect/>
+          </a:stretch>
+        </p:blipFill>
+        <p:spPr>
+          <a:xfrm>
+            <a:off x="1006442" y="1296177"/>
+            <a:ext cx="3629025" cy="2362200"/>
+          </a:xfrm>
+          <a:prstGeom prst="rect">
+            <a:avLst/>
+          </a:prstGeom>
+        </p:spPr>
+      </p:pic>
+      <p:pic>
+        <p:nvPicPr>
+          <p:cNvPr id="12" name="Hình ảnh 11">
+            <a:extLst>
+              <a:ext uri="{FF2B5EF4-FFF2-40B4-BE49-F238E27FC236}">
+                <a16:creationId xmlns:a16="http://schemas.microsoft.com/office/drawing/2014/main" id="{0A2C6F86-7A68-4686-B597-70FA70CDC00E}"/>
+              </a:ext>
+            </a:extLst>
+          </p:cNvPr>
+          <p:cNvPicPr>
+            <a:picLocks noChangeAspect="1"/>
+          </p:cNvPicPr>
+          <p:nvPr/>
+        </p:nvPicPr>
+        <p:blipFill>
+          <a:blip r:embed="rId3"/>
+          <a:stretch>
+            <a:fillRect/>
+          </a:stretch>
+        </p:blipFill>
+        <p:spPr>
+          <a:xfrm>
+            <a:off x="7089607" y="1249664"/>
+            <a:ext cx="3629025" cy="2362200"/>
+          </a:xfrm>
+          <a:prstGeom prst="rect">
+            <a:avLst/>
+          </a:prstGeom>
+        </p:spPr>
+      </p:pic>
+      <p:pic>
+        <p:nvPicPr>
+          <p:cNvPr id="14" name="Hình ảnh 13">
+            <a:extLst>
+              <a:ext uri="{FF2B5EF4-FFF2-40B4-BE49-F238E27FC236}">
+                <a16:creationId xmlns:a16="http://schemas.microsoft.com/office/drawing/2014/main" id="{12D80BC5-2B17-4BA9-8346-5D856336E837}"/>
+              </a:ext>
+            </a:extLst>
+          </p:cNvPr>
+          <p:cNvPicPr>
+            <a:picLocks noChangeAspect="1"/>
+          </p:cNvPicPr>
+          <p:nvPr/>
+        </p:nvPicPr>
+        <p:blipFill>
+          <a:blip r:embed="rId4"/>
+          <a:stretch>
+            <a:fillRect/>
+          </a:stretch>
+        </p:blipFill>
+        <p:spPr>
+          <a:xfrm>
+            <a:off x="1006440" y="3658377"/>
+            <a:ext cx="3629025" cy="2362200"/>
+          </a:xfrm>
+          <a:prstGeom prst="rect">
+            <a:avLst/>
+          </a:prstGeom>
+        </p:spPr>
+      </p:pic>
+      <p:pic>
+        <p:nvPicPr>
+          <p:cNvPr id="16" name="Hình ảnh 15">
+            <a:extLst>
+              <a:ext uri="{FF2B5EF4-FFF2-40B4-BE49-F238E27FC236}">
+                <a16:creationId xmlns:a16="http://schemas.microsoft.com/office/drawing/2014/main" id="{048CDE02-3C75-4C08-8221-E186D59FBE7D}"/>
+              </a:ext>
+            </a:extLst>
+          </p:cNvPr>
+          <p:cNvPicPr>
+            <a:picLocks noChangeAspect="1"/>
+          </p:cNvPicPr>
+          <p:nvPr/>
+        </p:nvPicPr>
+        <p:blipFill>
+          <a:blip r:embed="rId5"/>
+          <a:stretch>
+            <a:fillRect/>
+          </a:stretch>
+        </p:blipFill>
+        <p:spPr>
+          <a:xfrm>
+            <a:off x="7089607" y="3658377"/>
+            <a:ext cx="3629025" cy="2362200"/>
+          </a:xfrm>
+          <a:prstGeom prst="rect">
+            <a:avLst/>
+          </a:prstGeom>
+        </p:spPr>
+      </p:pic>
+    </p:spTree>
+    <p:extLst>
+      <p:ext uri="{BB962C8B-B14F-4D97-AF65-F5344CB8AC3E}">
+        <p14:creationId xmlns:p14="http://schemas.microsoft.com/office/powerpoint/2010/main" val="1616153628"/>
       </p:ext>
     </p:extLst>
   </p:cSld>
@@ -3621,8 +9978,8 @@
         </p:nvSpPr>
         <p:spPr>
           <a:xfrm>
-            <a:off x="386634" y="3365399"/>
-            <a:ext cx="7342482" cy="848793"/>
+            <a:off x="386633" y="3365399"/>
+            <a:ext cx="7917612" cy="848793"/>
           </a:xfrm>
           <a:prstGeom prst="rect">
             <a:avLst/>
@@ -3651,8 +10008,32 @@
           </a:lstStyle>
           <a:p>
             <a:r>
+              <a:rPr lang="vi-VN" sz="2800" b="0" dirty="0" err="1"/>
+              <a:t>Giảng</a:t>
+            </a:r>
+            <a:r>
               <a:rPr lang="vi-VN" sz="2800" b="0" dirty="0"/>
-              <a:t>NHÓM 13</a:t>
+              <a:t> viên </a:t>
+            </a:r>
+            <a:r>
+              <a:rPr lang="vi-VN" sz="2800" b="0" dirty="0" err="1"/>
+              <a:t>hướng</a:t>
+            </a:r>
+            <a:r>
+              <a:rPr lang="vi-VN" sz="2800" b="0" dirty="0"/>
+              <a:t> </a:t>
+            </a:r>
+            <a:r>
+              <a:rPr lang="vi-VN" sz="2800" b="0" dirty="0" err="1"/>
+              <a:t>dẫn</a:t>
+            </a:r>
+            <a:r>
+              <a:rPr lang="vi-VN" sz="2800" b="0" dirty="0"/>
+              <a:t>: PSG. Thân Quang </a:t>
+            </a:r>
+            <a:r>
+              <a:rPr lang="vi-VN" sz="2800" b="0" dirty="0" err="1"/>
+              <a:t>Khoát</a:t>
             </a:r>
             <a:endParaRPr lang="en-US" sz="2800" b="0" dirty="0"/>
           </a:p>
@@ -3692,6 +10073,1291 @@
     <p:extLst>
       <p:ext uri="{BB962C8B-B14F-4D97-AF65-F5344CB8AC3E}">
         <p14:creationId xmlns:p14="http://schemas.microsoft.com/office/powerpoint/2010/main" val="743172911"/>
+      </p:ext>
+    </p:extLst>
+  </p:cSld>
+  <p:clrMapOvr>
+    <a:masterClrMapping/>
+  </p:clrMapOvr>
+</p:sld>
+</file>
+
+<file path=ppt/slides/slide30.xml><?xml version="1.0" encoding="utf-8"?>
+<p:sld xmlns:a="http://schemas.openxmlformats.org/drawingml/2006/main" xmlns:r="http://schemas.openxmlformats.org/officeDocument/2006/relationships" xmlns:p="http://schemas.openxmlformats.org/presentationml/2006/main">
+  <p:cSld>
+    <p:spTree>
+      <p:nvGrpSpPr>
+        <p:cNvPr id="1" name=""/>
+        <p:cNvGrpSpPr/>
+        <p:nvPr/>
+      </p:nvGrpSpPr>
+      <p:grpSpPr>
+        <a:xfrm>
+          <a:off x="0" y="0"/>
+          <a:ext cx="0" cy="0"/>
+          <a:chOff x="0" y="0"/>
+          <a:chExt cx="0" cy="0"/>
+        </a:xfrm>
+      </p:grpSpPr>
+      <p:sp>
+        <p:nvSpPr>
+          <p:cNvPr id="2" name="Title 1">
+            <a:extLst>
+              <a:ext uri="{FF2B5EF4-FFF2-40B4-BE49-F238E27FC236}">
+                <a16:creationId xmlns:a16="http://schemas.microsoft.com/office/drawing/2014/main" id="{C7A5D019-96A4-4D1E-AFB5-09D65C86E12D}"/>
+              </a:ext>
+            </a:extLst>
+          </p:cNvPr>
+          <p:cNvSpPr>
+            <a:spLocks noGrp="1"/>
+          </p:cNvSpPr>
+          <p:nvPr>
+            <p:ph type="title"/>
+          </p:nvPr>
+        </p:nvSpPr>
+        <p:spPr/>
+        <p:txBody>
+          <a:bodyPr/>
+          <a:lstStyle/>
+          <a:p>
+            <a:r>
+              <a:rPr lang="vi-VN" dirty="0"/>
+              <a:t>VI. Kết quả và đanh </a:t>
+            </a:r>
+            <a:r>
+              <a:rPr lang="vi-VN" dirty="0" err="1"/>
+              <a:t>giá</a:t>
+            </a:r>
+            <a:endParaRPr lang="en-US" dirty="0"/>
+          </a:p>
+        </p:txBody>
+      </p:sp>
+      <p:sp>
+        <p:nvSpPr>
+          <p:cNvPr id="3" name="Text Placeholder 2">
+            <a:extLst>
+              <a:ext uri="{FF2B5EF4-FFF2-40B4-BE49-F238E27FC236}">
+                <a16:creationId xmlns:a16="http://schemas.microsoft.com/office/drawing/2014/main" id="{A5726603-7893-4AE0-9532-68058044B69D}"/>
+              </a:ext>
+            </a:extLst>
+          </p:cNvPr>
+          <p:cNvSpPr>
+            <a:spLocks noGrp="1"/>
+          </p:cNvSpPr>
+          <p:nvPr>
+            <p:ph type="body" sz="quarter" idx="13"/>
+          </p:nvPr>
+        </p:nvSpPr>
+        <p:spPr/>
+        <p:txBody>
+          <a:bodyPr/>
+          <a:lstStyle/>
+          <a:p>
+            <a:pPr>
+              <a:buFontTx/>
+              <a:buChar char="-"/>
+            </a:pPr>
+            <a:r>
+              <a:rPr lang="vi-VN" dirty="0"/>
+              <a:t>Mô </a:t>
+            </a:r>
+            <a:r>
+              <a:rPr lang="vi-VN" dirty="0" err="1"/>
+              <a:t>hình</a:t>
+            </a:r>
+            <a:r>
+              <a:rPr lang="vi-VN" dirty="0"/>
+              <a:t> đang thiên </a:t>
+            </a:r>
+            <a:r>
+              <a:rPr lang="vi-VN" dirty="0" err="1"/>
+              <a:t>về</a:t>
+            </a:r>
+            <a:r>
+              <a:rPr lang="vi-VN" dirty="0"/>
+              <a:t> </a:t>
+            </a:r>
+            <a:r>
+              <a:rPr lang="vi-VN" dirty="0" err="1"/>
+              <a:t>loc_loss</a:t>
+            </a:r>
+            <a:endParaRPr lang="vi-VN" dirty="0"/>
+          </a:p>
+          <a:p>
+            <a:pPr lvl="1">
+              <a:buFontTx/>
+              <a:buChar char="-"/>
+            </a:pPr>
+            <a:r>
+              <a:rPr lang="vi-VN" dirty="0" err="1"/>
+              <a:t>Cần</a:t>
+            </a:r>
+            <a:r>
+              <a:rPr lang="vi-VN" dirty="0"/>
+              <a:t> </a:t>
+            </a:r>
+            <a:r>
+              <a:rPr lang="vi-VN" dirty="0" err="1"/>
+              <a:t>điều</a:t>
+            </a:r>
+            <a:r>
+              <a:rPr lang="vi-VN" dirty="0"/>
+              <a:t> </a:t>
+            </a:r>
+            <a:r>
+              <a:rPr lang="vi-VN" dirty="0" err="1"/>
+              <a:t>chỉnh</a:t>
+            </a:r>
+            <a:r>
+              <a:rPr lang="vi-VN" dirty="0"/>
+              <a:t> </a:t>
+            </a:r>
+            <a:r>
+              <a:rPr lang="vi-VN" dirty="0" err="1"/>
+              <a:t>trọng</a:t>
+            </a:r>
+            <a:r>
+              <a:rPr lang="vi-VN" dirty="0"/>
+              <a:t> </a:t>
+            </a:r>
+            <a:r>
+              <a:rPr lang="vi-VN" dirty="0" err="1"/>
+              <a:t>số</a:t>
+            </a:r>
+            <a:endParaRPr lang="vi-VN" dirty="0"/>
+          </a:p>
+          <a:p>
+            <a:pPr>
+              <a:buFontTx/>
+              <a:buChar char="-"/>
+            </a:pPr>
+            <a:r>
+              <a:rPr lang="vi-VN" dirty="0"/>
+              <a:t>Sử dụng </a:t>
+            </a:r>
+            <a:r>
+              <a:rPr lang="vi-VN" dirty="0" err="1"/>
+              <a:t>độ</a:t>
+            </a:r>
+            <a:r>
+              <a:rPr lang="vi-VN" dirty="0"/>
+              <a:t> đo </a:t>
+            </a:r>
+            <a:r>
+              <a:rPr lang="vi-VN" dirty="0" err="1"/>
+              <a:t>mAP</a:t>
+            </a:r>
+            <a:endParaRPr lang="vi-VN" dirty="0"/>
+          </a:p>
+          <a:p>
+            <a:pPr marL="0" indent="0">
+              <a:buNone/>
+            </a:pPr>
+            <a:endParaRPr lang="en-US" dirty="0"/>
+          </a:p>
+        </p:txBody>
+      </p:sp>
+      <p:sp>
+        <p:nvSpPr>
+          <p:cNvPr id="6" name="Slide Number Placeholder 5">
+            <a:extLst>
+              <a:ext uri="{FF2B5EF4-FFF2-40B4-BE49-F238E27FC236}">
+                <a16:creationId xmlns:a16="http://schemas.microsoft.com/office/drawing/2014/main" id="{11E4677A-4F02-4478-B9B8-685D0B6264D3}"/>
+              </a:ext>
+            </a:extLst>
+          </p:cNvPr>
+          <p:cNvSpPr>
+            <a:spLocks noGrp="1"/>
+          </p:cNvSpPr>
+          <p:nvPr>
+            <p:ph type="sldNum" sz="quarter" idx="12"/>
+          </p:nvPr>
+        </p:nvSpPr>
+        <p:spPr/>
+        <p:txBody>
+          <a:bodyPr/>
+          <a:lstStyle/>
+          <a:p>
+            <a:fld id="{9EA0BE3B-158A-4EDF-80DC-E394A0D1600F}" type="slidenum">
+              <a:rPr lang="en-US" smtClean="0"/>
+              <a:pPr/>
+              <a:t>30</a:t>
+            </a:fld>
+            <a:endParaRPr lang="en-US"/>
+          </a:p>
+        </p:txBody>
+      </p:sp>
+    </p:spTree>
+    <p:extLst>
+      <p:ext uri="{BB962C8B-B14F-4D97-AF65-F5344CB8AC3E}">
+        <p14:creationId xmlns:p14="http://schemas.microsoft.com/office/powerpoint/2010/main" val="2638602737"/>
+      </p:ext>
+    </p:extLst>
+  </p:cSld>
+  <p:clrMapOvr>
+    <a:masterClrMapping/>
+  </p:clrMapOvr>
+</p:sld>
+</file>
+
+<file path=ppt/slides/slide31.xml><?xml version="1.0" encoding="utf-8"?>
+<p:sld xmlns:a="http://schemas.openxmlformats.org/drawingml/2006/main" xmlns:r="http://schemas.openxmlformats.org/officeDocument/2006/relationships" xmlns:p="http://schemas.openxmlformats.org/presentationml/2006/main">
+  <p:cSld>
+    <p:spTree>
+      <p:nvGrpSpPr>
+        <p:cNvPr id="1" name=""/>
+        <p:cNvGrpSpPr/>
+        <p:nvPr/>
+      </p:nvGrpSpPr>
+      <p:grpSpPr>
+        <a:xfrm>
+          <a:off x="0" y="0"/>
+          <a:ext cx="0" cy="0"/>
+          <a:chOff x="0" y="0"/>
+          <a:chExt cx="0" cy="0"/>
+        </a:xfrm>
+      </p:grpSpPr>
+      <p:sp>
+        <p:nvSpPr>
+          <p:cNvPr id="2" name="Title 1">
+            <a:extLst>
+              <a:ext uri="{FF2B5EF4-FFF2-40B4-BE49-F238E27FC236}">
+                <a16:creationId xmlns:a16="http://schemas.microsoft.com/office/drawing/2014/main" id="{C7A5D019-96A4-4D1E-AFB5-09D65C86E12D}"/>
+              </a:ext>
+            </a:extLst>
+          </p:cNvPr>
+          <p:cNvSpPr>
+            <a:spLocks noGrp="1"/>
+          </p:cNvSpPr>
+          <p:nvPr>
+            <p:ph type="title"/>
+          </p:nvPr>
+        </p:nvSpPr>
+        <p:spPr/>
+        <p:txBody>
+          <a:bodyPr/>
+          <a:lstStyle/>
+          <a:p>
+            <a:r>
+              <a:rPr lang="vi-VN" dirty="0" err="1"/>
+              <a:t>Mục</a:t>
+            </a:r>
+            <a:r>
+              <a:rPr lang="vi-VN" dirty="0"/>
+              <a:t> </a:t>
+            </a:r>
+            <a:r>
+              <a:rPr lang="vi-VN" dirty="0" err="1"/>
+              <a:t>lục</a:t>
+            </a:r>
+            <a:endParaRPr lang="en-US" dirty="0"/>
+          </a:p>
+        </p:txBody>
+      </p:sp>
+      <p:sp>
+        <p:nvSpPr>
+          <p:cNvPr id="3" name="Text Placeholder 2">
+            <a:extLst>
+              <a:ext uri="{FF2B5EF4-FFF2-40B4-BE49-F238E27FC236}">
+                <a16:creationId xmlns:a16="http://schemas.microsoft.com/office/drawing/2014/main" id="{A5726603-7893-4AE0-9532-68058044B69D}"/>
+              </a:ext>
+            </a:extLst>
+          </p:cNvPr>
+          <p:cNvSpPr>
+            <a:spLocks noGrp="1"/>
+          </p:cNvSpPr>
+          <p:nvPr>
+            <p:ph type="body" sz="quarter" idx="13"/>
+          </p:nvPr>
+        </p:nvSpPr>
+        <p:spPr/>
+        <p:txBody>
+          <a:bodyPr/>
+          <a:lstStyle/>
+          <a:p>
+            <a:pPr marL="0" indent="0">
+              <a:buNone/>
+            </a:pPr>
+            <a:r>
+              <a:rPr lang="vi-VN" dirty="0"/>
+              <a:t>I. </a:t>
+            </a:r>
+            <a:r>
+              <a:rPr lang="vi-VN" dirty="0" err="1"/>
+              <a:t>Giới</a:t>
+            </a:r>
+            <a:r>
+              <a:rPr lang="vi-VN" dirty="0"/>
+              <a:t> </a:t>
+            </a:r>
+            <a:r>
+              <a:rPr lang="vi-VN" dirty="0" err="1"/>
+              <a:t>thiệu</a:t>
+            </a:r>
+            <a:endParaRPr lang="en-US" dirty="0"/>
+          </a:p>
+          <a:p>
+            <a:pPr marL="0" indent="0">
+              <a:buNone/>
+            </a:pPr>
+            <a:r>
+              <a:rPr lang="en-US" dirty="0"/>
+              <a:t>II. </a:t>
+            </a:r>
+            <a:r>
+              <a:rPr lang="vi-VN" dirty="0" err="1"/>
+              <a:t>Dữ</a:t>
+            </a:r>
+            <a:r>
+              <a:rPr lang="vi-VN" dirty="0"/>
+              <a:t> </a:t>
+            </a:r>
+            <a:r>
+              <a:rPr lang="vi-VN" dirty="0" err="1"/>
+              <a:t>liệu</a:t>
+            </a:r>
+            <a:endParaRPr lang="vi-VN" dirty="0"/>
+          </a:p>
+          <a:p>
+            <a:pPr marL="0" indent="0">
+              <a:buNone/>
+            </a:pPr>
+            <a:r>
+              <a:rPr lang="vi-VN" dirty="0"/>
+              <a:t>III. Mô </a:t>
+            </a:r>
+            <a:r>
+              <a:rPr lang="vi-VN" dirty="0" err="1"/>
+              <a:t>hình</a:t>
+            </a:r>
+            <a:endParaRPr lang="vi-VN" dirty="0"/>
+          </a:p>
+          <a:p>
+            <a:pPr marL="571500" indent="-571500">
+              <a:buAutoNum type="romanUcPeriod" startAt="4"/>
+            </a:pPr>
+            <a:r>
+              <a:rPr lang="vi-VN" dirty="0" err="1"/>
+              <a:t>Hàm</a:t>
+            </a:r>
+            <a:r>
+              <a:rPr lang="vi-VN" dirty="0"/>
+              <a:t> </a:t>
+            </a:r>
+            <a:r>
+              <a:rPr lang="vi-VN" dirty="0" err="1"/>
+              <a:t>lỗi</a:t>
+            </a:r>
+            <a:r>
+              <a:rPr lang="vi-VN" dirty="0"/>
+              <a:t> và </a:t>
+            </a:r>
+            <a:r>
+              <a:rPr lang="vi-VN" dirty="0" err="1"/>
+              <a:t>thuật</a:t>
+            </a:r>
+            <a:r>
+              <a:rPr lang="vi-VN" dirty="0"/>
+              <a:t> </a:t>
+            </a:r>
+            <a:r>
+              <a:rPr lang="vi-VN" dirty="0" err="1"/>
+              <a:t>toán</a:t>
+            </a:r>
+            <a:r>
+              <a:rPr lang="vi-VN" dirty="0"/>
+              <a:t> </a:t>
+            </a:r>
+            <a:r>
+              <a:rPr lang="vi-VN" dirty="0" err="1"/>
+              <a:t>tối</a:t>
+            </a:r>
+            <a:r>
+              <a:rPr lang="vi-VN" dirty="0"/>
+              <a:t> ưu hóa</a:t>
+            </a:r>
+          </a:p>
+          <a:p>
+            <a:pPr marL="571500" indent="-571500">
+              <a:buAutoNum type="romanUcPeriod" startAt="4"/>
+            </a:pPr>
+            <a:r>
+              <a:rPr lang="vi-VN" dirty="0" err="1"/>
+              <a:t>Quá</a:t>
+            </a:r>
+            <a:r>
+              <a:rPr lang="vi-VN" dirty="0"/>
+              <a:t> trinh </a:t>
+            </a:r>
+            <a:r>
+              <a:rPr lang="vi-VN" dirty="0" err="1"/>
+              <a:t>detect</a:t>
+            </a:r>
+            <a:endParaRPr lang="vi-VN" dirty="0"/>
+          </a:p>
+          <a:p>
+            <a:pPr marL="571500" indent="-571500">
+              <a:buAutoNum type="romanUcPeriod" startAt="4"/>
+            </a:pPr>
+            <a:r>
+              <a:rPr lang="vi-VN" dirty="0"/>
+              <a:t>Kết quả và </a:t>
+            </a:r>
+            <a:r>
+              <a:rPr lang="vi-VN" dirty="0" err="1"/>
+              <a:t>đánh</a:t>
+            </a:r>
+            <a:r>
+              <a:rPr lang="vi-VN" dirty="0"/>
+              <a:t> </a:t>
+            </a:r>
+            <a:r>
+              <a:rPr lang="vi-VN" dirty="0" err="1"/>
+              <a:t>giá</a:t>
+            </a:r>
+            <a:endParaRPr lang="vi-VN" dirty="0"/>
+          </a:p>
+          <a:p>
+            <a:pPr marL="571500" indent="-571500">
+              <a:buAutoNum type="romanUcPeriod" startAt="4"/>
+            </a:pPr>
+            <a:r>
+              <a:rPr lang="vi-VN" b="1" dirty="0" err="1">
+                <a:solidFill>
+                  <a:srgbClr val="FF0000"/>
+                </a:solidFill>
+              </a:rPr>
+              <a:t>Tài</a:t>
+            </a:r>
+            <a:r>
+              <a:rPr lang="vi-VN" b="1" dirty="0">
+                <a:solidFill>
+                  <a:srgbClr val="FF0000"/>
+                </a:solidFill>
+              </a:rPr>
+              <a:t> </a:t>
+            </a:r>
+            <a:r>
+              <a:rPr lang="vi-VN" b="1" dirty="0" err="1">
+                <a:solidFill>
+                  <a:srgbClr val="FF0000"/>
+                </a:solidFill>
+              </a:rPr>
+              <a:t>liệu</a:t>
+            </a:r>
+            <a:r>
+              <a:rPr lang="vi-VN" b="1" dirty="0">
+                <a:solidFill>
+                  <a:srgbClr val="FF0000"/>
+                </a:solidFill>
+              </a:rPr>
+              <a:t> tham </a:t>
+            </a:r>
+            <a:r>
+              <a:rPr lang="vi-VN" b="1" dirty="0" err="1">
+                <a:solidFill>
+                  <a:srgbClr val="FF0000"/>
+                </a:solidFill>
+              </a:rPr>
+              <a:t>khảo</a:t>
+            </a:r>
+            <a:endParaRPr lang="en-US" b="1" dirty="0">
+              <a:solidFill>
+                <a:srgbClr val="FF0000"/>
+              </a:solidFill>
+            </a:endParaRPr>
+          </a:p>
+          <a:p>
+            <a:endParaRPr lang="en-US" dirty="0"/>
+          </a:p>
+        </p:txBody>
+      </p:sp>
+      <p:sp>
+        <p:nvSpPr>
+          <p:cNvPr id="6" name="Slide Number Placeholder 5">
+            <a:extLst>
+              <a:ext uri="{FF2B5EF4-FFF2-40B4-BE49-F238E27FC236}">
+                <a16:creationId xmlns:a16="http://schemas.microsoft.com/office/drawing/2014/main" id="{11E4677A-4F02-4478-B9B8-685D0B6264D3}"/>
+              </a:ext>
+            </a:extLst>
+          </p:cNvPr>
+          <p:cNvSpPr>
+            <a:spLocks noGrp="1"/>
+          </p:cNvSpPr>
+          <p:nvPr>
+            <p:ph type="sldNum" sz="quarter" idx="12"/>
+          </p:nvPr>
+        </p:nvSpPr>
+        <p:spPr/>
+        <p:txBody>
+          <a:bodyPr/>
+          <a:lstStyle/>
+          <a:p>
+            <a:fld id="{9EA0BE3B-158A-4EDF-80DC-E394A0D1600F}" type="slidenum">
+              <a:rPr lang="en-US" smtClean="0"/>
+              <a:pPr/>
+              <a:t>31</a:t>
+            </a:fld>
+            <a:endParaRPr lang="en-US"/>
+          </a:p>
+        </p:txBody>
+      </p:sp>
+    </p:spTree>
+    <p:extLst>
+      <p:ext uri="{BB962C8B-B14F-4D97-AF65-F5344CB8AC3E}">
+        <p14:creationId xmlns:p14="http://schemas.microsoft.com/office/powerpoint/2010/main" val="645786304"/>
+      </p:ext>
+    </p:extLst>
+  </p:cSld>
+  <p:clrMapOvr>
+    <a:masterClrMapping/>
+  </p:clrMapOvr>
+</p:sld>
+</file>
+
+<file path=ppt/slides/slide32.xml><?xml version="1.0" encoding="utf-8"?>
+<p:sld xmlns:a="http://schemas.openxmlformats.org/drawingml/2006/main" xmlns:r="http://schemas.openxmlformats.org/officeDocument/2006/relationships" xmlns:p="http://schemas.openxmlformats.org/presentationml/2006/main">
+  <p:cSld>
+    <p:spTree>
+      <p:nvGrpSpPr>
+        <p:cNvPr id="1" name=""/>
+        <p:cNvGrpSpPr/>
+        <p:nvPr/>
+      </p:nvGrpSpPr>
+      <p:grpSpPr>
+        <a:xfrm>
+          <a:off x="0" y="0"/>
+          <a:ext cx="0" cy="0"/>
+          <a:chOff x="0" y="0"/>
+          <a:chExt cx="0" cy="0"/>
+        </a:xfrm>
+      </p:grpSpPr>
+      <p:sp>
+        <p:nvSpPr>
+          <p:cNvPr id="2" name="Title 1">
+            <a:extLst>
+              <a:ext uri="{FF2B5EF4-FFF2-40B4-BE49-F238E27FC236}">
+                <a16:creationId xmlns:a16="http://schemas.microsoft.com/office/drawing/2014/main" id="{C7A5D019-96A4-4D1E-AFB5-09D65C86E12D}"/>
+              </a:ext>
+            </a:extLst>
+          </p:cNvPr>
+          <p:cNvSpPr>
+            <a:spLocks noGrp="1"/>
+          </p:cNvSpPr>
+          <p:nvPr>
+            <p:ph type="title"/>
+          </p:nvPr>
+        </p:nvSpPr>
+        <p:spPr/>
+        <p:txBody>
+          <a:bodyPr/>
+          <a:lstStyle/>
+          <a:p>
+            <a:r>
+              <a:rPr lang="vi-VN" dirty="0"/>
+              <a:t>VII. </a:t>
+            </a:r>
+            <a:r>
+              <a:rPr lang="vi-VN" dirty="0" err="1"/>
+              <a:t>Tài</a:t>
+            </a:r>
+            <a:r>
+              <a:rPr lang="vi-VN" dirty="0"/>
+              <a:t> </a:t>
+            </a:r>
+            <a:r>
+              <a:rPr lang="vi-VN" dirty="0" err="1"/>
+              <a:t>liệu</a:t>
+            </a:r>
+            <a:r>
+              <a:rPr lang="vi-VN" dirty="0"/>
+              <a:t> tham </a:t>
+            </a:r>
+            <a:r>
+              <a:rPr lang="vi-VN" dirty="0" err="1"/>
+              <a:t>khảo</a:t>
+            </a:r>
+            <a:endParaRPr lang="en-US" dirty="0"/>
+          </a:p>
+        </p:txBody>
+      </p:sp>
+      <p:sp>
+        <p:nvSpPr>
+          <p:cNvPr id="3" name="Text Placeholder 2">
+            <a:extLst>
+              <a:ext uri="{FF2B5EF4-FFF2-40B4-BE49-F238E27FC236}">
+                <a16:creationId xmlns:a16="http://schemas.microsoft.com/office/drawing/2014/main" id="{A5726603-7893-4AE0-9532-68058044B69D}"/>
+              </a:ext>
+            </a:extLst>
+          </p:cNvPr>
+          <p:cNvSpPr>
+            <a:spLocks noGrp="1"/>
+          </p:cNvSpPr>
+          <p:nvPr>
+            <p:ph type="body" sz="quarter" idx="13"/>
+          </p:nvPr>
+        </p:nvSpPr>
+        <p:spPr/>
+        <p:txBody>
+          <a:bodyPr/>
+          <a:lstStyle/>
+          <a:p>
+            <a:pPr marL="0" indent="0">
+              <a:buNone/>
+            </a:pPr>
+            <a:r>
+              <a:rPr lang="en-US" dirty="0"/>
+              <a:t>[1] </a:t>
+            </a:r>
+            <a:r>
+              <a:rPr lang="vi-VN" b="0" i="0" dirty="0" err="1">
+                <a:solidFill>
+                  <a:srgbClr val="000000"/>
+                </a:solidFill>
+                <a:effectLst/>
+                <a:latin typeface="Lucida Grande"/>
+              </a:rPr>
+              <a:t>Wei</a:t>
+            </a:r>
+            <a:r>
+              <a:rPr lang="vi-VN" b="0" i="0" dirty="0">
+                <a:solidFill>
+                  <a:srgbClr val="000000"/>
+                </a:solidFill>
+                <a:effectLst/>
+                <a:latin typeface="Lucida Grande"/>
+              </a:rPr>
+              <a:t> Liu, </a:t>
+            </a:r>
+            <a:r>
+              <a:rPr lang="vi-VN" b="0" i="0" dirty="0" err="1">
+                <a:solidFill>
+                  <a:srgbClr val="000000"/>
+                </a:solidFill>
+                <a:effectLst/>
+                <a:latin typeface="Lucida Grande"/>
+              </a:rPr>
+              <a:t>Dragomir</a:t>
+            </a:r>
+            <a:r>
+              <a:rPr lang="vi-VN" b="0" i="0" dirty="0">
+                <a:solidFill>
+                  <a:srgbClr val="000000"/>
+                </a:solidFill>
+                <a:effectLst/>
+                <a:latin typeface="Lucida Grande"/>
+              </a:rPr>
+              <a:t> </a:t>
+            </a:r>
+            <a:r>
+              <a:rPr lang="vi-VN" b="0" i="0" dirty="0" err="1">
+                <a:solidFill>
+                  <a:srgbClr val="000000"/>
+                </a:solidFill>
+                <a:effectLst/>
+                <a:latin typeface="Lucida Grande"/>
+              </a:rPr>
+              <a:t>Anguelov</a:t>
+            </a:r>
+            <a:r>
+              <a:rPr lang="vi-VN" b="0" i="0" dirty="0">
+                <a:solidFill>
+                  <a:srgbClr val="000000"/>
+                </a:solidFill>
+                <a:effectLst/>
+                <a:latin typeface="Lucida Grande"/>
+              </a:rPr>
+              <a:t>, </a:t>
+            </a:r>
+            <a:r>
+              <a:rPr lang="vi-VN" b="0" i="0" dirty="0" err="1">
+                <a:solidFill>
+                  <a:srgbClr val="000000"/>
+                </a:solidFill>
+                <a:effectLst/>
+                <a:latin typeface="Lucida Grande"/>
+              </a:rPr>
+              <a:t>Dumitru</a:t>
+            </a:r>
+            <a:r>
+              <a:rPr lang="vi-VN" b="0" i="0" dirty="0">
+                <a:solidFill>
+                  <a:srgbClr val="000000"/>
+                </a:solidFill>
+                <a:effectLst/>
+                <a:latin typeface="Lucida Grande"/>
+              </a:rPr>
+              <a:t> </a:t>
+            </a:r>
+            <a:r>
+              <a:rPr lang="vi-VN" b="0" i="0" dirty="0" err="1">
+                <a:solidFill>
+                  <a:srgbClr val="000000"/>
+                </a:solidFill>
+                <a:effectLst/>
+                <a:latin typeface="Lucida Grande"/>
+              </a:rPr>
+              <a:t>Erhan</a:t>
+            </a:r>
+            <a:r>
+              <a:rPr lang="vi-VN" b="0" i="0" dirty="0">
+                <a:solidFill>
+                  <a:srgbClr val="000000"/>
+                </a:solidFill>
+                <a:effectLst/>
+                <a:latin typeface="Lucida Grande"/>
+              </a:rPr>
+              <a:t>, </a:t>
+            </a:r>
+            <a:r>
+              <a:rPr lang="vi-VN" b="0" i="0" dirty="0" err="1">
+                <a:solidFill>
+                  <a:srgbClr val="000000"/>
+                </a:solidFill>
+                <a:effectLst/>
+                <a:latin typeface="Lucida Grande"/>
+              </a:rPr>
+              <a:t>Christian</a:t>
+            </a:r>
+            <a:r>
+              <a:rPr lang="vi-VN" b="0" i="0" dirty="0">
+                <a:solidFill>
+                  <a:srgbClr val="000000"/>
+                </a:solidFill>
+                <a:effectLst/>
+                <a:latin typeface="Lucida Grande"/>
+              </a:rPr>
+              <a:t> </a:t>
+            </a:r>
+            <a:r>
+              <a:rPr lang="vi-VN" b="0" i="0" dirty="0" err="1">
+                <a:solidFill>
+                  <a:srgbClr val="000000"/>
+                </a:solidFill>
+                <a:effectLst/>
+                <a:latin typeface="Lucida Grande"/>
+              </a:rPr>
+              <a:t>Szegedy</a:t>
+            </a:r>
+            <a:r>
+              <a:rPr lang="vi-VN" b="0" i="0" dirty="0">
+                <a:solidFill>
+                  <a:srgbClr val="000000"/>
+                </a:solidFill>
+                <a:effectLst/>
+                <a:latin typeface="Lucida Grande"/>
+              </a:rPr>
+              <a:t>, </a:t>
+            </a:r>
+            <a:r>
+              <a:rPr lang="vi-VN" b="0" i="0" dirty="0" err="1">
+                <a:solidFill>
+                  <a:srgbClr val="000000"/>
+                </a:solidFill>
+                <a:effectLst/>
+                <a:latin typeface="Lucida Grande"/>
+              </a:rPr>
+              <a:t>Scott</a:t>
+            </a:r>
+            <a:r>
+              <a:rPr lang="vi-VN" b="0" i="0" dirty="0">
+                <a:solidFill>
+                  <a:srgbClr val="000000"/>
+                </a:solidFill>
+                <a:effectLst/>
+                <a:latin typeface="Lucida Grande"/>
+              </a:rPr>
+              <a:t> </a:t>
+            </a:r>
+            <a:r>
+              <a:rPr lang="vi-VN" b="0" i="0" dirty="0" err="1">
+                <a:solidFill>
+                  <a:srgbClr val="000000"/>
+                </a:solidFill>
+                <a:effectLst/>
+                <a:latin typeface="Lucida Grande"/>
+              </a:rPr>
+              <a:t>Reed</a:t>
+            </a:r>
+            <a:r>
+              <a:rPr lang="vi-VN" b="0" i="0" dirty="0">
+                <a:solidFill>
+                  <a:srgbClr val="000000"/>
+                </a:solidFill>
+                <a:effectLst/>
+                <a:latin typeface="Lucida Grande"/>
+              </a:rPr>
+              <a:t>, Cheng-</a:t>
+            </a:r>
+            <a:r>
+              <a:rPr lang="vi-VN" b="0" i="0" dirty="0" err="1">
+                <a:solidFill>
+                  <a:srgbClr val="000000"/>
+                </a:solidFill>
+                <a:effectLst/>
+                <a:latin typeface="Lucida Grande"/>
+              </a:rPr>
+              <a:t>Yang</a:t>
+            </a:r>
+            <a:r>
+              <a:rPr lang="vi-VN" b="0" i="0" dirty="0">
+                <a:solidFill>
+                  <a:srgbClr val="000000"/>
+                </a:solidFill>
+                <a:effectLst/>
+                <a:latin typeface="Lucida Grande"/>
+              </a:rPr>
+              <a:t> </a:t>
+            </a:r>
+            <a:r>
+              <a:rPr lang="vi-VN" b="0" i="0" dirty="0" err="1">
+                <a:solidFill>
+                  <a:srgbClr val="000000"/>
+                </a:solidFill>
+                <a:effectLst/>
+                <a:latin typeface="Lucida Grande"/>
+              </a:rPr>
+              <a:t>Fu</a:t>
+            </a:r>
+            <a:r>
+              <a:rPr lang="vi-VN" b="0" i="0" dirty="0">
+                <a:solidFill>
+                  <a:srgbClr val="000000"/>
+                </a:solidFill>
+                <a:effectLst/>
+                <a:latin typeface="Lucida Grande"/>
+              </a:rPr>
+              <a:t>, </a:t>
+            </a:r>
+            <a:r>
+              <a:rPr lang="vi-VN" b="0" i="0" dirty="0" err="1">
+                <a:solidFill>
+                  <a:srgbClr val="000000"/>
+                </a:solidFill>
+                <a:effectLst/>
+                <a:latin typeface="Lucida Grande"/>
+              </a:rPr>
+              <a:t>Alexander</a:t>
+            </a:r>
+            <a:r>
+              <a:rPr lang="vi-VN" b="0" i="0" dirty="0">
+                <a:solidFill>
+                  <a:srgbClr val="000000"/>
+                </a:solidFill>
+                <a:effectLst/>
+                <a:latin typeface="Lucida Grande"/>
+              </a:rPr>
+              <a:t> C. </a:t>
+            </a:r>
+            <a:r>
+              <a:rPr lang="vi-VN" b="0" i="0" dirty="0" err="1">
+                <a:solidFill>
+                  <a:srgbClr val="000000"/>
+                </a:solidFill>
+                <a:effectLst/>
+                <a:latin typeface="Lucida Grande"/>
+              </a:rPr>
+              <a:t>Berg</a:t>
+            </a:r>
+            <a:r>
+              <a:rPr lang="vi-VN" b="0" i="0" dirty="0">
+                <a:solidFill>
+                  <a:srgbClr val="000000"/>
+                </a:solidFill>
+                <a:effectLst/>
+                <a:latin typeface="Lucida Grande"/>
+              </a:rPr>
+              <a:t>.”</a:t>
+            </a:r>
+            <a:r>
+              <a:rPr lang="en-US" b="0" i="0" dirty="0">
+                <a:solidFill>
+                  <a:srgbClr val="000000"/>
+                </a:solidFill>
+                <a:effectLst/>
+                <a:latin typeface="Lucida Grande"/>
+              </a:rPr>
+              <a:t> </a:t>
+            </a:r>
+            <a:r>
+              <a:rPr lang="en-US" b="1" i="0" dirty="0">
+                <a:solidFill>
+                  <a:srgbClr val="000000"/>
+                </a:solidFill>
+                <a:effectLst/>
+                <a:latin typeface="Lucida Grande"/>
+              </a:rPr>
+              <a:t>SSD: Single Shot </a:t>
+            </a:r>
+            <a:r>
+              <a:rPr lang="en-US" b="1" i="0" dirty="0" err="1">
+                <a:solidFill>
+                  <a:srgbClr val="000000"/>
+                </a:solidFill>
+                <a:effectLst/>
+                <a:latin typeface="Lucida Grande"/>
+              </a:rPr>
+              <a:t>MultiBox</a:t>
+            </a:r>
+            <a:r>
+              <a:rPr lang="en-US" b="1" i="0" dirty="0">
+                <a:solidFill>
+                  <a:srgbClr val="000000"/>
+                </a:solidFill>
+                <a:effectLst/>
+                <a:latin typeface="Lucida Grande"/>
+              </a:rPr>
+              <a:t> Detector</a:t>
+            </a:r>
+            <a:r>
+              <a:rPr lang="vi-VN" b="0" i="0" dirty="0">
+                <a:solidFill>
+                  <a:srgbClr val="000000"/>
+                </a:solidFill>
+                <a:effectLst/>
+                <a:latin typeface="Lucida Grande"/>
+              </a:rPr>
+              <a:t>” .https://arxiv.org/abs/1512.02325</a:t>
+            </a:r>
+          </a:p>
+          <a:p>
+            <a:pPr marL="0" indent="0">
+              <a:buNone/>
+            </a:pPr>
+            <a:r>
+              <a:rPr lang="vi-VN" dirty="0">
+                <a:solidFill>
+                  <a:srgbClr val="000000"/>
+                </a:solidFill>
+                <a:latin typeface="Lucida Grande"/>
+              </a:rPr>
+              <a:t>[2] </a:t>
+            </a:r>
+            <a:r>
+              <a:rPr lang="vi-VN" dirty="0" err="1">
+                <a:solidFill>
+                  <a:srgbClr val="000000"/>
+                </a:solidFill>
+                <a:latin typeface="Lucida Grande"/>
+              </a:rPr>
+              <a:t>Phạm</a:t>
+            </a:r>
+            <a:r>
+              <a:rPr lang="vi-VN" dirty="0">
+                <a:solidFill>
+                  <a:srgbClr val="000000"/>
+                </a:solidFill>
+                <a:latin typeface="Lucida Grande"/>
+              </a:rPr>
+              <a:t> </a:t>
+            </a:r>
+            <a:r>
+              <a:rPr lang="vi-VN" dirty="0" err="1">
+                <a:solidFill>
+                  <a:srgbClr val="000000"/>
+                </a:solidFill>
+                <a:latin typeface="Lucida Grande"/>
+              </a:rPr>
+              <a:t>Đình</a:t>
+            </a:r>
+            <a:r>
+              <a:rPr lang="vi-VN" dirty="0">
+                <a:solidFill>
+                  <a:srgbClr val="000000"/>
+                </a:solidFill>
+                <a:latin typeface="Lucida Grande"/>
+              </a:rPr>
+              <a:t> </a:t>
+            </a:r>
+            <a:r>
+              <a:rPr lang="vi-VN" dirty="0" err="1">
+                <a:solidFill>
+                  <a:srgbClr val="000000"/>
+                </a:solidFill>
+                <a:latin typeface="Lucida Grande"/>
+              </a:rPr>
+              <a:t>Khánh</a:t>
+            </a:r>
+            <a:r>
+              <a:rPr lang="vi-VN" dirty="0">
+                <a:solidFill>
+                  <a:srgbClr val="000000"/>
+                </a:solidFill>
+                <a:latin typeface="Lucida Grande"/>
+              </a:rPr>
+              <a:t>. “</a:t>
+            </a:r>
+            <a:r>
+              <a:rPr lang="vi-VN" b="1" dirty="0" err="1">
+                <a:solidFill>
+                  <a:srgbClr val="000000"/>
+                </a:solidFill>
+                <a:latin typeface="Helvetica Neue"/>
+              </a:rPr>
+              <a:t>Giới</a:t>
+            </a:r>
+            <a:r>
+              <a:rPr lang="vi-VN" b="1" dirty="0">
+                <a:solidFill>
+                  <a:srgbClr val="000000"/>
+                </a:solidFill>
+                <a:latin typeface="Helvetica Neue"/>
+              </a:rPr>
+              <a:t> </a:t>
+            </a:r>
+            <a:r>
+              <a:rPr lang="vi-VN" b="1" dirty="0" err="1">
+                <a:solidFill>
+                  <a:srgbClr val="000000"/>
+                </a:solidFill>
+                <a:latin typeface="Helvetica Neue"/>
+              </a:rPr>
+              <a:t>thiệu</a:t>
+            </a:r>
+            <a:r>
+              <a:rPr lang="vi-VN" b="1" dirty="0">
+                <a:solidFill>
+                  <a:srgbClr val="000000"/>
+                </a:solidFill>
+                <a:latin typeface="Helvetica Neue"/>
+              </a:rPr>
+              <a:t> </a:t>
+            </a:r>
+            <a:r>
+              <a:rPr lang="vi-VN" b="1" dirty="0" err="1">
+                <a:solidFill>
+                  <a:srgbClr val="000000"/>
+                </a:solidFill>
+                <a:latin typeface="Helvetica Neue"/>
+              </a:rPr>
+              <a:t>về</a:t>
+            </a:r>
+            <a:r>
+              <a:rPr lang="vi-VN" b="1" dirty="0">
+                <a:solidFill>
+                  <a:srgbClr val="000000"/>
+                </a:solidFill>
+                <a:latin typeface="Helvetica Neue"/>
+              </a:rPr>
+              <a:t> mô </a:t>
+            </a:r>
+            <a:r>
+              <a:rPr lang="vi-VN" b="1" dirty="0" err="1">
+                <a:solidFill>
+                  <a:srgbClr val="000000"/>
+                </a:solidFill>
+                <a:latin typeface="Helvetica Neue"/>
+              </a:rPr>
+              <a:t>hình</a:t>
+            </a:r>
+            <a:r>
+              <a:rPr lang="vi-VN" b="1" dirty="0">
+                <a:solidFill>
+                  <a:srgbClr val="000000"/>
+                </a:solidFill>
+                <a:latin typeface="Helvetica Neue"/>
+              </a:rPr>
+              <a:t> SSD</a:t>
+            </a:r>
+            <a:r>
+              <a:rPr lang="vi-VN" dirty="0">
+                <a:solidFill>
+                  <a:srgbClr val="000000"/>
+                </a:solidFill>
+                <a:latin typeface="Lucida Grande"/>
+              </a:rPr>
+              <a:t>” https://phamdinhkhanh.github.io/2019/10/05/SSDModelObjectDetection.html</a:t>
+            </a:r>
+            <a:endParaRPr lang="en-US" dirty="0"/>
+          </a:p>
+        </p:txBody>
+      </p:sp>
+      <p:sp>
+        <p:nvSpPr>
+          <p:cNvPr id="6" name="Slide Number Placeholder 5">
+            <a:extLst>
+              <a:ext uri="{FF2B5EF4-FFF2-40B4-BE49-F238E27FC236}">
+                <a16:creationId xmlns:a16="http://schemas.microsoft.com/office/drawing/2014/main" id="{11E4677A-4F02-4478-B9B8-685D0B6264D3}"/>
+              </a:ext>
+            </a:extLst>
+          </p:cNvPr>
+          <p:cNvSpPr>
+            <a:spLocks noGrp="1"/>
+          </p:cNvSpPr>
+          <p:nvPr>
+            <p:ph type="sldNum" sz="quarter" idx="12"/>
+          </p:nvPr>
+        </p:nvSpPr>
+        <p:spPr/>
+        <p:txBody>
+          <a:bodyPr/>
+          <a:lstStyle/>
+          <a:p>
+            <a:fld id="{9EA0BE3B-158A-4EDF-80DC-E394A0D1600F}" type="slidenum">
+              <a:rPr lang="en-US" smtClean="0"/>
+              <a:pPr/>
+              <a:t>32</a:t>
+            </a:fld>
+            <a:endParaRPr lang="en-US"/>
+          </a:p>
+        </p:txBody>
+      </p:sp>
+    </p:spTree>
+    <p:extLst>
+      <p:ext uri="{BB962C8B-B14F-4D97-AF65-F5344CB8AC3E}">
+        <p14:creationId xmlns:p14="http://schemas.microsoft.com/office/powerpoint/2010/main" val="711502177"/>
+      </p:ext>
+    </p:extLst>
+  </p:cSld>
+  <p:clrMapOvr>
+    <a:masterClrMapping/>
+  </p:clrMapOvr>
+</p:sld>
+</file>
+
+<file path=ppt/slides/slide33.xml><?xml version="1.0" encoding="utf-8"?>
+<p:sld xmlns:a="http://schemas.openxmlformats.org/drawingml/2006/main" xmlns:r="http://schemas.openxmlformats.org/officeDocument/2006/relationships" xmlns:p="http://schemas.openxmlformats.org/presentationml/2006/main">
+  <p:cSld>
+    <p:spTree>
+      <p:nvGrpSpPr>
+        <p:cNvPr id="1" name=""/>
+        <p:cNvGrpSpPr/>
+        <p:nvPr/>
+      </p:nvGrpSpPr>
+      <p:grpSpPr>
+        <a:xfrm>
+          <a:off x="0" y="0"/>
+          <a:ext cx="0" cy="0"/>
+          <a:chOff x="0" y="0"/>
+          <a:chExt cx="0" cy="0"/>
+        </a:xfrm>
+      </p:grpSpPr>
+      <p:sp>
+        <p:nvSpPr>
+          <p:cNvPr id="2" name="Title 6">
+            <a:extLst>
+              <a:ext uri="{FF2B5EF4-FFF2-40B4-BE49-F238E27FC236}">
+                <a16:creationId xmlns:a16="http://schemas.microsoft.com/office/drawing/2014/main" id="{5945A2BB-ABB6-48FB-A491-502474D93E34}"/>
+              </a:ext>
+            </a:extLst>
+          </p:cNvPr>
+          <p:cNvSpPr txBox="1">
+            <a:spLocks/>
+          </p:cNvSpPr>
+          <p:nvPr/>
+        </p:nvSpPr>
+        <p:spPr>
+          <a:xfrm>
+            <a:off x="5605763" y="2108718"/>
+            <a:ext cx="5422456" cy="1732043"/>
+          </a:xfrm>
+          <a:prstGeom prst="rect">
+            <a:avLst/>
+          </a:prstGeom>
+        </p:spPr>
+        <p:txBody>
+          <a:bodyPr/>
+          <a:lstStyle>
+            <a:lvl1pPr algn="l" defTabSz="914400" rtl="0" eaLnBrk="1" latinLnBrk="0" hangingPunct="1">
+              <a:lnSpc>
+                <a:spcPct val="90000"/>
+              </a:lnSpc>
+              <a:spcBef>
+                <a:spcPct val="0"/>
+              </a:spcBef>
+              <a:buNone/>
+              <a:defRPr sz="7200" b="1" kern="1200">
+                <a:solidFill>
+                  <a:srgbClr val="C00000"/>
+                </a:solidFill>
+                <a:latin typeface="Lato" panose="020F0502020204030203" pitchFamily="34" charset="0"/>
+                <a:ea typeface="Lato" panose="020F0502020204030203" pitchFamily="34" charset="0"/>
+                <a:cs typeface="Lato" panose="020F0502020204030203" pitchFamily="34" charset="0"/>
+              </a:defRPr>
+            </a:lvl1pPr>
+          </a:lstStyle>
+          <a:p>
+            <a:r>
+              <a:rPr lang="vi-VN" sz="6000" dirty="0" err="1"/>
+              <a:t>Cảm</a:t>
+            </a:r>
+            <a:r>
+              <a:rPr lang="vi-VN" sz="6000" dirty="0"/>
+              <a:t> ơn </a:t>
+            </a:r>
+            <a:r>
+              <a:rPr lang="vi-VN" sz="6000" dirty="0" err="1"/>
+              <a:t>thầy</a:t>
+            </a:r>
+            <a:r>
+              <a:rPr lang="vi-VN" sz="6000" dirty="0"/>
+              <a:t> và các </a:t>
+            </a:r>
+            <a:r>
+              <a:rPr lang="vi-VN" sz="6000" dirty="0" err="1"/>
+              <a:t>bạn</a:t>
+            </a:r>
+            <a:r>
+              <a:rPr lang="vi-VN" sz="6000" dirty="0"/>
+              <a:t> </a:t>
+            </a:r>
+            <a:r>
+              <a:rPr lang="vi-VN" sz="6000" dirty="0" err="1"/>
+              <a:t>đã</a:t>
+            </a:r>
+            <a:r>
+              <a:rPr lang="vi-VN" sz="6000" dirty="0"/>
+              <a:t> </a:t>
+            </a:r>
+            <a:r>
+              <a:rPr lang="vi-VN" sz="6000" dirty="0" err="1"/>
+              <a:t>lắng</a:t>
+            </a:r>
+            <a:r>
+              <a:rPr lang="vi-VN" sz="6000" dirty="0"/>
+              <a:t> nghe</a:t>
+            </a:r>
+            <a:r>
+              <a:rPr lang="en-US" sz="6000" dirty="0"/>
+              <a:t> !</a:t>
+            </a:r>
+          </a:p>
+        </p:txBody>
+      </p:sp>
+      <p:sp>
+        <p:nvSpPr>
+          <p:cNvPr id="3" name="Slide Number Placeholder 2">
+            <a:extLst>
+              <a:ext uri="{FF2B5EF4-FFF2-40B4-BE49-F238E27FC236}">
+                <a16:creationId xmlns:a16="http://schemas.microsoft.com/office/drawing/2014/main" id="{B255FE58-BA70-418C-863F-55066B6675FB}"/>
+              </a:ext>
+            </a:extLst>
+          </p:cNvPr>
+          <p:cNvSpPr>
+            <a:spLocks noGrp="1"/>
+          </p:cNvSpPr>
+          <p:nvPr>
+            <p:ph type="sldNum" sz="quarter" idx="12"/>
+          </p:nvPr>
+        </p:nvSpPr>
+        <p:spPr/>
+        <p:txBody>
+          <a:bodyPr/>
+          <a:lstStyle/>
+          <a:p>
+            <a:fld id="{9EA0BE3B-158A-4EDF-80DC-E394A0D1600F}" type="slidenum">
+              <a:rPr lang="en-US" smtClean="0"/>
+              <a:pPr/>
+              <a:t>33</a:t>
+            </a:fld>
+            <a:endParaRPr lang="en-US"/>
+          </a:p>
+        </p:txBody>
+      </p:sp>
+    </p:spTree>
+    <p:extLst>
+      <p:ext uri="{BB962C8B-B14F-4D97-AF65-F5344CB8AC3E}">
+        <p14:creationId xmlns:p14="http://schemas.microsoft.com/office/powerpoint/2010/main" val="2790627162"/>
       </p:ext>
     </p:extLst>
   </p:cSld>
@@ -3782,7 +11448,7 @@
             </a:r>
             <a:r>
               <a:rPr lang="en-US" dirty="0"/>
-              <a:t> Công 20193996</a:t>
+              <a:t> Công - 20193996</a:t>
             </a:r>
           </a:p>
           <a:p>
@@ -3808,7 +11474,7 @@
             </a:r>
             <a:r>
               <a:rPr lang="en-US" dirty="0"/>
-              <a:t> 20194168</a:t>
+              <a:t> - 20194168</a:t>
             </a:r>
           </a:p>
           <a:p>
@@ -3832,6 +11498,21 @@
               <a:rPr lang="en-US" dirty="0" err="1"/>
               <a:t>Đạt</a:t>
             </a:r>
+            <a:r>
+              <a:rPr lang="en-US" dirty="0"/>
+              <a:t> </a:t>
+            </a:r>
+            <a:r>
+              <a:rPr lang="vi-VN" dirty="0"/>
+              <a:t>- </a:t>
+            </a:r>
+            <a:r>
+              <a:rPr lang="vi-VN" b="0" i="0" dirty="0">
+                <a:effectLst/>
+                <a:latin typeface="Arial" panose="020B0604020202020204" pitchFamily="34" charset="0"/>
+              </a:rPr>
+              <a:t>20194012</a:t>
+            </a:r>
             <a:endParaRPr lang="en-US" dirty="0"/>
           </a:p>
           <a:p>
@@ -3849,8 +11530,20 @@
             </a:r>
             <a:r>
               <a:rPr lang="en-US" dirty="0"/>
-              <a:t> Anh</a:t>
-            </a:r>
+              <a:t> Anh </a:t>
+            </a:r>
+            <a:r>
+              <a:rPr lang="vi-VN" dirty="0"/>
+              <a:t>- </a:t>
+            </a:r>
+            <a:r>
+              <a:rPr lang="vi-VN" b="0" i="0" dirty="0">
+                <a:effectLst/>
+                <a:latin typeface="Arial" panose="020B0604020202020204" pitchFamily="34" charset="0"/>
+              </a:rPr>
+              <a:t>20193985</a:t>
+            </a:r>
+            <a:endParaRPr lang="en-US" dirty="0"/>
           </a:p>
           <a:p>
             <a:endParaRPr lang="en-US" dirty="0"/>
@@ -4062,28 +11755,61 @@
               <a:buAutoNum type="romanUcPeriod" startAt="4"/>
             </a:pPr>
             <a:r>
-              <a:rPr lang="vi-VN" dirty="0"/>
-              <a:t>Quy </a:t>
-            </a:r>
-            <a:r>
-              <a:rPr lang="vi-VN" dirty="0" err="1"/>
-              <a:t>trình</a:t>
-            </a:r>
-            <a:r>
-              <a:rPr lang="vi-VN" dirty="0"/>
-              <a:t> </a:t>
-            </a:r>
-            <a:r>
-              <a:rPr lang="vi-VN" dirty="0" err="1"/>
-              <a:t>thực</a:t>
-            </a:r>
-            <a:r>
-              <a:rPr lang="vi-VN" dirty="0"/>
-              <a:t> </a:t>
-            </a:r>
-            <a:r>
-              <a:rPr lang="vi-VN" dirty="0" err="1"/>
-              <a:t>hiện</a:t>
+              <a:rPr lang="vi-VN" dirty="0" err="1"/>
+              <a:t>Hàm</a:t>
+            </a:r>
+            <a:r>
+              <a:rPr lang="vi-VN" dirty="0"/>
+              <a:t> </a:t>
+            </a:r>
+            <a:r>
+              <a:rPr lang="vi-VN" dirty="0" err="1"/>
+              <a:t>lỗi</a:t>
+            </a:r>
+            <a:r>
+              <a:rPr lang="vi-VN" dirty="0"/>
+              <a:t> và </a:t>
+            </a:r>
+            <a:r>
+              <a:rPr lang="vi-VN" dirty="0" err="1"/>
+              <a:t>thuật</a:t>
+            </a:r>
+            <a:r>
+              <a:rPr lang="vi-VN" dirty="0"/>
+              <a:t> </a:t>
+            </a:r>
+            <a:r>
+              <a:rPr lang="vi-VN" dirty="0" err="1"/>
+              <a:t>toán</a:t>
+            </a:r>
+            <a:r>
+              <a:rPr lang="vi-VN" dirty="0"/>
+              <a:t> </a:t>
+            </a:r>
+            <a:r>
+              <a:rPr lang="vi-VN" dirty="0" err="1"/>
+              <a:t>tối</a:t>
+            </a:r>
+            <a:r>
+              <a:rPr lang="vi-VN" dirty="0"/>
+              <a:t> ưu hóa</a:t>
+            </a:r>
+          </a:p>
+          <a:p>
+            <a:pPr marL="571500" indent="-571500">
+              <a:buAutoNum type="romanUcPeriod" startAt="4"/>
+            </a:pPr>
+            <a:r>
+              <a:rPr lang="vi-VN" dirty="0" err="1"/>
+              <a:t>Quá</a:t>
+            </a:r>
+            <a:r>
+              <a:rPr lang="vi-VN" dirty="0"/>
+              <a:t> trinh </a:t>
+            </a:r>
+            <a:r>
+              <a:rPr lang="vi-VN" dirty="0" err="1"/>
+              <a:t>detect</a:t>
             </a:r>
             <a:endParaRPr lang="vi-VN" dirty="0"/>
           </a:p>
@@ -4205,7 +11931,7 @@
           <p:cNvPr id="2" name="Title 1">
             <a:extLst>
               <a:ext uri="{FF2B5EF4-FFF2-40B4-BE49-F238E27FC236}">
-                <a16:creationId xmlns:a16="http://schemas.microsoft.com/office/drawing/2014/main" id="{4FB6CB3A-046A-4C56-A02D-DBF672421CAF}"/>
+                <a16:creationId xmlns:a16="http://schemas.microsoft.com/office/drawing/2014/main" id="{C7A5D019-96A4-4D1E-AFB5-09D65C86E12D}"/>
               </a:ext>
             </a:extLst>
           </p:cNvPr>
@@ -4221,52 +11947,90 @@
           <a:bodyPr/>
           <a:lstStyle/>
           <a:p>
-            <a:endParaRPr lang="en-US"/>
+            <a:pPr marL="0" indent="0">
+              <a:buNone/>
+            </a:pPr>
+            <a:r>
+              <a:rPr lang="vi-VN" dirty="0"/>
+              <a:t>I. </a:t>
+            </a:r>
+            <a:r>
+              <a:rPr lang="vi-VN" dirty="0" err="1"/>
+              <a:t>Giới</a:t>
+            </a:r>
+            <a:r>
+              <a:rPr lang="vi-VN" dirty="0"/>
+              <a:t> </a:t>
+            </a:r>
+            <a:r>
+              <a:rPr lang="vi-VN" dirty="0" err="1"/>
+              <a:t>thiệu</a:t>
+            </a:r>
+            <a:endParaRPr lang="en-US" dirty="0"/>
+          </a:p>
+        </p:txBody>
+      </p:sp>
+      <p:pic>
+        <p:nvPicPr>
+          <p:cNvPr id="5" name="Hình ảnh 4">
+            <a:extLst>
+              <a:ext uri="{FF2B5EF4-FFF2-40B4-BE49-F238E27FC236}">
+                <a16:creationId xmlns:a16="http://schemas.microsoft.com/office/drawing/2014/main" id="{F38127A8-A0D4-4142-98CC-C417BB9E146C}"/>
+              </a:ext>
+            </a:extLst>
+          </p:cNvPr>
+          <p:cNvPicPr>
+            <a:picLocks noChangeAspect="1"/>
+          </p:cNvPicPr>
+          <p:nvPr/>
+        </p:nvPicPr>
+        <p:blipFill>
+          <a:blip r:embed="rId2"/>
+          <a:stretch>
+            <a:fillRect/>
+          </a:stretch>
+        </p:blipFill>
+        <p:spPr>
+          <a:xfrm>
+            <a:off x="3238500" y="1643062"/>
+            <a:ext cx="5715000" cy="3571875"/>
+          </a:xfrm>
+          <a:prstGeom prst="rect">
+            <a:avLst/>
+          </a:prstGeom>
+        </p:spPr>
+      </p:pic>
+      <p:sp>
+        <p:nvSpPr>
+          <p:cNvPr id="3" name="Text Placeholder 2">
+            <a:extLst>
+              <a:ext uri="{FF2B5EF4-FFF2-40B4-BE49-F238E27FC236}">
+                <a16:creationId xmlns:a16="http://schemas.microsoft.com/office/drawing/2014/main" id="{A5726603-7893-4AE0-9532-68058044B69D}"/>
+              </a:ext>
+            </a:extLst>
+          </p:cNvPr>
+          <p:cNvSpPr>
+            <a:spLocks noGrp="1"/>
+          </p:cNvSpPr>
+          <p:nvPr>
+            <p:ph type="body" sz="quarter" idx="13"/>
+          </p:nvPr>
+        </p:nvSpPr>
+        <p:spPr/>
+        <p:txBody>
+          <a:bodyPr/>
+          <a:lstStyle/>
+          <a:p>
+            <a:endParaRPr lang="en-US" dirty="0"/>
           </a:p>
         </p:txBody>
       </p:sp>
       <p:sp>
         <p:nvSpPr>
-          <p:cNvPr id="3" name="Chart Placeholder 2">
-            <a:extLst>
-              <a:ext uri="{FF2B5EF4-FFF2-40B4-BE49-F238E27FC236}">
-                <a16:creationId xmlns:a16="http://schemas.microsoft.com/office/drawing/2014/main" id="{C8196C5E-7B93-4E81-B617-CD97C06D6032}"/>
-              </a:ext>
-            </a:extLst>
-          </p:cNvPr>
-          <p:cNvSpPr>
-            <a:spLocks noGrp="1"/>
-          </p:cNvSpPr>
-          <p:nvPr>
-            <p:ph type="chart" sz="quarter" idx="13"/>
-          </p:nvPr>
-        </p:nvSpPr>
-        <p:spPr/>
-      </p:sp>
-      <p:sp>
-        <p:nvSpPr>
-          <p:cNvPr id="4" name="Picture Placeholder 3">
-            <a:extLst>
-              <a:ext uri="{FF2B5EF4-FFF2-40B4-BE49-F238E27FC236}">
-                <a16:creationId xmlns:a16="http://schemas.microsoft.com/office/drawing/2014/main" id="{377CB842-AD15-4F5A-8EF5-EBD6CE5F54A3}"/>
-              </a:ext>
-            </a:extLst>
-          </p:cNvPr>
-          <p:cNvSpPr>
-            <a:spLocks noGrp="1"/>
-          </p:cNvSpPr>
-          <p:nvPr>
-            <p:ph type="pic" sz="quarter" idx="14"/>
-          </p:nvPr>
-        </p:nvSpPr>
-        <p:spPr/>
-      </p:sp>
-      <p:sp>
-        <p:nvSpPr>
-          <p:cNvPr id="5" name="Slide Number Placeholder 4">
-            <a:extLst>
-              <a:ext uri="{FF2B5EF4-FFF2-40B4-BE49-F238E27FC236}">
-                <a16:creationId xmlns:a16="http://schemas.microsoft.com/office/drawing/2014/main" id="{3776946D-AB92-4D05-97ED-4EDF0AB0FF55}"/>
+          <p:cNvPr id="6" name="Slide Number Placeholder 5">
+            <a:extLst>
+              <a:ext uri="{FF2B5EF4-FFF2-40B4-BE49-F238E27FC236}">
+                <a16:creationId xmlns:a16="http://schemas.microsoft.com/office/drawing/2014/main" id="{11E4677A-4F02-4478-B9B8-685D0B6264D3}"/>
               </a:ext>
             </a:extLst>
           </p:cNvPr>
@@ -4294,7 +12058,7 @@
     </p:spTree>
     <p:extLst>
       <p:ext uri="{BB962C8B-B14F-4D97-AF65-F5344CB8AC3E}">
-        <p14:creationId xmlns:p14="http://schemas.microsoft.com/office/powerpoint/2010/main" val="64084651"/>
+        <p14:creationId xmlns:p14="http://schemas.microsoft.com/office/powerpoint/2010/main" val="566764626"/>
       </p:ext>
     </p:extLst>
   </p:cSld>
@@ -4342,7 +12106,26 @@
           <a:bodyPr/>
           <a:lstStyle/>
           <a:p>
-            <a:endParaRPr lang="en-US"/>
+            <a:pPr marL="0" indent="0">
+              <a:buNone/>
+            </a:pPr>
+            <a:r>
+              <a:rPr lang="vi-VN" dirty="0"/>
+              <a:t>I. </a:t>
+            </a:r>
+            <a:r>
+              <a:rPr lang="vi-VN" dirty="0" err="1"/>
+              <a:t>Giới</a:t>
+            </a:r>
+            <a:r>
+              <a:rPr lang="vi-VN" dirty="0"/>
+              <a:t> </a:t>
+            </a:r>
+            <a:r>
+              <a:rPr lang="vi-VN" dirty="0" err="1"/>
+              <a:t>thiệu</a:t>
+            </a:r>
+            <a:endParaRPr lang="en-US" dirty="0"/>
           </a:p>
         </p:txBody>
       </p:sp>
@@ -4367,7 +12150,113 @@
           <a:bodyPr/>
           <a:lstStyle/>
           <a:p>
-            <a:endParaRPr lang="en-US"/>
+            <a:r>
+              <a:rPr lang="vi-VN" dirty="0" err="1"/>
+              <a:t>Input</a:t>
+            </a:r>
+            <a:r>
+              <a:rPr lang="vi-VN" dirty="0"/>
+              <a:t>: Một </a:t>
+            </a:r>
+            <a:r>
+              <a:rPr lang="vi-VN" dirty="0" err="1"/>
+              <a:t>bức</a:t>
+            </a:r>
+            <a:r>
+              <a:rPr lang="vi-VN" dirty="0"/>
+              <a:t> </a:t>
+            </a:r>
+            <a:r>
+              <a:rPr lang="vi-VN" dirty="0" err="1"/>
+              <a:t>ảnh</a:t>
+            </a:r>
+            <a:r>
+              <a:rPr lang="vi-VN" dirty="0"/>
+              <a:t> </a:t>
+            </a:r>
+          </a:p>
+          <a:p>
+            <a:r>
+              <a:rPr lang="vi-VN" dirty="0" err="1"/>
+              <a:t>Output</a:t>
+            </a:r>
+            <a:r>
+              <a:rPr lang="vi-VN" dirty="0"/>
+              <a:t>: </a:t>
+            </a:r>
+            <a:r>
+              <a:rPr lang="vi-VN" dirty="0" err="1"/>
+              <a:t>Bức</a:t>
+            </a:r>
+            <a:r>
+              <a:rPr lang="vi-VN" dirty="0"/>
+              <a:t> </a:t>
+            </a:r>
+            <a:r>
+              <a:rPr lang="vi-VN" dirty="0" err="1"/>
+              <a:t>ảnh</a:t>
+            </a:r>
+            <a:r>
+              <a:rPr lang="vi-VN" dirty="0"/>
+              <a:t> </a:t>
+            </a:r>
+            <a:r>
+              <a:rPr lang="vi-VN" dirty="0" err="1"/>
+              <a:t>đã</a:t>
+            </a:r>
+            <a:r>
+              <a:rPr lang="vi-VN" dirty="0"/>
+              <a:t> được khoanh các </a:t>
+            </a:r>
+            <a:r>
+              <a:rPr lang="vi-VN" dirty="0" err="1"/>
+              <a:t>bounding</a:t>
+            </a:r>
+            <a:r>
+              <a:rPr lang="vi-VN" dirty="0"/>
+              <a:t> </a:t>
+            </a:r>
+            <a:r>
+              <a:rPr lang="vi-VN" dirty="0" err="1"/>
+              <a:t>box</a:t>
+            </a:r>
+            <a:r>
+              <a:rPr lang="vi-VN" dirty="0"/>
+              <a:t> quanh </a:t>
+            </a:r>
+            <a:r>
+              <a:rPr lang="vi-VN" dirty="0" err="1"/>
+              <a:t>object</a:t>
+            </a:r>
+            <a:r>
+              <a:rPr lang="vi-VN" dirty="0"/>
+              <a:t> và </a:t>
+            </a:r>
+            <a:r>
+              <a:rPr lang="vi-VN" dirty="0" err="1"/>
+              <a:t>hiển</a:t>
+            </a:r>
+            <a:r>
+              <a:rPr lang="vi-VN" dirty="0"/>
+              <a:t> </a:t>
+            </a:r>
+            <a:r>
+              <a:rPr lang="vi-VN" dirty="0" err="1"/>
+              <a:t>thị</a:t>
+            </a:r>
+            <a:r>
+              <a:rPr lang="vi-VN" dirty="0"/>
+              <a:t> tên </a:t>
+            </a:r>
+            <a:r>
+              <a:rPr lang="vi-VN" dirty="0" err="1"/>
+              <a:t>object</a:t>
+            </a:r>
+            <a:r>
+              <a:rPr lang="vi-VN" dirty="0"/>
+              <a:t> đó</a:t>
+            </a:r>
+            <a:endParaRPr lang="en-US" dirty="0"/>
           </a:p>
         </p:txBody>
       </p:sp>
@@ -4401,10 +12290,40 @@
           </a:p>
         </p:txBody>
       </p:sp>
+      <p:pic>
+        <p:nvPicPr>
+          <p:cNvPr id="4" name="Hình ảnh 3">
+            <a:extLst>
+              <a:ext uri="{FF2B5EF4-FFF2-40B4-BE49-F238E27FC236}">
+                <a16:creationId xmlns:a16="http://schemas.microsoft.com/office/drawing/2014/main" id="{56E9EFBD-AE1B-482B-AB8E-B4910E13D0BF}"/>
+              </a:ext>
+            </a:extLst>
+          </p:cNvPr>
+          <p:cNvPicPr>
+            <a:picLocks noChangeAspect="1"/>
+          </p:cNvPicPr>
+          <p:nvPr/>
+        </p:nvPicPr>
+        <p:blipFill>
+          <a:blip r:embed="rId2"/>
+          <a:stretch>
+            <a:fillRect/>
+          </a:stretch>
+        </p:blipFill>
+        <p:spPr>
+          <a:xfrm>
+            <a:off x="4264089" y="2175579"/>
+            <a:ext cx="5480250" cy="3649911"/>
+          </a:xfrm>
+          <a:prstGeom prst="rect">
+            <a:avLst/>
+          </a:prstGeom>
+        </p:spPr>
+      </p:pic>
     </p:spTree>
     <p:extLst>
       <p:ext uri="{BB962C8B-B14F-4D97-AF65-F5344CB8AC3E}">
-        <p14:creationId xmlns:p14="http://schemas.microsoft.com/office/powerpoint/2010/main" val="3505952789"/>
+        <p14:creationId xmlns:p14="http://schemas.microsoft.com/office/powerpoint/2010/main" val="3974134984"/>
       </p:ext>
     </p:extLst>
   </p:cSld>
@@ -4433,35 +12352,10 @@
       </p:grpSpPr>
       <p:sp>
         <p:nvSpPr>
-          <p:cNvPr id="2" name="Content Placeholder 1">
-            <a:extLst>
-              <a:ext uri="{FF2B5EF4-FFF2-40B4-BE49-F238E27FC236}">
-                <a16:creationId xmlns:a16="http://schemas.microsoft.com/office/drawing/2014/main" id="{5308E1B1-D9CD-415A-BCE5-B57F39B2F31D}"/>
-              </a:ext>
-            </a:extLst>
-          </p:cNvPr>
-          <p:cNvSpPr>
-            <a:spLocks noGrp="1"/>
-          </p:cNvSpPr>
-          <p:nvPr>
-            <p:ph sz="quarter" idx="13"/>
-          </p:nvPr>
-        </p:nvSpPr>
-        <p:spPr/>
-        <p:txBody>
-          <a:bodyPr/>
-          <a:lstStyle/>
-          <a:p>
-            <a:endParaRPr lang="en-US"/>
-          </a:p>
-        </p:txBody>
-      </p:sp>
-      <p:sp>
-        <p:nvSpPr>
-          <p:cNvPr id="3" name="Title 2">
-            <a:extLst>
-              <a:ext uri="{FF2B5EF4-FFF2-40B4-BE49-F238E27FC236}">
-                <a16:creationId xmlns:a16="http://schemas.microsoft.com/office/drawing/2014/main" id="{AD6941D0-D074-43AE-8875-C4BDC98ADB7F}"/>
+          <p:cNvPr id="2" name="Title 1">
+            <a:extLst>
+              <a:ext uri="{FF2B5EF4-FFF2-40B4-BE49-F238E27FC236}">
+                <a16:creationId xmlns:a16="http://schemas.microsoft.com/office/drawing/2014/main" id="{C7A5D019-96A4-4D1E-AFB5-09D65C86E12D}"/>
               </a:ext>
             </a:extLst>
           </p:cNvPr>
@@ -4477,16 +12371,166 @@
           <a:bodyPr/>
           <a:lstStyle/>
           <a:p>
-            <a:endParaRPr lang="en-US"/>
+            <a:pPr marL="0" indent="0">
+              <a:buNone/>
+            </a:pPr>
+            <a:r>
+              <a:rPr lang="vi-VN" dirty="0"/>
+              <a:t>I. </a:t>
+            </a:r>
+            <a:r>
+              <a:rPr lang="vi-VN" dirty="0" err="1"/>
+              <a:t>Giới</a:t>
+            </a:r>
+            <a:r>
+              <a:rPr lang="vi-VN" dirty="0"/>
+              <a:t> </a:t>
+            </a:r>
+            <a:r>
+              <a:rPr lang="vi-VN" dirty="0" err="1"/>
+              <a:t>thiệu</a:t>
+            </a:r>
+            <a:endParaRPr lang="en-US" dirty="0"/>
           </a:p>
         </p:txBody>
       </p:sp>
       <p:sp>
         <p:nvSpPr>
-          <p:cNvPr id="4" name="Slide Number Placeholder 3">
-            <a:extLst>
-              <a:ext uri="{FF2B5EF4-FFF2-40B4-BE49-F238E27FC236}">
-                <a16:creationId xmlns:a16="http://schemas.microsoft.com/office/drawing/2014/main" id="{BD91CA00-8B5A-4B5F-AE21-CF0691D64D53}"/>
+          <p:cNvPr id="3" name="Text Placeholder 2">
+            <a:extLst>
+              <a:ext uri="{FF2B5EF4-FFF2-40B4-BE49-F238E27FC236}">
+                <a16:creationId xmlns:a16="http://schemas.microsoft.com/office/drawing/2014/main" id="{A5726603-7893-4AE0-9532-68058044B69D}"/>
+              </a:ext>
+            </a:extLst>
+          </p:cNvPr>
+          <p:cNvSpPr>
+            <a:spLocks noGrp="1"/>
+          </p:cNvSpPr>
+          <p:nvPr>
+            <p:ph type="body" sz="quarter" idx="13"/>
+          </p:nvPr>
+        </p:nvSpPr>
+        <p:spPr/>
+        <p:txBody>
+          <a:bodyPr/>
+          <a:lstStyle/>
+          <a:p>
+            <a:r>
+              <a:rPr lang="vi-VN" dirty="0" err="1"/>
+              <a:t>Lớp</a:t>
+            </a:r>
+            <a:r>
+              <a:rPr lang="vi-VN" dirty="0"/>
+              <a:t> </a:t>
+            </a:r>
+            <a:r>
+              <a:rPr lang="vi-VN" dirty="0" err="1"/>
+              <a:t>bài</a:t>
+            </a:r>
+            <a:r>
+              <a:rPr lang="vi-VN" dirty="0"/>
+              <a:t> </a:t>
+            </a:r>
+            <a:r>
+              <a:rPr lang="vi-VN" dirty="0" err="1"/>
+              <a:t>toán</a:t>
+            </a:r>
+            <a:r>
+              <a:rPr lang="vi-VN" dirty="0"/>
+              <a:t> </a:t>
+            </a:r>
+            <a:r>
+              <a:rPr lang="vi-VN" dirty="0" err="1"/>
+              <a:t>supervised</a:t>
+            </a:r>
+            <a:r>
+              <a:rPr lang="vi-VN" dirty="0"/>
+              <a:t> </a:t>
+            </a:r>
+            <a:r>
+              <a:rPr lang="vi-VN" dirty="0" err="1"/>
+              <a:t>learning</a:t>
+            </a:r>
+            <a:endParaRPr lang="vi-VN" dirty="0"/>
+          </a:p>
+          <a:p>
+            <a:r>
+              <a:rPr lang="vi-VN" b="1" dirty="0" err="1"/>
+              <a:t>Object</a:t>
+            </a:r>
+            <a:r>
+              <a:rPr lang="vi-VN" b="1" dirty="0"/>
+              <a:t> </a:t>
+            </a:r>
+            <a:r>
+              <a:rPr lang="vi-VN" b="1" dirty="0" err="1"/>
+              <a:t>detection</a:t>
+            </a:r>
+            <a:endParaRPr lang="vi-VN" b="1" dirty="0"/>
+          </a:p>
+          <a:p>
+            <a:r>
+              <a:rPr lang="vi-VN" dirty="0"/>
+              <a:t>Là </a:t>
+            </a:r>
+            <a:r>
+              <a:rPr lang="vi-VN" dirty="0" err="1"/>
+              <a:t>sự</a:t>
+            </a:r>
+            <a:r>
+              <a:rPr lang="vi-VN" dirty="0"/>
+              <a:t> kết hợp giữa </a:t>
+            </a:r>
+          </a:p>
+          <a:p>
+            <a:pPr lvl="1"/>
+            <a:r>
+              <a:rPr lang="vi-VN" dirty="0" err="1"/>
+              <a:t>Image</a:t>
+            </a:r>
+            <a:r>
+              <a:rPr lang="vi-VN" dirty="0"/>
+              <a:t> </a:t>
+            </a:r>
+            <a:r>
+              <a:rPr lang="vi-VN" dirty="0" err="1"/>
+              <a:t>Classification</a:t>
+            </a:r>
+            <a:endParaRPr lang="vi-VN" dirty="0"/>
+          </a:p>
+          <a:p>
+            <a:pPr lvl="1"/>
+            <a:r>
+              <a:rPr lang="vi-VN" dirty="0" err="1"/>
+              <a:t>Image</a:t>
+            </a:r>
+            <a:r>
+              <a:rPr lang="vi-VN" dirty="0"/>
+              <a:t> </a:t>
+            </a:r>
+            <a:r>
+              <a:rPr lang="vi-VN" dirty="0" err="1"/>
+              <a:t>Localization</a:t>
+            </a:r>
+            <a:r>
+              <a:rPr lang="vi-VN" dirty="0"/>
+              <a:t> </a:t>
+            </a:r>
+          </a:p>
+          <a:p>
+            <a:endParaRPr lang="vi-VN" dirty="0"/>
+          </a:p>
+          <a:p>
+            <a:endParaRPr lang="en-US" dirty="0"/>
+          </a:p>
+        </p:txBody>
+      </p:sp>
+      <p:sp>
+        <p:nvSpPr>
+          <p:cNvPr id="6" name="Slide Number Placeholder 5">
+            <a:extLst>
+              <a:ext uri="{FF2B5EF4-FFF2-40B4-BE49-F238E27FC236}">
+                <a16:creationId xmlns:a16="http://schemas.microsoft.com/office/drawing/2014/main" id="{11E4677A-4F02-4478-B9B8-685D0B6264D3}"/>
               </a:ext>
             </a:extLst>
           </p:cNvPr>
@@ -4511,10 +12555,57 @@
           </a:p>
         </p:txBody>
       </p:sp>
+      <p:pic>
+        <p:nvPicPr>
+          <p:cNvPr id="1026" name="Picture 2">
+            <a:extLst>
+              <a:ext uri="{FF2B5EF4-FFF2-40B4-BE49-F238E27FC236}">
+                <a16:creationId xmlns:a16="http://schemas.microsoft.com/office/drawing/2014/main" id="{D20B048D-E1E8-4BD3-B36A-9D56D31CE24E}"/>
+              </a:ext>
+            </a:extLst>
+          </p:cNvPr>
+          <p:cNvPicPr>
+            <a:picLocks noChangeAspect="1" noChangeArrowheads="1"/>
+          </p:cNvPicPr>
+          <p:nvPr/>
+        </p:nvPicPr>
+        <p:blipFill>
+          <a:blip r:embed="rId2">
+            <a:extLst>
+              <a:ext uri="{28A0092B-C50C-407E-A947-70E740481C1C}">
+                <a14:useLocalDpi xmlns:a14="http://schemas.microsoft.com/office/drawing/2010/main" val="0"/>
+              </a:ext>
+            </a:extLst>
+          </a:blip>
+          <a:srcRect/>
+          <a:stretch>
+            <a:fillRect/>
+          </a:stretch>
+        </p:blipFill>
+        <p:spPr bwMode="auto">
+          <a:xfrm>
+            <a:off x="4415037" y="1539822"/>
+            <a:ext cx="7484674" cy="4692227"/>
+          </a:xfrm>
+          <a:prstGeom prst="rect">
+            <a:avLst/>
+          </a:prstGeom>
+          <a:noFill/>
+          <a:extLst>
+            <a:ext uri="{909E8E84-426E-40DD-AFC4-6F175D3DCCD1}">
+              <a14:hiddenFill xmlns:a14="http://schemas.microsoft.com/office/drawing/2010/main">
+                <a:solidFill>
+                  <a:srgbClr val="FFFFFF"/>
+                </a:solidFill>
+              </a14:hiddenFill>
+            </a:ext>
+          </a:extLst>
+        </p:spPr>
+      </p:pic>
     </p:spTree>
     <p:extLst>
       <p:ext uri="{BB962C8B-B14F-4D97-AF65-F5344CB8AC3E}">
-        <p14:creationId xmlns:p14="http://schemas.microsoft.com/office/powerpoint/2010/main" val="485500544"/>
+        <p14:creationId xmlns:p14="http://schemas.microsoft.com/office/powerpoint/2010/main" val="2002239184"/>
       </p:ext>
     </p:extLst>
   </p:cSld>
@@ -4546,7 +12637,7 @@
           <p:cNvPr id="2" name="Title 1">
             <a:extLst>
               <a:ext uri="{FF2B5EF4-FFF2-40B4-BE49-F238E27FC236}">
-                <a16:creationId xmlns:a16="http://schemas.microsoft.com/office/drawing/2014/main" id="{AEAEFE0E-299A-46D8-9DF7-2C84CBBCAF45}"/>
+                <a16:creationId xmlns:a16="http://schemas.microsoft.com/office/drawing/2014/main" id="{C7A5D019-96A4-4D1E-AFB5-09D65C86E12D}"/>
               </a:ext>
             </a:extLst>
           </p:cNvPr>
@@ -4562,16 +12653,28 @@
           <a:bodyPr/>
           <a:lstStyle/>
           <a:p>
-            <a:endParaRPr lang="en-US"/>
+            <a:r>
+              <a:rPr lang="vi-VN" dirty="0" err="1"/>
+              <a:t>Mục</a:t>
+            </a:r>
+            <a:r>
+              <a:rPr lang="vi-VN" dirty="0"/>
+              <a:t> </a:t>
+            </a:r>
+            <a:r>
+              <a:rPr lang="vi-VN" dirty="0" err="1"/>
+              <a:t>lục</a:t>
+            </a:r>
+            <a:endParaRPr lang="en-US" dirty="0"/>
           </a:p>
         </p:txBody>
       </p:sp>
       <p:sp>
         <p:nvSpPr>
-          <p:cNvPr id="3" name="Chart Placeholder 2">
-            <a:extLst>
-              <a:ext uri="{FF2B5EF4-FFF2-40B4-BE49-F238E27FC236}">
-                <a16:creationId xmlns:a16="http://schemas.microsoft.com/office/drawing/2014/main" id="{22B1B2EF-F9E2-4625-AD70-EE979A3EA521}"/>
+          <p:cNvPr id="3" name="Text Placeholder 2">
+            <a:extLst>
+              <a:ext uri="{FF2B5EF4-FFF2-40B4-BE49-F238E27FC236}">
+                <a16:creationId xmlns:a16="http://schemas.microsoft.com/office/drawing/2014/main" id="{A5726603-7893-4AE0-9532-68058044B69D}"/>
               </a:ext>
             </a:extLst>
           </p:cNvPr>
@@ -4579,35 +12682,213 @@
             <a:spLocks noGrp="1"/>
           </p:cNvSpPr>
           <p:nvPr>
-            <p:ph type="chart" sz="quarter" idx="13"/>
+            <p:ph type="body" sz="quarter" idx="13"/>
           </p:nvPr>
         </p:nvSpPr>
         <p:spPr/>
+        <p:txBody>
+          <a:bodyPr/>
+          <a:lstStyle/>
+          <a:p>
+            <a:pPr marL="0" indent="0">
+              <a:buNone/>
+            </a:pPr>
+            <a:r>
+              <a:rPr lang="vi-VN" dirty="0"/>
+              <a:t>I. </a:t>
+            </a:r>
+            <a:r>
+              <a:rPr lang="vi-VN" dirty="0" err="1"/>
+              <a:t>Giới</a:t>
+            </a:r>
+            <a:r>
+              <a:rPr lang="vi-VN" dirty="0"/>
+              <a:t> </a:t>
+            </a:r>
+            <a:r>
+              <a:rPr lang="vi-VN" dirty="0" err="1"/>
+              <a:t>thiệu</a:t>
+            </a:r>
+            <a:endParaRPr lang="en-US" dirty="0"/>
+          </a:p>
+          <a:p>
+            <a:pPr marL="0" indent="0">
+              <a:buNone/>
+            </a:pPr>
+            <a:r>
+              <a:rPr lang="en-US" b="1" dirty="0">
+                <a:solidFill>
+                  <a:srgbClr val="FF0000"/>
+                </a:solidFill>
+              </a:rPr>
+              <a:t>II. </a:t>
+            </a:r>
+            <a:r>
+              <a:rPr lang="vi-VN" b="1" dirty="0" err="1">
+                <a:solidFill>
+                  <a:srgbClr val="FF0000"/>
+                </a:solidFill>
+              </a:rPr>
+              <a:t>Dữ</a:t>
+            </a:r>
+            <a:r>
+              <a:rPr lang="vi-VN" b="1" dirty="0">
+                <a:solidFill>
+                  <a:srgbClr val="FF0000"/>
+                </a:solidFill>
+              </a:rPr>
+              <a:t> </a:t>
+            </a:r>
+            <a:r>
+              <a:rPr lang="vi-VN" b="1" dirty="0" err="1">
+                <a:solidFill>
+                  <a:srgbClr val="FF0000"/>
+                </a:solidFill>
+              </a:rPr>
+              <a:t>liệu</a:t>
+            </a:r>
+            <a:endParaRPr lang="vi-VN" b="1" dirty="0">
+              <a:solidFill>
+                <a:srgbClr val="FF0000"/>
+              </a:solidFill>
+            </a:endParaRPr>
+          </a:p>
+          <a:p>
+            <a:pPr marL="0" indent="0">
+              <a:buNone/>
+            </a:pPr>
+            <a:r>
+              <a:rPr lang="vi-VN" dirty="0"/>
+              <a:t>III. Mô </a:t>
+            </a:r>
+            <a:r>
+              <a:rPr lang="vi-VN" dirty="0" err="1"/>
+              <a:t>hình</a:t>
+            </a:r>
+            <a:endParaRPr lang="vi-VN" dirty="0"/>
+          </a:p>
+          <a:p>
+            <a:pPr marL="571500" indent="-571500">
+              <a:buAutoNum type="romanUcPeriod" startAt="4"/>
+            </a:pPr>
+            <a:r>
+              <a:rPr lang="vi-VN" dirty="0" err="1"/>
+              <a:t>Hàm</a:t>
+            </a:r>
+            <a:r>
+              <a:rPr lang="vi-VN" dirty="0"/>
+              <a:t> </a:t>
+            </a:r>
+            <a:r>
+              <a:rPr lang="vi-VN" dirty="0" err="1"/>
+              <a:t>lỗi</a:t>
+            </a:r>
+            <a:r>
+              <a:rPr lang="vi-VN" dirty="0"/>
+              <a:t> và </a:t>
+            </a:r>
+            <a:r>
+              <a:rPr lang="vi-VN" dirty="0" err="1"/>
+              <a:t>thuật</a:t>
+            </a:r>
+            <a:r>
+              <a:rPr lang="vi-VN" dirty="0"/>
+              <a:t> </a:t>
+            </a:r>
+            <a:r>
+              <a:rPr lang="vi-VN" dirty="0" err="1"/>
+              <a:t>toán</a:t>
+            </a:r>
+            <a:r>
+              <a:rPr lang="vi-VN" dirty="0"/>
+              <a:t> </a:t>
+            </a:r>
+            <a:r>
+              <a:rPr lang="vi-VN" dirty="0" err="1"/>
+              <a:t>tối</a:t>
+            </a:r>
+            <a:r>
+              <a:rPr lang="vi-VN" dirty="0"/>
+              <a:t> ưu hóa</a:t>
+            </a:r>
+          </a:p>
+          <a:p>
+            <a:pPr marL="571500" indent="-571500">
+              <a:buAutoNum type="romanUcPeriod" startAt="4"/>
+            </a:pPr>
+            <a:r>
+              <a:rPr lang="vi-VN" dirty="0" err="1"/>
+              <a:t>Quá</a:t>
+            </a:r>
+            <a:r>
+              <a:rPr lang="vi-VN" dirty="0"/>
+              <a:t> trinh </a:t>
+            </a:r>
+            <a:r>
+              <a:rPr lang="vi-VN" dirty="0" err="1"/>
+              <a:t>detect</a:t>
+            </a:r>
+            <a:endParaRPr lang="vi-VN" dirty="0"/>
+          </a:p>
+          <a:p>
+            <a:pPr marL="571500" indent="-571500">
+              <a:buAutoNum type="romanUcPeriod" startAt="4"/>
+            </a:pPr>
+            <a:r>
+              <a:rPr lang="vi-VN" dirty="0"/>
+              <a:t>Kết quả và </a:t>
+            </a:r>
+            <a:r>
+              <a:rPr lang="vi-VN" dirty="0" err="1"/>
+              <a:t>đánh</a:t>
+            </a:r>
+            <a:r>
+              <a:rPr lang="vi-VN" dirty="0"/>
+              <a:t> </a:t>
+            </a:r>
+            <a:r>
+              <a:rPr lang="vi-VN" dirty="0" err="1"/>
+              <a:t>giá</a:t>
+            </a:r>
+            <a:endParaRPr lang="vi-VN" dirty="0"/>
+          </a:p>
+          <a:p>
+            <a:pPr marL="571500" indent="-571500">
+              <a:buAutoNum type="romanUcPeriod" startAt="4"/>
+            </a:pPr>
+            <a:r>
+              <a:rPr lang="vi-VN" dirty="0" err="1"/>
+              <a:t>Tài</a:t>
+            </a:r>
+            <a:r>
+              <a:rPr lang="vi-VN" dirty="0"/>
+              <a:t> </a:t>
+            </a:r>
+            <a:r>
+              <a:rPr lang="vi-VN" dirty="0" err="1"/>
+              <a:t>liệu</a:t>
+            </a:r>
+            <a:r>
+              <a:rPr lang="vi-VN" dirty="0"/>
+              <a:t> tham </a:t>
+            </a:r>
+            <a:r>
+              <a:rPr lang="vi-VN" dirty="0" err="1"/>
+              <a:t>khảo</a:t>
+            </a:r>
+            <a:endParaRPr lang="en-US" dirty="0"/>
+          </a:p>
+          <a:p>
+            <a:endParaRPr lang="en-US" dirty="0"/>
+          </a:p>
+        </p:txBody>
       </p:sp>
       <p:sp>
         <p:nvSpPr>
-          <p:cNvPr id="4" name="Table Placeholder 3">
-            <a:extLst>
-              <a:ext uri="{FF2B5EF4-FFF2-40B4-BE49-F238E27FC236}">
-                <a16:creationId xmlns:a16="http://schemas.microsoft.com/office/drawing/2014/main" id="{9B7570B9-F44D-4F61-BF1F-C3F752BCAAB3}"/>
-              </a:ext>
-            </a:extLst>
-          </p:cNvPr>
-          <p:cNvSpPr>
-            <a:spLocks noGrp="1"/>
-          </p:cNvSpPr>
-          <p:nvPr>
-            <p:ph type="tbl" sz="quarter" idx="14"/>
-          </p:nvPr>
-        </p:nvSpPr>
-        <p:spPr/>
-      </p:sp>
-      <p:sp>
-        <p:nvSpPr>
-          <p:cNvPr id="5" name="Slide Number Placeholder 4">
-            <a:extLst>
-              <a:ext uri="{FF2B5EF4-FFF2-40B4-BE49-F238E27FC236}">
-                <a16:creationId xmlns:a16="http://schemas.microsoft.com/office/drawing/2014/main" id="{E8B4E653-E636-4EED-9A37-BC263FE84A93}"/>
+          <p:cNvPr id="6" name="Slide Number Placeholder 5">
+            <a:extLst>
+              <a:ext uri="{FF2B5EF4-FFF2-40B4-BE49-F238E27FC236}">
+                <a16:creationId xmlns:a16="http://schemas.microsoft.com/office/drawing/2014/main" id="{11E4677A-4F02-4478-B9B8-685D0B6264D3}"/>
               </a:ext>
             </a:extLst>
           </p:cNvPr>
@@ -4635,7 +12916,7 @@
     </p:spTree>
     <p:extLst>
       <p:ext uri="{BB962C8B-B14F-4D97-AF65-F5344CB8AC3E}">
-        <p14:creationId xmlns:p14="http://schemas.microsoft.com/office/powerpoint/2010/main" val="2287700220"/>
+        <p14:creationId xmlns:p14="http://schemas.microsoft.com/office/powerpoint/2010/main" val="2170993215"/>
       </p:ext>
     </p:extLst>
   </p:cSld>
